--- a/2025-01-09 ABP Community Talks 2025.1/Which Architecture.pptx
+++ b/2025-01-09 ABP Community Talks 2025.1/Which Architecture.pptx
@@ -4137,7 +4137,7 @@
               <a:buNone/>
             </a:pPr>
             <a:r>
-              <a:rPr lang="tr" sz="1500">
+              <a:rPr lang="tr" sz="1500" dirty="0">
                 <a:solidFill>
                   <a:srgbClr val="292D33"/>
                 </a:solidFill>
@@ -4151,70 +4151,6 @@
             <a:endParaRPr sz="1500" dirty="0">
               <a:solidFill>
                 <a:srgbClr val="292D33"/>
-              </a:solidFill>
-              <a:latin typeface="Poppins"/>
-              <a:ea typeface="Poppins"/>
-              <a:cs typeface="Poppins"/>
-              <a:sym typeface="Poppins"/>
-            </a:endParaRPr>
-          </a:p>
-        </p:txBody>
-      </p:sp>
-      <p:sp>
-        <p:nvSpPr>
-          <p:cNvPr id="14" name="Google Shape;57;p1">
-            <a:extLst>
-              <a:ext uri="{FF2B5EF4-FFF2-40B4-BE49-F238E27FC236}">
-                <a16:creationId xmlns:a16="http://schemas.microsoft.com/office/drawing/2014/main" id="{BACCE9D7-3649-BE68-FD9B-9B24E52A5046}"/>
-              </a:ext>
-            </a:extLst>
-          </p:cNvPr>
-          <p:cNvSpPr txBox="1"/>
-          <p:nvPr/>
-        </p:nvSpPr>
-        <p:spPr>
-          <a:xfrm>
-            <a:off x="9363713" y="2877007"/>
-            <a:ext cx="2394301" cy="400200"/>
-          </a:xfrm>
-          <a:prstGeom prst="rect">
-            <a:avLst/>
-          </a:prstGeom>
-          <a:noFill/>
-          <a:ln>
-            <a:noFill/>
-          </a:ln>
-        </p:spPr>
-        <p:txBody>
-          <a:bodyPr spcFirstLastPara="1" wrap="square" lIns="91425" tIns="91425" rIns="91425" bIns="91425" anchor="t" anchorCtr="0">
-            <a:normAutofit fontScale="92500" lnSpcReduction="20000"/>
-          </a:bodyPr>
-          <a:lstStyle/>
-          <a:p>
-            <a:pPr marL="0" lvl="0" indent="0" algn="l" rtl="0">
-              <a:spcBef>
-                <a:spcPts val="0"/>
-              </a:spcBef>
-              <a:spcAft>
-                <a:spcPts val="0"/>
-              </a:spcAft>
-              <a:buNone/>
-            </a:pPr>
-            <a:r>
-              <a:rPr lang="tr" dirty="0">
-                <a:solidFill>
-                  <a:srgbClr val="292D32"/>
-                </a:solidFill>
-                <a:latin typeface="Poppins"/>
-                <a:ea typeface="Poppins"/>
-                <a:cs typeface="Poppins"/>
-                <a:sym typeface="Poppins"/>
-              </a:rPr>
-              <a:t>QR (Optional)</a:t>
-            </a:r>
-            <a:endParaRPr dirty="0">
-              <a:solidFill>
-                <a:srgbClr val="292D32"/>
               </a:solidFill>
               <a:latin typeface="Poppins"/>
               <a:ea typeface="Poppins"/>
@@ -4260,10 +4196,10 @@
       </p:pic>
       <p:pic>
         <p:nvPicPr>
-          <p:cNvPr id="19" name="Resim 18" descr="kalıp, desen, düzen, grafik, grafik tasarım, tasarım içeren bir resim&#10;&#10;Açıklama otomatik olarak oluşturuldu">
-            <a:extLst>
-              <a:ext uri="{FF2B5EF4-FFF2-40B4-BE49-F238E27FC236}">
-                <a16:creationId xmlns:a16="http://schemas.microsoft.com/office/drawing/2014/main" id="{BAA39AE7-D742-BC06-6EE1-563EED2DE7DD}"/>
+          <p:cNvPr id="3" name="Picture 2" descr="A qr code with black squares&#10;&#10;Description automatically generated">
+            <a:extLst>
+              <a:ext uri="{FF2B5EF4-FFF2-40B4-BE49-F238E27FC236}">
+                <a16:creationId xmlns:a16="http://schemas.microsoft.com/office/drawing/2014/main" id="{15D2DDF2-73DD-0E55-6F09-C3E18CD2AF8F}"/>
               </a:ext>
             </a:extLst>
           </p:cNvPr>
@@ -4280,14 +4216,80 @@
         </p:blipFill>
         <p:spPr>
           <a:xfrm>
-            <a:off x="8918182" y="3573458"/>
-            <a:ext cx="2519817" cy="2533364"/>
+            <a:off x="8851368" y="3518045"/>
+            <a:ext cx="2650065" cy="2650065"/>
+          </a:xfrm>
+          <a:prstGeom prst="roundRect">
+            <a:avLst>
+              <a:gd name="adj" fmla="val 9428"/>
+            </a:avLst>
+          </a:prstGeom>
+        </p:spPr>
+      </p:pic>
+      <p:sp>
+        <p:nvSpPr>
+          <p:cNvPr id="13" name="Google Shape;57;p1">
+            <a:extLst>
+              <a:ext uri="{FF2B5EF4-FFF2-40B4-BE49-F238E27FC236}">
+                <a16:creationId xmlns:a16="http://schemas.microsoft.com/office/drawing/2014/main" id="{995FA307-06BC-5925-7F59-B4887E9C4C02}"/>
+              </a:ext>
+            </a:extLst>
+          </p:cNvPr>
+          <p:cNvSpPr txBox="1"/>
+          <p:nvPr/>
+        </p:nvSpPr>
+        <p:spPr>
+          <a:xfrm>
+            <a:off x="8699242" y="2961090"/>
+            <a:ext cx="2957700" cy="400200"/>
           </a:xfrm>
           <a:prstGeom prst="rect">
             <a:avLst/>
           </a:prstGeom>
+          <a:noFill/>
+          <a:ln>
+            <a:noFill/>
+          </a:ln>
         </p:spPr>
-      </p:pic>
+        <p:txBody>
+          <a:bodyPr spcFirstLastPara="1" wrap="square" lIns="91425" tIns="91425" rIns="91425" bIns="91425" anchor="t" anchorCtr="0">
+            <a:noAutofit/>
+          </a:bodyPr>
+          <a:lstStyle/>
+          <a:p>
+            <a:pPr marL="0" lvl="0" indent="0" algn="l" rtl="0">
+              <a:spcBef>
+                <a:spcPts val="0"/>
+              </a:spcBef>
+              <a:spcAft>
+                <a:spcPts val="0"/>
+              </a:spcAft>
+              <a:buNone/>
+            </a:pPr>
+            <a:r>
+              <a:rPr lang="tr" sz="1600" u="sng" dirty="0">
+                <a:solidFill>
+                  <a:srgbClr val="292D32"/>
+                </a:solidFill>
+                <a:latin typeface="Poppins"/>
+                <a:ea typeface="Poppins"/>
+                <a:cs typeface="Poppins"/>
+                <a:sym typeface="Poppins"/>
+              </a:rPr>
+              <a:t>Download the Presentation</a:t>
+            </a:r>
+            <a:endParaRPr sz="1600" u="sng" dirty="0">
+              <a:solidFill>
+                <a:srgbClr val="292D32"/>
+              </a:solidFill>
+              <a:latin typeface="Poppins"/>
+              <a:ea typeface="Poppins"/>
+              <a:cs typeface="Poppins"/>
+              <a:sym typeface="Poppins"/>
+            </a:endParaRPr>
+          </a:p>
+        </p:txBody>
+      </p:sp>
     </p:spTree>
     <p:extLst>
       <p:ext uri="{BB962C8B-B14F-4D97-AF65-F5344CB8AC3E}">
@@ -4794,51 +4796,22 @@
           </a:p>
         </p:txBody>
       </p:sp>
-      <p:pic>
-        <p:nvPicPr>
-          <p:cNvPr id="4" name="Resim 3">
-            <a:extLst>
-              <a:ext uri="{FF2B5EF4-FFF2-40B4-BE49-F238E27FC236}">
-                <a16:creationId xmlns:a16="http://schemas.microsoft.com/office/drawing/2014/main" id="{5241CB78-F4AE-D9B0-2F94-3CA2B8716B37}"/>
-              </a:ext>
-            </a:extLst>
-          </p:cNvPr>
-          <p:cNvPicPr>
-            <a:picLocks noChangeAspect="1"/>
-          </p:cNvPicPr>
+      <p:sp>
+        <p:nvSpPr>
+          <p:cNvPr id="14" name="Google Shape;57;p1">
+            <a:extLst>
+              <a:ext uri="{FF2B5EF4-FFF2-40B4-BE49-F238E27FC236}">
+                <a16:creationId xmlns:a16="http://schemas.microsoft.com/office/drawing/2014/main" id="{81015AE8-63CA-36EE-ADCC-EF8B6E674414}"/>
+              </a:ext>
+            </a:extLst>
+          </p:cNvPr>
+          <p:cNvSpPr txBox="1"/>
           <p:nvPr/>
-        </p:nvPicPr>
-        <p:blipFill>
-          <a:blip r:embed="rId3"/>
-          <a:srcRect/>
-          <a:stretch/>
-        </p:blipFill>
+        </p:nvSpPr>
         <p:spPr>
           <a:xfrm>
-            <a:off x="813791" y="3041729"/>
-            <a:ext cx="1039470" cy="1039470"/>
-          </a:xfrm>
-          <a:prstGeom prst="rect">
-            <a:avLst/>
-          </a:prstGeom>
-        </p:spPr>
-      </p:pic>
-      <p:sp>
-        <p:nvSpPr>
-          <p:cNvPr id="5" name="Google Shape;56;p1">
-            <a:extLst>
-              <a:ext uri="{FF2B5EF4-FFF2-40B4-BE49-F238E27FC236}">
-                <a16:creationId xmlns:a16="http://schemas.microsoft.com/office/drawing/2014/main" id="{C917CDC9-7A11-0492-6A84-23B930AE7B27}"/>
-              </a:ext>
-            </a:extLst>
-          </p:cNvPr>
-          <p:cNvSpPr txBox="1"/>
-          <p:nvPr/>
-        </p:nvSpPr>
-        <p:spPr>
-          <a:xfrm>
-            <a:off x="2085311" y="3107272"/>
-            <a:ext cx="6497100" cy="507900"/>
+            <a:off x="7784843" y="1669688"/>
+            <a:ext cx="2957700" cy="400200"/>
           </a:xfrm>
           <a:prstGeom prst="rect">
             <a:avLst/>
@@ -4864,331 +4837,7 @@
               <a:buNone/>
             </a:pPr>
             <a:r>
-              <a:rPr lang="tr-TR" sz="2800" dirty="0">
-                <a:solidFill>
-                  <a:srgbClr val="292D33"/>
-                </a:solidFill>
-                <a:latin typeface="Poppins Medium"/>
-                <a:ea typeface="Poppins Medium"/>
-                <a:cs typeface="Poppins Medium"/>
-                <a:sym typeface="Poppins Medium"/>
-              </a:rPr>
-              <a:t>Name</a:t>
-            </a:r>
-            <a:endParaRPr sz="2800" dirty="0">
-              <a:solidFill>
-                <a:srgbClr val="292D33"/>
-              </a:solidFill>
-              <a:latin typeface="Poppins Medium"/>
-              <a:ea typeface="Poppins Medium"/>
-              <a:cs typeface="Poppins Medium"/>
-              <a:sym typeface="Poppins Medium"/>
-            </a:endParaRPr>
-          </a:p>
-        </p:txBody>
-      </p:sp>
-      <p:sp>
-        <p:nvSpPr>
-          <p:cNvPr id="6" name="Google Shape;57;p1">
-            <a:extLst>
-              <a:ext uri="{FF2B5EF4-FFF2-40B4-BE49-F238E27FC236}">
-                <a16:creationId xmlns:a16="http://schemas.microsoft.com/office/drawing/2014/main" id="{87C3FEE7-4E8E-3396-98EA-3E5B75E74E3C}"/>
-              </a:ext>
-            </a:extLst>
-          </p:cNvPr>
-          <p:cNvSpPr txBox="1"/>
-          <p:nvPr/>
-        </p:nvSpPr>
-        <p:spPr>
-          <a:xfrm>
-            <a:off x="2085311" y="3627199"/>
-            <a:ext cx="6497100" cy="400200"/>
-          </a:xfrm>
-          <a:prstGeom prst="rect">
-            <a:avLst/>
-          </a:prstGeom>
-          <a:noFill/>
-          <a:ln>
-            <a:noFill/>
-          </a:ln>
-        </p:spPr>
-        <p:txBody>
-          <a:bodyPr spcFirstLastPara="1" wrap="square" lIns="91425" tIns="91425" rIns="91425" bIns="91425" anchor="t" anchorCtr="0">
-            <a:normAutofit fontScale="92500" lnSpcReduction="20000"/>
-          </a:bodyPr>
-          <a:lstStyle/>
-          <a:p>
-            <a:pPr marL="0" lvl="0" indent="0" algn="l" rtl="0">
-              <a:spcBef>
-                <a:spcPts val="0"/>
-              </a:spcBef>
-              <a:spcAft>
-                <a:spcPts val="0"/>
-              </a:spcAft>
-              <a:buNone/>
-            </a:pPr>
-            <a:r>
-              <a:rPr lang="tr" dirty="0">
-                <a:solidFill>
-                  <a:srgbClr val="4E5258"/>
-                </a:solidFill>
-                <a:latin typeface="Poppins"/>
-                <a:ea typeface="Poppins"/>
-                <a:cs typeface="Poppins"/>
-                <a:sym typeface="Poppins"/>
-              </a:rPr>
-              <a:t>Title</a:t>
-            </a:r>
-            <a:endParaRPr dirty="0">
-              <a:solidFill>
-                <a:srgbClr val="545C67"/>
-              </a:solidFill>
-              <a:latin typeface="Poppins"/>
-              <a:ea typeface="Poppins"/>
-              <a:cs typeface="Poppins"/>
-              <a:sym typeface="Poppins"/>
-            </a:endParaRPr>
-          </a:p>
-        </p:txBody>
-      </p:sp>
-      <p:pic>
-        <p:nvPicPr>
-          <p:cNvPr id="9" name="Google Shape;59;p1">
-            <a:extLst>
-              <a:ext uri="{FF2B5EF4-FFF2-40B4-BE49-F238E27FC236}">
-                <a16:creationId xmlns:a16="http://schemas.microsoft.com/office/drawing/2014/main" id="{D216A13A-0DE8-0F81-D058-C43F2067416B}"/>
-              </a:ext>
-            </a:extLst>
-          </p:cNvPr>
-          <p:cNvPicPr preferRelativeResize="0"/>
-          <p:nvPr/>
-        </p:nvPicPr>
-        <p:blipFill>
-          <a:blip r:embed="rId4">
-            <a:alphaModFix/>
-          </a:blip>
-          <a:stretch>
-            <a:fillRect/>
-          </a:stretch>
-        </p:blipFill>
-        <p:spPr>
-          <a:xfrm>
-            <a:off x="871666" y="4516942"/>
-            <a:ext cx="318353" cy="318353"/>
-          </a:xfrm>
-          <a:prstGeom prst="rect">
-            <a:avLst/>
-          </a:prstGeom>
-          <a:noFill/>
-          <a:ln>
-            <a:noFill/>
-          </a:ln>
-        </p:spPr>
-      </p:pic>
-      <p:pic>
-        <p:nvPicPr>
-          <p:cNvPr id="10" name="Google Shape;60;p1">
-            <a:extLst>
-              <a:ext uri="{FF2B5EF4-FFF2-40B4-BE49-F238E27FC236}">
-                <a16:creationId xmlns:a16="http://schemas.microsoft.com/office/drawing/2014/main" id="{5C65CC4D-AAFE-B812-2756-CBA85A3A23ED}"/>
-              </a:ext>
-            </a:extLst>
-          </p:cNvPr>
-          <p:cNvPicPr preferRelativeResize="0"/>
-          <p:nvPr/>
-        </p:nvPicPr>
-        <p:blipFill>
-          <a:blip r:embed="rId5">
-            <a:alphaModFix/>
-          </a:blip>
-          <a:stretch>
-            <a:fillRect/>
-          </a:stretch>
-        </p:blipFill>
-        <p:spPr>
-          <a:xfrm>
-            <a:off x="871666" y="4982969"/>
-            <a:ext cx="318352" cy="318352"/>
-          </a:xfrm>
-          <a:prstGeom prst="rect">
-            <a:avLst/>
-          </a:prstGeom>
-          <a:noFill/>
-          <a:ln>
-            <a:noFill/>
-          </a:ln>
-        </p:spPr>
-      </p:pic>
-      <p:sp>
-        <p:nvSpPr>
-          <p:cNvPr id="11" name="Google Shape;61;p1">
-            <a:extLst>
-              <a:ext uri="{FF2B5EF4-FFF2-40B4-BE49-F238E27FC236}">
-                <a16:creationId xmlns:a16="http://schemas.microsoft.com/office/drawing/2014/main" id="{3C0670F1-6E7F-BFCD-F6CA-876DE9462511}"/>
-              </a:ext>
-            </a:extLst>
-          </p:cNvPr>
-          <p:cNvSpPr txBox="1"/>
-          <p:nvPr/>
-        </p:nvSpPr>
-        <p:spPr>
-          <a:xfrm>
-            <a:off x="1278663" y="4459936"/>
-            <a:ext cx="5237930" cy="369300"/>
-          </a:xfrm>
-          <a:prstGeom prst="rect">
-            <a:avLst/>
-          </a:prstGeom>
-          <a:noFill/>
-          <a:ln>
-            <a:noFill/>
-          </a:ln>
-        </p:spPr>
-        <p:txBody>
-          <a:bodyPr spcFirstLastPara="1" wrap="square" lIns="91425" tIns="91425" rIns="91425" bIns="91425" anchor="t" anchorCtr="0">
-            <a:noAutofit/>
-          </a:bodyPr>
-          <a:lstStyle/>
-          <a:p>
-            <a:pPr marL="0" lvl="0" indent="0" algn="l" rtl="0">
-              <a:spcBef>
-                <a:spcPts val="0"/>
-              </a:spcBef>
-              <a:spcAft>
-                <a:spcPts val="0"/>
-              </a:spcAft>
-              <a:buNone/>
-            </a:pPr>
-            <a:r>
-              <a:rPr lang="tr" sz="1500" dirty="0">
-                <a:solidFill>
-                  <a:srgbClr val="292D33"/>
-                </a:solidFill>
-                <a:latin typeface="Poppins"/>
-                <a:ea typeface="Poppins"/>
-                <a:cs typeface="Poppins"/>
-                <a:sym typeface="Poppins"/>
-              </a:rPr>
-              <a:t>username</a:t>
-            </a:r>
-            <a:endParaRPr sz="1500" dirty="0">
-              <a:solidFill>
-                <a:srgbClr val="292D33"/>
-              </a:solidFill>
-              <a:latin typeface="Poppins"/>
-              <a:ea typeface="Poppins"/>
-              <a:cs typeface="Poppins"/>
-              <a:sym typeface="Poppins"/>
-            </a:endParaRPr>
-          </a:p>
-        </p:txBody>
-      </p:sp>
-      <p:sp>
-        <p:nvSpPr>
-          <p:cNvPr id="12" name="Google Shape;62;p1">
-            <a:extLst>
-              <a:ext uri="{FF2B5EF4-FFF2-40B4-BE49-F238E27FC236}">
-                <a16:creationId xmlns:a16="http://schemas.microsoft.com/office/drawing/2014/main" id="{53AF912A-87AB-7552-8EF1-622C7EC021A0}"/>
-              </a:ext>
-            </a:extLst>
-          </p:cNvPr>
-          <p:cNvSpPr txBox="1"/>
-          <p:nvPr/>
-        </p:nvSpPr>
-        <p:spPr>
-          <a:xfrm>
-            <a:off x="1278663" y="4918080"/>
-            <a:ext cx="5237930" cy="369300"/>
-          </a:xfrm>
-          <a:prstGeom prst="rect">
-            <a:avLst/>
-          </a:prstGeom>
-          <a:noFill/>
-          <a:ln>
-            <a:noFill/>
-          </a:ln>
-        </p:spPr>
-        <p:txBody>
-          <a:bodyPr spcFirstLastPara="1" wrap="square" lIns="91425" tIns="91425" rIns="91425" bIns="91425" anchor="t" anchorCtr="0">
-            <a:noAutofit/>
-          </a:bodyPr>
-          <a:lstStyle/>
-          <a:p>
-            <a:pPr marL="0" lvl="0" indent="0" algn="l" rtl="0">
-              <a:spcBef>
-                <a:spcPts val="0"/>
-              </a:spcBef>
-              <a:spcAft>
-                <a:spcPts val="0"/>
-              </a:spcAft>
-              <a:buNone/>
-            </a:pPr>
-            <a:r>
-              <a:rPr lang="tr" sz="1500" dirty="0">
-                <a:solidFill>
-                  <a:srgbClr val="292D33"/>
-                </a:solidFill>
-                <a:latin typeface="Poppins"/>
-                <a:ea typeface="Poppins"/>
-                <a:cs typeface="Poppins"/>
-                <a:sym typeface="Poppins"/>
-              </a:rPr>
-              <a:t>username</a:t>
-            </a:r>
-            <a:endParaRPr sz="1500" dirty="0">
-              <a:solidFill>
-                <a:srgbClr val="292D33"/>
-              </a:solidFill>
-              <a:latin typeface="Poppins"/>
-              <a:ea typeface="Poppins"/>
-              <a:cs typeface="Poppins"/>
-              <a:sym typeface="Poppins"/>
-            </a:endParaRPr>
-          </a:p>
-        </p:txBody>
-      </p:sp>
-      <p:sp>
-        <p:nvSpPr>
-          <p:cNvPr id="14" name="Google Shape;57;p1">
-            <a:extLst>
-              <a:ext uri="{FF2B5EF4-FFF2-40B4-BE49-F238E27FC236}">
-                <a16:creationId xmlns:a16="http://schemas.microsoft.com/office/drawing/2014/main" id="{81015AE8-63CA-36EE-ADCC-EF8B6E674414}"/>
-              </a:ext>
-            </a:extLst>
-          </p:cNvPr>
-          <p:cNvSpPr txBox="1"/>
-          <p:nvPr/>
-        </p:nvSpPr>
-        <p:spPr>
-          <a:xfrm>
-            <a:off x="8284572" y="1669688"/>
-            <a:ext cx="3038415" cy="400200"/>
-          </a:xfrm>
-          <a:prstGeom prst="rect">
-            <a:avLst/>
-          </a:prstGeom>
-          <a:noFill/>
-          <a:ln>
-            <a:noFill/>
-          </a:ln>
-        </p:spPr>
-        <p:txBody>
-          <a:bodyPr spcFirstLastPara="1" wrap="square" lIns="91425" tIns="91425" rIns="91425" bIns="91425" anchor="t" anchorCtr="0">
-            <a:noAutofit/>
-          </a:bodyPr>
-          <a:lstStyle/>
-          <a:p>
-            <a:pPr marL="0" lvl="0" indent="0" algn="l" rtl="0">
-              <a:spcBef>
-                <a:spcPts val="0"/>
-              </a:spcBef>
-              <a:spcAft>
-                <a:spcPts val="0"/>
-              </a:spcAft>
-              <a:buNone/>
-            </a:pPr>
-            <a:r>
-              <a:rPr lang="tr" sz="1600" dirty="0">
+              <a:rPr lang="tr" sz="1600" u="sng" dirty="0">
                 <a:solidFill>
                   <a:srgbClr val="292D32"/>
                 </a:solidFill>
@@ -5197,9 +4846,9 @@
                 <a:cs typeface="Poppins"/>
                 <a:sym typeface="Poppins"/>
               </a:rPr>
-              <a:t>QR (Optional)</a:t>
-            </a:r>
-            <a:endParaRPr sz="1600" dirty="0">
+              <a:t>Download the Presentation</a:t>
+            </a:r>
+            <a:endParaRPr sz="1600" u="sng" dirty="0">
               <a:solidFill>
                 <a:srgbClr val="292D32"/>
               </a:solidFill>
@@ -5224,7 +4873,7 @@
           <p:nvPr/>
         </p:nvPicPr>
         <p:blipFill>
-          <a:blip r:embed="rId6">
+          <a:blip r:embed="rId3">
             <a:alphaModFix/>
           </a:blip>
           <a:stretch>
@@ -5247,10 +4896,10 @@
       </p:pic>
       <p:pic>
         <p:nvPicPr>
-          <p:cNvPr id="19" name="Resim 18">
-            <a:extLst>
-              <a:ext uri="{FF2B5EF4-FFF2-40B4-BE49-F238E27FC236}">
-                <a16:creationId xmlns:a16="http://schemas.microsoft.com/office/drawing/2014/main" id="{4218E060-07EA-7373-3D5F-7B40C5E3C1C1}"/>
+          <p:cNvPr id="2" name="Picture 1" descr="A qr code with black squares&#10;&#10;Description automatically generated">
+            <a:extLst>
+              <a:ext uri="{FF2B5EF4-FFF2-40B4-BE49-F238E27FC236}">
+                <a16:creationId xmlns:a16="http://schemas.microsoft.com/office/drawing/2014/main" id="{832B1108-CCFF-1EDC-C72F-E220572B8C93}"/>
               </a:ext>
             </a:extLst>
           </p:cNvPr>
@@ -5260,20 +4909,376 @@
           <p:nvPr/>
         </p:nvPicPr>
         <p:blipFill>
-          <a:blip r:embed="rId7"/>
+          <a:blip r:embed="rId4"/>
+          <a:stretch>
+            <a:fillRect/>
+          </a:stretch>
+        </p:blipFill>
+        <p:spPr>
+          <a:xfrm>
+            <a:off x="7938659" y="2283917"/>
+            <a:ext cx="2650065" cy="2650065"/>
+          </a:xfrm>
+          <a:prstGeom prst="roundRect">
+            <a:avLst>
+              <a:gd name="adj" fmla="val 9428"/>
+            </a:avLst>
+          </a:prstGeom>
+        </p:spPr>
+      </p:pic>
+      <p:pic>
+        <p:nvPicPr>
+          <p:cNvPr id="3" name="Resim 3">
+            <a:extLst>
+              <a:ext uri="{FF2B5EF4-FFF2-40B4-BE49-F238E27FC236}">
+                <a16:creationId xmlns:a16="http://schemas.microsoft.com/office/drawing/2014/main" id="{CD0FA1D9-2266-4800-975B-9DA727315A34}"/>
+              </a:ext>
+            </a:extLst>
+          </p:cNvPr>
+          <p:cNvPicPr>
+            <a:picLocks noChangeAspect="1"/>
+          </p:cNvPicPr>
+          <p:nvPr/>
+        </p:nvPicPr>
+        <p:blipFill>
+          <a:blip r:embed="rId5"/>
           <a:srcRect/>
           <a:stretch/>
         </p:blipFill>
         <p:spPr>
           <a:xfrm>
-            <a:off x="8003782" y="2355263"/>
-            <a:ext cx="2519817" cy="2519817"/>
+            <a:off x="709617" y="3109507"/>
+            <a:ext cx="1039470" cy="1039470"/>
           </a:xfrm>
           <a:prstGeom prst="rect">
             <a:avLst/>
           </a:prstGeom>
         </p:spPr>
       </p:pic>
+      <p:sp>
+        <p:nvSpPr>
+          <p:cNvPr id="7" name="Google Shape;56;p1">
+            <a:extLst>
+              <a:ext uri="{FF2B5EF4-FFF2-40B4-BE49-F238E27FC236}">
+                <a16:creationId xmlns:a16="http://schemas.microsoft.com/office/drawing/2014/main" id="{37AA34DA-EF7C-620F-B9F0-89D545E370C7}"/>
+              </a:ext>
+            </a:extLst>
+          </p:cNvPr>
+          <p:cNvSpPr txBox="1"/>
+          <p:nvPr/>
+        </p:nvSpPr>
+        <p:spPr>
+          <a:xfrm>
+            <a:off x="1981137" y="3175050"/>
+            <a:ext cx="6497100" cy="507900"/>
+          </a:xfrm>
+          <a:prstGeom prst="rect">
+            <a:avLst/>
+          </a:prstGeom>
+          <a:noFill/>
+          <a:ln>
+            <a:noFill/>
+          </a:ln>
+        </p:spPr>
+        <p:txBody>
+          <a:bodyPr spcFirstLastPara="1" wrap="square" lIns="91425" tIns="91425" rIns="91425" bIns="91425" anchor="t" anchorCtr="0">
+            <a:noAutofit/>
+          </a:bodyPr>
+          <a:lstStyle/>
+          <a:p>
+            <a:pPr marL="0" lvl="0" indent="0" algn="l" rtl="0">
+              <a:spcBef>
+                <a:spcPts val="0"/>
+              </a:spcBef>
+              <a:spcAft>
+                <a:spcPts val="0"/>
+              </a:spcAft>
+              <a:buNone/>
+            </a:pPr>
+            <a:r>
+              <a:rPr lang="tr-TR" sz="2800" dirty="0">
+                <a:solidFill>
+                  <a:srgbClr val="292D33"/>
+                </a:solidFill>
+                <a:latin typeface="Poppins Medium"/>
+                <a:ea typeface="Poppins Medium"/>
+                <a:cs typeface="Poppins Medium"/>
+                <a:sym typeface="Poppins Medium"/>
+              </a:rPr>
+              <a:t>Halil İbrahim Kalkan</a:t>
+            </a:r>
+            <a:endParaRPr sz="2800" dirty="0">
+              <a:solidFill>
+                <a:srgbClr val="292D33"/>
+              </a:solidFill>
+              <a:latin typeface="Poppins Medium"/>
+              <a:ea typeface="Poppins Medium"/>
+              <a:cs typeface="Poppins Medium"/>
+              <a:sym typeface="Poppins Medium"/>
+            </a:endParaRPr>
+          </a:p>
+        </p:txBody>
+      </p:sp>
+      <p:sp>
+        <p:nvSpPr>
+          <p:cNvPr id="13" name="Google Shape;57;p1">
+            <a:extLst>
+              <a:ext uri="{FF2B5EF4-FFF2-40B4-BE49-F238E27FC236}">
+                <a16:creationId xmlns:a16="http://schemas.microsoft.com/office/drawing/2014/main" id="{63C804EC-0ABE-56EA-01E4-31ACA411B565}"/>
+              </a:ext>
+            </a:extLst>
+          </p:cNvPr>
+          <p:cNvSpPr txBox="1"/>
+          <p:nvPr/>
+        </p:nvSpPr>
+        <p:spPr>
+          <a:xfrm>
+            <a:off x="1981137" y="3694977"/>
+            <a:ext cx="6497100" cy="400200"/>
+          </a:xfrm>
+          <a:prstGeom prst="rect">
+            <a:avLst/>
+          </a:prstGeom>
+          <a:noFill/>
+          <a:ln>
+            <a:noFill/>
+          </a:ln>
+        </p:spPr>
+        <p:txBody>
+          <a:bodyPr spcFirstLastPara="1" wrap="square" lIns="91425" tIns="91425" rIns="91425" bIns="91425" anchor="t" anchorCtr="0">
+            <a:normAutofit fontScale="92500" lnSpcReduction="20000"/>
+          </a:bodyPr>
+          <a:lstStyle/>
+          <a:p>
+            <a:pPr marL="0" lvl="0" indent="0" algn="l" rtl="0">
+              <a:spcBef>
+                <a:spcPts val="0"/>
+              </a:spcBef>
+              <a:spcAft>
+                <a:spcPts val="0"/>
+              </a:spcAft>
+              <a:buNone/>
+            </a:pPr>
+            <a:r>
+              <a:rPr lang="tr" dirty="0">
+                <a:solidFill>
+                  <a:srgbClr val="4E5258"/>
+                </a:solidFill>
+                <a:latin typeface="Poppins"/>
+                <a:ea typeface="Poppins"/>
+                <a:cs typeface="Poppins"/>
+                <a:sym typeface="Poppins"/>
+              </a:rPr>
+              <a:t>Co-Founder &amp; Software Architect | Volosoft</a:t>
+            </a:r>
+            <a:endParaRPr dirty="0">
+              <a:solidFill>
+                <a:srgbClr val="545C67"/>
+              </a:solidFill>
+              <a:latin typeface="Poppins"/>
+              <a:ea typeface="Poppins"/>
+              <a:cs typeface="Poppins"/>
+              <a:sym typeface="Poppins"/>
+            </a:endParaRPr>
+          </a:p>
+        </p:txBody>
+      </p:sp>
+      <p:pic>
+        <p:nvPicPr>
+          <p:cNvPr id="16" name="Google Shape;59;p1">
+            <a:extLst>
+              <a:ext uri="{FF2B5EF4-FFF2-40B4-BE49-F238E27FC236}">
+                <a16:creationId xmlns:a16="http://schemas.microsoft.com/office/drawing/2014/main" id="{4A80D350-7C48-DE89-C0E9-FF376BD81942}"/>
+              </a:ext>
+            </a:extLst>
+          </p:cNvPr>
+          <p:cNvPicPr preferRelativeResize="0"/>
+          <p:nvPr/>
+        </p:nvPicPr>
+        <p:blipFill>
+          <a:blip r:embed="rId6">
+            <a:alphaModFix/>
+          </a:blip>
+          <a:stretch>
+            <a:fillRect/>
+          </a:stretch>
+        </p:blipFill>
+        <p:spPr>
+          <a:xfrm>
+            <a:off x="767492" y="4584720"/>
+            <a:ext cx="318353" cy="318353"/>
+          </a:xfrm>
+          <a:prstGeom prst="rect">
+            <a:avLst/>
+          </a:prstGeom>
+          <a:noFill/>
+          <a:ln>
+            <a:noFill/>
+          </a:ln>
+        </p:spPr>
+      </p:pic>
+      <p:pic>
+        <p:nvPicPr>
+          <p:cNvPr id="17" name="Google Shape;60;p1">
+            <a:extLst>
+              <a:ext uri="{FF2B5EF4-FFF2-40B4-BE49-F238E27FC236}">
+                <a16:creationId xmlns:a16="http://schemas.microsoft.com/office/drawing/2014/main" id="{903FB1B1-1D44-E7A7-731D-9BB5CBD788E8}"/>
+              </a:ext>
+            </a:extLst>
+          </p:cNvPr>
+          <p:cNvPicPr preferRelativeResize="0"/>
+          <p:nvPr/>
+        </p:nvPicPr>
+        <p:blipFill>
+          <a:blip r:embed="rId7">
+            <a:alphaModFix/>
+          </a:blip>
+          <a:stretch>
+            <a:fillRect/>
+          </a:stretch>
+        </p:blipFill>
+        <p:spPr>
+          <a:xfrm>
+            <a:off x="767492" y="5050747"/>
+            <a:ext cx="318352" cy="318352"/>
+          </a:xfrm>
+          <a:prstGeom prst="rect">
+            <a:avLst/>
+          </a:prstGeom>
+          <a:noFill/>
+          <a:ln>
+            <a:noFill/>
+          </a:ln>
+        </p:spPr>
+      </p:pic>
+      <p:sp>
+        <p:nvSpPr>
+          <p:cNvPr id="18" name="Google Shape;61;p1">
+            <a:extLst>
+              <a:ext uri="{FF2B5EF4-FFF2-40B4-BE49-F238E27FC236}">
+                <a16:creationId xmlns:a16="http://schemas.microsoft.com/office/drawing/2014/main" id="{556A01BA-EA5C-A9A7-B747-DC4FFEF1CD80}"/>
+              </a:ext>
+            </a:extLst>
+          </p:cNvPr>
+          <p:cNvSpPr txBox="1"/>
+          <p:nvPr/>
+        </p:nvSpPr>
+        <p:spPr>
+          <a:xfrm>
+            <a:off x="1174489" y="4527714"/>
+            <a:ext cx="5237930" cy="369300"/>
+          </a:xfrm>
+          <a:prstGeom prst="rect">
+            <a:avLst/>
+          </a:prstGeom>
+          <a:noFill/>
+          <a:ln>
+            <a:noFill/>
+          </a:ln>
+        </p:spPr>
+        <p:txBody>
+          <a:bodyPr spcFirstLastPara="1" wrap="square" lIns="91425" tIns="91425" rIns="91425" bIns="91425" anchor="t" anchorCtr="0">
+            <a:noAutofit/>
+          </a:bodyPr>
+          <a:lstStyle/>
+          <a:p>
+            <a:pPr marL="0" lvl="0" indent="0" algn="l" rtl="0">
+              <a:spcBef>
+                <a:spcPts val="0"/>
+              </a:spcBef>
+              <a:spcAft>
+                <a:spcPts val="0"/>
+              </a:spcAft>
+              <a:buNone/>
+            </a:pPr>
+            <a:r>
+              <a:rPr lang="tr" sz="1500" dirty="0">
+                <a:solidFill>
+                  <a:srgbClr val="292D33"/>
+                </a:solidFill>
+                <a:latin typeface="Poppins"/>
+                <a:ea typeface="Poppins"/>
+                <a:cs typeface="Poppins"/>
+                <a:sym typeface="Poppins"/>
+              </a:rPr>
+              <a:t>hibrahimkalkan</a:t>
+            </a:r>
+            <a:endParaRPr sz="1500" dirty="0">
+              <a:solidFill>
+                <a:srgbClr val="292D33"/>
+              </a:solidFill>
+              <a:latin typeface="Poppins"/>
+              <a:ea typeface="Poppins"/>
+              <a:cs typeface="Poppins"/>
+              <a:sym typeface="Poppins"/>
+            </a:endParaRPr>
+          </a:p>
+        </p:txBody>
+      </p:sp>
+      <p:sp>
+        <p:nvSpPr>
+          <p:cNvPr id="20" name="Google Shape;62;p1">
+            <a:extLst>
+              <a:ext uri="{FF2B5EF4-FFF2-40B4-BE49-F238E27FC236}">
+                <a16:creationId xmlns:a16="http://schemas.microsoft.com/office/drawing/2014/main" id="{CDBE6DED-6AD5-2ED3-6E22-D0642FF041CE}"/>
+              </a:ext>
+            </a:extLst>
+          </p:cNvPr>
+          <p:cNvSpPr txBox="1"/>
+          <p:nvPr/>
+        </p:nvSpPr>
+        <p:spPr>
+          <a:xfrm>
+            <a:off x="1174489" y="4985858"/>
+            <a:ext cx="5237930" cy="369300"/>
+          </a:xfrm>
+          <a:prstGeom prst="rect">
+            <a:avLst/>
+          </a:prstGeom>
+          <a:noFill/>
+          <a:ln>
+            <a:noFill/>
+          </a:ln>
+        </p:spPr>
+        <p:txBody>
+          <a:bodyPr spcFirstLastPara="1" wrap="square" lIns="91425" tIns="91425" rIns="91425" bIns="91425" anchor="t" anchorCtr="0">
+            <a:noAutofit/>
+          </a:bodyPr>
+          <a:lstStyle/>
+          <a:p>
+            <a:pPr marL="0" lvl="0" indent="0" algn="l" rtl="0">
+              <a:spcBef>
+                <a:spcPts val="0"/>
+              </a:spcBef>
+              <a:spcAft>
+                <a:spcPts val="0"/>
+              </a:spcAft>
+              <a:buNone/>
+            </a:pPr>
+            <a:r>
+              <a:rPr lang="tr" sz="1500" dirty="0">
+                <a:solidFill>
+                  <a:srgbClr val="292D33"/>
+                </a:solidFill>
+                <a:latin typeface="Poppins"/>
+                <a:ea typeface="Poppins"/>
+                <a:cs typeface="Poppins"/>
+                <a:sym typeface="Poppins"/>
+              </a:rPr>
+              <a:t>hikalkan</a:t>
+            </a:r>
+            <a:endParaRPr sz="1500" dirty="0">
+              <a:solidFill>
+                <a:srgbClr val="292D33"/>
+              </a:solidFill>
+              <a:latin typeface="Poppins"/>
+              <a:ea typeface="Poppins"/>
+              <a:cs typeface="Poppins"/>
+              <a:sym typeface="Poppins"/>
+            </a:endParaRPr>
+          </a:p>
+        </p:txBody>
+      </p:sp>
     </p:spTree>
     <p:extLst>
       <p:ext uri="{BB962C8B-B14F-4D97-AF65-F5344CB8AC3E}">

--- a/2025-01-09 ABP Community Talks 2025.1/Which Architecture.pptx
+++ b/2025-01-09 ABP Community Talks 2025.1/Which Architecture.pptx
@@ -5,12 +5,20 @@
     <p:sldMasterId id="2147483648" r:id="rId1"/>
   </p:sldMasterIdLst>
   <p:notesMasterIdLst>
-    <p:notesMasterId r:id="rId5"/>
+    <p:notesMasterId r:id="rId13"/>
   </p:notesMasterIdLst>
   <p:sldIdLst>
     <p:sldId id="256" r:id="rId2"/>
     <p:sldId id="280" r:id="rId3"/>
-    <p:sldId id="293" r:id="rId4"/>
+    <p:sldId id="295" r:id="rId4"/>
+    <p:sldId id="296" r:id="rId5"/>
+    <p:sldId id="297" r:id="rId6"/>
+    <p:sldId id="298" r:id="rId7"/>
+    <p:sldId id="299" r:id="rId8"/>
+    <p:sldId id="300" r:id="rId9"/>
+    <p:sldId id="301" r:id="rId10"/>
+    <p:sldId id="293" r:id="rId11"/>
+    <p:sldId id="294" r:id="rId12"/>
   </p:sldIdLst>
   <p:sldSz cx="12192000" cy="6858000"/>
   <p:notesSz cx="6858000" cy="9144000"/>
@@ -4303,7 +4311,7 @@
 </p:sld>
 </file>
 
-<file path=ppt/slides/slide2.xml><?xml version="1.0" encoding="utf-8"?>
+<file path=ppt/slides/slide10.xml><?xml version="1.0" encoding="utf-8"?>
 <p:sld xmlns:a="http://schemas.openxmlformats.org/drawingml/2006/main" xmlns:r="http://schemas.openxmlformats.org/officeDocument/2006/relationships" xmlns:p="http://schemas.openxmlformats.org/presentationml/2006/main">
   <p:cSld>
     <p:bg>
@@ -4325,7 +4333,617 @@
         <p:cNvPr id="1" name="">
           <a:extLst>
             <a:ext uri="{FF2B5EF4-FFF2-40B4-BE49-F238E27FC236}">
-              <a16:creationId xmlns:a16="http://schemas.microsoft.com/office/drawing/2014/main" id="{2EFEB56F-6A6E-CDE3-46C9-D37CD01B2C77}"/>
+              <a16:creationId xmlns:a16="http://schemas.microsoft.com/office/drawing/2014/main" id="{2C17BB97-BCC9-574E-59F2-851978B4FE26}"/>
+            </a:ext>
+          </a:extLst>
+        </p:cNvPr>
+        <p:cNvGrpSpPr/>
+        <p:nvPr/>
+      </p:nvGrpSpPr>
+      <p:grpSpPr>
+        <a:xfrm>
+          <a:off x="0" y="0"/>
+          <a:ext cx="0" cy="0"/>
+          <a:chOff x="0" y="0"/>
+          <a:chExt cx="0" cy="0"/>
+        </a:xfrm>
+      </p:grpSpPr>
+      <p:sp>
+        <p:nvSpPr>
+          <p:cNvPr id="8" name="Metin kutusu 7">
+            <a:extLst>
+              <a:ext uri="{FF2B5EF4-FFF2-40B4-BE49-F238E27FC236}">
+                <a16:creationId xmlns:a16="http://schemas.microsoft.com/office/drawing/2014/main" id="{3551E258-AE4B-89EC-1439-33807E9C38DB}"/>
+              </a:ext>
+            </a:extLst>
+          </p:cNvPr>
+          <p:cNvSpPr txBox="1">
+            <a:spLocks/>
+          </p:cNvSpPr>
+          <p:nvPr/>
+        </p:nvSpPr>
+        <p:spPr>
+          <a:xfrm>
+            <a:off x="709617" y="1333647"/>
+            <a:ext cx="6856282" cy="1501200"/>
+          </a:xfrm>
+          <a:prstGeom prst="rect">
+            <a:avLst/>
+          </a:prstGeom>
+          <a:noFill/>
+        </p:spPr>
+        <p:txBody>
+          <a:bodyPr wrap="square" rtlCol="0">
+            <a:normAutofit/>
+          </a:bodyPr>
+          <a:lstStyle/>
+          <a:p>
+            <a:pPr marL="0" lvl="0" indent="0" algn="l" rtl="0">
+              <a:spcBef>
+                <a:spcPts val="0"/>
+              </a:spcBef>
+              <a:spcAft>
+                <a:spcPts val="0"/>
+              </a:spcAft>
+              <a:buNone/>
+            </a:pPr>
+            <a:r>
+              <a:rPr lang="tr-TR" sz="4500" b="1" dirty="0">
+                <a:solidFill>
+                  <a:srgbClr val="292D32"/>
+                </a:solidFill>
+                <a:latin typeface="Lexend" pitchFamily="2" charset="0"/>
+                <a:ea typeface="Lexend"/>
+                <a:cs typeface="Lexend"/>
+                <a:sym typeface="Lexend"/>
+              </a:rPr>
+              <a:t>THANKS FOR </a:t>
+            </a:r>
+          </a:p>
+          <a:p>
+            <a:pPr marL="0" lvl="0" indent="0" algn="l" rtl="0">
+              <a:spcBef>
+                <a:spcPts val="0"/>
+              </a:spcBef>
+              <a:spcAft>
+                <a:spcPts val="0"/>
+              </a:spcAft>
+              <a:buNone/>
+            </a:pPr>
+            <a:r>
+              <a:rPr lang="tr-TR" sz="4500" b="1" dirty="0">
+                <a:solidFill>
+                  <a:srgbClr val="292D32"/>
+                </a:solidFill>
+                <a:latin typeface="Lexend" pitchFamily="2" charset="0"/>
+                <a:ea typeface="Lexend"/>
+                <a:cs typeface="Lexend"/>
+                <a:sym typeface="Lexend"/>
+              </a:rPr>
+              <a:t>LISTENING</a:t>
+            </a:r>
+          </a:p>
+        </p:txBody>
+      </p:sp>
+      <p:sp>
+        <p:nvSpPr>
+          <p:cNvPr id="14" name="Google Shape;57;p1">
+            <a:extLst>
+              <a:ext uri="{FF2B5EF4-FFF2-40B4-BE49-F238E27FC236}">
+                <a16:creationId xmlns:a16="http://schemas.microsoft.com/office/drawing/2014/main" id="{81015AE8-63CA-36EE-ADCC-EF8B6E674414}"/>
+              </a:ext>
+            </a:extLst>
+          </p:cNvPr>
+          <p:cNvSpPr txBox="1"/>
+          <p:nvPr/>
+        </p:nvSpPr>
+        <p:spPr>
+          <a:xfrm>
+            <a:off x="7784843" y="1669688"/>
+            <a:ext cx="2957700" cy="400200"/>
+          </a:xfrm>
+          <a:prstGeom prst="rect">
+            <a:avLst/>
+          </a:prstGeom>
+          <a:noFill/>
+          <a:ln>
+            <a:noFill/>
+          </a:ln>
+        </p:spPr>
+        <p:txBody>
+          <a:bodyPr spcFirstLastPara="1" wrap="square" lIns="91425" tIns="91425" rIns="91425" bIns="91425" anchor="t" anchorCtr="0">
+            <a:noAutofit/>
+          </a:bodyPr>
+          <a:lstStyle/>
+          <a:p>
+            <a:pPr marL="0" lvl="0" indent="0" algn="l" rtl="0">
+              <a:spcBef>
+                <a:spcPts val="0"/>
+              </a:spcBef>
+              <a:spcAft>
+                <a:spcPts val="0"/>
+              </a:spcAft>
+              <a:buNone/>
+            </a:pPr>
+            <a:r>
+              <a:rPr lang="tr" sz="1600" u="sng" dirty="0">
+                <a:solidFill>
+                  <a:srgbClr val="292D32"/>
+                </a:solidFill>
+                <a:latin typeface="Poppins"/>
+                <a:ea typeface="Poppins"/>
+                <a:cs typeface="Poppins"/>
+                <a:sym typeface="Poppins"/>
+              </a:rPr>
+              <a:t>Download the Presentation</a:t>
+            </a:r>
+            <a:endParaRPr sz="1600" u="sng" dirty="0">
+              <a:solidFill>
+                <a:srgbClr val="292D32"/>
+              </a:solidFill>
+              <a:latin typeface="Poppins"/>
+              <a:ea typeface="Poppins"/>
+              <a:cs typeface="Poppins"/>
+              <a:sym typeface="Poppins"/>
+            </a:endParaRPr>
+          </a:p>
+        </p:txBody>
+      </p:sp>
+      <p:pic>
+        <p:nvPicPr>
+          <p:cNvPr id="15" name="Google Shape;82;p3">
+            <a:extLst>
+              <a:ext uri="{FF2B5EF4-FFF2-40B4-BE49-F238E27FC236}">
+                <a16:creationId xmlns:a16="http://schemas.microsoft.com/office/drawing/2014/main" id="{1426F76E-6AC9-EDDC-E0CD-0D342276275D}"/>
+              </a:ext>
+            </a:extLst>
+          </p:cNvPr>
+          <p:cNvPicPr preferRelativeResize="0"/>
+          <p:nvPr/>
+        </p:nvPicPr>
+        <p:blipFill>
+          <a:blip r:embed="rId3">
+            <a:alphaModFix/>
+          </a:blip>
+          <a:stretch>
+            <a:fillRect/>
+          </a:stretch>
+        </p:blipFill>
+        <p:spPr>
+          <a:xfrm>
+            <a:off x="7784842" y="2136322"/>
+            <a:ext cx="2957700" cy="2957700"/>
+          </a:xfrm>
+          <a:prstGeom prst="rect">
+            <a:avLst/>
+          </a:prstGeom>
+          <a:noFill/>
+          <a:ln>
+            <a:noFill/>
+          </a:ln>
+        </p:spPr>
+      </p:pic>
+      <p:pic>
+        <p:nvPicPr>
+          <p:cNvPr id="2" name="Picture 1" descr="A qr code with black squares&#10;&#10;Description automatically generated">
+            <a:extLst>
+              <a:ext uri="{FF2B5EF4-FFF2-40B4-BE49-F238E27FC236}">
+                <a16:creationId xmlns:a16="http://schemas.microsoft.com/office/drawing/2014/main" id="{832B1108-CCFF-1EDC-C72F-E220572B8C93}"/>
+              </a:ext>
+            </a:extLst>
+          </p:cNvPr>
+          <p:cNvPicPr>
+            <a:picLocks noChangeAspect="1"/>
+          </p:cNvPicPr>
+          <p:nvPr/>
+        </p:nvPicPr>
+        <p:blipFill>
+          <a:blip r:embed="rId4"/>
+          <a:stretch>
+            <a:fillRect/>
+          </a:stretch>
+        </p:blipFill>
+        <p:spPr>
+          <a:xfrm>
+            <a:off x="7938659" y="2283917"/>
+            <a:ext cx="2650065" cy="2650065"/>
+          </a:xfrm>
+          <a:prstGeom prst="roundRect">
+            <a:avLst>
+              <a:gd name="adj" fmla="val 9428"/>
+            </a:avLst>
+          </a:prstGeom>
+        </p:spPr>
+      </p:pic>
+      <p:pic>
+        <p:nvPicPr>
+          <p:cNvPr id="3" name="Resim 3">
+            <a:extLst>
+              <a:ext uri="{FF2B5EF4-FFF2-40B4-BE49-F238E27FC236}">
+                <a16:creationId xmlns:a16="http://schemas.microsoft.com/office/drawing/2014/main" id="{CD0FA1D9-2266-4800-975B-9DA727315A34}"/>
+              </a:ext>
+            </a:extLst>
+          </p:cNvPr>
+          <p:cNvPicPr>
+            <a:picLocks noChangeAspect="1"/>
+          </p:cNvPicPr>
+          <p:nvPr/>
+        </p:nvPicPr>
+        <p:blipFill>
+          <a:blip r:embed="rId5"/>
+          <a:srcRect/>
+          <a:stretch/>
+        </p:blipFill>
+        <p:spPr>
+          <a:xfrm>
+            <a:off x="709617" y="3109507"/>
+            <a:ext cx="1039470" cy="1039470"/>
+          </a:xfrm>
+          <a:prstGeom prst="rect">
+            <a:avLst/>
+          </a:prstGeom>
+        </p:spPr>
+      </p:pic>
+      <p:sp>
+        <p:nvSpPr>
+          <p:cNvPr id="7" name="Google Shape;56;p1">
+            <a:extLst>
+              <a:ext uri="{FF2B5EF4-FFF2-40B4-BE49-F238E27FC236}">
+                <a16:creationId xmlns:a16="http://schemas.microsoft.com/office/drawing/2014/main" id="{37AA34DA-EF7C-620F-B9F0-89D545E370C7}"/>
+              </a:ext>
+            </a:extLst>
+          </p:cNvPr>
+          <p:cNvSpPr txBox="1"/>
+          <p:nvPr/>
+        </p:nvSpPr>
+        <p:spPr>
+          <a:xfrm>
+            <a:off x="1981137" y="3175050"/>
+            <a:ext cx="6497100" cy="507900"/>
+          </a:xfrm>
+          <a:prstGeom prst="rect">
+            <a:avLst/>
+          </a:prstGeom>
+          <a:noFill/>
+          <a:ln>
+            <a:noFill/>
+          </a:ln>
+        </p:spPr>
+        <p:txBody>
+          <a:bodyPr spcFirstLastPara="1" wrap="square" lIns="91425" tIns="91425" rIns="91425" bIns="91425" anchor="t" anchorCtr="0">
+            <a:noAutofit/>
+          </a:bodyPr>
+          <a:lstStyle/>
+          <a:p>
+            <a:pPr marL="0" lvl="0" indent="0" algn="l" rtl="0">
+              <a:spcBef>
+                <a:spcPts val="0"/>
+              </a:spcBef>
+              <a:spcAft>
+                <a:spcPts val="0"/>
+              </a:spcAft>
+              <a:buNone/>
+            </a:pPr>
+            <a:r>
+              <a:rPr lang="tr-TR" sz="2800" dirty="0">
+                <a:solidFill>
+                  <a:srgbClr val="292D33"/>
+                </a:solidFill>
+                <a:latin typeface="Poppins Medium"/>
+                <a:ea typeface="Poppins Medium"/>
+                <a:cs typeface="Poppins Medium"/>
+                <a:sym typeface="Poppins Medium"/>
+              </a:rPr>
+              <a:t>Halil İbrahim Kalkan</a:t>
+            </a:r>
+            <a:endParaRPr sz="2800" dirty="0">
+              <a:solidFill>
+                <a:srgbClr val="292D33"/>
+              </a:solidFill>
+              <a:latin typeface="Poppins Medium"/>
+              <a:ea typeface="Poppins Medium"/>
+              <a:cs typeface="Poppins Medium"/>
+              <a:sym typeface="Poppins Medium"/>
+            </a:endParaRPr>
+          </a:p>
+        </p:txBody>
+      </p:sp>
+      <p:sp>
+        <p:nvSpPr>
+          <p:cNvPr id="13" name="Google Shape;57;p1">
+            <a:extLst>
+              <a:ext uri="{FF2B5EF4-FFF2-40B4-BE49-F238E27FC236}">
+                <a16:creationId xmlns:a16="http://schemas.microsoft.com/office/drawing/2014/main" id="{63C804EC-0ABE-56EA-01E4-31ACA411B565}"/>
+              </a:ext>
+            </a:extLst>
+          </p:cNvPr>
+          <p:cNvSpPr txBox="1"/>
+          <p:nvPr/>
+        </p:nvSpPr>
+        <p:spPr>
+          <a:xfrm>
+            <a:off x="1981137" y="3694977"/>
+            <a:ext cx="6497100" cy="400200"/>
+          </a:xfrm>
+          <a:prstGeom prst="rect">
+            <a:avLst/>
+          </a:prstGeom>
+          <a:noFill/>
+          <a:ln>
+            <a:noFill/>
+          </a:ln>
+        </p:spPr>
+        <p:txBody>
+          <a:bodyPr spcFirstLastPara="1" wrap="square" lIns="91425" tIns="91425" rIns="91425" bIns="91425" anchor="t" anchorCtr="0">
+            <a:normAutofit fontScale="92500" lnSpcReduction="20000"/>
+          </a:bodyPr>
+          <a:lstStyle/>
+          <a:p>
+            <a:pPr marL="0" lvl="0" indent="0" algn="l" rtl="0">
+              <a:spcBef>
+                <a:spcPts val="0"/>
+              </a:spcBef>
+              <a:spcAft>
+                <a:spcPts val="0"/>
+              </a:spcAft>
+              <a:buNone/>
+            </a:pPr>
+            <a:r>
+              <a:rPr lang="tr" dirty="0">
+                <a:solidFill>
+                  <a:srgbClr val="4E5258"/>
+                </a:solidFill>
+                <a:latin typeface="Poppins"/>
+                <a:ea typeface="Poppins"/>
+                <a:cs typeface="Poppins"/>
+                <a:sym typeface="Poppins"/>
+              </a:rPr>
+              <a:t>Co-Founder &amp; Software Architect | Volosoft</a:t>
+            </a:r>
+            <a:endParaRPr dirty="0">
+              <a:solidFill>
+                <a:srgbClr val="545C67"/>
+              </a:solidFill>
+              <a:latin typeface="Poppins"/>
+              <a:ea typeface="Poppins"/>
+              <a:cs typeface="Poppins"/>
+              <a:sym typeface="Poppins"/>
+            </a:endParaRPr>
+          </a:p>
+        </p:txBody>
+      </p:sp>
+      <p:pic>
+        <p:nvPicPr>
+          <p:cNvPr id="16" name="Google Shape;59;p1">
+            <a:extLst>
+              <a:ext uri="{FF2B5EF4-FFF2-40B4-BE49-F238E27FC236}">
+                <a16:creationId xmlns:a16="http://schemas.microsoft.com/office/drawing/2014/main" id="{4A80D350-7C48-DE89-C0E9-FF376BD81942}"/>
+              </a:ext>
+            </a:extLst>
+          </p:cNvPr>
+          <p:cNvPicPr preferRelativeResize="0"/>
+          <p:nvPr/>
+        </p:nvPicPr>
+        <p:blipFill>
+          <a:blip r:embed="rId6">
+            <a:alphaModFix/>
+          </a:blip>
+          <a:stretch>
+            <a:fillRect/>
+          </a:stretch>
+        </p:blipFill>
+        <p:spPr>
+          <a:xfrm>
+            <a:off x="767492" y="4584720"/>
+            <a:ext cx="318353" cy="318353"/>
+          </a:xfrm>
+          <a:prstGeom prst="rect">
+            <a:avLst/>
+          </a:prstGeom>
+          <a:noFill/>
+          <a:ln>
+            <a:noFill/>
+          </a:ln>
+        </p:spPr>
+      </p:pic>
+      <p:pic>
+        <p:nvPicPr>
+          <p:cNvPr id="17" name="Google Shape;60;p1">
+            <a:extLst>
+              <a:ext uri="{FF2B5EF4-FFF2-40B4-BE49-F238E27FC236}">
+                <a16:creationId xmlns:a16="http://schemas.microsoft.com/office/drawing/2014/main" id="{903FB1B1-1D44-E7A7-731D-9BB5CBD788E8}"/>
+              </a:ext>
+            </a:extLst>
+          </p:cNvPr>
+          <p:cNvPicPr preferRelativeResize="0"/>
+          <p:nvPr/>
+        </p:nvPicPr>
+        <p:blipFill>
+          <a:blip r:embed="rId7">
+            <a:alphaModFix/>
+          </a:blip>
+          <a:stretch>
+            <a:fillRect/>
+          </a:stretch>
+        </p:blipFill>
+        <p:spPr>
+          <a:xfrm>
+            <a:off x="767492" y="5050747"/>
+            <a:ext cx="318352" cy="318352"/>
+          </a:xfrm>
+          <a:prstGeom prst="rect">
+            <a:avLst/>
+          </a:prstGeom>
+          <a:noFill/>
+          <a:ln>
+            <a:noFill/>
+          </a:ln>
+        </p:spPr>
+      </p:pic>
+      <p:sp>
+        <p:nvSpPr>
+          <p:cNvPr id="18" name="Google Shape;61;p1">
+            <a:extLst>
+              <a:ext uri="{FF2B5EF4-FFF2-40B4-BE49-F238E27FC236}">
+                <a16:creationId xmlns:a16="http://schemas.microsoft.com/office/drawing/2014/main" id="{556A01BA-EA5C-A9A7-B747-DC4FFEF1CD80}"/>
+              </a:ext>
+            </a:extLst>
+          </p:cNvPr>
+          <p:cNvSpPr txBox="1"/>
+          <p:nvPr/>
+        </p:nvSpPr>
+        <p:spPr>
+          <a:xfrm>
+            <a:off x="1174489" y="4527714"/>
+            <a:ext cx="5237930" cy="369300"/>
+          </a:xfrm>
+          <a:prstGeom prst="rect">
+            <a:avLst/>
+          </a:prstGeom>
+          <a:noFill/>
+          <a:ln>
+            <a:noFill/>
+          </a:ln>
+        </p:spPr>
+        <p:txBody>
+          <a:bodyPr spcFirstLastPara="1" wrap="square" lIns="91425" tIns="91425" rIns="91425" bIns="91425" anchor="t" anchorCtr="0">
+            <a:noAutofit/>
+          </a:bodyPr>
+          <a:lstStyle/>
+          <a:p>
+            <a:pPr marL="0" lvl="0" indent="0" algn="l" rtl="0">
+              <a:spcBef>
+                <a:spcPts val="0"/>
+              </a:spcBef>
+              <a:spcAft>
+                <a:spcPts val="0"/>
+              </a:spcAft>
+              <a:buNone/>
+            </a:pPr>
+            <a:r>
+              <a:rPr lang="tr" sz="1500" dirty="0">
+                <a:solidFill>
+                  <a:srgbClr val="292D33"/>
+                </a:solidFill>
+                <a:latin typeface="Poppins"/>
+                <a:ea typeface="Poppins"/>
+                <a:cs typeface="Poppins"/>
+                <a:sym typeface="Poppins"/>
+              </a:rPr>
+              <a:t>hibrahimkalkan</a:t>
+            </a:r>
+            <a:endParaRPr sz="1500" dirty="0">
+              <a:solidFill>
+                <a:srgbClr val="292D33"/>
+              </a:solidFill>
+              <a:latin typeface="Poppins"/>
+              <a:ea typeface="Poppins"/>
+              <a:cs typeface="Poppins"/>
+              <a:sym typeface="Poppins"/>
+            </a:endParaRPr>
+          </a:p>
+        </p:txBody>
+      </p:sp>
+      <p:sp>
+        <p:nvSpPr>
+          <p:cNvPr id="20" name="Google Shape;62;p1">
+            <a:extLst>
+              <a:ext uri="{FF2B5EF4-FFF2-40B4-BE49-F238E27FC236}">
+                <a16:creationId xmlns:a16="http://schemas.microsoft.com/office/drawing/2014/main" id="{CDBE6DED-6AD5-2ED3-6E22-D0642FF041CE}"/>
+              </a:ext>
+            </a:extLst>
+          </p:cNvPr>
+          <p:cNvSpPr txBox="1"/>
+          <p:nvPr/>
+        </p:nvSpPr>
+        <p:spPr>
+          <a:xfrm>
+            <a:off x="1174489" y="4985858"/>
+            <a:ext cx="5237930" cy="369300"/>
+          </a:xfrm>
+          <a:prstGeom prst="rect">
+            <a:avLst/>
+          </a:prstGeom>
+          <a:noFill/>
+          <a:ln>
+            <a:noFill/>
+          </a:ln>
+        </p:spPr>
+        <p:txBody>
+          <a:bodyPr spcFirstLastPara="1" wrap="square" lIns="91425" tIns="91425" rIns="91425" bIns="91425" anchor="t" anchorCtr="0">
+            <a:noAutofit/>
+          </a:bodyPr>
+          <a:lstStyle/>
+          <a:p>
+            <a:pPr marL="0" lvl="0" indent="0" algn="l" rtl="0">
+              <a:spcBef>
+                <a:spcPts val="0"/>
+              </a:spcBef>
+              <a:spcAft>
+                <a:spcPts val="0"/>
+              </a:spcAft>
+              <a:buNone/>
+            </a:pPr>
+            <a:r>
+              <a:rPr lang="tr" sz="1500" dirty="0">
+                <a:solidFill>
+                  <a:srgbClr val="292D33"/>
+                </a:solidFill>
+                <a:latin typeface="Poppins"/>
+                <a:ea typeface="Poppins"/>
+                <a:cs typeface="Poppins"/>
+                <a:sym typeface="Poppins"/>
+              </a:rPr>
+              <a:t>hikalkan</a:t>
+            </a:r>
+            <a:endParaRPr sz="1500" dirty="0">
+              <a:solidFill>
+                <a:srgbClr val="292D33"/>
+              </a:solidFill>
+              <a:latin typeface="Poppins"/>
+              <a:ea typeface="Poppins"/>
+              <a:cs typeface="Poppins"/>
+              <a:sym typeface="Poppins"/>
+            </a:endParaRPr>
+          </a:p>
+        </p:txBody>
+      </p:sp>
+    </p:spTree>
+    <p:extLst>
+      <p:ext uri="{BB962C8B-B14F-4D97-AF65-F5344CB8AC3E}">
+        <p14:creationId xmlns:p14="http://schemas.microsoft.com/office/powerpoint/2010/main" val="1019990287"/>
+      </p:ext>
+    </p:extLst>
+  </p:cSld>
+  <p:clrMapOvr>
+    <a:masterClrMapping/>
+  </p:clrMapOvr>
+</p:sld>
+</file>
+
+<file path=ppt/slides/slide11.xml><?xml version="1.0" encoding="utf-8"?>
+<p:sld xmlns:a="http://schemas.openxmlformats.org/drawingml/2006/main" xmlns:r="http://schemas.openxmlformats.org/officeDocument/2006/relationships" xmlns:p="http://schemas.openxmlformats.org/presentationml/2006/main">
+  <p:cSld>
+    <p:bg>
+      <p:bgPr>
+        <a:blipFill dpi="0" rotWithShape="1">
+          <a:blip r:embed="rId2">
+            <a:lum/>
+          </a:blip>
+          <a:srcRect/>
+          <a:stretch>
+            <a:fillRect/>
+          </a:stretch>
+        </a:blipFill>
+        <a:effectLst/>
+      </p:bgPr>
+    </p:bg>
+    <p:spTree>
+      <p:nvGrpSpPr>
+        <p:cNvPr id="1" name="">
+          <a:extLst>
+            <a:ext uri="{FF2B5EF4-FFF2-40B4-BE49-F238E27FC236}">
+              <a16:creationId xmlns:a16="http://schemas.microsoft.com/office/drawing/2014/main" id="{86F69D71-8E6D-28AB-FE27-84E39574C8CB}"/>
             </a:ext>
           </a:extLst>
         </p:cNvPr>
@@ -4345,7 +4963,7 @@
           <p:cNvPr id="4" name="Metin kutusu 3">
             <a:extLst>
               <a:ext uri="{FF2B5EF4-FFF2-40B4-BE49-F238E27FC236}">
-                <a16:creationId xmlns:a16="http://schemas.microsoft.com/office/drawing/2014/main" id="{FDF85AA1-8AD9-A927-B6CF-0807D4762A5F}"/>
+                <a16:creationId xmlns:a16="http://schemas.microsoft.com/office/drawing/2014/main" id="{A7AC40EC-852D-55F4-31E6-868162D05F2E}"/>
               </a:ext>
             </a:extLst>
           </p:cNvPr>
@@ -4408,7 +5026,7 @@
           <p:cNvPr id="14" name="Metin kutusu 13">
             <a:extLst>
               <a:ext uri="{FF2B5EF4-FFF2-40B4-BE49-F238E27FC236}">
-                <a16:creationId xmlns:a16="http://schemas.microsoft.com/office/drawing/2014/main" id="{9E68AE78-0DC6-55E3-D23B-0DDA53B29FF4}"/>
+                <a16:creationId xmlns:a16="http://schemas.microsoft.com/office/drawing/2014/main" id="{2D4794E0-10B5-13D1-8FA1-1257DA0C3F77}"/>
               </a:ext>
             </a:extLst>
           </p:cNvPr>
@@ -4586,7 +5204,7 @@
     </p:spTree>
     <p:extLst>
       <p:ext uri="{BB962C8B-B14F-4D97-AF65-F5344CB8AC3E}">
-        <p14:creationId xmlns:p14="http://schemas.microsoft.com/office/powerpoint/2010/main" val="1706987494"/>
+        <p14:creationId xmlns:p14="http://schemas.microsoft.com/office/powerpoint/2010/main" val="2494632928"/>
       </p:ext>
     </p:extLst>
   </p:cSld>
@@ -4682,6 +5300,959 @@
 </p:sld>
 </file>
 
+<file path=ppt/slides/slide2.xml><?xml version="1.0" encoding="utf-8"?>
+<p:sld xmlns:a="http://schemas.openxmlformats.org/drawingml/2006/main" xmlns:r="http://schemas.openxmlformats.org/officeDocument/2006/relationships" xmlns:p="http://schemas.openxmlformats.org/presentationml/2006/main">
+  <p:cSld>
+    <p:bg>
+      <p:bgPr>
+        <a:blipFill dpi="0" rotWithShape="1">
+          <a:blip r:embed="rId2">
+            <a:lum/>
+          </a:blip>
+          <a:srcRect/>
+          <a:stretch>
+            <a:fillRect/>
+          </a:stretch>
+        </a:blipFill>
+        <a:effectLst/>
+      </p:bgPr>
+    </p:bg>
+    <p:spTree>
+      <p:nvGrpSpPr>
+        <p:cNvPr id="1" name="">
+          <a:extLst>
+            <a:ext uri="{FF2B5EF4-FFF2-40B4-BE49-F238E27FC236}">
+              <a16:creationId xmlns:a16="http://schemas.microsoft.com/office/drawing/2014/main" id="{2EFEB56F-6A6E-CDE3-46C9-D37CD01B2C77}"/>
+            </a:ext>
+          </a:extLst>
+        </p:cNvPr>
+        <p:cNvGrpSpPr/>
+        <p:nvPr/>
+      </p:nvGrpSpPr>
+      <p:grpSpPr>
+        <a:xfrm>
+          <a:off x="0" y="0"/>
+          <a:ext cx="0" cy="0"/>
+          <a:chOff x="0" y="0"/>
+          <a:chExt cx="0" cy="0"/>
+        </a:xfrm>
+      </p:grpSpPr>
+      <p:sp>
+        <p:nvSpPr>
+          <p:cNvPr id="4" name="Metin kutusu 3">
+            <a:extLst>
+              <a:ext uri="{FF2B5EF4-FFF2-40B4-BE49-F238E27FC236}">
+                <a16:creationId xmlns:a16="http://schemas.microsoft.com/office/drawing/2014/main" id="{FDF85AA1-8AD9-A927-B6CF-0807D4762A5F}"/>
+              </a:ext>
+            </a:extLst>
+          </p:cNvPr>
+          <p:cNvSpPr txBox="1">
+            <a:spLocks/>
+          </p:cNvSpPr>
+          <p:nvPr/>
+        </p:nvSpPr>
+        <p:spPr>
+          <a:xfrm>
+            <a:off x="455849" y="407657"/>
+            <a:ext cx="11239965" cy="708763"/>
+          </a:xfrm>
+          <a:prstGeom prst="rect">
+            <a:avLst/>
+          </a:prstGeom>
+          <a:noFill/>
+        </p:spPr>
+        <p:txBody>
+          <a:bodyPr wrap="square" rtlCol="0">
+            <a:normAutofit/>
+          </a:bodyPr>
+          <a:lstStyle/>
+          <a:p>
+            <a:pPr marL="0" lvl="0" indent="0" algn="l" rtl="0">
+              <a:spcBef>
+                <a:spcPts val="0"/>
+              </a:spcBef>
+              <a:spcAft>
+                <a:spcPts val="0"/>
+              </a:spcAft>
+              <a:buNone/>
+            </a:pPr>
+            <a:r>
+              <a:rPr lang="tr-TR" sz="3600" b="1" dirty="0">
+                <a:solidFill>
+                  <a:srgbClr val="292D33"/>
+                </a:solidFill>
+                <a:latin typeface="Lexend"/>
+                <a:ea typeface="Lexend"/>
+                <a:cs typeface="Lexend"/>
+                <a:sym typeface="Lexend"/>
+              </a:rPr>
+              <a:t>What is an ABP Startup Template?</a:t>
+            </a:r>
+            <a:endParaRPr lang="tr-TR" sz="3600" dirty="0">
+              <a:solidFill>
+                <a:srgbClr val="292D33"/>
+              </a:solidFill>
+              <a:latin typeface="Lexend"/>
+              <a:ea typeface="Lexend"/>
+              <a:cs typeface="Lexend"/>
+              <a:sym typeface="Lexend"/>
+            </a:endParaRPr>
+          </a:p>
+        </p:txBody>
+      </p:sp>
+      <p:sp>
+        <p:nvSpPr>
+          <p:cNvPr id="14" name="Metin kutusu 13">
+            <a:extLst>
+              <a:ext uri="{FF2B5EF4-FFF2-40B4-BE49-F238E27FC236}">
+                <a16:creationId xmlns:a16="http://schemas.microsoft.com/office/drawing/2014/main" id="{9E68AE78-0DC6-55E3-D23B-0DDA53B29FF4}"/>
+              </a:ext>
+            </a:extLst>
+          </p:cNvPr>
+          <p:cNvSpPr txBox="1"/>
+          <p:nvPr/>
+        </p:nvSpPr>
+        <p:spPr>
+          <a:xfrm>
+            <a:off x="455845" y="1250908"/>
+            <a:ext cx="5294505" cy="5121611"/>
+          </a:xfrm>
+          <a:prstGeom prst="rect">
+            <a:avLst/>
+          </a:prstGeom>
+          <a:noFill/>
+        </p:spPr>
+        <p:txBody>
+          <a:bodyPr wrap="square" rtlCol="0">
+            <a:normAutofit/>
+          </a:bodyPr>
+          <a:lstStyle/>
+          <a:p>
+            <a:pPr marL="285750" indent="-285750">
+              <a:buFont typeface="Arial" panose="020B0604020202020204" pitchFamily="34" charset="0"/>
+              <a:buChar char="•"/>
+            </a:pPr>
+            <a:r>
+              <a:rPr lang="tr-TR" sz="2400" dirty="0">
+                <a:solidFill>
+                  <a:srgbClr val="5C6571"/>
+                </a:solidFill>
+                <a:latin typeface="Poppins" pitchFamily="2" charset="0"/>
+                <a:ea typeface="Poppins"/>
+                <a:cs typeface="Poppins" pitchFamily="2" charset="0"/>
+                <a:sym typeface="Poppins"/>
+              </a:rPr>
+              <a:t>Pre-</a:t>
+            </a:r>
+            <a:r>
+              <a:rPr lang="tr-TR" sz="2400" b="1" dirty="0">
+                <a:solidFill>
+                  <a:srgbClr val="5C6571"/>
+                </a:solidFill>
+                <a:latin typeface="Poppins" pitchFamily="2" charset="0"/>
+                <a:ea typeface="Poppins"/>
+                <a:cs typeface="Poppins" pitchFamily="2" charset="0"/>
+                <a:sym typeface="Poppins"/>
+              </a:rPr>
+              <a:t>architected</a:t>
+            </a:r>
+            <a:r>
+              <a:rPr lang="tr-TR" sz="2400" dirty="0">
+                <a:solidFill>
+                  <a:srgbClr val="5C6571"/>
+                </a:solidFill>
+                <a:latin typeface="Poppins" pitchFamily="2" charset="0"/>
+                <a:ea typeface="Poppins"/>
+                <a:cs typeface="Poppins" pitchFamily="2" charset="0"/>
+                <a:sym typeface="Poppins"/>
+              </a:rPr>
+              <a:t> solution structure</a:t>
+            </a:r>
+          </a:p>
+          <a:p>
+            <a:pPr marL="285750" indent="-285750">
+              <a:buFont typeface="Arial" panose="020B0604020202020204" pitchFamily="34" charset="0"/>
+              <a:buChar char="•"/>
+            </a:pPr>
+            <a:r>
+              <a:rPr lang="tr-TR" sz="2400" dirty="0">
+                <a:solidFill>
+                  <a:srgbClr val="5C6571"/>
+                </a:solidFill>
+                <a:latin typeface="Poppins" pitchFamily="2" charset="0"/>
+                <a:ea typeface="Poppins"/>
+                <a:cs typeface="Poppins" pitchFamily="2" charset="0"/>
+                <a:sym typeface="Poppins"/>
+              </a:rPr>
+              <a:t>Well-structured </a:t>
+            </a:r>
+            <a:r>
+              <a:rPr lang="tr-TR" sz="2400" b="1" dirty="0">
+                <a:solidFill>
+                  <a:srgbClr val="5C6571"/>
+                </a:solidFill>
+                <a:latin typeface="Poppins" pitchFamily="2" charset="0"/>
+                <a:ea typeface="Poppins"/>
+                <a:cs typeface="Poppins" pitchFamily="2" charset="0"/>
+                <a:sym typeface="Poppins"/>
+              </a:rPr>
+              <a:t>code organization</a:t>
+            </a:r>
+          </a:p>
+          <a:p>
+            <a:pPr marL="285750" indent="-285750">
+              <a:buFont typeface="Arial" panose="020B0604020202020204" pitchFamily="34" charset="0"/>
+              <a:buChar char="•"/>
+            </a:pPr>
+            <a:r>
+              <a:rPr lang="tr-TR" sz="2400" b="1" dirty="0">
+                <a:solidFill>
+                  <a:srgbClr val="5C6571"/>
+                </a:solidFill>
+                <a:latin typeface="Poppins" pitchFamily="2" charset="0"/>
+                <a:ea typeface="Poppins"/>
+                <a:cs typeface="Poppins" pitchFamily="2" charset="0"/>
+                <a:sym typeface="Poppins"/>
+              </a:rPr>
+              <a:t>Library </a:t>
+            </a:r>
+            <a:r>
+              <a:rPr lang="tr-TR" sz="2400" dirty="0">
+                <a:solidFill>
+                  <a:srgbClr val="5C6571"/>
+                </a:solidFill>
+                <a:latin typeface="Poppins" pitchFamily="2" charset="0"/>
+                <a:ea typeface="Poppins"/>
+                <a:cs typeface="Poppins" pitchFamily="2" charset="0"/>
+                <a:sym typeface="Poppins"/>
+              </a:rPr>
+              <a:t>integrations &amp; configurations</a:t>
+            </a:r>
+          </a:p>
+          <a:p>
+            <a:pPr marL="285750" indent="-285750">
+              <a:buFont typeface="Arial" panose="020B0604020202020204" pitchFamily="34" charset="0"/>
+              <a:buChar char="•"/>
+            </a:pPr>
+            <a:r>
+              <a:rPr lang="tr-TR" sz="2400" dirty="0">
+                <a:solidFill>
+                  <a:srgbClr val="5C6571"/>
+                </a:solidFill>
+                <a:latin typeface="Poppins" pitchFamily="2" charset="0"/>
+                <a:ea typeface="Poppins"/>
+                <a:cs typeface="Poppins" pitchFamily="2" charset="0"/>
+                <a:sym typeface="Poppins"/>
+              </a:rPr>
+              <a:t>Pre-integrated </a:t>
+            </a:r>
+            <a:r>
+              <a:rPr lang="tr-TR" sz="2400" b="1" dirty="0">
+                <a:solidFill>
+                  <a:srgbClr val="5C6571"/>
+                </a:solidFill>
+                <a:latin typeface="Poppins" pitchFamily="2" charset="0"/>
+                <a:ea typeface="Poppins"/>
+                <a:cs typeface="Poppins" pitchFamily="2" charset="0"/>
+                <a:sym typeface="Poppins"/>
+              </a:rPr>
+              <a:t>ABP modules </a:t>
+            </a:r>
+            <a:r>
+              <a:rPr lang="tr-TR" sz="2400" dirty="0">
+                <a:solidFill>
+                  <a:srgbClr val="5C6571"/>
+                </a:solidFill>
+                <a:latin typeface="Poppins" pitchFamily="2" charset="0"/>
+                <a:ea typeface="Poppins"/>
+                <a:cs typeface="Poppins" pitchFamily="2" charset="0"/>
+                <a:sym typeface="Poppins"/>
+              </a:rPr>
+              <a:t>&amp; </a:t>
+            </a:r>
+            <a:r>
+              <a:rPr lang="tr-TR" sz="2400" b="1" dirty="0">
+                <a:solidFill>
+                  <a:srgbClr val="5C6571"/>
+                </a:solidFill>
+                <a:latin typeface="Poppins" pitchFamily="2" charset="0"/>
+                <a:ea typeface="Poppins"/>
+                <a:cs typeface="Poppins" pitchFamily="2" charset="0"/>
+                <a:sym typeface="Poppins"/>
+              </a:rPr>
+              <a:t>themes</a:t>
+            </a:r>
+          </a:p>
+          <a:p>
+            <a:pPr marL="285750" indent="-285750">
+              <a:buFont typeface="Arial" panose="020B0604020202020204" pitchFamily="34" charset="0"/>
+              <a:buChar char="•"/>
+            </a:pPr>
+            <a:r>
+              <a:rPr lang="tr-TR" sz="2400" b="1" dirty="0">
+                <a:solidFill>
+                  <a:srgbClr val="5C6571"/>
+                </a:solidFill>
+                <a:latin typeface="Poppins" pitchFamily="2" charset="0"/>
+                <a:ea typeface="Poppins"/>
+                <a:cs typeface="Poppins" pitchFamily="2" charset="0"/>
+                <a:sym typeface="Poppins"/>
+              </a:rPr>
+              <a:t>Mobile </a:t>
+            </a:r>
+            <a:r>
+              <a:rPr lang="tr-TR" sz="2400" dirty="0">
+                <a:solidFill>
+                  <a:srgbClr val="5C6571"/>
+                </a:solidFill>
+                <a:latin typeface="Poppins" pitchFamily="2" charset="0"/>
+                <a:ea typeface="Poppins"/>
+                <a:cs typeface="Poppins" pitchFamily="2" charset="0"/>
+                <a:sym typeface="Poppins"/>
+              </a:rPr>
+              <a:t>application &amp; </a:t>
+            </a:r>
+            <a:r>
+              <a:rPr lang="tr-TR" sz="2400" b="1" dirty="0">
+                <a:solidFill>
+                  <a:srgbClr val="5C6571"/>
+                </a:solidFill>
+                <a:latin typeface="Poppins" pitchFamily="2" charset="0"/>
+                <a:ea typeface="Poppins"/>
+                <a:cs typeface="Poppins" pitchFamily="2" charset="0"/>
+                <a:sym typeface="Poppins"/>
+              </a:rPr>
+              <a:t>public </a:t>
+            </a:r>
+            <a:r>
+              <a:rPr lang="tr-TR" sz="2400" dirty="0">
+                <a:solidFill>
+                  <a:srgbClr val="5C6571"/>
+                </a:solidFill>
+                <a:latin typeface="Poppins" pitchFamily="2" charset="0"/>
+                <a:ea typeface="Poppins"/>
+                <a:cs typeface="Poppins" pitchFamily="2" charset="0"/>
+                <a:sym typeface="Poppins"/>
+              </a:rPr>
+              <a:t>website options</a:t>
+            </a:r>
+          </a:p>
+          <a:p>
+            <a:pPr marL="285750" indent="-285750">
+              <a:buFont typeface="Arial" panose="020B0604020202020204" pitchFamily="34" charset="0"/>
+              <a:buChar char="•"/>
+            </a:pPr>
+            <a:r>
+              <a:rPr lang="tr-TR" sz="2400" dirty="0">
+                <a:solidFill>
+                  <a:srgbClr val="5C6571"/>
+                </a:solidFill>
+                <a:latin typeface="Poppins" pitchFamily="2" charset="0"/>
+                <a:ea typeface="Poppins"/>
+                <a:cs typeface="Poppins" pitchFamily="2" charset="0"/>
+                <a:sym typeface="Poppins"/>
+              </a:rPr>
+              <a:t>Multiple </a:t>
+            </a:r>
+            <a:r>
+              <a:rPr lang="tr-TR" sz="2400" b="1" dirty="0">
+                <a:solidFill>
+                  <a:srgbClr val="5C6571"/>
+                </a:solidFill>
+                <a:latin typeface="Poppins" pitchFamily="2" charset="0"/>
+                <a:ea typeface="Poppins"/>
+                <a:cs typeface="Poppins" pitchFamily="2" charset="0"/>
+                <a:sym typeface="Poppins"/>
+              </a:rPr>
+              <a:t>Database </a:t>
+            </a:r>
+            <a:r>
+              <a:rPr lang="tr-TR" sz="2400" dirty="0">
+                <a:solidFill>
+                  <a:srgbClr val="5C6571"/>
+                </a:solidFill>
+                <a:latin typeface="Poppins" pitchFamily="2" charset="0"/>
+                <a:ea typeface="Poppins"/>
+                <a:cs typeface="Poppins" pitchFamily="2" charset="0"/>
+                <a:sym typeface="Poppins"/>
+              </a:rPr>
+              <a:t>&amp; </a:t>
+            </a:r>
+            <a:r>
+              <a:rPr lang="tr-TR" sz="2400" b="1" dirty="0">
+                <a:solidFill>
+                  <a:srgbClr val="5C6571"/>
+                </a:solidFill>
+                <a:latin typeface="Poppins" pitchFamily="2" charset="0"/>
+                <a:ea typeface="Poppins"/>
+                <a:cs typeface="Poppins" pitchFamily="2" charset="0"/>
+                <a:sym typeface="Poppins"/>
+              </a:rPr>
+              <a:t>UI </a:t>
+            </a:r>
+            <a:r>
+              <a:rPr lang="tr-TR" sz="2400" dirty="0">
+                <a:solidFill>
+                  <a:srgbClr val="5C6571"/>
+                </a:solidFill>
+                <a:latin typeface="Poppins" pitchFamily="2" charset="0"/>
+                <a:ea typeface="Poppins"/>
+                <a:cs typeface="Poppins" pitchFamily="2" charset="0"/>
+                <a:sym typeface="Poppins"/>
+              </a:rPr>
+              <a:t>Options</a:t>
+            </a:r>
+          </a:p>
+          <a:p>
+            <a:pPr marL="285750" indent="-285750">
+              <a:buFont typeface="Arial" panose="020B0604020202020204" pitchFamily="34" charset="0"/>
+              <a:buChar char="•"/>
+            </a:pPr>
+            <a:r>
+              <a:rPr lang="tr-TR" sz="2400" b="1" dirty="0">
+                <a:solidFill>
+                  <a:srgbClr val="5C6571"/>
+                </a:solidFill>
+                <a:latin typeface="Poppins" pitchFamily="2" charset="0"/>
+                <a:ea typeface="Poppins"/>
+                <a:cs typeface="Poppins" pitchFamily="2" charset="0"/>
+                <a:sym typeface="Poppins"/>
+              </a:rPr>
+              <a:t>Production</a:t>
+            </a:r>
+            <a:r>
+              <a:rPr lang="tr-TR" sz="2400" dirty="0">
+                <a:solidFill>
+                  <a:srgbClr val="5C6571"/>
+                </a:solidFill>
+                <a:latin typeface="Poppins" pitchFamily="2" charset="0"/>
+                <a:ea typeface="Poppins"/>
+                <a:cs typeface="Poppins" pitchFamily="2" charset="0"/>
+                <a:sym typeface="Poppins"/>
+              </a:rPr>
+              <a:t> Ready</a:t>
+            </a:r>
+            <a:endParaRPr lang="en-US" sz="2400" dirty="0">
+              <a:solidFill>
+                <a:srgbClr val="5C6571"/>
+              </a:solidFill>
+              <a:latin typeface="Poppins SemiBold" pitchFamily="2" charset="0"/>
+              <a:ea typeface="Poppins"/>
+              <a:cs typeface="Poppins SemiBold" pitchFamily="2" charset="0"/>
+              <a:sym typeface="Poppins"/>
+            </a:endParaRPr>
+          </a:p>
+        </p:txBody>
+      </p:sp>
+      <p:pic>
+        <p:nvPicPr>
+          <p:cNvPr id="3" name="Picture 2">
+            <a:extLst>
+              <a:ext uri="{FF2B5EF4-FFF2-40B4-BE49-F238E27FC236}">
+                <a16:creationId xmlns:a16="http://schemas.microsoft.com/office/drawing/2014/main" id="{30B09F68-57B1-FCB3-B95C-4819AA4295A3}"/>
+              </a:ext>
+            </a:extLst>
+          </p:cNvPr>
+          <p:cNvPicPr>
+            <a:picLocks noChangeAspect="1"/>
+          </p:cNvPicPr>
+          <p:nvPr/>
+        </p:nvPicPr>
+        <p:blipFill>
+          <a:blip r:embed="rId3"/>
+          <a:stretch>
+            <a:fillRect/>
+          </a:stretch>
+        </p:blipFill>
+        <p:spPr>
+          <a:xfrm>
+            <a:off x="5906670" y="1448193"/>
+            <a:ext cx="5789144" cy="3961614"/>
+          </a:xfrm>
+          <a:prstGeom prst="roundRect">
+            <a:avLst>
+              <a:gd name="adj" fmla="val 2617"/>
+            </a:avLst>
+          </a:prstGeom>
+          <a:effectLst>
+            <a:outerShdw blurRad="50800" dist="38100" dir="2700000" algn="tl" rotWithShape="0">
+              <a:prstClr val="black">
+                <a:alpha val="40000"/>
+              </a:prstClr>
+            </a:outerShdw>
+          </a:effectLst>
+        </p:spPr>
+      </p:pic>
+    </p:spTree>
+    <p:extLst>
+      <p:ext uri="{BB962C8B-B14F-4D97-AF65-F5344CB8AC3E}">
+        <p14:creationId xmlns:p14="http://schemas.microsoft.com/office/powerpoint/2010/main" val="1706987494"/>
+      </p:ext>
+    </p:extLst>
+  </p:cSld>
+  <p:clrMapOvr>
+    <a:masterClrMapping/>
+  </p:clrMapOvr>
+  <p:timing>
+    <p:tnLst>
+      <p:par>
+        <p:cTn id="1" dur="indefinite" restart="never" nodeType="tmRoot">
+          <p:childTnLst>
+            <p:seq concurrent="1" nextAc="seek">
+              <p:cTn id="2" dur="indefinite" nodeType="mainSeq">
+                <p:childTnLst>
+                  <p:par>
+                    <p:cTn id="3" fill="hold">
+                      <p:stCondLst>
+                        <p:cond delay="indefinite"/>
+                      </p:stCondLst>
+                      <p:childTnLst>
+                        <p:par>
+                          <p:cTn id="4" fill="hold">
+                            <p:stCondLst>
+                              <p:cond delay="0"/>
+                            </p:stCondLst>
+                            <p:childTnLst>
+                              <p:par>
+                                <p:cTn id="5" presetID="10" presetClass="entr" presetSubtype="0" fill="hold" nodeType="clickEffect">
+                                  <p:stCondLst>
+                                    <p:cond delay="0"/>
+                                  </p:stCondLst>
+                                  <p:childTnLst>
+                                    <p:set>
+                                      <p:cBhvr>
+                                        <p:cTn id="6" dur="1" fill="hold">
+                                          <p:stCondLst>
+                                            <p:cond delay="0"/>
+                                          </p:stCondLst>
+                                        </p:cTn>
+                                        <p:tgtEl>
+                                          <p:spTgt spid="14">
+                                            <p:txEl>
+                                              <p:pRg st="0" end="0"/>
+                                            </p:txEl>
+                                          </p:spTgt>
+                                        </p:tgtEl>
+                                        <p:attrNameLst>
+                                          <p:attrName>style.visibility</p:attrName>
+                                        </p:attrNameLst>
+                                      </p:cBhvr>
+                                      <p:to>
+                                        <p:strVal val="visible"/>
+                                      </p:to>
+                                    </p:set>
+                                    <p:animEffect transition="in" filter="fade">
+                                      <p:cBhvr>
+                                        <p:cTn id="7" dur="500"/>
+                                        <p:tgtEl>
+                                          <p:spTgt spid="14">
+                                            <p:txEl>
+                                              <p:pRg st="0" end="0"/>
+                                            </p:txEl>
+                                          </p:spTgt>
+                                        </p:tgtEl>
+                                      </p:cBhvr>
+                                    </p:animEffect>
+                                  </p:childTnLst>
+                                </p:cTn>
+                              </p:par>
+                            </p:childTnLst>
+                          </p:cTn>
+                        </p:par>
+                      </p:childTnLst>
+                    </p:cTn>
+                  </p:par>
+                  <p:par>
+                    <p:cTn id="8" fill="hold">
+                      <p:stCondLst>
+                        <p:cond delay="indefinite"/>
+                      </p:stCondLst>
+                      <p:childTnLst>
+                        <p:par>
+                          <p:cTn id="9" fill="hold">
+                            <p:stCondLst>
+                              <p:cond delay="0"/>
+                            </p:stCondLst>
+                            <p:childTnLst>
+                              <p:par>
+                                <p:cTn id="10" presetID="10" presetClass="entr" presetSubtype="0" fill="hold" nodeType="clickEffect">
+                                  <p:stCondLst>
+                                    <p:cond delay="0"/>
+                                  </p:stCondLst>
+                                  <p:childTnLst>
+                                    <p:set>
+                                      <p:cBhvr>
+                                        <p:cTn id="11" dur="1" fill="hold">
+                                          <p:stCondLst>
+                                            <p:cond delay="0"/>
+                                          </p:stCondLst>
+                                        </p:cTn>
+                                        <p:tgtEl>
+                                          <p:spTgt spid="14">
+                                            <p:txEl>
+                                              <p:pRg st="1" end="1"/>
+                                            </p:txEl>
+                                          </p:spTgt>
+                                        </p:tgtEl>
+                                        <p:attrNameLst>
+                                          <p:attrName>style.visibility</p:attrName>
+                                        </p:attrNameLst>
+                                      </p:cBhvr>
+                                      <p:to>
+                                        <p:strVal val="visible"/>
+                                      </p:to>
+                                    </p:set>
+                                    <p:animEffect transition="in" filter="fade">
+                                      <p:cBhvr>
+                                        <p:cTn id="12" dur="500"/>
+                                        <p:tgtEl>
+                                          <p:spTgt spid="14">
+                                            <p:txEl>
+                                              <p:pRg st="1" end="1"/>
+                                            </p:txEl>
+                                          </p:spTgt>
+                                        </p:tgtEl>
+                                      </p:cBhvr>
+                                    </p:animEffect>
+                                  </p:childTnLst>
+                                </p:cTn>
+                              </p:par>
+                            </p:childTnLst>
+                          </p:cTn>
+                        </p:par>
+                      </p:childTnLst>
+                    </p:cTn>
+                  </p:par>
+                  <p:par>
+                    <p:cTn id="13" fill="hold">
+                      <p:stCondLst>
+                        <p:cond delay="indefinite"/>
+                      </p:stCondLst>
+                      <p:childTnLst>
+                        <p:par>
+                          <p:cTn id="14" fill="hold">
+                            <p:stCondLst>
+                              <p:cond delay="0"/>
+                            </p:stCondLst>
+                            <p:childTnLst>
+                              <p:par>
+                                <p:cTn id="15" presetID="10" presetClass="entr" presetSubtype="0" fill="hold" nodeType="clickEffect">
+                                  <p:stCondLst>
+                                    <p:cond delay="0"/>
+                                  </p:stCondLst>
+                                  <p:childTnLst>
+                                    <p:set>
+                                      <p:cBhvr>
+                                        <p:cTn id="16" dur="1" fill="hold">
+                                          <p:stCondLst>
+                                            <p:cond delay="0"/>
+                                          </p:stCondLst>
+                                        </p:cTn>
+                                        <p:tgtEl>
+                                          <p:spTgt spid="14">
+                                            <p:txEl>
+                                              <p:pRg st="2" end="2"/>
+                                            </p:txEl>
+                                          </p:spTgt>
+                                        </p:tgtEl>
+                                        <p:attrNameLst>
+                                          <p:attrName>style.visibility</p:attrName>
+                                        </p:attrNameLst>
+                                      </p:cBhvr>
+                                      <p:to>
+                                        <p:strVal val="visible"/>
+                                      </p:to>
+                                    </p:set>
+                                    <p:animEffect transition="in" filter="fade">
+                                      <p:cBhvr>
+                                        <p:cTn id="17" dur="500"/>
+                                        <p:tgtEl>
+                                          <p:spTgt spid="14">
+                                            <p:txEl>
+                                              <p:pRg st="2" end="2"/>
+                                            </p:txEl>
+                                          </p:spTgt>
+                                        </p:tgtEl>
+                                      </p:cBhvr>
+                                    </p:animEffect>
+                                  </p:childTnLst>
+                                </p:cTn>
+                              </p:par>
+                            </p:childTnLst>
+                          </p:cTn>
+                        </p:par>
+                      </p:childTnLst>
+                    </p:cTn>
+                  </p:par>
+                  <p:par>
+                    <p:cTn id="18" fill="hold">
+                      <p:stCondLst>
+                        <p:cond delay="indefinite"/>
+                      </p:stCondLst>
+                      <p:childTnLst>
+                        <p:par>
+                          <p:cTn id="19" fill="hold">
+                            <p:stCondLst>
+                              <p:cond delay="0"/>
+                            </p:stCondLst>
+                            <p:childTnLst>
+                              <p:par>
+                                <p:cTn id="20" presetID="10" presetClass="entr" presetSubtype="0" fill="hold" nodeType="clickEffect">
+                                  <p:stCondLst>
+                                    <p:cond delay="0"/>
+                                  </p:stCondLst>
+                                  <p:childTnLst>
+                                    <p:set>
+                                      <p:cBhvr>
+                                        <p:cTn id="21" dur="1" fill="hold">
+                                          <p:stCondLst>
+                                            <p:cond delay="0"/>
+                                          </p:stCondLst>
+                                        </p:cTn>
+                                        <p:tgtEl>
+                                          <p:spTgt spid="14">
+                                            <p:txEl>
+                                              <p:pRg st="3" end="3"/>
+                                            </p:txEl>
+                                          </p:spTgt>
+                                        </p:tgtEl>
+                                        <p:attrNameLst>
+                                          <p:attrName>style.visibility</p:attrName>
+                                        </p:attrNameLst>
+                                      </p:cBhvr>
+                                      <p:to>
+                                        <p:strVal val="visible"/>
+                                      </p:to>
+                                    </p:set>
+                                    <p:animEffect transition="in" filter="fade">
+                                      <p:cBhvr>
+                                        <p:cTn id="22" dur="500"/>
+                                        <p:tgtEl>
+                                          <p:spTgt spid="14">
+                                            <p:txEl>
+                                              <p:pRg st="3" end="3"/>
+                                            </p:txEl>
+                                          </p:spTgt>
+                                        </p:tgtEl>
+                                      </p:cBhvr>
+                                    </p:animEffect>
+                                  </p:childTnLst>
+                                </p:cTn>
+                              </p:par>
+                            </p:childTnLst>
+                          </p:cTn>
+                        </p:par>
+                      </p:childTnLst>
+                    </p:cTn>
+                  </p:par>
+                  <p:par>
+                    <p:cTn id="23" fill="hold">
+                      <p:stCondLst>
+                        <p:cond delay="indefinite"/>
+                      </p:stCondLst>
+                      <p:childTnLst>
+                        <p:par>
+                          <p:cTn id="24" fill="hold">
+                            <p:stCondLst>
+                              <p:cond delay="0"/>
+                            </p:stCondLst>
+                            <p:childTnLst>
+                              <p:par>
+                                <p:cTn id="25" presetID="10" presetClass="entr" presetSubtype="0" fill="hold" nodeType="clickEffect">
+                                  <p:stCondLst>
+                                    <p:cond delay="0"/>
+                                  </p:stCondLst>
+                                  <p:childTnLst>
+                                    <p:set>
+                                      <p:cBhvr>
+                                        <p:cTn id="26" dur="1" fill="hold">
+                                          <p:stCondLst>
+                                            <p:cond delay="0"/>
+                                          </p:stCondLst>
+                                        </p:cTn>
+                                        <p:tgtEl>
+                                          <p:spTgt spid="14">
+                                            <p:txEl>
+                                              <p:pRg st="4" end="4"/>
+                                            </p:txEl>
+                                          </p:spTgt>
+                                        </p:tgtEl>
+                                        <p:attrNameLst>
+                                          <p:attrName>style.visibility</p:attrName>
+                                        </p:attrNameLst>
+                                      </p:cBhvr>
+                                      <p:to>
+                                        <p:strVal val="visible"/>
+                                      </p:to>
+                                    </p:set>
+                                    <p:animEffect transition="in" filter="fade">
+                                      <p:cBhvr>
+                                        <p:cTn id="27" dur="500"/>
+                                        <p:tgtEl>
+                                          <p:spTgt spid="14">
+                                            <p:txEl>
+                                              <p:pRg st="4" end="4"/>
+                                            </p:txEl>
+                                          </p:spTgt>
+                                        </p:tgtEl>
+                                      </p:cBhvr>
+                                    </p:animEffect>
+                                  </p:childTnLst>
+                                </p:cTn>
+                              </p:par>
+                            </p:childTnLst>
+                          </p:cTn>
+                        </p:par>
+                      </p:childTnLst>
+                    </p:cTn>
+                  </p:par>
+                  <p:par>
+                    <p:cTn id="28" fill="hold">
+                      <p:stCondLst>
+                        <p:cond delay="indefinite"/>
+                      </p:stCondLst>
+                      <p:childTnLst>
+                        <p:par>
+                          <p:cTn id="29" fill="hold">
+                            <p:stCondLst>
+                              <p:cond delay="0"/>
+                            </p:stCondLst>
+                            <p:childTnLst>
+                              <p:par>
+                                <p:cTn id="30" presetID="10" presetClass="entr" presetSubtype="0" fill="hold" nodeType="clickEffect">
+                                  <p:stCondLst>
+                                    <p:cond delay="0"/>
+                                  </p:stCondLst>
+                                  <p:childTnLst>
+                                    <p:set>
+                                      <p:cBhvr>
+                                        <p:cTn id="31" dur="1" fill="hold">
+                                          <p:stCondLst>
+                                            <p:cond delay="0"/>
+                                          </p:stCondLst>
+                                        </p:cTn>
+                                        <p:tgtEl>
+                                          <p:spTgt spid="14">
+                                            <p:txEl>
+                                              <p:pRg st="5" end="5"/>
+                                            </p:txEl>
+                                          </p:spTgt>
+                                        </p:tgtEl>
+                                        <p:attrNameLst>
+                                          <p:attrName>style.visibility</p:attrName>
+                                        </p:attrNameLst>
+                                      </p:cBhvr>
+                                      <p:to>
+                                        <p:strVal val="visible"/>
+                                      </p:to>
+                                    </p:set>
+                                    <p:animEffect transition="in" filter="fade">
+                                      <p:cBhvr>
+                                        <p:cTn id="32" dur="500"/>
+                                        <p:tgtEl>
+                                          <p:spTgt spid="14">
+                                            <p:txEl>
+                                              <p:pRg st="5" end="5"/>
+                                            </p:txEl>
+                                          </p:spTgt>
+                                        </p:tgtEl>
+                                      </p:cBhvr>
+                                    </p:animEffect>
+                                  </p:childTnLst>
+                                </p:cTn>
+                              </p:par>
+                            </p:childTnLst>
+                          </p:cTn>
+                        </p:par>
+                      </p:childTnLst>
+                    </p:cTn>
+                  </p:par>
+                  <p:par>
+                    <p:cTn id="33" fill="hold">
+                      <p:stCondLst>
+                        <p:cond delay="indefinite"/>
+                      </p:stCondLst>
+                      <p:childTnLst>
+                        <p:par>
+                          <p:cTn id="34" fill="hold">
+                            <p:stCondLst>
+                              <p:cond delay="0"/>
+                            </p:stCondLst>
+                            <p:childTnLst>
+                              <p:par>
+                                <p:cTn id="35" presetID="10" presetClass="entr" presetSubtype="0" fill="hold" nodeType="clickEffect">
+                                  <p:stCondLst>
+                                    <p:cond delay="0"/>
+                                  </p:stCondLst>
+                                  <p:childTnLst>
+                                    <p:set>
+                                      <p:cBhvr>
+                                        <p:cTn id="36" dur="1" fill="hold">
+                                          <p:stCondLst>
+                                            <p:cond delay="0"/>
+                                          </p:stCondLst>
+                                        </p:cTn>
+                                        <p:tgtEl>
+                                          <p:spTgt spid="14">
+                                            <p:txEl>
+                                              <p:pRg st="6" end="6"/>
+                                            </p:txEl>
+                                          </p:spTgt>
+                                        </p:tgtEl>
+                                        <p:attrNameLst>
+                                          <p:attrName>style.visibility</p:attrName>
+                                        </p:attrNameLst>
+                                      </p:cBhvr>
+                                      <p:to>
+                                        <p:strVal val="visible"/>
+                                      </p:to>
+                                    </p:set>
+                                    <p:animEffect transition="in" filter="fade">
+                                      <p:cBhvr>
+                                        <p:cTn id="37" dur="500"/>
+                                        <p:tgtEl>
+                                          <p:spTgt spid="14">
+                                            <p:txEl>
+                                              <p:pRg st="6" end="6"/>
+                                            </p:txEl>
+                                          </p:spTgt>
+                                        </p:tgtEl>
+                                      </p:cBhvr>
+                                    </p:animEffect>
+                                  </p:childTnLst>
+                                </p:cTn>
+                              </p:par>
+                            </p:childTnLst>
+                          </p:cTn>
+                        </p:par>
+                      </p:childTnLst>
+                    </p:cTn>
+                  </p:par>
+                </p:childTnLst>
+              </p:cTn>
+              <p:prevCondLst>
+                <p:cond evt="onPrev" delay="0">
+                  <p:tgtEl>
+                    <p:sldTgt/>
+                  </p:tgtEl>
+                </p:cond>
+              </p:prevCondLst>
+              <p:nextCondLst>
+                <p:cond evt="onNext" delay="0">
+                  <p:tgtEl>
+                    <p:sldTgt/>
+                  </p:tgtEl>
+                </p:cond>
+              </p:nextCondLst>
+            </p:seq>
+          </p:childTnLst>
+        </p:cTn>
+      </p:par>
+    </p:tnLst>
+  </p:timing>
+</p:sld>
+</file>
+
 <file path=ppt/slides/slide3.xml><?xml version="1.0" encoding="utf-8"?>
 <p:sld xmlns:a="http://schemas.openxmlformats.org/drawingml/2006/main" xmlns:r="http://schemas.openxmlformats.org/officeDocument/2006/relationships" xmlns:p="http://schemas.openxmlformats.org/presentationml/2006/main">
   <p:cSld>
@@ -4704,7 +6275,7 @@
         <p:cNvPr id="1" name="">
           <a:extLst>
             <a:ext uri="{FF2B5EF4-FFF2-40B4-BE49-F238E27FC236}">
-              <a16:creationId xmlns:a16="http://schemas.microsoft.com/office/drawing/2014/main" id="{2C17BB97-BCC9-574E-59F2-851978B4FE26}"/>
+              <a16:creationId xmlns:a16="http://schemas.microsoft.com/office/drawing/2014/main" id="{BD09C046-33B7-B84C-5929-2BA0774B48E5}"/>
             </a:ext>
           </a:extLst>
         </p:cNvPr>
@@ -4721,10 +6292,10 @@
       </p:grpSpPr>
       <p:sp>
         <p:nvSpPr>
-          <p:cNvPr id="8" name="Metin kutusu 7">
-            <a:extLst>
-              <a:ext uri="{FF2B5EF4-FFF2-40B4-BE49-F238E27FC236}">
-                <a16:creationId xmlns:a16="http://schemas.microsoft.com/office/drawing/2014/main" id="{3551E258-AE4B-89EC-1439-33807E9C38DB}"/>
+          <p:cNvPr id="4" name="Metin kutusu 3">
+            <a:extLst>
+              <a:ext uri="{FF2B5EF4-FFF2-40B4-BE49-F238E27FC236}">
+                <a16:creationId xmlns:a16="http://schemas.microsoft.com/office/drawing/2014/main" id="{194A2DF2-379F-0D90-0D77-3A29D848E7B1}"/>
               </a:ext>
             </a:extLst>
           </p:cNvPr>
@@ -4735,8 +6306,8 @@
         </p:nvSpPr>
         <p:spPr>
           <a:xfrm>
-            <a:off x="709617" y="1333647"/>
-            <a:ext cx="6856282" cy="1501200"/>
+            <a:off x="455849" y="407657"/>
+            <a:ext cx="11239965" cy="708763"/>
           </a:xfrm>
           <a:prstGeom prst="rect">
             <a:avLst/>
@@ -4759,18 +6330,652 @@
               <a:buNone/>
             </a:pPr>
             <a:r>
-              <a:rPr lang="tr-TR" sz="4500" b="1" dirty="0">
+              <a:rPr lang="tr-TR" sz="3600" b="1" dirty="0">
                 <a:solidFill>
-                  <a:srgbClr val="292D32"/>
+                  <a:srgbClr val="292D33"/>
                 </a:solidFill>
-                <a:latin typeface="Lexend" pitchFamily="2" charset="0"/>
+                <a:latin typeface="Lexend"/>
                 <a:ea typeface="Lexend"/>
                 <a:cs typeface="Lexend"/>
                 <a:sym typeface="Lexend"/>
               </a:rPr>
-              <a:t>THANKS FOR </a:t>
-            </a:r>
-          </a:p>
+              <a:t>Documentation</a:t>
+            </a:r>
+            <a:endParaRPr lang="tr-TR" sz="3600" dirty="0">
+              <a:solidFill>
+                <a:srgbClr val="292D33"/>
+              </a:solidFill>
+              <a:latin typeface="Lexend"/>
+              <a:ea typeface="Lexend"/>
+              <a:cs typeface="Lexend"/>
+              <a:sym typeface="Lexend"/>
+            </a:endParaRPr>
+          </a:p>
+        </p:txBody>
+      </p:sp>
+      <p:sp>
+        <p:nvSpPr>
+          <p:cNvPr id="14" name="Metin kutusu 13">
+            <a:extLst>
+              <a:ext uri="{FF2B5EF4-FFF2-40B4-BE49-F238E27FC236}">
+                <a16:creationId xmlns:a16="http://schemas.microsoft.com/office/drawing/2014/main" id="{2E74EB3E-688E-A8D5-9B87-9C94747A73EC}"/>
+              </a:ext>
+            </a:extLst>
+          </p:cNvPr>
+          <p:cNvSpPr txBox="1"/>
+          <p:nvPr/>
+        </p:nvSpPr>
+        <p:spPr>
+          <a:xfrm>
+            <a:off x="455846" y="1446009"/>
+            <a:ext cx="4741795" cy="3965984"/>
+          </a:xfrm>
+          <a:prstGeom prst="rect">
+            <a:avLst/>
+          </a:prstGeom>
+          <a:noFill/>
+        </p:spPr>
+        <p:txBody>
+          <a:bodyPr wrap="square" rtlCol="0" anchor="ctr">
+            <a:normAutofit/>
+          </a:bodyPr>
+          <a:lstStyle/>
+          <a:p>
+            <a:pPr marL="285750" indent="-285750">
+              <a:buFont typeface="Arial" panose="020B0604020202020204" pitchFamily="34" charset="0"/>
+              <a:buChar char="•"/>
+            </a:pPr>
+            <a:r>
+              <a:rPr lang="tr-TR" sz="2400" b="1" dirty="0">
+                <a:solidFill>
+                  <a:srgbClr val="5C6571"/>
+                </a:solidFill>
+                <a:latin typeface="Poppins" pitchFamily="2" charset="0"/>
+                <a:ea typeface="Poppins"/>
+                <a:cs typeface="Poppins" pitchFamily="2" charset="0"/>
+                <a:sym typeface="Poppins"/>
+              </a:rPr>
+              <a:t>Getting Started</a:t>
+            </a:r>
+            <a:br>
+              <a:rPr lang="tr-TR" sz="2400" dirty="0">
+                <a:solidFill>
+                  <a:srgbClr val="5C6571"/>
+                </a:solidFill>
+                <a:latin typeface="Poppins" pitchFamily="2" charset="0"/>
+                <a:ea typeface="Poppins"/>
+                <a:cs typeface="Poppins" pitchFamily="2" charset="0"/>
+                <a:sym typeface="Poppins"/>
+              </a:rPr>
+            </a:br>
+            <a:r>
+              <a:rPr lang="tr-TR" sz="2400" dirty="0">
+                <a:solidFill>
+                  <a:srgbClr val="5C6571"/>
+                </a:solidFill>
+                <a:latin typeface="Poppins" pitchFamily="2" charset="0"/>
+                <a:ea typeface="Poppins"/>
+                <a:cs typeface="Poppins" pitchFamily="2" charset="0"/>
+                <a:sym typeface="Poppins"/>
+              </a:rPr>
+              <a:t>Create &amp; run a solution</a:t>
+            </a:r>
+          </a:p>
+          <a:p>
+            <a:endParaRPr lang="tr-TR" sz="2400" dirty="0">
+              <a:solidFill>
+                <a:srgbClr val="5C6571"/>
+              </a:solidFill>
+              <a:latin typeface="Poppins" pitchFamily="2" charset="0"/>
+              <a:ea typeface="Poppins"/>
+              <a:cs typeface="Poppins" pitchFamily="2" charset="0"/>
+              <a:sym typeface="Poppins"/>
+            </a:endParaRPr>
+          </a:p>
+          <a:p>
+            <a:pPr marL="285750" indent="-285750">
+              <a:buFont typeface="Arial" panose="020B0604020202020204" pitchFamily="34" charset="0"/>
+              <a:buChar char="•"/>
+            </a:pPr>
+            <a:r>
+              <a:rPr lang="tr-TR" sz="2400" b="1" dirty="0">
+                <a:solidFill>
+                  <a:srgbClr val="5C6571"/>
+                </a:solidFill>
+                <a:latin typeface="Poppins" pitchFamily="2" charset="0"/>
+                <a:ea typeface="Poppins"/>
+                <a:cs typeface="Poppins" pitchFamily="2" charset="0"/>
+                <a:sym typeface="Poppins"/>
+              </a:rPr>
+              <a:t>Tutorial</a:t>
+            </a:r>
+            <a:br>
+              <a:rPr lang="tr-TR" sz="2400" dirty="0">
+                <a:solidFill>
+                  <a:srgbClr val="5C6571"/>
+                </a:solidFill>
+                <a:latin typeface="Poppins" pitchFamily="2" charset="0"/>
+                <a:ea typeface="Poppins"/>
+                <a:cs typeface="Poppins" pitchFamily="2" charset="0"/>
+                <a:sym typeface="Poppins"/>
+              </a:rPr>
+            </a:br>
+            <a:r>
+              <a:rPr lang="tr-TR" sz="2400" dirty="0">
+                <a:solidFill>
+                  <a:srgbClr val="5C6571"/>
+                </a:solidFill>
+                <a:latin typeface="Poppins" pitchFamily="2" charset="0"/>
+                <a:ea typeface="Poppins"/>
+                <a:cs typeface="Poppins" pitchFamily="2" charset="0"/>
+                <a:sym typeface="Poppins"/>
+              </a:rPr>
+              <a:t>Develop an application</a:t>
+            </a:r>
+          </a:p>
+          <a:p>
+            <a:endParaRPr lang="tr-TR" sz="2400" dirty="0">
+              <a:solidFill>
+                <a:srgbClr val="5C6571"/>
+              </a:solidFill>
+              <a:latin typeface="Poppins" pitchFamily="2" charset="0"/>
+              <a:ea typeface="Poppins"/>
+              <a:cs typeface="Poppins" pitchFamily="2" charset="0"/>
+              <a:sym typeface="Poppins"/>
+            </a:endParaRPr>
+          </a:p>
+          <a:p>
+            <a:pPr marL="285750" indent="-285750">
+              <a:buFont typeface="Arial" panose="020B0604020202020204" pitchFamily="34" charset="0"/>
+              <a:buChar char="•"/>
+            </a:pPr>
+            <a:r>
+              <a:rPr lang="tr-TR" sz="2400" b="1" dirty="0">
+                <a:solidFill>
+                  <a:srgbClr val="5C6571"/>
+                </a:solidFill>
+                <a:latin typeface="Poppins" pitchFamily="2" charset="0"/>
+                <a:ea typeface="Poppins"/>
+                <a:cs typeface="Poppins" pitchFamily="2" charset="0"/>
+                <a:sym typeface="Poppins"/>
+              </a:rPr>
+              <a:t>Solution Structure</a:t>
+            </a:r>
+            <a:br>
+              <a:rPr lang="tr-TR" sz="2400" dirty="0">
+                <a:solidFill>
+                  <a:srgbClr val="5C6571"/>
+                </a:solidFill>
+                <a:latin typeface="Poppins" pitchFamily="2" charset="0"/>
+                <a:ea typeface="Poppins"/>
+                <a:cs typeface="Poppins" pitchFamily="2" charset="0"/>
+                <a:sym typeface="Poppins"/>
+              </a:rPr>
+            </a:br>
+            <a:r>
+              <a:rPr lang="tr-TR" sz="2400" dirty="0">
+                <a:solidFill>
+                  <a:srgbClr val="5C6571"/>
+                </a:solidFill>
+                <a:latin typeface="Poppins" pitchFamily="2" charset="0"/>
+                <a:ea typeface="Poppins"/>
+                <a:cs typeface="Poppins" pitchFamily="2" charset="0"/>
+                <a:sym typeface="Poppins"/>
+              </a:rPr>
+              <a:t>All details of the solution</a:t>
+            </a:r>
+            <a:endParaRPr lang="en-US" sz="2400" dirty="0">
+              <a:solidFill>
+                <a:srgbClr val="5C6571"/>
+              </a:solidFill>
+              <a:latin typeface="Poppins SemiBold" pitchFamily="2" charset="0"/>
+              <a:ea typeface="Poppins"/>
+              <a:cs typeface="Poppins SemiBold" pitchFamily="2" charset="0"/>
+              <a:sym typeface="Poppins"/>
+            </a:endParaRPr>
+          </a:p>
+        </p:txBody>
+      </p:sp>
+      <p:pic>
+        <p:nvPicPr>
+          <p:cNvPr id="3" name="Picture 2">
+            <a:extLst>
+              <a:ext uri="{FF2B5EF4-FFF2-40B4-BE49-F238E27FC236}">
+                <a16:creationId xmlns:a16="http://schemas.microsoft.com/office/drawing/2014/main" id="{19E0F4D0-D4C1-B745-4294-16061CC9EEDD}"/>
+              </a:ext>
+            </a:extLst>
+          </p:cNvPr>
+          <p:cNvPicPr>
+            <a:picLocks noChangeAspect="1"/>
+          </p:cNvPicPr>
+          <p:nvPr/>
+        </p:nvPicPr>
+        <p:blipFill>
+          <a:blip r:embed="rId3"/>
+          <a:stretch>
+            <a:fillRect/>
+          </a:stretch>
+        </p:blipFill>
+        <p:spPr>
+          <a:xfrm>
+            <a:off x="5244419" y="1446008"/>
+            <a:ext cx="6491735" cy="3965984"/>
+          </a:xfrm>
+          <a:prstGeom prst="roundRect">
+            <a:avLst>
+              <a:gd name="adj" fmla="val 3427"/>
+            </a:avLst>
+          </a:prstGeom>
+          <a:effectLst>
+            <a:outerShdw blurRad="50800" dist="38100" dir="2700000" algn="tl" rotWithShape="0">
+              <a:prstClr val="black">
+                <a:alpha val="40000"/>
+              </a:prstClr>
+            </a:outerShdw>
+          </a:effectLst>
+        </p:spPr>
+      </p:pic>
+      <p:sp>
+        <p:nvSpPr>
+          <p:cNvPr id="5" name="TextBox 4">
+            <a:extLst>
+              <a:ext uri="{FF2B5EF4-FFF2-40B4-BE49-F238E27FC236}">
+                <a16:creationId xmlns:a16="http://schemas.microsoft.com/office/drawing/2014/main" id="{BBED2FD6-2038-FE4B-0D8D-216AA88EB007}"/>
+              </a:ext>
+            </a:extLst>
+          </p:cNvPr>
+          <p:cNvSpPr txBox="1"/>
+          <p:nvPr/>
+        </p:nvSpPr>
+        <p:spPr>
+          <a:xfrm>
+            <a:off x="1611516" y="5411991"/>
+            <a:ext cx="1861407" cy="769441"/>
+          </a:xfrm>
+          <a:prstGeom prst="rect">
+            <a:avLst/>
+          </a:prstGeom>
+          <a:noFill/>
+        </p:spPr>
+        <p:txBody>
+          <a:bodyPr wrap="none" rtlCol="0">
+            <a:spAutoFit/>
+          </a:bodyPr>
+          <a:lstStyle/>
+          <a:p>
+            <a:r>
+              <a:rPr lang="tr-TR" sz="4400" b="1" dirty="0">
+                <a:solidFill>
+                  <a:schemeClr val="accent5"/>
+                </a:solidFill>
+                <a:latin typeface="Poppins" panose="00000500000000000000" pitchFamily="2" charset="-94"/>
+                <a:cs typeface="Poppins" panose="00000500000000000000" pitchFamily="2" charset="-94"/>
+              </a:rPr>
+              <a:t>DEMO</a:t>
+            </a:r>
+            <a:endParaRPr lang="en-US" sz="4400" b="1" dirty="0">
+              <a:solidFill>
+                <a:schemeClr val="accent5"/>
+              </a:solidFill>
+              <a:latin typeface="Poppins" panose="00000500000000000000" pitchFamily="2" charset="-94"/>
+              <a:cs typeface="Poppins" panose="00000500000000000000" pitchFamily="2" charset="-94"/>
+            </a:endParaRPr>
+          </a:p>
+        </p:txBody>
+      </p:sp>
+    </p:spTree>
+    <p:extLst>
+      <p:ext uri="{BB962C8B-B14F-4D97-AF65-F5344CB8AC3E}">
+        <p14:creationId xmlns:p14="http://schemas.microsoft.com/office/powerpoint/2010/main" val="3974446807"/>
+      </p:ext>
+    </p:extLst>
+  </p:cSld>
+  <p:clrMapOvr>
+    <a:masterClrMapping/>
+  </p:clrMapOvr>
+  <p:timing>
+    <p:tnLst>
+      <p:par>
+        <p:cTn id="1" dur="indefinite" restart="never" nodeType="tmRoot">
+          <p:childTnLst>
+            <p:seq concurrent="1" nextAc="seek">
+              <p:cTn id="2" dur="indefinite" nodeType="mainSeq">
+                <p:childTnLst>
+                  <p:par>
+                    <p:cTn id="3" fill="hold">
+                      <p:stCondLst>
+                        <p:cond delay="indefinite"/>
+                      </p:stCondLst>
+                      <p:childTnLst>
+                        <p:par>
+                          <p:cTn id="4" fill="hold">
+                            <p:stCondLst>
+                              <p:cond delay="0"/>
+                            </p:stCondLst>
+                            <p:childTnLst>
+                              <p:par>
+                                <p:cTn id="5" presetID="10" presetClass="entr" presetSubtype="0" fill="hold" nodeType="clickEffect">
+                                  <p:stCondLst>
+                                    <p:cond delay="0"/>
+                                  </p:stCondLst>
+                                  <p:childTnLst>
+                                    <p:set>
+                                      <p:cBhvr>
+                                        <p:cTn id="6" dur="1" fill="hold">
+                                          <p:stCondLst>
+                                            <p:cond delay="0"/>
+                                          </p:stCondLst>
+                                        </p:cTn>
+                                        <p:tgtEl>
+                                          <p:spTgt spid="14">
+                                            <p:txEl>
+                                              <p:pRg st="0" end="0"/>
+                                            </p:txEl>
+                                          </p:spTgt>
+                                        </p:tgtEl>
+                                        <p:attrNameLst>
+                                          <p:attrName>style.visibility</p:attrName>
+                                        </p:attrNameLst>
+                                      </p:cBhvr>
+                                      <p:to>
+                                        <p:strVal val="visible"/>
+                                      </p:to>
+                                    </p:set>
+                                    <p:animEffect transition="in" filter="fade">
+                                      <p:cBhvr>
+                                        <p:cTn id="7" dur="500"/>
+                                        <p:tgtEl>
+                                          <p:spTgt spid="14">
+                                            <p:txEl>
+                                              <p:pRg st="0" end="0"/>
+                                            </p:txEl>
+                                          </p:spTgt>
+                                        </p:tgtEl>
+                                      </p:cBhvr>
+                                    </p:animEffect>
+                                  </p:childTnLst>
+                                </p:cTn>
+                              </p:par>
+                            </p:childTnLst>
+                          </p:cTn>
+                        </p:par>
+                      </p:childTnLst>
+                    </p:cTn>
+                  </p:par>
+                  <p:par>
+                    <p:cTn id="8" fill="hold">
+                      <p:stCondLst>
+                        <p:cond delay="indefinite"/>
+                      </p:stCondLst>
+                      <p:childTnLst>
+                        <p:par>
+                          <p:cTn id="9" fill="hold">
+                            <p:stCondLst>
+                              <p:cond delay="0"/>
+                            </p:stCondLst>
+                            <p:childTnLst>
+                              <p:par>
+                                <p:cTn id="10" presetID="10" presetClass="entr" presetSubtype="0" fill="hold" nodeType="clickEffect">
+                                  <p:stCondLst>
+                                    <p:cond delay="0"/>
+                                  </p:stCondLst>
+                                  <p:childTnLst>
+                                    <p:set>
+                                      <p:cBhvr>
+                                        <p:cTn id="11" dur="1" fill="hold">
+                                          <p:stCondLst>
+                                            <p:cond delay="0"/>
+                                          </p:stCondLst>
+                                        </p:cTn>
+                                        <p:tgtEl>
+                                          <p:spTgt spid="14">
+                                            <p:txEl>
+                                              <p:pRg st="2" end="2"/>
+                                            </p:txEl>
+                                          </p:spTgt>
+                                        </p:tgtEl>
+                                        <p:attrNameLst>
+                                          <p:attrName>style.visibility</p:attrName>
+                                        </p:attrNameLst>
+                                      </p:cBhvr>
+                                      <p:to>
+                                        <p:strVal val="visible"/>
+                                      </p:to>
+                                    </p:set>
+                                    <p:animEffect transition="in" filter="fade">
+                                      <p:cBhvr>
+                                        <p:cTn id="12" dur="500"/>
+                                        <p:tgtEl>
+                                          <p:spTgt spid="14">
+                                            <p:txEl>
+                                              <p:pRg st="2" end="2"/>
+                                            </p:txEl>
+                                          </p:spTgt>
+                                        </p:tgtEl>
+                                      </p:cBhvr>
+                                    </p:animEffect>
+                                  </p:childTnLst>
+                                </p:cTn>
+                              </p:par>
+                            </p:childTnLst>
+                          </p:cTn>
+                        </p:par>
+                      </p:childTnLst>
+                    </p:cTn>
+                  </p:par>
+                  <p:par>
+                    <p:cTn id="13" fill="hold">
+                      <p:stCondLst>
+                        <p:cond delay="indefinite"/>
+                      </p:stCondLst>
+                      <p:childTnLst>
+                        <p:par>
+                          <p:cTn id="14" fill="hold">
+                            <p:stCondLst>
+                              <p:cond delay="0"/>
+                            </p:stCondLst>
+                            <p:childTnLst>
+                              <p:par>
+                                <p:cTn id="15" presetID="10" presetClass="entr" presetSubtype="0" fill="hold" nodeType="clickEffect">
+                                  <p:stCondLst>
+                                    <p:cond delay="0"/>
+                                  </p:stCondLst>
+                                  <p:childTnLst>
+                                    <p:set>
+                                      <p:cBhvr>
+                                        <p:cTn id="16" dur="1" fill="hold">
+                                          <p:stCondLst>
+                                            <p:cond delay="0"/>
+                                          </p:stCondLst>
+                                        </p:cTn>
+                                        <p:tgtEl>
+                                          <p:spTgt spid="14">
+                                            <p:txEl>
+                                              <p:pRg st="4" end="4"/>
+                                            </p:txEl>
+                                          </p:spTgt>
+                                        </p:tgtEl>
+                                        <p:attrNameLst>
+                                          <p:attrName>style.visibility</p:attrName>
+                                        </p:attrNameLst>
+                                      </p:cBhvr>
+                                      <p:to>
+                                        <p:strVal val="visible"/>
+                                      </p:to>
+                                    </p:set>
+                                    <p:animEffect transition="in" filter="fade">
+                                      <p:cBhvr>
+                                        <p:cTn id="17" dur="500"/>
+                                        <p:tgtEl>
+                                          <p:spTgt spid="14">
+                                            <p:txEl>
+                                              <p:pRg st="4" end="4"/>
+                                            </p:txEl>
+                                          </p:spTgt>
+                                        </p:tgtEl>
+                                      </p:cBhvr>
+                                    </p:animEffect>
+                                  </p:childTnLst>
+                                </p:cTn>
+                              </p:par>
+                            </p:childTnLst>
+                          </p:cTn>
+                        </p:par>
+                      </p:childTnLst>
+                    </p:cTn>
+                  </p:par>
+                  <p:par>
+                    <p:cTn id="18" fill="hold">
+                      <p:stCondLst>
+                        <p:cond delay="indefinite"/>
+                      </p:stCondLst>
+                      <p:childTnLst>
+                        <p:par>
+                          <p:cTn id="19" fill="hold">
+                            <p:stCondLst>
+                              <p:cond delay="0"/>
+                            </p:stCondLst>
+                            <p:childTnLst>
+                              <p:par>
+                                <p:cTn id="20" presetID="10" presetClass="entr" presetSubtype="0" fill="hold" nodeType="clickEffect">
+                                  <p:stCondLst>
+                                    <p:cond delay="0"/>
+                                  </p:stCondLst>
+                                  <p:childTnLst>
+                                    <p:set>
+                                      <p:cBhvr>
+                                        <p:cTn id="21" dur="1" fill="hold">
+                                          <p:stCondLst>
+                                            <p:cond delay="0"/>
+                                          </p:stCondLst>
+                                        </p:cTn>
+                                        <p:tgtEl>
+                                          <p:spTgt spid="5">
+                                            <p:txEl>
+                                              <p:pRg st="0" end="0"/>
+                                            </p:txEl>
+                                          </p:spTgt>
+                                        </p:tgtEl>
+                                        <p:attrNameLst>
+                                          <p:attrName>style.visibility</p:attrName>
+                                        </p:attrNameLst>
+                                      </p:cBhvr>
+                                      <p:to>
+                                        <p:strVal val="visible"/>
+                                      </p:to>
+                                    </p:set>
+                                    <p:animEffect transition="in" filter="fade">
+                                      <p:cBhvr>
+                                        <p:cTn id="22" dur="500"/>
+                                        <p:tgtEl>
+                                          <p:spTgt spid="5">
+                                            <p:txEl>
+                                              <p:pRg st="0" end="0"/>
+                                            </p:txEl>
+                                          </p:spTgt>
+                                        </p:tgtEl>
+                                      </p:cBhvr>
+                                    </p:animEffect>
+                                  </p:childTnLst>
+                                </p:cTn>
+                              </p:par>
+                            </p:childTnLst>
+                          </p:cTn>
+                        </p:par>
+                      </p:childTnLst>
+                    </p:cTn>
+                  </p:par>
+                </p:childTnLst>
+              </p:cTn>
+              <p:prevCondLst>
+                <p:cond evt="onPrev" delay="0">
+                  <p:tgtEl>
+                    <p:sldTgt/>
+                  </p:tgtEl>
+                </p:cond>
+              </p:prevCondLst>
+              <p:nextCondLst>
+                <p:cond evt="onNext" delay="0">
+                  <p:tgtEl>
+                    <p:sldTgt/>
+                  </p:tgtEl>
+                </p:cond>
+              </p:nextCondLst>
+            </p:seq>
+          </p:childTnLst>
+        </p:cTn>
+      </p:par>
+    </p:tnLst>
+  </p:timing>
+</p:sld>
+</file>
+
+<file path=ppt/slides/slide4.xml><?xml version="1.0" encoding="utf-8"?>
+<p:sld xmlns:a="http://schemas.openxmlformats.org/drawingml/2006/main" xmlns:r="http://schemas.openxmlformats.org/officeDocument/2006/relationships" xmlns:p="http://schemas.openxmlformats.org/presentationml/2006/main">
+  <p:cSld>
+    <p:bg>
+      <p:bgPr>
+        <a:blipFill dpi="0" rotWithShape="1">
+          <a:blip r:embed="rId2">
+            <a:lum/>
+          </a:blip>
+          <a:srcRect/>
+          <a:stretch>
+            <a:fillRect/>
+          </a:stretch>
+        </a:blipFill>
+        <a:effectLst/>
+      </p:bgPr>
+    </p:bg>
+    <p:spTree>
+      <p:nvGrpSpPr>
+        <p:cNvPr id="1" name="">
+          <a:extLst>
+            <a:ext uri="{FF2B5EF4-FFF2-40B4-BE49-F238E27FC236}">
+              <a16:creationId xmlns:a16="http://schemas.microsoft.com/office/drawing/2014/main" id="{E8AD3D94-EDF4-4B6D-5230-7ACDA30618CF}"/>
+            </a:ext>
+          </a:extLst>
+        </p:cNvPr>
+        <p:cNvGrpSpPr/>
+        <p:nvPr/>
+      </p:nvGrpSpPr>
+      <p:grpSpPr>
+        <a:xfrm>
+          <a:off x="0" y="0"/>
+          <a:ext cx="0" cy="0"/>
+          <a:chOff x="0" y="0"/>
+          <a:chExt cx="0" cy="0"/>
+        </a:xfrm>
+      </p:grpSpPr>
+      <p:sp>
+        <p:nvSpPr>
+          <p:cNvPr id="4" name="Metin kutusu 3">
+            <a:extLst>
+              <a:ext uri="{FF2B5EF4-FFF2-40B4-BE49-F238E27FC236}">
+                <a16:creationId xmlns:a16="http://schemas.microsoft.com/office/drawing/2014/main" id="{70AB091B-450B-7A96-B875-9E229D2C748A}"/>
+              </a:ext>
+            </a:extLst>
+          </p:cNvPr>
+          <p:cNvSpPr txBox="1">
+            <a:spLocks/>
+          </p:cNvSpPr>
+          <p:nvPr/>
+        </p:nvSpPr>
+        <p:spPr>
+          <a:xfrm>
+            <a:off x="455849" y="407657"/>
+            <a:ext cx="11239965" cy="708763"/>
+          </a:xfrm>
+          <a:prstGeom prst="rect">
+            <a:avLst/>
+          </a:prstGeom>
+          <a:noFill/>
+        </p:spPr>
+        <p:txBody>
+          <a:bodyPr wrap="square" rtlCol="0">
+            <a:normAutofit/>
+          </a:bodyPr>
+          <a:lstStyle/>
           <a:p>
             <a:pPr marL="0" lvl="0" indent="0" algn="l" rtl="0">
               <a:spcBef>
@@ -4782,26 +6987,35 @@
               <a:buNone/>
             </a:pPr>
             <a:r>
-              <a:rPr lang="tr-TR" sz="4500" b="1" dirty="0">
+              <a:rPr lang="tr-TR" sz="3600" b="1" dirty="0">
                 <a:solidFill>
-                  <a:srgbClr val="292D32"/>
+                  <a:srgbClr val="292D33"/>
                 </a:solidFill>
-                <a:latin typeface="Lexend" pitchFamily="2" charset="0"/>
+                <a:latin typeface="Lexend"/>
                 <a:ea typeface="Lexend"/>
                 <a:cs typeface="Lexend"/>
                 <a:sym typeface="Lexend"/>
               </a:rPr>
-              <a:t>LISTENING</a:t>
-            </a:r>
+              <a:t>The Startup Templates</a:t>
+            </a:r>
+            <a:endParaRPr lang="tr-TR" sz="3600" dirty="0">
+              <a:solidFill>
+                <a:srgbClr val="292D33"/>
+              </a:solidFill>
+              <a:latin typeface="Lexend"/>
+              <a:ea typeface="Lexend"/>
+              <a:cs typeface="Lexend"/>
+              <a:sym typeface="Lexend"/>
+            </a:endParaRPr>
           </a:p>
         </p:txBody>
       </p:sp>
       <p:sp>
         <p:nvSpPr>
-          <p:cNvPr id="14" name="Google Shape;57;p1">
-            <a:extLst>
-              <a:ext uri="{FF2B5EF4-FFF2-40B4-BE49-F238E27FC236}">
-                <a16:creationId xmlns:a16="http://schemas.microsoft.com/office/drawing/2014/main" id="{81015AE8-63CA-36EE-ADCC-EF8B6E674414}"/>
+          <p:cNvPr id="14" name="Metin kutusu 13">
+            <a:extLst>
+              <a:ext uri="{FF2B5EF4-FFF2-40B4-BE49-F238E27FC236}">
+                <a16:creationId xmlns:a16="http://schemas.microsoft.com/office/drawing/2014/main" id="{68377BAB-D9AA-A672-AE17-E8E34DB9B649}"/>
               </a:ext>
             </a:extLst>
           </p:cNvPr>
@@ -4810,20 +7024,846 @@
         </p:nvSpPr>
         <p:spPr>
           <a:xfrm>
-            <a:off x="7784843" y="1669688"/>
-            <a:ext cx="2957700" cy="400200"/>
+            <a:off x="2640136" y="1485164"/>
+            <a:ext cx="5640154" cy="4746130"/>
           </a:xfrm>
           <a:prstGeom prst="rect">
             <a:avLst/>
           </a:prstGeom>
           <a:noFill/>
-          <a:ln>
-            <a:noFill/>
-          </a:ln>
         </p:spPr>
         <p:txBody>
-          <a:bodyPr spcFirstLastPara="1" wrap="square" lIns="91425" tIns="91425" rIns="91425" bIns="91425" anchor="t" anchorCtr="0">
-            <a:noAutofit/>
+          <a:bodyPr wrap="square" rtlCol="0">
+            <a:normAutofit/>
+          </a:bodyPr>
+          <a:lstStyle/>
+          <a:p>
+            <a:r>
+              <a:rPr lang="tr-TR" sz="2400" b="1" dirty="0">
+                <a:solidFill>
+                  <a:srgbClr val="5C6571"/>
+                </a:solidFill>
+                <a:latin typeface="Poppins" pitchFamily="2" charset="0"/>
+                <a:ea typeface="Poppins"/>
+                <a:cs typeface="Poppins" pitchFamily="2" charset="0"/>
+                <a:sym typeface="Poppins"/>
+              </a:rPr>
+              <a:t>Single-Layer</a:t>
+            </a:r>
+            <a:r>
+              <a:rPr lang="tr-TR" sz="2400" dirty="0">
+                <a:solidFill>
+                  <a:srgbClr val="5C6571"/>
+                </a:solidFill>
+                <a:latin typeface="Poppins" pitchFamily="2" charset="0"/>
+                <a:ea typeface="Poppins"/>
+                <a:cs typeface="Poppins" pitchFamily="2" charset="0"/>
+                <a:sym typeface="Poppins"/>
+              </a:rPr>
+              <a:t> (non-layered) monolith application</a:t>
+            </a:r>
+          </a:p>
+          <a:p>
+            <a:endParaRPr lang="tr-TR" sz="2400" b="1" dirty="0">
+              <a:solidFill>
+                <a:srgbClr val="5C6571"/>
+              </a:solidFill>
+              <a:latin typeface="Poppins" pitchFamily="2" charset="0"/>
+              <a:ea typeface="Poppins"/>
+              <a:cs typeface="Poppins" pitchFamily="2" charset="0"/>
+              <a:sym typeface="Poppins"/>
+            </a:endParaRPr>
+          </a:p>
+          <a:p>
+            <a:endParaRPr lang="tr-TR" sz="2400" b="1" dirty="0">
+              <a:solidFill>
+                <a:srgbClr val="5C6571"/>
+              </a:solidFill>
+              <a:latin typeface="Poppins" pitchFamily="2" charset="0"/>
+              <a:ea typeface="Poppins"/>
+              <a:cs typeface="Poppins" pitchFamily="2" charset="0"/>
+              <a:sym typeface="Poppins"/>
+            </a:endParaRPr>
+          </a:p>
+          <a:p>
+            <a:r>
+              <a:rPr lang="tr-TR" sz="2400" b="1" dirty="0">
+                <a:solidFill>
+                  <a:srgbClr val="5C6571"/>
+                </a:solidFill>
+                <a:latin typeface="Poppins" pitchFamily="2" charset="0"/>
+                <a:ea typeface="Poppins"/>
+                <a:cs typeface="Poppins" pitchFamily="2" charset="0"/>
+                <a:sym typeface="Poppins"/>
+              </a:rPr>
+              <a:t>N-Layered </a:t>
+            </a:r>
+            <a:r>
+              <a:rPr lang="tr-TR" sz="2400" dirty="0">
+                <a:solidFill>
+                  <a:srgbClr val="5C6571"/>
+                </a:solidFill>
+                <a:latin typeface="Poppins" pitchFamily="2" charset="0"/>
+                <a:ea typeface="Poppins"/>
+                <a:cs typeface="Poppins" pitchFamily="2" charset="0"/>
+                <a:sym typeface="Poppins"/>
+              </a:rPr>
+              <a:t>monolith application</a:t>
+            </a:r>
+          </a:p>
+          <a:p>
+            <a:pPr marL="285750" indent="-285750">
+              <a:buFont typeface="Arial" panose="020B0604020202020204" pitchFamily="34" charset="0"/>
+              <a:buChar char="•"/>
+            </a:pPr>
+            <a:endParaRPr lang="tr-TR" sz="2400" b="1" dirty="0">
+              <a:solidFill>
+                <a:srgbClr val="5C6571"/>
+              </a:solidFill>
+              <a:latin typeface="Poppins" pitchFamily="2" charset="0"/>
+              <a:ea typeface="Poppins"/>
+              <a:cs typeface="Poppins" pitchFamily="2" charset="0"/>
+              <a:sym typeface="Poppins"/>
+            </a:endParaRPr>
+          </a:p>
+          <a:p>
+            <a:endParaRPr lang="tr-TR" sz="2400" b="1" dirty="0">
+              <a:solidFill>
+                <a:srgbClr val="5C6571"/>
+              </a:solidFill>
+              <a:latin typeface="Poppins" pitchFamily="2" charset="0"/>
+              <a:ea typeface="Poppins"/>
+              <a:cs typeface="Poppins" pitchFamily="2" charset="0"/>
+              <a:sym typeface="Poppins"/>
+            </a:endParaRPr>
+          </a:p>
+          <a:p>
+            <a:r>
+              <a:rPr lang="tr-TR" sz="2400" b="1" dirty="0">
+                <a:solidFill>
+                  <a:srgbClr val="5C6571"/>
+                </a:solidFill>
+                <a:latin typeface="Poppins" pitchFamily="2" charset="0"/>
+                <a:ea typeface="Poppins"/>
+                <a:cs typeface="Poppins" pitchFamily="2" charset="0"/>
+                <a:sym typeface="Poppins"/>
+              </a:rPr>
+              <a:t>Modular monolith </a:t>
+            </a:r>
+            <a:r>
+              <a:rPr lang="tr-TR" sz="2400" dirty="0">
+                <a:solidFill>
+                  <a:srgbClr val="5C6571"/>
+                </a:solidFill>
+                <a:latin typeface="Poppins" pitchFamily="2" charset="0"/>
+                <a:ea typeface="Poppins"/>
+                <a:cs typeface="Poppins" pitchFamily="2" charset="0"/>
+                <a:sym typeface="Poppins"/>
+              </a:rPr>
+              <a:t>application</a:t>
+            </a:r>
+            <a:br>
+              <a:rPr lang="tr-TR" sz="2400" dirty="0">
+                <a:solidFill>
+                  <a:srgbClr val="5C6571"/>
+                </a:solidFill>
+                <a:latin typeface="Poppins" pitchFamily="2" charset="0"/>
+                <a:ea typeface="Poppins"/>
+                <a:cs typeface="Poppins" pitchFamily="2" charset="0"/>
+                <a:sym typeface="Poppins"/>
+              </a:rPr>
+            </a:br>
+            <a:r>
+              <a:rPr lang="tr-TR" sz="2000" dirty="0">
+                <a:solidFill>
+                  <a:srgbClr val="5C6571"/>
+                </a:solidFill>
+                <a:latin typeface="Poppins" pitchFamily="2" charset="0"/>
+                <a:ea typeface="Poppins"/>
+                <a:cs typeface="Poppins" pitchFamily="2" charset="0"/>
+                <a:sym typeface="Poppins"/>
+              </a:rPr>
+              <a:t>(based on Single-Layer or N-Layered applications)</a:t>
+            </a:r>
+          </a:p>
+          <a:p>
+            <a:endParaRPr lang="tr-TR" sz="2400" b="1" dirty="0">
+              <a:solidFill>
+                <a:srgbClr val="5C6571"/>
+              </a:solidFill>
+              <a:latin typeface="Poppins" pitchFamily="2" charset="0"/>
+              <a:ea typeface="Poppins"/>
+              <a:cs typeface="Poppins" pitchFamily="2" charset="0"/>
+              <a:sym typeface="Poppins"/>
+            </a:endParaRPr>
+          </a:p>
+          <a:p>
+            <a:endParaRPr lang="tr-TR" sz="1200" b="1" dirty="0">
+              <a:solidFill>
+                <a:srgbClr val="5C6571"/>
+              </a:solidFill>
+              <a:latin typeface="Poppins" pitchFamily="2" charset="0"/>
+              <a:ea typeface="Poppins"/>
+              <a:cs typeface="Poppins" pitchFamily="2" charset="0"/>
+              <a:sym typeface="Poppins"/>
+            </a:endParaRPr>
+          </a:p>
+          <a:p>
+            <a:r>
+              <a:rPr lang="tr-TR" sz="2400" b="1" dirty="0">
+                <a:solidFill>
+                  <a:srgbClr val="5C6571"/>
+                </a:solidFill>
+                <a:latin typeface="Poppins" pitchFamily="2" charset="0"/>
+                <a:ea typeface="Poppins"/>
+                <a:cs typeface="Poppins" pitchFamily="2" charset="0"/>
+                <a:sym typeface="Poppins"/>
+              </a:rPr>
+              <a:t>Microservice </a:t>
+            </a:r>
+            <a:r>
+              <a:rPr lang="tr-TR" sz="2400" dirty="0">
+                <a:solidFill>
+                  <a:srgbClr val="5C6571"/>
+                </a:solidFill>
+                <a:latin typeface="Poppins" pitchFamily="2" charset="0"/>
+                <a:ea typeface="Poppins"/>
+                <a:cs typeface="Poppins" pitchFamily="2" charset="0"/>
+                <a:sym typeface="Poppins"/>
+              </a:rPr>
+              <a:t>solution</a:t>
+            </a:r>
+          </a:p>
+        </p:txBody>
+      </p:sp>
+      <p:pic>
+        <p:nvPicPr>
+          <p:cNvPr id="2" name="Picture 1">
+            <a:extLst>
+              <a:ext uri="{FF2B5EF4-FFF2-40B4-BE49-F238E27FC236}">
+                <a16:creationId xmlns:a16="http://schemas.microsoft.com/office/drawing/2014/main" id="{D828758C-40A7-B50D-862E-DDAA7F04A66F}"/>
+              </a:ext>
+            </a:extLst>
+          </p:cNvPr>
+          <p:cNvPicPr>
+            <a:picLocks noChangeAspect="1"/>
+          </p:cNvPicPr>
+          <p:nvPr/>
+        </p:nvPicPr>
+        <p:blipFill>
+          <a:blip r:embed="rId3"/>
+          <a:stretch>
+            <a:fillRect/>
+          </a:stretch>
+        </p:blipFill>
+        <p:spPr>
+          <a:xfrm>
+            <a:off x="589014" y="1283034"/>
+            <a:ext cx="1514391" cy="1078405"/>
+          </a:xfrm>
+          <a:prstGeom prst="rect">
+            <a:avLst/>
+          </a:prstGeom>
+        </p:spPr>
+      </p:pic>
+      <p:pic>
+        <p:nvPicPr>
+          <p:cNvPr id="3" name="Picture 2">
+            <a:extLst>
+              <a:ext uri="{FF2B5EF4-FFF2-40B4-BE49-F238E27FC236}">
+                <a16:creationId xmlns:a16="http://schemas.microsoft.com/office/drawing/2014/main" id="{148DC4A3-2E39-061B-510E-B9D0A6FE284B}"/>
+              </a:ext>
+            </a:extLst>
+          </p:cNvPr>
+          <p:cNvPicPr>
+            <a:picLocks noChangeAspect="1" noChangeArrowheads="1"/>
+          </p:cNvPicPr>
+          <p:nvPr/>
+        </p:nvPicPr>
+        <p:blipFill>
+          <a:blip r:embed="rId4">
+            <a:extLst>
+              <a:ext uri="{28A0092B-C50C-407E-A947-70E740481C1C}">
+                <a14:useLocalDpi xmlns:a14="http://schemas.microsoft.com/office/drawing/2010/main" val="0"/>
+              </a:ext>
+            </a:extLst>
+          </a:blip>
+          <a:srcRect/>
+          <a:stretch>
+            <a:fillRect/>
+          </a:stretch>
+        </p:blipFill>
+        <p:spPr bwMode="auto">
+          <a:xfrm>
+            <a:off x="920006" y="2646002"/>
+            <a:ext cx="852406" cy="1078405"/>
+          </a:xfrm>
+          <a:prstGeom prst="rect">
+            <a:avLst/>
+          </a:prstGeom>
+          <a:noFill/>
+          <a:extLst>
+            <a:ext uri="{909E8E84-426E-40DD-AFC4-6F175D3DCCD1}">
+              <a14:hiddenFill xmlns:a14="http://schemas.microsoft.com/office/drawing/2010/main">
+                <a:solidFill>
+                  <a:srgbClr val="FFFFFF"/>
+                </a:solidFill>
+              </a14:hiddenFill>
+            </a:ext>
+          </a:extLst>
+        </p:spPr>
+      </p:pic>
+      <p:pic>
+        <p:nvPicPr>
+          <p:cNvPr id="5" name="Picture 4">
+            <a:extLst>
+              <a:ext uri="{FF2B5EF4-FFF2-40B4-BE49-F238E27FC236}">
+                <a16:creationId xmlns:a16="http://schemas.microsoft.com/office/drawing/2014/main" id="{861D6353-EF9A-5009-32E8-97A4E3719CBF}"/>
+              </a:ext>
+            </a:extLst>
+          </p:cNvPr>
+          <p:cNvPicPr>
+            <a:picLocks noChangeAspect="1"/>
+          </p:cNvPicPr>
+          <p:nvPr/>
+        </p:nvPicPr>
+        <p:blipFill>
+          <a:blip r:embed="rId5"/>
+          <a:stretch>
+            <a:fillRect/>
+          </a:stretch>
+        </p:blipFill>
+        <p:spPr>
+          <a:xfrm>
+            <a:off x="786405" y="4008970"/>
+            <a:ext cx="1119607" cy="1078405"/>
+          </a:xfrm>
+          <a:prstGeom prst="rect">
+            <a:avLst/>
+          </a:prstGeom>
+        </p:spPr>
+      </p:pic>
+      <p:pic>
+        <p:nvPicPr>
+          <p:cNvPr id="6" name="Picture 5">
+            <a:extLst>
+              <a:ext uri="{FF2B5EF4-FFF2-40B4-BE49-F238E27FC236}">
+                <a16:creationId xmlns:a16="http://schemas.microsoft.com/office/drawing/2014/main" id="{2DF90AA4-CC1C-AB89-1776-E23BDA0913F0}"/>
+              </a:ext>
+            </a:extLst>
+          </p:cNvPr>
+          <p:cNvPicPr>
+            <a:picLocks noChangeAspect="1"/>
+          </p:cNvPicPr>
+          <p:nvPr/>
+        </p:nvPicPr>
+        <p:blipFill>
+          <a:blip r:embed="rId6"/>
+          <a:stretch>
+            <a:fillRect/>
+          </a:stretch>
+        </p:blipFill>
+        <p:spPr>
+          <a:xfrm>
+            <a:off x="832964" y="5371938"/>
+            <a:ext cx="1026488" cy="1078405"/>
+          </a:xfrm>
+          <a:prstGeom prst="rect">
+            <a:avLst/>
+          </a:prstGeom>
+        </p:spPr>
+      </p:pic>
+    </p:spTree>
+    <p:extLst>
+      <p:ext uri="{BB962C8B-B14F-4D97-AF65-F5344CB8AC3E}">
+        <p14:creationId xmlns:p14="http://schemas.microsoft.com/office/powerpoint/2010/main" val="1095518825"/>
+      </p:ext>
+    </p:extLst>
+  </p:cSld>
+  <p:clrMapOvr>
+    <a:masterClrMapping/>
+  </p:clrMapOvr>
+  <p:timing>
+    <p:tnLst>
+      <p:par>
+        <p:cTn id="1" dur="indefinite" restart="never" nodeType="tmRoot">
+          <p:childTnLst>
+            <p:seq concurrent="1" nextAc="seek">
+              <p:cTn id="2" dur="indefinite" nodeType="mainSeq">
+                <p:childTnLst>
+                  <p:par>
+                    <p:cTn id="3" fill="hold">
+                      <p:stCondLst>
+                        <p:cond delay="indefinite"/>
+                      </p:stCondLst>
+                      <p:childTnLst>
+                        <p:par>
+                          <p:cTn id="4" fill="hold">
+                            <p:stCondLst>
+                              <p:cond delay="0"/>
+                            </p:stCondLst>
+                            <p:childTnLst>
+                              <p:par>
+                                <p:cTn id="5" presetID="10" presetClass="entr" presetSubtype="0" fill="hold" nodeType="clickEffect">
+                                  <p:stCondLst>
+                                    <p:cond delay="0"/>
+                                  </p:stCondLst>
+                                  <p:childTnLst>
+                                    <p:set>
+                                      <p:cBhvr>
+                                        <p:cTn id="6" dur="1" fill="hold">
+                                          <p:stCondLst>
+                                            <p:cond delay="0"/>
+                                          </p:stCondLst>
+                                        </p:cTn>
+                                        <p:tgtEl>
+                                          <p:spTgt spid="14">
+                                            <p:txEl>
+                                              <p:pRg st="0" end="0"/>
+                                            </p:txEl>
+                                          </p:spTgt>
+                                        </p:tgtEl>
+                                        <p:attrNameLst>
+                                          <p:attrName>style.visibility</p:attrName>
+                                        </p:attrNameLst>
+                                      </p:cBhvr>
+                                      <p:to>
+                                        <p:strVal val="visible"/>
+                                      </p:to>
+                                    </p:set>
+                                    <p:animEffect transition="in" filter="fade">
+                                      <p:cBhvr>
+                                        <p:cTn id="7" dur="500"/>
+                                        <p:tgtEl>
+                                          <p:spTgt spid="14">
+                                            <p:txEl>
+                                              <p:pRg st="0" end="0"/>
+                                            </p:txEl>
+                                          </p:spTgt>
+                                        </p:tgtEl>
+                                      </p:cBhvr>
+                                    </p:animEffect>
+                                  </p:childTnLst>
+                                </p:cTn>
+                              </p:par>
+                              <p:par>
+                                <p:cTn id="8" presetID="10" presetClass="entr" presetSubtype="0" fill="hold" nodeType="withEffect">
+                                  <p:stCondLst>
+                                    <p:cond delay="0"/>
+                                  </p:stCondLst>
+                                  <p:childTnLst>
+                                    <p:set>
+                                      <p:cBhvr>
+                                        <p:cTn id="9" dur="1" fill="hold">
+                                          <p:stCondLst>
+                                            <p:cond delay="0"/>
+                                          </p:stCondLst>
+                                        </p:cTn>
+                                        <p:tgtEl>
+                                          <p:spTgt spid="2"/>
+                                        </p:tgtEl>
+                                        <p:attrNameLst>
+                                          <p:attrName>style.visibility</p:attrName>
+                                        </p:attrNameLst>
+                                      </p:cBhvr>
+                                      <p:to>
+                                        <p:strVal val="visible"/>
+                                      </p:to>
+                                    </p:set>
+                                    <p:animEffect transition="in" filter="fade">
+                                      <p:cBhvr>
+                                        <p:cTn id="10" dur="500"/>
+                                        <p:tgtEl>
+                                          <p:spTgt spid="2"/>
+                                        </p:tgtEl>
+                                      </p:cBhvr>
+                                    </p:animEffect>
+                                  </p:childTnLst>
+                                </p:cTn>
+                              </p:par>
+                            </p:childTnLst>
+                          </p:cTn>
+                        </p:par>
+                      </p:childTnLst>
+                    </p:cTn>
+                  </p:par>
+                  <p:par>
+                    <p:cTn id="11" fill="hold">
+                      <p:stCondLst>
+                        <p:cond delay="indefinite"/>
+                      </p:stCondLst>
+                      <p:childTnLst>
+                        <p:par>
+                          <p:cTn id="12" fill="hold">
+                            <p:stCondLst>
+                              <p:cond delay="0"/>
+                            </p:stCondLst>
+                            <p:childTnLst>
+                              <p:par>
+                                <p:cTn id="13" presetID="10" presetClass="entr" presetSubtype="0" fill="hold" nodeType="clickEffect">
+                                  <p:stCondLst>
+                                    <p:cond delay="0"/>
+                                  </p:stCondLst>
+                                  <p:childTnLst>
+                                    <p:set>
+                                      <p:cBhvr>
+                                        <p:cTn id="14" dur="1" fill="hold">
+                                          <p:stCondLst>
+                                            <p:cond delay="0"/>
+                                          </p:stCondLst>
+                                        </p:cTn>
+                                        <p:tgtEl>
+                                          <p:spTgt spid="14">
+                                            <p:txEl>
+                                              <p:pRg st="3" end="3"/>
+                                            </p:txEl>
+                                          </p:spTgt>
+                                        </p:tgtEl>
+                                        <p:attrNameLst>
+                                          <p:attrName>style.visibility</p:attrName>
+                                        </p:attrNameLst>
+                                      </p:cBhvr>
+                                      <p:to>
+                                        <p:strVal val="visible"/>
+                                      </p:to>
+                                    </p:set>
+                                    <p:animEffect transition="in" filter="fade">
+                                      <p:cBhvr>
+                                        <p:cTn id="15" dur="500"/>
+                                        <p:tgtEl>
+                                          <p:spTgt spid="14">
+                                            <p:txEl>
+                                              <p:pRg st="3" end="3"/>
+                                            </p:txEl>
+                                          </p:spTgt>
+                                        </p:tgtEl>
+                                      </p:cBhvr>
+                                    </p:animEffect>
+                                  </p:childTnLst>
+                                </p:cTn>
+                              </p:par>
+                              <p:par>
+                                <p:cTn id="16" presetID="10" presetClass="entr" presetSubtype="0" fill="hold" nodeType="withEffect">
+                                  <p:stCondLst>
+                                    <p:cond delay="0"/>
+                                  </p:stCondLst>
+                                  <p:childTnLst>
+                                    <p:set>
+                                      <p:cBhvr>
+                                        <p:cTn id="17" dur="1" fill="hold">
+                                          <p:stCondLst>
+                                            <p:cond delay="0"/>
+                                          </p:stCondLst>
+                                        </p:cTn>
+                                        <p:tgtEl>
+                                          <p:spTgt spid="3"/>
+                                        </p:tgtEl>
+                                        <p:attrNameLst>
+                                          <p:attrName>style.visibility</p:attrName>
+                                        </p:attrNameLst>
+                                      </p:cBhvr>
+                                      <p:to>
+                                        <p:strVal val="visible"/>
+                                      </p:to>
+                                    </p:set>
+                                    <p:animEffect transition="in" filter="fade">
+                                      <p:cBhvr>
+                                        <p:cTn id="18" dur="500"/>
+                                        <p:tgtEl>
+                                          <p:spTgt spid="3"/>
+                                        </p:tgtEl>
+                                      </p:cBhvr>
+                                    </p:animEffect>
+                                  </p:childTnLst>
+                                </p:cTn>
+                              </p:par>
+                            </p:childTnLst>
+                          </p:cTn>
+                        </p:par>
+                      </p:childTnLst>
+                    </p:cTn>
+                  </p:par>
+                  <p:par>
+                    <p:cTn id="19" fill="hold">
+                      <p:stCondLst>
+                        <p:cond delay="indefinite"/>
+                      </p:stCondLst>
+                      <p:childTnLst>
+                        <p:par>
+                          <p:cTn id="20" fill="hold">
+                            <p:stCondLst>
+                              <p:cond delay="0"/>
+                            </p:stCondLst>
+                            <p:childTnLst>
+                              <p:par>
+                                <p:cTn id="21" presetID="10" presetClass="entr" presetSubtype="0" fill="hold" nodeType="clickEffect">
+                                  <p:stCondLst>
+                                    <p:cond delay="0"/>
+                                  </p:stCondLst>
+                                  <p:childTnLst>
+                                    <p:set>
+                                      <p:cBhvr>
+                                        <p:cTn id="22" dur="1" fill="hold">
+                                          <p:stCondLst>
+                                            <p:cond delay="0"/>
+                                          </p:stCondLst>
+                                        </p:cTn>
+                                        <p:tgtEl>
+                                          <p:spTgt spid="14">
+                                            <p:txEl>
+                                              <p:pRg st="6" end="6"/>
+                                            </p:txEl>
+                                          </p:spTgt>
+                                        </p:tgtEl>
+                                        <p:attrNameLst>
+                                          <p:attrName>style.visibility</p:attrName>
+                                        </p:attrNameLst>
+                                      </p:cBhvr>
+                                      <p:to>
+                                        <p:strVal val="visible"/>
+                                      </p:to>
+                                    </p:set>
+                                    <p:animEffect transition="in" filter="fade">
+                                      <p:cBhvr>
+                                        <p:cTn id="23" dur="500"/>
+                                        <p:tgtEl>
+                                          <p:spTgt spid="14">
+                                            <p:txEl>
+                                              <p:pRg st="6" end="6"/>
+                                            </p:txEl>
+                                          </p:spTgt>
+                                        </p:tgtEl>
+                                      </p:cBhvr>
+                                    </p:animEffect>
+                                  </p:childTnLst>
+                                </p:cTn>
+                              </p:par>
+                              <p:par>
+                                <p:cTn id="24" presetID="10" presetClass="entr" presetSubtype="0" fill="hold" nodeType="withEffect">
+                                  <p:stCondLst>
+                                    <p:cond delay="0"/>
+                                  </p:stCondLst>
+                                  <p:childTnLst>
+                                    <p:set>
+                                      <p:cBhvr>
+                                        <p:cTn id="25" dur="1" fill="hold">
+                                          <p:stCondLst>
+                                            <p:cond delay="0"/>
+                                          </p:stCondLst>
+                                        </p:cTn>
+                                        <p:tgtEl>
+                                          <p:spTgt spid="5"/>
+                                        </p:tgtEl>
+                                        <p:attrNameLst>
+                                          <p:attrName>style.visibility</p:attrName>
+                                        </p:attrNameLst>
+                                      </p:cBhvr>
+                                      <p:to>
+                                        <p:strVal val="visible"/>
+                                      </p:to>
+                                    </p:set>
+                                    <p:animEffect transition="in" filter="fade">
+                                      <p:cBhvr>
+                                        <p:cTn id="26" dur="500"/>
+                                        <p:tgtEl>
+                                          <p:spTgt spid="5"/>
+                                        </p:tgtEl>
+                                      </p:cBhvr>
+                                    </p:animEffect>
+                                  </p:childTnLst>
+                                </p:cTn>
+                              </p:par>
+                            </p:childTnLst>
+                          </p:cTn>
+                        </p:par>
+                      </p:childTnLst>
+                    </p:cTn>
+                  </p:par>
+                  <p:par>
+                    <p:cTn id="27" fill="hold">
+                      <p:stCondLst>
+                        <p:cond delay="indefinite"/>
+                      </p:stCondLst>
+                      <p:childTnLst>
+                        <p:par>
+                          <p:cTn id="28" fill="hold">
+                            <p:stCondLst>
+                              <p:cond delay="0"/>
+                            </p:stCondLst>
+                            <p:childTnLst>
+                              <p:par>
+                                <p:cTn id="29" presetID="10" presetClass="entr" presetSubtype="0" fill="hold" nodeType="clickEffect">
+                                  <p:stCondLst>
+                                    <p:cond delay="0"/>
+                                  </p:stCondLst>
+                                  <p:childTnLst>
+                                    <p:set>
+                                      <p:cBhvr>
+                                        <p:cTn id="30" dur="1" fill="hold">
+                                          <p:stCondLst>
+                                            <p:cond delay="0"/>
+                                          </p:stCondLst>
+                                        </p:cTn>
+                                        <p:tgtEl>
+                                          <p:spTgt spid="14">
+                                            <p:txEl>
+                                              <p:pRg st="9" end="9"/>
+                                            </p:txEl>
+                                          </p:spTgt>
+                                        </p:tgtEl>
+                                        <p:attrNameLst>
+                                          <p:attrName>style.visibility</p:attrName>
+                                        </p:attrNameLst>
+                                      </p:cBhvr>
+                                      <p:to>
+                                        <p:strVal val="visible"/>
+                                      </p:to>
+                                    </p:set>
+                                    <p:animEffect transition="in" filter="fade">
+                                      <p:cBhvr>
+                                        <p:cTn id="31" dur="500"/>
+                                        <p:tgtEl>
+                                          <p:spTgt spid="14">
+                                            <p:txEl>
+                                              <p:pRg st="9" end="9"/>
+                                            </p:txEl>
+                                          </p:spTgt>
+                                        </p:tgtEl>
+                                      </p:cBhvr>
+                                    </p:animEffect>
+                                  </p:childTnLst>
+                                </p:cTn>
+                              </p:par>
+                              <p:par>
+                                <p:cTn id="32" presetID="10" presetClass="entr" presetSubtype="0" fill="hold" nodeType="withEffect">
+                                  <p:stCondLst>
+                                    <p:cond delay="0"/>
+                                  </p:stCondLst>
+                                  <p:childTnLst>
+                                    <p:set>
+                                      <p:cBhvr>
+                                        <p:cTn id="33" dur="1" fill="hold">
+                                          <p:stCondLst>
+                                            <p:cond delay="0"/>
+                                          </p:stCondLst>
+                                        </p:cTn>
+                                        <p:tgtEl>
+                                          <p:spTgt spid="6"/>
+                                        </p:tgtEl>
+                                        <p:attrNameLst>
+                                          <p:attrName>style.visibility</p:attrName>
+                                        </p:attrNameLst>
+                                      </p:cBhvr>
+                                      <p:to>
+                                        <p:strVal val="visible"/>
+                                      </p:to>
+                                    </p:set>
+                                    <p:animEffect transition="in" filter="fade">
+                                      <p:cBhvr>
+                                        <p:cTn id="34" dur="500"/>
+                                        <p:tgtEl>
+                                          <p:spTgt spid="6"/>
+                                        </p:tgtEl>
+                                      </p:cBhvr>
+                                    </p:animEffect>
+                                  </p:childTnLst>
+                                </p:cTn>
+                              </p:par>
+                            </p:childTnLst>
+                          </p:cTn>
+                        </p:par>
+                      </p:childTnLst>
+                    </p:cTn>
+                  </p:par>
+                </p:childTnLst>
+              </p:cTn>
+              <p:prevCondLst>
+                <p:cond evt="onPrev" delay="0">
+                  <p:tgtEl>
+                    <p:sldTgt/>
+                  </p:tgtEl>
+                </p:cond>
+              </p:prevCondLst>
+              <p:nextCondLst>
+                <p:cond evt="onNext" delay="0">
+                  <p:tgtEl>
+                    <p:sldTgt/>
+                  </p:tgtEl>
+                </p:cond>
+              </p:nextCondLst>
+            </p:seq>
+          </p:childTnLst>
+        </p:cTn>
+      </p:par>
+    </p:tnLst>
+  </p:timing>
+</p:sld>
+</file>
+
+<file path=ppt/slides/slide5.xml><?xml version="1.0" encoding="utf-8"?>
+<p:sld xmlns:a="http://schemas.openxmlformats.org/drawingml/2006/main" xmlns:r="http://schemas.openxmlformats.org/officeDocument/2006/relationships" xmlns:p="http://schemas.openxmlformats.org/presentationml/2006/main">
+  <p:cSld>
+    <p:bg>
+      <p:bgPr>
+        <a:blipFill dpi="0" rotWithShape="1">
+          <a:blip r:embed="rId2">
+            <a:lum/>
+          </a:blip>
+          <a:srcRect/>
+          <a:stretch>
+            <a:fillRect/>
+          </a:stretch>
+        </a:blipFill>
+        <a:effectLst/>
+      </p:bgPr>
+    </p:bg>
+    <p:spTree>
+      <p:nvGrpSpPr>
+        <p:cNvPr id="1" name="">
+          <a:extLst>
+            <a:ext uri="{FF2B5EF4-FFF2-40B4-BE49-F238E27FC236}">
+              <a16:creationId xmlns:a16="http://schemas.microsoft.com/office/drawing/2014/main" id="{C851F080-487E-0E76-1971-29BAFCEA04A0}"/>
+            </a:ext>
+          </a:extLst>
+        </p:cNvPr>
+        <p:cNvGrpSpPr/>
+        <p:nvPr/>
+      </p:nvGrpSpPr>
+      <p:grpSpPr>
+        <a:xfrm>
+          <a:off x="0" y="0"/>
+          <a:ext cx="0" cy="0"/>
+          <a:chOff x="0" y="0"/>
+          <a:chExt cx="0" cy="0"/>
+        </a:xfrm>
+      </p:grpSpPr>
+      <p:sp>
+        <p:nvSpPr>
+          <p:cNvPr id="4" name="Metin kutusu 3">
+            <a:extLst>
+              <a:ext uri="{FF2B5EF4-FFF2-40B4-BE49-F238E27FC236}">
+                <a16:creationId xmlns:a16="http://schemas.microsoft.com/office/drawing/2014/main" id="{836F1674-3E89-C70A-F791-5A9B75712A00}"/>
+              </a:ext>
+            </a:extLst>
+          </p:cNvPr>
+          <p:cNvSpPr txBox="1">
+            <a:spLocks/>
+          </p:cNvSpPr>
+          <p:nvPr/>
+        </p:nvSpPr>
+        <p:spPr>
+          <a:xfrm>
+            <a:off x="455849" y="407657"/>
+            <a:ext cx="11239965" cy="708763"/>
+          </a:xfrm>
+          <a:prstGeom prst="rect">
+            <a:avLst/>
+          </a:prstGeom>
+          <a:noFill/>
+        </p:spPr>
+        <p:txBody>
+          <a:bodyPr wrap="square" rtlCol="0">
+            <a:normAutofit/>
           </a:bodyPr>
           <a:lstStyle/>
           <a:p>
@@ -4837,69 +7877,912 @@
               <a:buNone/>
             </a:pPr>
             <a:r>
-              <a:rPr lang="tr" sz="1600" u="sng" dirty="0">
+              <a:rPr lang="tr-TR" sz="3600" b="1" dirty="0">
                 <a:solidFill>
-                  <a:srgbClr val="292D32"/>
+                  <a:srgbClr val="292D33"/>
                 </a:solidFill>
-                <a:latin typeface="Poppins"/>
+                <a:latin typeface="Lexend"/>
+                <a:ea typeface="Lexend"/>
+                <a:cs typeface="Lexend"/>
+                <a:sym typeface="Lexend"/>
+              </a:rPr>
+              <a:t>TITLE</a:t>
+            </a:r>
+            <a:endParaRPr lang="tr-TR" sz="3600" dirty="0">
+              <a:solidFill>
+                <a:srgbClr val="292D33"/>
+              </a:solidFill>
+              <a:latin typeface="Lexend"/>
+              <a:ea typeface="Lexend"/>
+              <a:cs typeface="Lexend"/>
+              <a:sym typeface="Lexend"/>
+            </a:endParaRPr>
+          </a:p>
+        </p:txBody>
+      </p:sp>
+      <p:sp>
+        <p:nvSpPr>
+          <p:cNvPr id="14" name="Metin kutusu 13">
+            <a:extLst>
+              <a:ext uri="{FF2B5EF4-FFF2-40B4-BE49-F238E27FC236}">
+                <a16:creationId xmlns:a16="http://schemas.microsoft.com/office/drawing/2014/main" id="{7FFA194D-2D86-35CB-4244-F7485149056F}"/>
+              </a:ext>
+            </a:extLst>
+          </p:cNvPr>
+          <p:cNvSpPr txBox="1"/>
+          <p:nvPr/>
+        </p:nvSpPr>
+        <p:spPr>
+          <a:xfrm>
+            <a:off x="455846" y="1250909"/>
+            <a:ext cx="11239964" cy="4746130"/>
+          </a:xfrm>
+          <a:prstGeom prst="rect">
+            <a:avLst/>
+          </a:prstGeom>
+          <a:noFill/>
+        </p:spPr>
+        <p:txBody>
+          <a:bodyPr wrap="square" rtlCol="0">
+            <a:normAutofit/>
+          </a:bodyPr>
+          <a:lstStyle/>
+          <a:p>
+            <a:r>
+              <a:rPr lang="en-US" dirty="0">
+                <a:solidFill>
+                  <a:srgbClr val="5C6571"/>
+                </a:solidFill>
+                <a:latin typeface="Poppins" panose="00000500000000000000" pitchFamily="2" charset="-94"/>
                 <a:ea typeface="Poppins"/>
-                <a:cs typeface="Poppins"/>
+                <a:cs typeface="Poppins" panose="00000500000000000000" pitchFamily="2" charset="-94"/>
                 <a:sym typeface="Poppins"/>
               </a:rPr>
-              <a:t>Download the Presentation</a:t>
-            </a:r>
-            <a:endParaRPr sz="1600" u="sng" dirty="0">
+              <a:t>Content</a:t>
+            </a:r>
+          </a:p>
+          <a:p>
+            <a:endParaRPr lang="en-US" dirty="0">
               <a:solidFill>
-                <a:srgbClr val="292D32"/>
+                <a:srgbClr val="5C6571"/>
               </a:solidFill>
-              <a:latin typeface="Poppins"/>
+              <a:latin typeface="Poppins" pitchFamily="2" charset="0"/>
               <a:ea typeface="Poppins"/>
-              <a:cs typeface="Poppins"/>
+              <a:cs typeface="Poppins" pitchFamily="2" charset="0"/>
               <a:sym typeface="Poppins"/>
             </a:endParaRPr>
+          </a:p>
+          <a:p>
+            <a:pPr marL="285750" indent="-285750">
+              <a:buFont typeface="Arial" panose="020B0604020202020204" pitchFamily="34" charset="0"/>
+              <a:buChar char="•"/>
+            </a:pPr>
+            <a:r>
+              <a:rPr lang="en-US" dirty="0">
+                <a:solidFill>
+                  <a:srgbClr val="5C6571"/>
+                </a:solidFill>
+                <a:latin typeface="Poppins" pitchFamily="2" charset="0"/>
+                <a:ea typeface="Poppins"/>
+                <a:cs typeface="Poppins" pitchFamily="2" charset="0"/>
+                <a:sym typeface="Poppins"/>
+              </a:rPr>
+              <a:t>1</a:t>
+            </a:r>
+          </a:p>
+          <a:p>
+            <a:pPr marL="285750" indent="-285750">
+              <a:buFont typeface="Arial" panose="020B0604020202020204" pitchFamily="34" charset="0"/>
+              <a:buChar char="•"/>
+            </a:pPr>
+            <a:r>
+              <a:rPr lang="en-US" dirty="0">
+                <a:solidFill>
+                  <a:srgbClr val="5C6571"/>
+                </a:solidFill>
+                <a:latin typeface="Poppins" pitchFamily="2" charset="0"/>
+                <a:ea typeface="Poppins"/>
+                <a:cs typeface="Poppins" pitchFamily="2" charset="0"/>
+                <a:sym typeface="Poppins"/>
+              </a:rPr>
+              <a:t>2</a:t>
+            </a:r>
+          </a:p>
+          <a:p>
+            <a:pPr marL="742950" lvl="1" indent="-285750">
+              <a:buFont typeface="Arial" panose="020B0604020202020204" pitchFamily="34" charset="0"/>
+              <a:buChar char="•"/>
+            </a:pPr>
+            <a:r>
+              <a:rPr lang="en-US" dirty="0">
+                <a:solidFill>
+                  <a:srgbClr val="5C6571"/>
+                </a:solidFill>
+                <a:latin typeface="Poppins" pitchFamily="2" charset="0"/>
+                <a:ea typeface="Poppins"/>
+                <a:cs typeface="Poppins" pitchFamily="2" charset="0"/>
+                <a:sym typeface="Poppins"/>
+              </a:rPr>
+              <a:t>2.1</a:t>
+            </a:r>
+          </a:p>
+          <a:p>
+            <a:pPr marL="742950" lvl="1" indent="-285750">
+              <a:buFont typeface="Arial" panose="020B0604020202020204" pitchFamily="34" charset="0"/>
+              <a:buChar char="•"/>
+            </a:pPr>
+            <a:r>
+              <a:rPr lang="en-US" dirty="0">
+                <a:solidFill>
+                  <a:srgbClr val="5C6571"/>
+                </a:solidFill>
+                <a:latin typeface="Poppins" pitchFamily="2" charset="0"/>
+                <a:ea typeface="Poppins"/>
+                <a:cs typeface="Poppins" pitchFamily="2" charset="0"/>
+                <a:sym typeface="Poppins"/>
+              </a:rPr>
+              <a:t>2.2</a:t>
+            </a:r>
+            <a:endParaRPr lang="tr-TR" dirty="0">
+              <a:solidFill>
+                <a:srgbClr val="5C6571"/>
+              </a:solidFill>
+              <a:latin typeface="Poppins" pitchFamily="2" charset="0"/>
+              <a:ea typeface="Poppins"/>
+              <a:cs typeface="Poppins" pitchFamily="2" charset="0"/>
+              <a:sym typeface="Poppins"/>
+            </a:endParaRPr>
+          </a:p>
+          <a:p>
+            <a:pPr marL="1200150" lvl="2" indent="-285750">
+              <a:buFont typeface="Arial" panose="020B0604020202020204" pitchFamily="34" charset="0"/>
+              <a:buChar char="•"/>
+            </a:pPr>
+            <a:r>
+              <a:rPr lang="tr-TR" dirty="0">
+                <a:solidFill>
+                  <a:srgbClr val="5C6571"/>
+                </a:solidFill>
+                <a:latin typeface="Poppins" pitchFamily="2" charset="0"/>
+                <a:ea typeface="Poppins"/>
+                <a:cs typeface="Poppins" pitchFamily="2" charset="0"/>
+                <a:sym typeface="Poppins"/>
+              </a:rPr>
+              <a:t>2.2.1</a:t>
+            </a:r>
+          </a:p>
+          <a:p>
+            <a:pPr marL="1200150" lvl="2" indent="-285750">
+              <a:buFont typeface="Arial" panose="020B0604020202020204" pitchFamily="34" charset="0"/>
+              <a:buChar char="•"/>
+            </a:pPr>
+            <a:r>
+              <a:rPr lang="tr-TR" dirty="0">
+                <a:solidFill>
+                  <a:srgbClr val="5C6571"/>
+                </a:solidFill>
+                <a:latin typeface="Poppins" pitchFamily="2" charset="0"/>
+                <a:ea typeface="Poppins"/>
+                <a:cs typeface="Poppins" pitchFamily="2" charset="0"/>
+                <a:sym typeface="Poppins"/>
+              </a:rPr>
+              <a:t>2.2.2</a:t>
+            </a:r>
+            <a:endParaRPr lang="en-US" dirty="0">
+              <a:solidFill>
+                <a:srgbClr val="5C6571"/>
+              </a:solidFill>
+              <a:latin typeface="Poppins SemiBold" pitchFamily="2" charset="0"/>
+              <a:ea typeface="Poppins"/>
+              <a:cs typeface="Poppins SemiBold" pitchFamily="2" charset="0"/>
+              <a:sym typeface="Poppins"/>
+            </a:endParaRPr>
+          </a:p>
+        </p:txBody>
+      </p:sp>
+    </p:spTree>
+    <p:extLst>
+      <p:ext uri="{BB962C8B-B14F-4D97-AF65-F5344CB8AC3E}">
+        <p14:creationId xmlns:p14="http://schemas.microsoft.com/office/powerpoint/2010/main" val="816517593"/>
+      </p:ext>
+    </p:extLst>
+  </p:cSld>
+  <p:clrMapOvr>
+    <a:masterClrMapping/>
+  </p:clrMapOvr>
+  <p:timing>
+    <p:tnLst>
+      <p:par>
+        <p:cTn id="1" dur="indefinite" restart="never" nodeType="tmRoot">
+          <p:childTnLst>
+            <p:seq concurrent="1" nextAc="seek">
+              <p:cTn id="2" dur="indefinite" nodeType="mainSeq">
+                <p:childTnLst>
+                  <p:par>
+                    <p:cTn id="3" fill="hold">
+                      <p:stCondLst>
+                        <p:cond delay="indefinite"/>
+                      </p:stCondLst>
+                      <p:childTnLst>
+                        <p:par>
+                          <p:cTn id="4" fill="hold">
+                            <p:stCondLst>
+                              <p:cond delay="0"/>
+                            </p:stCondLst>
+                            <p:childTnLst>
+                              <p:par>
+                                <p:cTn id="5" presetID="10" presetClass="entr" presetSubtype="0" fill="hold" grpId="0" nodeType="clickEffect">
+                                  <p:stCondLst>
+                                    <p:cond delay="0"/>
+                                  </p:stCondLst>
+                                  <p:childTnLst>
+                                    <p:set>
+                                      <p:cBhvr>
+                                        <p:cTn id="6" dur="1" fill="hold">
+                                          <p:stCondLst>
+                                            <p:cond delay="0"/>
+                                          </p:stCondLst>
+                                        </p:cTn>
+                                        <p:tgtEl>
+                                          <p:spTgt spid="14"/>
+                                        </p:tgtEl>
+                                        <p:attrNameLst>
+                                          <p:attrName>style.visibility</p:attrName>
+                                        </p:attrNameLst>
+                                      </p:cBhvr>
+                                      <p:to>
+                                        <p:strVal val="visible"/>
+                                      </p:to>
+                                    </p:set>
+                                    <p:animEffect transition="in" filter="fade">
+                                      <p:cBhvr>
+                                        <p:cTn id="7" dur="500"/>
+                                        <p:tgtEl>
+                                          <p:spTgt spid="14"/>
+                                        </p:tgtEl>
+                                      </p:cBhvr>
+                                    </p:animEffect>
+                                  </p:childTnLst>
+                                </p:cTn>
+                              </p:par>
+                            </p:childTnLst>
+                          </p:cTn>
+                        </p:par>
+                      </p:childTnLst>
+                    </p:cTn>
+                  </p:par>
+                </p:childTnLst>
+              </p:cTn>
+              <p:prevCondLst>
+                <p:cond evt="onPrev" delay="0">
+                  <p:tgtEl>
+                    <p:sldTgt/>
+                  </p:tgtEl>
+                </p:cond>
+              </p:prevCondLst>
+              <p:nextCondLst>
+                <p:cond evt="onNext" delay="0">
+                  <p:tgtEl>
+                    <p:sldTgt/>
+                  </p:tgtEl>
+                </p:cond>
+              </p:nextCondLst>
+            </p:seq>
+          </p:childTnLst>
+        </p:cTn>
+      </p:par>
+    </p:tnLst>
+    <p:bldLst>
+      <p:bldP spid="14" grpId="0"/>
+    </p:bldLst>
+  </p:timing>
+</p:sld>
+</file>
+
+<file path=ppt/slides/slide6.xml><?xml version="1.0" encoding="utf-8"?>
+<p:sld xmlns:a="http://schemas.openxmlformats.org/drawingml/2006/main" xmlns:r="http://schemas.openxmlformats.org/officeDocument/2006/relationships" xmlns:p="http://schemas.openxmlformats.org/presentationml/2006/main">
+  <p:cSld>
+    <p:bg>
+      <p:bgPr>
+        <a:blipFill dpi="0" rotWithShape="1">
+          <a:blip r:embed="rId2">
+            <a:lum/>
+          </a:blip>
+          <a:srcRect/>
+          <a:stretch>
+            <a:fillRect/>
+          </a:stretch>
+        </a:blipFill>
+        <a:effectLst/>
+      </p:bgPr>
+    </p:bg>
+    <p:spTree>
+      <p:nvGrpSpPr>
+        <p:cNvPr id="1" name="">
+          <a:extLst>
+            <a:ext uri="{FF2B5EF4-FFF2-40B4-BE49-F238E27FC236}">
+              <a16:creationId xmlns:a16="http://schemas.microsoft.com/office/drawing/2014/main" id="{B443153E-49E7-3618-1769-82B8D0F21D78}"/>
+            </a:ext>
+          </a:extLst>
+        </p:cNvPr>
+        <p:cNvGrpSpPr/>
+        <p:nvPr/>
+      </p:nvGrpSpPr>
+      <p:grpSpPr>
+        <a:xfrm>
+          <a:off x="0" y="0"/>
+          <a:ext cx="0" cy="0"/>
+          <a:chOff x="0" y="0"/>
+          <a:chExt cx="0" cy="0"/>
+        </a:xfrm>
+      </p:grpSpPr>
+      <p:sp>
+        <p:nvSpPr>
+          <p:cNvPr id="4" name="Metin kutusu 3">
+            <a:extLst>
+              <a:ext uri="{FF2B5EF4-FFF2-40B4-BE49-F238E27FC236}">
+                <a16:creationId xmlns:a16="http://schemas.microsoft.com/office/drawing/2014/main" id="{D1AEB371-57C6-5D80-1FBB-B831674FDA7C}"/>
+              </a:ext>
+            </a:extLst>
+          </p:cNvPr>
+          <p:cNvSpPr txBox="1">
+            <a:spLocks/>
+          </p:cNvSpPr>
+          <p:nvPr/>
+        </p:nvSpPr>
+        <p:spPr>
+          <a:xfrm>
+            <a:off x="455849" y="407657"/>
+            <a:ext cx="11239965" cy="708763"/>
+          </a:xfrm>
+          <a:prstGeom prst="rect">
+            <a:avLst/>
+          </a:prstGeom>
+          <a:noFill/>
+        </p:spPr>
+        <p:txBody>
+          <a:bodyPr wrap="square" rtlCol="0">
+            <a:normAutofit/>
+          </a:bodyPr>
+          <a:lstStyle/>
+          <a:p>
+            <a:pPr marL="0" lvl="0" indent="0" algn="l" rtl="0">
+              <a:spcBef>
+                <a:spcPts val="0"/>
+              </a:spcBef>
+              <a:spcAft>
+                <a:spcPts val="0"/>
+              </a:spcAft>
+              <a:buNone/>
+            </a:pPr>
+            <a:r>
+              <a:rPr lang="tr-TR" sz="3600" b="1" dirty="0">
+                <a:solidFill>
+                  <a:srgbClr val="292D33"/>
+                </a:solidFill>
+                <a:latin typeface="Lexend"/>
+                <a:ea typeface="Lexend"/>
+                <a:cs typeface="Lexend"/>
+                <a:sym typeface="Lexend"/>
+              </a:rPr>
+              <a:t>TITLE</a:t>
+            </a:r>
+            <a:endParaRPr lang="tr-TR" sz="3600" dirty="0">
+              <a:solidFill>
+                <a:srgbClr val="292D33"/>
+              </a:solidFill>
+              <a:latin typeface="Lexend"/>
+              <a:ea typeface="Lexend"/>
+              <a:cs typeface="Lexend"/>
+              <a:sym typeface="Lexend"/>
+            </a:endParaRPr>
+          </a:p>
+        </p:txBody>
+      </p:sp>
+      <p:sp>
+        <p:nvSpPr>
+          <p:cNvPr id="14" name="Metin kutusu 13">
+            <a:extLst>
+              <a:ext uri="{FF2B5EF4-FFF2-40B4-BE49-F238E27FC236}">
+                <a16:creationId xmlns:a16="http://schemas.microsoft.com/office/drawing/2014/main" id="{03DDA9AB-5456-6D1F-C04F-A3B7DB0897C7}"/>
+              </a:ext>
+            </a:extLst>
+          </p:cNvPr>
+          <p:cNvSpPr txBox="1"/>
+          <p:nvPr/>
+        </p:nvSpPr>
+        <p:spPr>
+          <a:xfrm>
+            <a:off x="455846" y="1250909"/>
+            <a:ext cx="11239964" cy="4746130"/>
+          </a:xfrm>
+          <a:prstGeom prst="rect">
+            <a:avLst/>
+          </a:prstGeom>
+          <a:noFill/>
+        </p:spPr>
+        <p:txBody>
+          <a:bodyPr wrap="square" rtlCol="0">
+            <a:normAutofit/>
+          </a:bodyPr>
+          <a:lstStyle/>
+          <a:p>
+            <a:r>
+              <a:rPr lang="en-US" dirty="0">
+                <a:solidFill>
+                  <a:srgbClr val="5C6571"/>
+                </a:solidFill>
+                <a:latin typeface="Poppins" panose="00000500000000000000" pitchFamily="2" charset="-94"/>
+                <a:ea typeface="Poppins"/>
+                <a:cs typeface="Poppins" panose="00000500000000000000" pitchFamily="2" charset="-94"/>
+                <a:sym typeface="Poppins"/>
+              </a:rPr>
+              <a:t>Content</a:t>
+            </a:r>
+          </a:p>
+          <a:p>
+            <a:endParaRPr lang="en-US" dirty="0">
+              <a:solidFill>
+                <a:srgbClr val="5C6571"/>
+              </a:solidFill>
+              <a:latin typeface="Poppins" pitchFamily="2" charset="0"/>
+              <a:ea typeface="Poppins"/>
+              <a:cs typeface="Poppins" pitchFamily="2" charset="0"/>
+              <a:sym typeface="Poppins"/>
+            </a:endParaRPr>
+          </a:p>
+          <a:p>
+            <a:pPr marL="285750" indent="-285750">
+              <a:buFont typeface="Arial" panose="020B0604020202020204" pitchFamily="34" charset="0"/>
+              <a:buChar char="•"/>
+            </a:pPr>
+            <a:r>
+              <a:rPr lang="en-US" dirty="0">
+                <a:solidFill>
+                  <a:srgbClr val="5C6571"/>
+                </a:solidFill>
+                <a:latin typeface="Poppins" pitchFamily="2" charset="0"/>
+                <a:ea typeface="Poppins"/>
+                <a:cs typeface="Poppins" pitchFamily="2" charset="0"/>
+                <a:sym typeface="Poppins"/>
+              </a:rPr>
+              <a:t>1</a:t>
+            </a:r>
+          </a:p>
+          <a:p>
+            <a:pPr marL="285750" indent="-285750">
+              <a:buFont typeface="Arial" panose="020B0604020202020204" pitchFamily="34" charset="0"/>
+              <a:buChar char="•"/>
+            </a:pPr>
+            <a:r>
+              <a:rPr lang="en-US" dirty="0">
+                <a:solidFill>
+                  <a:srgbClr val="5C6571"/>
+                </a:solidFill>
+                <a:latin typeface="Poppins" pitchFamily="2" charset="0"/>
+                <a:ea typeface="Poppins"/>
+                <a:cs typeface="Poppins" pitchFamily="2" charset="0"/>
+                <a:sym typeface="Poppins"/>
+              </a:rPr>
+              <a:t>2</a:t>
+            </a:r>
+          </a:p>
+          <a:p>
+            <a:pPr marL="742950" lvl="1" indent="-285750">
+              <a:buFont typeface="Arial" panose="020B0604020202020204" pitchFamily="34" charset="0"/>
+              <a:buChar char="•"/>
+            </a:pPr>
+            <a:r>
+              <a:rPr lang="en-US" dirty="0">
+                <a:solidFill>
+                  <a:srgbClr val="5C6571"/>
+                </a:solidFill>
+                <a:latin typeface="Poppins" pitchFamily="2" charset="0"/>
+                <a:ea typeface="Poppins"/>
+                <a:cs typeface="Poppins" pitchFamily="2" charset="0"/>
+                <a:sym typeface="Poppins"/>
+              </a:rPr>
+              <a:t>2.1</a:t>
+            </a:r>
+          </a:p>
+          <a:p>
+            <a:pPr marL="742950" lvl="1" indent="-285750">
+              <a:buFont typeface="Arial" panose="020B0604020202020204" pitchFamily="34" charset="0"/>
+              <a:buChar char="•"/>
+            </a:pPr>
+            <a:r>
+              <a:rPr lang="en-US" dirty="0">
+                <a:solidFill>
+                  <a:srgbClr val="5C6571"/>
+                </a:solidFill>
+                <a:latin typeface="Poppins" pitchFamily="2" charset="0"/>
+                <a:ea typeface="Poppins"/>
+                <a:cs typeface="Poppins" pitchFamily="2" charset="0"/>
+                <a:sym typeface="Poppins"/>
+              </a:rPr>
+              <a:t>2.2</a:t>
+            </a:r>
+            <a:endParaRPr lang="tr-TR" dirty="0">
+              <a:solidFill>
+                <a:srgbClr val="5C6571"/>
+              </a:solidFill>
+              <a:latin typeface="Poppins" pitchFamily="2" charset="0"/>
+              <a:ea typeface="Poppins"/>
+              <a:cs typeface="Poppins" pitchFamily="2" charset="0"/>
+              <a:sym typeface="Poppins"/>
+            </a:endParaRPr>
+          </a:p>
+          <a:p>
+            <a:pPr marL="1200150" lvl="2" indent="-285750">
+              <a:buFont typeface="Arial" panose="020B0604020202020204" pitchFamily="34" charset="0"/>
+              <a:buChar char="•"/>
+            </a:pPr>
+            <a:r>
+              <a:rPr lang="tr-TR" dirty="0">
+                <a:solidFill>
+                  <a:srgbClr val="5C6571"/>
+                </a:solidFill>
+                <a:latin typeface="Poppins" pitchFamily="2" charset="0"/>
+                <a:ea typeface="Poppins"/>
+                <a:cs typeface="Poppins" pitchFamily="2" charset="0"/>
+                <a:sym typeface="Poppins"/>
+              </a:rPr>
+              <a:t>2.2.1</a:t>
+            </a:r>
+          </a:p>
+          <a:p>
+            <a:pPr marL="1200150" lvl="2" indent="-285750">
+              <a:buFont typeface="Arial" panose="020B0604020202020204" pitchFamily="34" charset="0"/>
+              <a:buChar char="•"/>
+            </a:pPr>
+            <a:r>
+              <a:rPr lang="tr-TR" dirty="0">
+                <a:solidFill>
+                  <a:srgbClr val="5C6571"/>
+                </a:solidFill>
+                <a:latin typeface="Poppins" pitchFamily="2" charset="0"/>
+                <a:ea typeface="Poppins"/>
+                <a:cs typeface="Poppins" pitchFamily="2" charset="0"/>
+                <a:sym typeface="Poppins"/>
+              </a:rPr>
+              <a:t>2.2.2</a:t>
+            </a:r>
+            <a:endParaRPr lang="en-US" dirty="0">
+              <a:solidFill>
+                <a:srgbClr val="5C6571"/>
+              </a:solidFill>
+              <a:latin typeface="Poppins SemiBold" pitchFamily="2" charset="0"/>
+              <a:ea typeface="Poppins"/>
+              <a:cs typeface="Poppins SemiBold" pitchFamily="2" charset="0"/>
+              <a:sym typeface="Poppins"/>
+            </a:endParaRPr>
+          </a:p>
+        </p:txBody>
+      </p:sp>
+    </p:spTree>
+    <p:extLst>
+      <p:ext uri="{BB962C8B-B14F-4D97-AF65-F5344CB8AC3E}">
+        <p14:creationId xmlns:p14="http://schemas.microsoft.com/office/powerpoint/2010/main" val="3655302082"/>
+      </p:ext>
+    </p:extLst>
+  </p:cSld>
+  <p:clrMapOvr>
+    <a:masterClrMapping/>
+  </p:clrMapOvr>
+  <p:timing>
+    <p:tnLst>
+      <p:par>
+        <p:cTn id="1" dur="indefinite" restart="never" nodeType="tmRoot">
+          <p:childTnLst>
+            <p:seq concurrent="1" nextAc="seek">
+              <p:cTn id="2" dur="indefinite" nodeType="mainSeq">
+                <p:childTnLst>
+                  <p:par>
+                    <p:cTn id="3" fill="hold">
+                      <p:stCondLst>
+                        <p:cond delay="indefinite"/>
+                      </p:stCondLst>
+                      <p:childTnLst>
+                        <p:par>
+                          <p:cTn id="4" fill="hold">
+                            <p:stCondLst>
+                              <p:cond delay="0"/>
+                            </p:stCondLst>
+                            <p:childTnLst>
+                              <p:par>
+                                <p:cTn id="5" presetID="10" presetClass="entr" presetSubtype="0" fill="hold" grpId="0" nodeType="clickEffect">
+                                  <p:stCondLst>
+                                    <p:cond delay="0"/>
+                                  </p:stCondLst>
+                                  <p:childTnLst>
+                                    <p:set>
+                                      <p:cBhvr>
+                                        <p:cTn id="6" dur="1" fill="hold">
+                                          <p:stCondLst>
+                                            <p:cond delay="0"/>
+                                          </p:stCondLst>
+                                        </p:cTn>
+                                        <p:tgtEl>
+                                          <p:spTgt spid="14"/>
+                                        </p:tgtEl>
+                                        <p:attrNameLst>
+                                          <p:attrName>style.visibility</p:attrName>
+                                        </p:attrNameLst>
+                                      </p:cBhvr>
+                                      <p:to>
+                                        <p:strVal val="visible"/>
+                                      </p:to>
+                                    </p:set>
+                                    <p:animEffect transition="in" filter="fade">
+                                      <p:cBhvr>
+                                        <p:cTn id="7" dur="500"/>
+                                        <p:tgtEl>
+                                          <p:spTgt spid="14"/>
+                                        </p:tgtEl>
+                                      </p:cBhvr>
+                                    </p:animEffect>
+                                  </p:childTnLst>
+                                </p:cTn>
+                              </p:par>
+                            </p:childTnLst>
+                          </p:cTn>
+                        </p:par>
+                      </p:childTnLst>
+                    </p:cTn>
+                  </p:par>
+                </p:childTnLst>
+              </p:cTn>
+              <p:prevCondLst>
+                <p:cond evt="onPrev" delay="0">
+                  <p:tgtEl>
+                    <p:sldTgt/>
+                  </p:tgtEl>
+                </p:cond>
+              </p:prevCondLst>
+              <p:nextCondLst>
+                <p:cond evt="onNext" delay="0">
+                  <p:tgtEl>
+                    <p:sldTgt/>
+                  </p:tgtEl>
+                </p:cond>
+              </p:nextCondLst>
+            </p:seq>
+          </p:childTnLst>
+        </p:cTn>
+      </p:par>
+    </p:tnLst>
+    <p:bldLst>
+      <p:bldP spid="14" grpId="0"/>
+    </p:bldLst>
+  </p:timing>
+</p:sld>
+</file>
+
+<file path=ppt/slides/slide7.xml><?xml version="1.0" encoding="utf-8"?>
+<p:sld xmlns:a="http://schemas.openxmlformats.org/drawingml/2006/main" xmlns:r="http://schemas.openxmlformats.org/officeDocument/2006/relationships" xmlns:p="http://schemas.openxmlformats.org/presentationml/2006/main">
+  <p:cSld>
+    <p:bg>
+      <p:bgPr>
+        <a:blipFill dpi="0" rotWithShape="1">
+          <a:blip r:embed="rId2">
+            <a:lum/>
+          </a:blip>
+          <a:srcRect/>
+          <a:stretch>
+            <a:fillRect/>
+          </a:stretch>
+        </a:blipFill>
+        <a:effectLst/>
+      </p:bgPr>
+    </p:bg>
+    <p:spTree>
+      <p:nvGrpSpPr>
+        <p:cNvPr id="1" name="">
+          <a:extLst>
+            <a:ext uri="{FF2B5EF4-FFF2-40B4-BE49-F238E27FC236}">
+              <a16:creationId xmlns:a16="http://schemas.microsoft.com/office/drawing/2014/main" id="{04470E84-8A21-FAC6-7632-A13CBD5DC33D}"/>
+            </a:ext>
+          </a:extLst>
+        </p:cNvPr>
+        <p:cNvGrpSpPr/>
+        <p:nvPr/>
+      </p:nvGrpSpPr>
+      <p:grpSpPr>
+        <a:xfrm>
+          <a:off x="0" y="0"/>
+          <a:ext cx="0" cy="0"/>
+          <a:chOff x="0" y="0"/>
+          <a:chExt cx="0" cy="0"/>
+        </a:xfrm>
+      </p:grpSpPr>
+      <p:sp>
+        <p:nvSpPr>
+          <p:cNvPr id="3" name="TextBox 2">
+            <a:extLst>
+              <a:ext uri="{FF2B5EF4-FFF2-40B4-BE49-F238E27FC236}">
+                <a16:creationId xmlns:a16="http://schemas.microsoft.com/office/drawing/2014/main" id="{5E7849EB-96DD-AE86-2014-E8626C47FE1B}"/>
+              </a:ext>
+            </a:extLst>
+          </p:cNvPr>
+          <p:cNvSpPr txBox="1"/>
+          <p:nvPr/>
+        </p:nvSpPr>
+        <p:spPr>
+          <a:xfrm>
+            <a:off x="643659" y="2215634"/>
+            <a:ext cx="1813317" cy="400110"/>
+          </a:xfrm>
+          <a:prstGeom prst="rect">
+            <a:avLst/>
+          </a:prstGeom>
+          <a:noFill/>
+        </p:spPr>
+        <p:txBody>
+          <a:bodyPr wrap="none" rtlCol="0">
+            <a:spAutoFit/>
+          </a:bodyPr>
+          <a:lstStyle/>
+          <a:p>
+            <a:r>
+              <a:rPr lang="en-US" sz="2000" b="1" dirty="0">
+                <a:latin typeface="Poppins" panose="00000500000000000000" pitchFamily="2" charset="0"/>
+                <a:cs typeface="Poppins" panose="00000500000000000000" pitchFamily="2" charset="0"/>
+              </a:rPr>
+              <a:t>single-layer</a:t>
+            </a:r>
+          </a:p>
+        </p:txBody>
+      </p:sp>
+      <p:sp>
+        <p:nvSpPr>
+          <p:cNvPr id="5" name="TextBox 4">
+            <a:extLst>
+              <a:ext uri="{FF2B5EF4-FFF2-40B4-BE49-F238E27FC236}">
+                <a16:creationId xmlns:a16="http://schemas.microsoft.com/office/drawing/2014/main" id="{C40CDECA-353D-8D14-48D7-CF36B771F180}"/>
+              </a:ext>
+            </a:extLst>
+          </p:cNvPr>
+          <p:cNvSpPr txBox="1"/>
+          <p:nvPr/>
+        </p:nvSpPr>
+        <p:spPr>
+          <a:xfrm>
+            <a:off x="2742636" y="2204889"/>
+            <a:ext cx="2892138" cy="400110"/>
+          </a:xfrm>
+          <a:prstGeom prst="rect">
+            <a:avLst/>
+          </a:prstGeom>
+          <a:noFill/>
+        </p:spPr>
+        <p:txBody>
+          <a:bodyPr wrap="none" rtlCol="0">
+            <a:spAutoFit/>
+          </a:bodyPr>
+          <a:lstStyle/>
+          <a:p>
+            <a:r>
+              <a:rPr lang="en-US" sz="2000" b="1" dirty="0">
+                <a:latin typeface="Poppins" panose="00000500000000000000" pitchFamily="2" charset="0"/>
+                <a:cs typeface="Poppins" panose="00000500000000000000" pitchFamily="2" charset="0"/>
+              </a:rPr>
+              <a:t>n-layer architecture</a:t>
+            </a:r>
+          </a:p>
+        </p:txBody>
+      </p:sp>
+      <p:sp>
+        <p:nvSpPr>
+          <p:cNvPr id="6" name="TextBox 5">
+            <a:extLst>
+              <a:ext uri="{FF2B5EF4-FFF2-40B4-BE49-F238E27FC236}">
+                <a16:creationId xmlns:a16="http://schemas.microsoft.com/office/drawing/2014/main" id="{08422C2C-5642-F872-4FAA-4AD18F6299FE}"/>
+              </a:ext>
+            </a:extLst>
+          </p:cNvPr>
+          <p:cNvSpPr txBox="1"/>
+          <p:nvPr/>
+        </p:nvSpPr>
+        <p:spPr>
+          <a:xfrm>
+            <a:off x="5927333" y="2204889"/>
+            <a:ext cx="2579552" cy="400110"/>
+          </a:xfrm>
+          <a:prstGeom prst="rect">
+            <a:avLst/>
+          </a:prstGeom>
+          <a:noFill/>
+        </p:spPr>
+        <p:txBody>
+          <a:bodyPr wrap="none" rtlCol="0">
+            <a:spAutoFit/>
+          </a:bodyPr>
+          <a:lstStyle/>
+          <a:p>
+            <a:r>
+              <a:rPr lang="en-US" sz="2000" b="1" dirty="0">
+                <a:latin typeface="Poppins" panose="00000500000000000000" pitchFamily="2" charset="0"/>
+                <a:cs typeface="Poppins" panose="00000500000000000000" pitchFamily="2" charset="0"/>
+              </a:rPr>
+              <a:t>modular monolith</a:t>
+            </a:r>
+          </a:p>
+        </p:txBody>
+      </p:sp>
+      <p:sp>
+        <p:nvSpPr>
+          <p:cNvPr id="7" name="TextBox 6">
+            <a:extLst>
+              <a:ext uri="{FF2B5EF4-FFF2-40B4-BE49-F238E27FC236}">
+                <a16:creationId xmlns:a16="http://schemas.microsoft.com/office/drawing/2014/main" id="{BF27BF42-2D0E-EEA7-2D97-812F7EDFB518}"/>
+              </a:ext>
+            </a:extLst>
+          </p:cNvPr>
+          <p:cNvSpPr txBox="1"/>
+          <p:nvPr/>
+        </p:nvSpPr>
+        <p:spPr>
+          <a:xfrm>
+            <a:off x="8860597" y="2202287"/>
+            <a:ext cx="2061783" cy="400110"/>
+          </a:xfrm>
+          <a:prstGeom prst="rect">
+            <a:avLst/>
+          </a:prstGeom>
+          <a:noFill/>
+        </p:spPr>
+        <p:txBody>
+          <a:bodyPr wrap="none" rtlCol="0">
+            <a:spAutoFit/>
+          </a:bodyPr>
+          <a:lstStyle/>
+          <a:p>
+            <a:r>
+              <a:rPr lang="en-US" sz="2000" b="1" dirty="0">
+                <a:latin typeface="Poppins" panose="00000500000000000000" pitchFamily="2" charset="0"/>
+                <a:cs typeface="Poppins" panose="00000500000000000000" pitchFamily="2" charset="0"/>
+              </a:rPr>
+              <a:t>microservices</a:t>
+            </a:r>
           </a:p>
         </p:txBody>
       </p:sp>
       <p:pic>
         <p:nvPicPr>
-          <p:cNvPr id="15" name="Google Shape;82;p3">
-            <a:extLst>
-              <a:ext uri="{FF2B5EF4-FFF2-40B4-BE49-F238E27FC236}">
-                <a16:creationId xmlns:a16="http://schemas.microsoft.com/office/drawing/2014/main" id="{1426F76E-6AC9-EDDC-E0CD-0D342276275D}"/>
-              </a:ext>
-            </a:extLst>
-          </p:cNvPr>
-          <p:cNvPicPr preferRelativeResize="0"/>
+          <p:cNvPr id="8" name="Picture 7">
+            <a:extLst>
+              <a:ext uri="{FF2B5EF4-FFF2-40B4-BE49-F238E27FC236}">
+                <a16:creationId xmlns:a16="http://schemas.microsoft.com/office/drawing/2014/main" id="{F3C60A65-F589-EEAE-36C3-2768B091ADBA}"/>
+              </a:ext>
+            </a:extLst>
+          </p:cNvPr>
+          <p:cNvPicPr>
+            <a:picLocks noChangeAspect="1"/>
+          </p:cNvPicPr>
           <p:nvPr/>
         </p:nvPicPr>
         <p:blipFill>
-          <a:blip r:embed="rId3">
-            <a:alphaModFix/>
-          </a:blip>
+          <a:blip r:embed="rId3"/>
           <a:stretch>
             <a:fillRect/>
           </a:stretch>
         </p:blipFill>
         <p:spPr>
           <a:xfrm>
-            <a:off x="7784842" y="2136322"/>
-            <a:ext cx="2957700" cy="2957700"/>
+            <a:off x="9196871" y="1394107"/>
+            <a:ext cx="740335" cy="777779"/>
           </a:xfrm>
           <a:prstGeom prst="rect">
             <a:avLst/>
           </a:prstGeom>
-          <a:noFill/>
-          <a:ln>
-            <a:noFill/>
-          </a:ln>
         </p:spPr>
       </p:pic>
       <p:pic>
         <p:nvPicPr>
-          <p:cNvPr id="2" name="Picture 1" descr="A qr code with black squares&#10;&#10;Description automatically generated">
-            <a:extLst>
-              <a:ext uri="{FF2B5EF4-FFF2-40B4-BE49-F238E27FC236}">
-                <a16:creationId xmlns:a16="http://schemas.microsoft.com/office/drawing/2014/main" id="{832B1108-CCFF-1EDC-C72F-E220572B8C93}"/>
+          <p:cNvPr id="9" name="Picture 8">
+            <a:extLst>
+              <a:ext uri="{FF2B5EF4-FFF2-40B4-BE49-F238E27FC236}">
+                <a16:creationId xmlns:a16="http://schemas.microsoft.com/office/drawing/2014/main" id="{AA1322A4-B3F7-4ED1-2015-8151F8BF5591}"/>
               </a:ext>
             </a:extLst>
           </p:cNvPr>
@@ -4916,22 +8799,20 @@
         </p:blipFill>
         <p:spPr>
           <a:xfrm>
-            <a:off x="7938659" y="2283917"/>
-            <a:ext cx="2650065" cy="2650065"/>
+            <a:off x="6392534" y="1407455"/>
+            <a:ext cx="825597" cy="795215"/>
           </a:xfrm>
-          <a:prstGeom prst="roundRect">
-            <a:avLst>
-              <a:gd name="adj" fmla="val 9428"/>
-            </a:avLst>
+          <a:prstGeom prst="rect">
+            <a:avLst/>
           </a:prstGeom>
         </p:spPr>
       </p:pic>
       <p:pic>
         <p:nvPicPr>
-          <p:cNvPr id="3" name="Resim 3">
-            <a:extLst>
-              <a:ext uri="{FF2B5EF4-FFF2-40B4-BE49-F238E27FC236}">
-                <a16:creationId xmlns:a16="http://schemas.microsoft.com/office/drawing/2014/main" id="{CD0FA1D9-2266-4800-975B-9DA727315A34}"/>
+          <p:cNvPr id="10" name="Picture 9">
+            <a:extLst>
+              <a:ext uri="{FF2B5EF4-FFF2-40B4-BE49-F238E27FC236}">
+                <a16:creationId xmlns:a16="http://schemas.microsoft.com/office/drawing/2014/main" id="{F53327D7-63AA-8F9C-E153-9C61725E3992}"/>
               </a:ext>
             </a:extLst>
           </p:cNvPr>
@@ -4942,25 +8823,73 @@
         </p:nvPicPr>
         <p:blipFill>
           <a:blip r:embed="rId5"/>
-          <a:srcRect/>
-          <a:stretch/>
+          <a:stretch>
+            <a:fillRect/>
+          </a:stretch>
         </p:blipFill>
         <p:spPr>
           <a:xfrm>
-            <a:off x="709617" y="3109507"/>
-            <a:ext cx="1039470" cy="1039470"/>
+            <a:off x="745143" y="1407454"/>
+            <a:ext cx="1119828" cy="797435"/>
           </a:xfrm>
           <a:prstGeom prst="rect">
             <a:avLst/>
           </a:prstGeom>
         </p:spPr>
       </p:pic>
+      <p:pic>
+        <p:nvPicPr>
+          <p:cNvPr id="11" name="Picture 2">
+            <a:extLst>
+              <a:ext uri="{FF2B5EF4-FFF2-40B4-BE49-F238E27FC236}">
+                <a16:creationId xmlns:a16="http://schemas.microsoft.com/office/drawing/2014/main" id="{A0E875A8-6B6C-3A33-47B3-A69D48CBADEE}"/>
+              </a:ext>
+            </a:extLst>
+          </p:cNvPr>
+          <p:cNvPicPr>
+            <a:picLocks noChangeAspect="1" noChangeArrowheads="1"/>
+          </p:cNvPicPr>
+          <p:nvPr/>
+        </p:nvPicPr>
+        <p:blipFill>
+          <a:blip r:embed="rId6">
+            <a:extLst>
+              <a:ext uri="{28A0092B-C50C-407E-A947-70E740481C1C}">
+                <a14:useLocalDpi xmlns:a14="http://schemas.microsoft.com/office/drawing/2010/main" val="0"/>
+              </a:ext>
+            </a:extLst>
+          </a:blip>
+          <a:srcRect/>
+          <a:stretch>
+            <a:fillRect/>
+          </a:stretch>
+        </p:blipFill>
+        <p:spPr bwMode="auto">
+          <a:xfrm>
+            <a:off x="3229270" y="1402155"/>
+            <a:ext cx="634507" cy="802734"/>
+          </a:xfrm>
+          <a:prstGeom prst="rect">
+            <a:avLst/>
+          </a:prstGeom>
+          <a:noFill/>
+          <a:extLst>
+            <a:ext uri="{909E8E84-426E-40DD-AFC4-6F175D3DCCD1}">
+              <a14:hiddenFill xmlns:a14="http://schemas.microsoft.com/office/drawing/2010/main">
+                <a:solidFill>
+                  <a:srgbClr val="FFFFFF"/>
+                </a:solidFill>
+              </a14:hiddenFill>
+            </a:ext>
+          </a:extLst>
+        </p:spPr>
+      </p:pic>
       <p:sp>
         <p:nvSpPr>
-          <p:cNvPr id="7" name="Google Shape;56;p1">
-            <a:extLst>
-              <a:ext uri="{FF2B5EF4-FFF2-40B4-BE49-F238E27FC236}">
-                <a16:creationId xmlns:a16="http://schemas.microsoft.com/office/drawing/2014/main" id="{37AA34DA-EF7C-620F-B9F0-89D545E370C7}"/>
+          <p:cNvPr id="12" name="TextBox 11">
+            <a:extLst>
+              <a:ext uri="{FF2B5EF4-FFF2-40B4-BE49-F238E27FC236}">
+                <a16:creationId xmlns:a16="http://schemas.microsoft.com/office/drawing/2014/main" id="{76422F2C-A5DE-F36A-4722-0E0C5A518232}"/>
               </a:ext>
             </a:extLst>
           </p:cNvPr>
@@ -4969,20 +8898,531 @@
         </p:nvSpPr>
         <p:spPr>
           <a:xfrm>
-            <a:off x="1981137" y="3175050"/>
-            <a:ext cx="6497100" cy="507900"/>
+            <a:off x="643659" y="2564780"/>
+            <a:ext cx="1630383" cy="738664"/>
           </a:xfrm>
           <a:prstGeom prst="rect">
             <a:avLst/>
           </a:prstGeom>
           <a:noFill/>
-          <a:ln>
-            <a:noFill/>
-          </a:ln>
         </p:spPr>
         <p:txBody>
-          <a:bodyPr spcFirstLastPara="1" wrap="square" lIns="91425" tIns="91425" rIns="91425" bIns="91425" anchor="t" anchorCtr="0">
-            <a:noAutofit/>
+          <a:bodyPr wrap="none" rtlCol="0">
+            <a:spAutoFit/>
+          </a:bodyPr>
+          <a:lstStyle/>
+          <a:p>
+            <a:r>
+              <a:rPr lang="tr-TR" sz="1400" b="1" dirty="0"/>
+              <a:t>Small </a:t>
+            </a:r>
+            <a:r>
+              <a:rPr lang="tr-TR" sz="1400" dirty="0"/>
+              <a:t>project</a:t>
+            </a:r>
+          </a:p>
+          <a:p>
+            <a:r>
+              <a:rPr lang="tr-TR" sz="1400" b="1" dirty="0"/>
+              <a:t>Temporary </a:t>
+            </a:r>
+            <a:r>
+              <a:rPr lang="tr-TR" sz="1400" dirty="0"/>
+              <a:t>project</a:t>
+            </a:r>
+          </a:p>
+          <a:p>
+            <a:r>
+              <a:rPr lang="tr-TR" sz="1400" b="1" dirty="0"/>
+              <a:t>A few </a:t>
+            </a:r>
+            <a:r>
+              <a:rPr lang="tr-TR" sz="1400" dirty="0"/>
+              <a:t>developers</a:t>
+            </a:r>
+          </a:p>
+        </p:txBody>
+      </p:sp>
+      <p:sp>
+        <p:nvSpPr>
+          <p:cNvPr id="13" name="TextBox 12">
+            <a:extLst>
+              <a:ext uri="{FF2B5EF4-FFF2-40B4-BE49-F238E27FC236}">
+                <a16:creationId xmlns:a16="http://schemas.microsoft.com/office/drawing/2014/main" id="{E6162AD9-352A-4FC1-8EE6-4A06D86931B8}"/>
+              </a:ext>
+            </a:extLst>
+          </p:cNvPr>
+          <p:cNvSpPr txBox="1"/>
+          <p:nvPr/>
+        </p:nvSpPr>
+        <p:spPr>
+          <a:xfrm>
+            <a:off x="2742636" y="2551951"/>
+            <a:ext cx="1871603" cy="954107"/>
+          </a:xfrm>
+          <a:prstGeom prst="rect">
+            <a:avLst/>
+          </a:prstGeom>
+          <a:noFill/>
+        </p:spPr>
+        <p:txBody>
+          <a:bodyPr wrap="none" rtlCol="0">
+            <a:spAutoFit/>
+          </a:bodyPr>
+          <a:lstStyle/>
+          <a:p>
+            <a:r>
+              <a:rPr lang="tr-TR" sz="1400" b="1" dirty="0"/>
+              <a:t>Middle-size</a:t>
+            </a:r>
+            <a:r>
+              <a:rPr lang="tr-TR" sz="1400" dirty="0"/>
+              <a:t> project</a:t>
+            </a:r>
+          </a:p>
+          <a:p>
+            <a:r>
+              <a:rPr lang="tr-TR" sz="1400" b="1" dirty="0"/>
+              <a:t>Long-term </a:t>
+            </a:r>
+            <a:r>
+              <a:rPr lang="tr-TR" sz="1400" dirty="0"/>
+              <a:t>project</a:t>
+            </a:r>
+          </a:p>
+          <a:p>
+            <a:r>
+              <a:rPr lang="tr-TR" sz="1400" b="1" dirty="0"/>
+              <a:t>A team</a:t>
+            </a:r>
+            <a:r>
+              <a:rPr lang="tr-TR" sz="1400" dirty="0"/>
+              <a:t> of developers</a:t>
+            </a:r>
+          </a:p>
+          <a:p>
+            <a:r>
+              <a:rPr lang="tr-TR" sz="1400" dirty="0"/>
+              <a:t>Multiple </a:t>
+            </a:r>
+            <a:r>
+              <a:rPr lang="tr-TR" sz="1400" b="1" dirty="0"/>
+              <a:t>applications</a:t>
+            </a:r>
+          </a:p>
+        </p:txBody>
+      </p:sp>
+      <p:sp>
+        <p:nvSpPr>
+          <p:cNvPr id="15" name="TextBox 14">
+            <a:extLst>
+              <a:ext uri="{FF2B5EF4-FFF2-40B4-BE49-F238E27FC236}">
+                <a16:creationId xmlns:a16="http://schemas.microsoft.com/office/drawing/2014/main" id="{FB010923-4742-D8BA-5D3B-12055906BA7C}"/>
+              </a:ext>
+            </a:extLst>
+          </p:cNvPr>
+          <p:cNvSpPr txBox="1"/>
+          <p:nvPr/>
+        </p:nvSpPr>
+        <p:spPr>
+          <a:xfrm>
+            <a:off x="5927333" y="2562696"/>
+            <a:ext cx="2014847" cy="1600438"/>
+          </a:xfrm>
+          <a:prstGeom prst="rect">
+            <a:avLst/>
+          </a:prstGeom>
+          <a:noFill/>
+        </p:spPr>
+        <p:txBody>
+          <a:bodyPr wrap="none" rtlCol="0">
+            <a:spAutoFit/>
+          </a:bodyPr>
+          <a:lstStyle/>
+          <a:p>
+            <a:r>
+              <a:rPr lang="tr-TR" sz="1400" b="1" dirty="0"/>
+              <a:t>Complex </a:t>
+            </a:r>
+            <a:r>
+              <a:rPr lang="tr-TR" sz="1400" dirty="0"/>
+              <a:t>domain</a:t>
+            </a:r>
+          </a:p>
+          <a:p>
+            <a:r>
+              <a:rPr lang="tr-TR" sz="1400" dirty="0"/>
+              <a:t>Multiple </a:t>
+            </a:r>
+            <a:r>
+              <a:rPr lang="tr-TR" sz="1400" b="1" dirty="0"/>
+              <a:t>sub-domains</a:t>
+            </a:r>
+          </a:p>
+          <a:p>
+            <a:r>
+              <a:rPr lang="tr-TR" sz="1400" dirty="0"/>
+              <a:t>Multiple </a:t>
+            </a:r>
+            <a:r>
+              <a:rPr lang="tr-TR" sz="1400" b="1" dirty="0"/>
+              <a:t>teams</a:t>
+            </a:r>
+          </a:p>
+          <a:p>
+            <a:endParaRPr lang="tr-TR" sz="1400" b="1" dirty="0"/>
+          </a:p>
+          <a:p>
+            <a:r>
+              <a:rPr lang="tr-TR" sz="1400" b="1" dirty="0"/>
+              <a:t>Scalable</a:t>
+            </a:r>
+            <a:r>
+              <a:rPr lang="tr-TR" sz="1400" dirty="0"/>
+              <a:t> codebase</a:t>
+            </a:r>
+          </a:p>
+          <a:p>
+            <a:r>
+              <a:rPr lang="tr-TR" sz="1400" dirty="0"/>
+              <a:t>Scalable </a:t>
+            </a:r>
+            <a:r>
+              <a:rPr lang="tr-TR" sz="1400" b="1" dirty="0"/>
+              <a:t>performance</a:t>
+            </a:r>
+            <a:br>
+              <a:rPr lang="tr-TR" sz="1400" dirty="0"/>
+            </a:br>
+            <a:r>
+              <a:rPr lang="tr-TR" sz="1400" dirty="0"/>
+              <a:t>(</a:t>
+            </a:r>
+            <a:r>
+              <a:rPr lang="tr-TR" sz="1400" i="1" dirty="0"/>
+              <a:t>on multiple databases</a:t>
+            </a:r>
+            <a:r>
+              <a:rPr lang="tr-TR" sz="1400" dirty="0"/>
+              <a:t>)</a:t>
+            </a:r>
+          </a:p>
+        </p:txBody>
+      </p:sp>
+      <p:sp>
+        <p:nvSpPr>
+          <p:cNvPr id="16" name="TextBox 15">
+            <a:extLst>
+              <a:ext uri="{FF2B5EF4-FFF2-40B4-BE49-F238E27FC236}">
+                <a16:creationId xmlns:a16="http://schemas.microsoft.com/office/drawing/2014/main" id="{E669F8FB-DB18-212F-7441-0352BF943975}"/>
+              </a:ext>
+            </a:extLst>
+          </p:cNvPr>
+          <p:cNvSpPr txBox="1"/>
+          <p:nvPr/>
+        </p:nvSpPr>
+        <p:spPr>
+          <a:xfrm>
+            <a:off x="8864604" y="2549348"/>
+            <a:ext cx="2337819" cy="2893100"/>
+          </a:xfrm>
+          <a:prstGeom prst="rect">
+            <a:avLst/>
+          </a:prstGeom>
+          <a:noFill/>
+        </p:spPr>
+        <p:txBody>
+          <a:bodyPr wrap="none" rtlCol="0">
+            <a:spAutoFit/>
+          </a:bodyPr>
+          <a:lstStyle/>
+          <a:p>
+            <a:r>
+              <a:rPr lang="tr-TR" sz="1400" b="1" dirty="0"/>
+              <a:t>Complex </a:t>
+            </a:r>
+            <a:r>
+              <a:rPr lang="tr-TR" sz="1400" dirty="0"/>
+              <a:t>domain</a:t>
+            </a:r>
+          </a:p>
+          <a:p>
+            <a:r>
+              <a:rPr lang="tr-TR" sz="1400" dirty="0"/>
+              <a:t>Multiple </a:t>
+            </a:r>
+            <a:r>
+              <a:rPr lang="tr-TR" sz="1400" b="1" dirty="0"/>
+              <a:t>sub-domains</a:t>
+            </a:r>
+          </a:p>
+          <a:p>
+            <a:r>
+              <a:rPr lang="tr-TR" sz="1400" dirty="0"/>
+              <a:t>Multiple </a:t>
+            </a:r>
+            <a:r>
+              <a:rPr lang="tr-TR" sz="1400" b="1" dirty="0"/>
+              <a:t>teams</a:t>
+            </a:r>
+          </a:p>
+          <a:p>
+            <a:r>
+              <a:rPr lang="tr-TR" sz="1400" b="1" dirty="0"/>
+              <a:t>Large </a:t>
+            </a:r>
+            <a:r>
+              <a:rPr lang="tr-TR" sz="1400" dirty="0"/>
+              <a:t>company &amp; budget</a:t>
+            </a:r>
+          </a:p>
+          <a:p>
+            <a:r>
+              <a:rPr lang="tr-TR" sz="1400" b="1" dirty="0"/>
+              <a:t>Devops </a:t>
+            </a:r>
+            <a:r>
+              <a:rPr lang="tr-TR" sz="1400" dirty="0"/>
+              <a:t>culture</a:t>
+            </a:r>
+          </a:p>
+          <a:p>
+            <a:endParaRPr lang="tr-TR" sz="1400" dirty="0"/>
+          </a:p>
+          <a:p>
+            <a:r>
+              <a:rPr lang="tr-TR" sz="1400" b="1" dirty="0"/>
+              <a:t>Scalable</a:t>
+            </a:r>
+            <a:r>
+              <a:rPr lang="tr-TR" sz="1400" dirty="0"/>
+              <a:t> codebase</a:t>
+            </a:r>
+          </a:p>
+          <a:p>
+            <a:r>
+              <a:rPr lang="tr-TR" sz="1400" dirty="0"/>
+              <a:t>Scalable </a:t>
+            </a:r>
+            <a:r>
+              <a:rPr lang="tr-TR" sz="1400" b="1" dirty="0"/>
+              <a:t>performance</a:t>
+            </a:r>
+            <a:endParaRPr lang="tr-TR" sz="1400" dirty="0"/>
+          </a:p>
+          <a:p>
+            <a:r>
+              <a:rPr lang="tr-TR" sz="1400" dirty="0"/>
+              <a:t>Multiple </a:t>
+            </a:r>
+            <a:r>
+              <a:rPr lang="tr-TR" sz="1400" b="1" dirty="0"/>
+              <a:t>technology stacks</a:t>
+            </a:r>
+            <a:endParaRPr lang="tr-TR" sz="1400" dirty="0"/>
+          </a:p>
+          <a:p>
+            <a:r>
+              <a:rPr lang="tr-TR" sz="1400" dirty="0"/>
+              <a:t>Targeting </a:t>
+            </a:r>
+            <a:r>
+              <a:rPr lang="tr-TR" sz="1400" b="1" dirty="0"/>
+              <a:t>too many users</a:t>
+            </a:r>
+          </a:p>
+          <a:p>
+            <a:r>
+              <a:rPr lang="tr-TR" sz="1400" dirty="0"/>
+              <a:t>  - High </a:t>
+            </a:r>
+            <a:r>
+              <a:rPr lang="tr-TR" sz="1400" b="1" dirty="0"/>
+              <a:t>availability</a:t>
+            </a:r>
+          </a:p>
+          <a:p>
+            <a:r>
+              <a:rPr lang="tr-TR" sz="1400" b="1" dirty="0"/>
+              <a:t>  - Fault </a:t>
+            </a:r>
+            <a:r>
+              <a:rPr lang="tr-TR" sz="1400" dirty="0"/>
+              <a:t>tolerance</a:t>
+            </a:r>
+            <a:br>
+              <a:rPr lang="tr-TR" sz="1400" dirty="0"/>
+            </a:br>
+            <a:r>
+              <a:rPr lang="tr-TR" sz="1400" dirty="0"/>
+              <a:t>  - Independent </a:t>
+            </a:r>
+            <a:r>
+              <a:rPr lang="tr-TR" sz="1400" b="1" dirty="0"/>
+              <a:t>scale</a:t>
+            </a:r>
+          </a:p>
+        </p:txBody>
+      </p:sp>
+      <p:sp>
+        <p:nvSpPr>
+          <p:cNvPr id="17" name="TextBox 16">
+            <a:extLst>
+              <a:ext uri="{FF2B5EF4-FFF2-40B4-BE49-F238E27FC236}">
+                <a16:creationId xmlns:a16="http://schemas.microsoft.com/office/drawing/2014/main" id="{79B53151-DFA5-FA2C-DF5A-580DB6D99CAC}"/>
+              </a:ext>
+            </a:extLst>
+          </p:cNvPr>
+          <p:cNvSpPr txBox="1"/>
+          <p:nvPr/>
+        </p:nvSpPr>
+        <p:spPr>
+          <a:xfrm>
+            <a:off x="822073" y="3362915"/>
+            <a:ext cx="1161472" cy="523220"/>
+          </a:xfrm>
+          <a:prstGeom prst="rect">
+            <a:avLst/>
+          </a:prstGeom>
+          <a:noFill/>
+        </p:spPr>
+        <p:txBody>
+          <a:bodyPr wrap="none" rtlCol="0">
+            <a:spAutoFit/>
+          </a:bodyPr>
+          <a:lstStyle/>
+          <a:p>
+            <a:r>
+              <a:rPr lang="tr-TR" sz="2800" b="1" dirty="0">
+                <a:solidFill>
+                  <a:srgbClr val="7030A0"/>
+                </a:solidFill>
+              </a:rPr>
+              <a:t>%5-10</a:t>
+            </a:r>
+            <a:endParaRPr lang="en-US" sz="2800" b="1" dirty="0">
+              <a:solidFill>
+                <a:srgbClr val="7030A0"/>
+              </a:solidFill>
+            </a:endParaRPr>
+          </a:p>
+        </p:txBody>
+      </p:sp>
+      <p:sp>
+        <p:nvSpPr>
+          <p:cNvPr id="18" name="TextBox 17">
+            <a:extLst>
+              <a:ext uri="{FF2B5EF4-FFF2-40B4-BE49-F238E27FC236}">
+                <a16:creationId xmlns:a16="http://schemas.microsoft.com/office/drawing/2014/main" id="{9BC13CB7-B4B0-C861-322E-C554F86AE3F5}"/>
+              </a:ext>
+            </a:extLst>
+          </p:cNvPr>
+          <p:cNvSpPr txBox="1"/>
+          <p:nvPr/>
+        </p:nvSpPr>
+        <p:spPr>
+          <a:xfrm>
+            <a:off x="2901684" y="3546653"/>
+            <a:ext cx="1377300" cy="523220"/>
+          </a:xfrm>
+          <a:prstGeom prst="rect">
+            <a:avLst/>
+          </a:prstGeom>
+          <a:noFill/>
+        </p:spPr>
+        <p:txBody>
+          <a:bodyPr wrap="none" rtlCol="0">
+            <a:spAutoFit/>
+          </a:bodyPr>
+          <a:lstStyle/>
+          <a:p>
+            <a:r>
+              <a:rPr lang="tr-TR" sz="2800" b="1" dirty="0">
+                <a:solidFill>
+                  <a:srgbClr val="7030A0"/>
+                </a:solidFill>
+              </a:rPr>
+              <a:t>%50-60</a:t>
+            </a:r>
+            <a:endParaRPr lang="en-US" sz="2800" b="1" dirty="0">
+              <a:solidFill>
+                <a:srgbClr val="7030A0"/>
+              </a:solidFill>
+            </a:endParaRPr>
+          </a:p>
+        </p:txBody>
+      </p:sp>
+      <p:sp>
+        <p:nvSpPr>
+          <p:cNvPr id="20" name="TextBox 19">
+            <a:extLst>
+              <a:ext uri="{FF2B5EF4-FFF2-40B4-BE49-F238E27FC236}">
+                <a16:creationId xmlns:a16="http://schemas.microsoft.com/office/drawing/2014/main" id="{501D2AB1-09BD-4D7D-A9AA-5CA7A23FBF15}"/>
+              </a:ext>
+            </a:extLst>
+          </p:cNvPr>
+          <p:cNvSpPr txBox="1"/>
+          <p:nvPr/>
+        </p:nvSpPr>
+        <p:spPr>
+          <a:xfrm>
+            <a:off x="9259015" y="5442448"/>
+            <a:ext cx="1161472" cy="523220"/>
+          </a:xfrm>
+          <a:prstGeom prst="rect">
+            <a:avLst/>
+          </a:prstGeom>
+          <a:noFill/>
+        </p:spPr>
+        <p:txBody>
+          <a:bodyPr wrap="none" rtlCol="0">
+            <a:spAutoFit/>
+          </a:bodyPr>
+          <a:lstStyle/>
+          <a:p>
+            <a:r>
+              <a:rPr lang="tr-TR" sz="2800" b="1" dirty="0">
+                <a:solidFill>
+                  <a:srgbClr val="7030A0"/>
+                </a:solidFill>
+              </a:rPr>
+              <a:t>%5-10</a:t>
+            </a:r>
+            <a:endParaRPr lang="en-US" sz="2800" b="1" dirty="0">
+              <a:solidFill>
+                <a:srgbClr val="7030A0"/>
+              </a:solidFill>
+            </a:endParaRPr>
+          </a:p>
+        </p:txBody>
+      </p:sp>
+      <p:sp>
+        <p:nvSpPr>
+          <p:cNvPr id="21" name="Metin kutusu 3">
+            <a:extLst>
+              <a:ext uri="{FF2B5EF4-FFF2-40B4-BE49-F238E27FC236}">
+                <a16:creationId xmlns:a16="http://schemas.microsoft.com/office/drawing/2014/main" id="{F343581E-FC1F-79AF-DFEF-E688C60CFBFC}"/>
+              </a:ext>
+            </a:extLst>
+          </p:cNvPr>
+          <p:cNvSpPr txBox="1">
+            <a:spLocks/>
+          </p:cNvSpPr>
+          <p:nvPr/>
+        </p:nvSpPr>
+        <p:spPr>
+          <a:xfrm>
+            <a:off x="455849" y="407657"/>
+            <a:ext cx="11239965" cy="708763"/>
+          </a:xfrm>
+          <a:prstGeom prst="rect">
+            <a:avLst/>
+          </a:prstGeom>
+          <a:noFill/>
+        </p:spPr>
+        <p:txBody>
+          <a:bodyPr wrap="square" rtlCol="0">
+            <a:normAutofit/>
           </a:bodyPr>
           <a:lstStyle/>
           <a:p>
@@ -4996,35 +9436,35 @@
               <a:buNone/>
             </a:pPr>
             <a:r>
-              <a:rPr lang="tr-TR" sz="2800" dirty="0">
+              <a:rPr lang="tr-TR" sz="3600" b="1" dirty="0">
                 <a:solidFill>
                   <a:srgbClr val="292D33"/>
                 </a:solidFill>
-                <a:latin typeface="Poppins Medium"/>
-                <a:ea typeface="Poppins Medium"/>
-                <a:cs typeface="Poppins Medium"/>
-                <a:sym typeface="Poppins Medium"/>
+                <a:latin typeface="Lexend"/>
+                <a:ea typeface="Lexend"/>
+                <a:cs typeface="Lexend"/>
+                <a:sym typeface="Lexend"/>
               </a:rPr>
-              <a:t>Halil İbrahim Kalkan</a:t>
-            </a:r>
-            <a:endParaRPr sz="2800" dirty="0">
+              <a:t>Which Architecture?</a:t>
+            </a:r>
+            <a:endParaRPr lang="tr-TR" sz="3600" dirty="0">
               <a:solidFill>
                 <a:srgbClr val="292D33"/>
               </a:solidFill>
-              <a:latin typeface="Poppins Medium"/>
-              <a:ea typeface="Poppins Medium"/>
-              <a:cs typeface="Poppins Medium"/>
-              <a:sym typeface="Poppins Medium"/>
+              <a:latin typeface="Lexend"/>
+              <a:ea typeface="Lexend"/>
+              <a:cs typeface="Lexend"/>
+              <a:sym typeface="Lexend"/>
             </a:endParaRPr>
           </a:p>
         </p:txBody>
       </p:sp>
       <p:sp>
         <p:nvSpPr>
-          <p:cNvPr id="13" name="Google Shape;57;p1">
-            <a:extLst>
-              <a:ext uri="{FF2B5EF4-FFF2-40B4-BE49-F238E27FC236}">
-                <a16:creationId xmlns:a16="http://schemas.microsoft.com/office/drawing/2014/main" id="{63C804EC-0ABE-56EA-01E4-31ACA411B565}"/>
+          <p:cNvPr id="22" name="TextBox 21">
+            <a:extLst>
+              <a:ext uri="{FF2B5EF4-FFF2-40B4-BE49-F238E27FC236}">
+                <a16:creationId xmlns:a16="http://schemas.microsoft.com/office/drawing/2014/main" id="{33332147-0B2A-9913-720C-84BE72A36F2C}"/>
               </a:ext>
             </a:extLst>
           </p:cNvPr>
@@ -5033,20 +9473,1577 @@
         </p:nvSpPr>
         <p:spPr>
           <a:xfrm>
-            <a:off x="1981137" y="3694977"/>
-            <a:ext cx="6497100" cy="400200"/>
+            <a:off x="6271371" y="4255759"/>
+            <a:ext cx="1377300" cy="523220"/>
           </a:xfrm>
           <a:prstGeom prst="rect">
             <a:avLst/>
           </a:prstGeom>
           <a:noFill/>
-          <a:ln>
-            <a:noFill/>
-          </a:ln>
         </p:spPr>
         <p:txBody>
-          <a:bodyPr spcFirstLastPara="1" wrap="square" lIns="91425" tIns="91425" rIns="91425" bIns="91425" anchor="t" anchorCtr="0">
-            <a:normAutofit fontScale="92500" lnSpcReduction="20000"/>
+          <a:bodyPr wrap="none" rtlCol="0">
+            <a:spAutoFit/>
+          </a:bodyPr>
+          <a:lstStyle/>
+          <a:p>
+            <a:r>
+              <a:rPr lang="tr-TR" sz="2800" b="1" dirty="0">
+                <a:solidFill>
+                  <a:srgbClr val="7030A0"/>
+                </a:solidFill>
+              </a:rPr>
+              <a:t>%20-30</a:t>
+            </a:r>
+            <a:endParaRPr lang="en-US" sz="2800" b="1" dirty="0">
+              <a:solidFill>
+                <a:srgbClr val="7030A0"/>
+              </a:solidFill>
+            </a:endParaRPr>
+          </a:p>
+        </p:txBody>
+      </p:sp>
+    </p:spTree>
+    <p:extLst>
+      <p:ext uri="{BB962C8B-B14F-4D97-AF65-F5344CB8AC3E}">
+        <p14:creationId xmlns:p14="http://schemas.microsoft.com/office/powerpoint/2010/main" val="286640117"/>
+      </p:ext>
+    </p:extLst>
+  </p:cSld>
+  <p:clrMapOvr>
+    <a:masterClrMapping/>
+  </p:clrMapOvr>
+  <p:timing>
+    <p:tnLst>
+      <p:par>
+        <p:cTn id="1" dur="indefinite" restart="never" nodeType="tmRoot">
+          <p:childTnLst>
+            <p:seq concurrent="1" nextAc="seek">
+              <p:cTn id="2" dur="indefinite" nodeType="mainSeq">
+                <p:childTnLst>
+                  <p:par>
+                    <p:cTn id="3" fill="hold">
+                      <p:stCondLst>
+                        <p:cond delay="indefinite"/>
+                      </p:stCondLst>
+                      <p:childTnLst>
+                        <p:par>
+                          <p:cTn id="4" fill="hold">
+                            <p:stCondLst>
+                              <p:cond delay="0"/>
+                            </p:stCondLst>
+                            <p:childTnLst>
+                              <p:par>
+                                <p:cTn id="5" presetID="10" presetClass="entr" presetSubtype="0" fill="hold" grpId="0" nodeType="clickEffect">
+                                  <p:stCondLst>
+                                    <p:cond delay="0"/>
+                                  </p:stCondLst>
+                                  <p:childTnLst>
+                                    <p:set>
+                                      <p:cBhvr>
+                                        <p:cTn id="6" dur="1" fill="hold">
+                                          <p:stCondLst>
+                                            <p:cond delay="0"/>
+                                          </p:stCondLst>
+                                        </p:cTn>
+                                        <p:tgtEl>
+                                          <p:spTgt spid="3"/>
+                                        </p:tgtEl>
+                                        <p:attrNameLst>
+                                          <p:attrName>style.visibility</p:attrName>
+                                        </p:attrNameLst>
+                                      </p:cBhvr>
+                                      <p:to>
+                                        <p:strVal val="visible"/>
+                                      </p:to>
+                                    </p:set>
+                                    <p:animEffect transition="in" filter="fade">
+                                      <p:cBhvr>
+                                        <p:cTn id="7" dur="500"/>
+                                        <p:tgtEl>
+                                          <p:spTgt spid="3"/>
+                                        </p:tgtEl>
+                                      </p:cBhvr>
+                                    </p:animEffect>
+                                  </p:childTnLst>
+                                </p:cTn>
+                              </p:par>
+                              <p:par>
+                                <p:cTn id="8" presetID="10" presetClass="entr" presetSubtype="0" fill="hold" grpId="0" nodeType="withEffect">
+                                  <p:stCondLst>
+                                    <p:cond delay="0"/>
+                                  </p:stCondLst>
+                                  <p:childTnLst>
+                                    <p:set>
+                                      <p:cBhvr>
+                                        <p:cTn id="9" dur="1" fill="hold">
+                                          <p:stCondLst>
+                                            <p:cond delay="0"/>
+                                          </p:stCondLst>
+                                        </p:cTn>
+                                        <p:tgtEl>
+                                          <p:spTgt spid="5"/>
+                                        </p:tgtEl>
+                                        <p:attrNameLst>
+                                          <p:attrName>style.visibility</p:attrName>
+                                        </p:attrNameLst>
+                                      </p:cBhvr>
+                                      <p:to>
+                                        <p:strVal val="visible"/>
+                                      </p:to>
+                                    </p:set>
+                                    <p:animEffect transition="in" filter="fade">
+                                      <p:cBhvr>
+                                        <p:cTn id="10" dur="500"/>
+                                        <p:tgtEl>
+                                          <p:spTgt spid="5"/>
+                                        </p:tgtEl>
+                                      </p:cBhvr>
+                                    </p:animEffect>
+                                  </p:childTnLst>
+                                </p:cTn>
+                              </p:par>
+                              <p:par>
+                                <p:cTn id="11" presetID="10" presetClass="entr" presetSubtype="0" fill="hold" grpId="0" nodeType="withEffect">
+                                  <p:stCondLst>
+                                    <p:cond delay="0"/>
+                                  </p:stCondLst>
+                                  <p:childTnLst>
+                                    <p:set>
+                                      <p:cBhvr>
+                                        <p:cTn id="12" dur="1" fill="hold">
+                                          <p:stCondLst>
+                                            <p:cond delay="0"/>
+                                          </p:stCondLst>
+                                        </p:cTn>
+                                        <p:tgtEl>
+                                          <p:spTgt spid="6"/>
+                                        </p:tgtEl>
+                                        <p:attrNameLst>
+                                          <p:attrName>style.visibility</p:attrName>
+                                        </p:attrNameLst>
+                                      </p:cBhvr>
+                                      <p:to>
+                                        <p:strVal val="visible"/>
+                                      </p:to>
+                                    </p:set>
+                                    <p:animEffect transition="in" filter="fade">
+                                      <p:cBhvr>
+                                        <p:cTn id="13" dur="500"/>
+                                        <p:tgtEl>
+                                          <p:spTgt spid="6"/>
+                                        </p:tgtEl>
+                                      </p:cBhvr>
+                                    </p:animEffect>
+                                  </p:childTnLst>
+                                </p:cTn>
+                              </p:par>
+                              <p:par>
+                                <p:cTn id="14" presetID="10" presetClass="entr" presetSubtype="0" fill="hold" grpId="0" nodeType="withEffect">
+                                  <p:stCondLst>
+                                    <p:cond delay="0"/>
+                                  </p:stCondLst>
+                                  <p:childTnLst>
+                                    <p:set>
+                                      <p:cBhvr>
+                                        <p:cTn id="15" dur="1" fill="hold">
+                                          <p:stCondLst>
+                                            <p:cond delay="0"/>
+                                          </p:stCondLst>
+                                        </p:cTn>
+                                        <p:tgtEl>
+                                          <p:spTgt spid="7"/>
+                                        </p:tgtEl>
+                                        <p:attrNameLst>
+                                          <p:attrName>style.visibility</p:attrName>
+                                        </p:attrNameLst>
+                                      </p:cBhvr>
+                                      <p:to>
+                                        <p:strVal val="visible"/>
+                                      </p:to>
+                                    </p:set>
+                                    <p:animEffect transition="in" filter="fade">
+                                      <p:cBhvr>
+                                        <p:cTn id="16" dur="500"/>
+                                        <p:tgtEl>
+                                          <p:spTgt spid="7"/>
+                                        </p:tgtEl>
+                                      </p:cBhvr>
+                                    </p:animEffect>
+                                  </p:childTnLst>
+                                </p:cTn>
+                              </p:par>
+                              <p:par>
+                                <p:cTn id="17" presetID="10" presetClass="entr" presetSubtype="0" fill="hold" nodeType="withEffect">
+                                  <p:stCondLst>
+                                    <p:cond delay="0"/>
+                                  </p:stCondLst>
+                                  <p:childTnLst>
+                                    <p:set>
+                                      <p:cBhvr>
+                                        <p:cTn id="18" dur="1" fill="hold">
+                                          <p:stCondLst>
+                                            <p:cond delay="0"/>
+                                          </p:stCondLst>
+                                        </p:cTn>
+                                        <p:tgtEl>
+                                          <p:spTgt spid="8"/>
+                                        </p:tgtEl>
+                                        <p:attrNameLst>
+                                          <p:attrName>style.visibility</p:attrName>
+                                        </p:attrNameLst>
+                                      </p:cBhvr>
+                                      <p:to>
+                                        <p:strVal val="visible"/>
+                                      </p:to>
+                                    </p:set>
+                                    <p:animEffect transition="in" filter="fade">
+                                      <p:cBhvr>
+                                        <p:cTn id="19" dur="500"/>
+                                        <p:tgtEl>
+                                          <p:spTgt spid="8"/>
+                                        </p:tgtEl>
+                                      </p:cBhvr>
+                                    </p:animEffect>
+                                  </p:childTnLst>
+                                </p:cTn>
+                              </p:par>
+                              <p:par>
+                                <p:cTn id="20" presetID="10" presetClass="entr" presetSubtype="0" fill="hold" nodeType="withEffect">
+                                  <p:stCondLst>
+                                    <p:cond delay="0"/>
+                                  </p:stCondLst>
+                                  <p:childTnLst>
+                                    <p:set>
+                                      <p:cBhvr>
+                                        <p:cTn id="21" dur="1" fill="hold">
+                                          <p:stCondLst>
+                                            <p:cond delay="0"/>
+                                          </p:stCondLst>
+                                        </p:cTn>
+                                        <p:tgtEl>
+                                          <p:spTgt spid="9"/>
+                                        </p:tgtEl>
+                                        <p:attrNameLst>
+                                          <p:attrName>style.visibility</p:attrName>
+                                        </p:attrNameLst>
+                                      </p:cBhvr>
+                                      <p:to>
+                                        <p:strVal val="visible"/>
+                                      </p:to>
+                                    </p:set>
+                                    <p:animEffect transition="in" filter="fade">
+                                      <p:cBhvr>
+                                        <p:cTn id="22" dur="500"/>
+                                        <p:tgtEl>
+                                          <p:spTgt spid="9"/>
+                                        </p:tgtEl>
+                                      </p:cBhvr>
+                                    </p:animEffect>
+                                  </p:childTnLst>
+                                </p:cTn>
+                              </p:par>
+                              <p:par>
+                                <p:cTn id="23" presetID="10" presetClass="entr" presetSubtype="0" fill="hold" nodeType="withEffect">
+                                  <p:stCondLst>
+                                    <p:cond delay="0"/>
+                                  </p:stCondLst>
+                                  <p:childTnLst>
+                                    <p:set>
+                                      <p:cBhvr>
+                                        <p:cTn id="24" dur="1" fill="hold">
+                                          <p:stCondLst>
+                                            <p:cond delay="0"/>
+                                          </p:stCondLst>
+                                        </p:cTn>
+                                        <p:tgtEl>
+                                          <p:spTgt spid="10"/>
+                                        </p:tgtEl>
+                                        <p:attrNameLst>
+                                          <p:attrName>style.visibility</p:attrName>
+                                        </p:attrNameLst>
+                                      </p:cBhvr>
+                                      <p:to>
+                                        <p:strVal val="visible"/>
+                                      </p:to>
+                                    </p:set>
+                                    <p:animEffect transition="in" filter="fade">
+                                      <p:cBhvr>
+                                        <p:cTn id="25" dur="500"/>
+                                        <p:tgtEl>
+                                          <p:spTgt spid="10"/>
+                                        </p:tgtEl>
+                                      </p:cBhvr>
+                                    </p:animEffect>
+                                  </p:childTnLst>
+                                </p:cTn>
+                              </p:par>
+                              <p:par>
+                                <p:cTn id="26" presetID="10" presetClass="entr" presetSubtype="0" fill="hold" nodeType="withEffect">
+                                  <p:stCondLst>
+                                    <p:cond delay="0"/>
+                                  </p:stCondLst>
+                                  <p:childTnLst>
+                                    <p:set>
+                                      <p:cBhvr>
+                                        <p:cTn id="27" dur="1" fill="hold">
+                                          <p:stCondLst>
+                                            <p:cond delay="0"/>
+                                          </p:stCondLst>
+                                        </p:cTn>
+                                        <p:tgtEl>
+                                          <p:spTgt spid="11"/>
+                                        </p:tgtEl>
+                                        <p:attrNameLst>
+                                          <p:attrName>style.visibility</p:attrName>
+                                        </p:attrNameLst>
+                                      </p:cBhvr>
+                                      <p:to>
+                                        <p:strVal val="visible"/>
+                                      </p:to>
+                                    </p:set>
+                                    <p:animEffect transition="in" filter="fade">
+                                      <p:cBhvr>
+                                        <p:cTn id="28" dur="500"/>
+                                        <p:tgtEl>
+                                          <p:spTgt spid="11"/>
+                                        </p:tgtEl>
+                                      </p:cBhvr>
+                                    </p:animEffect>
+                                  </p:childTnLst>
+                                </p:cTn>
+                              </p:par>
+                            </p:childTnLst>
+                          </p:cTn>
+                        </p:par>
+                      </p:childTnLst>
+                    </p:cTn>
+                  </p:par>
+                  <p:par>
+                    <p:cTn id="29" fill="hold">
+                      <p:stCondLst>
+                        <p:cond delay="indefinite"/>
+                      </p:stCondLst>
+                      <p:childTnLst>
+                        <p:par>
+                          <p:cTn id="30" fill="hold">
+                            <p:stCondLst>
+                              <p:cond delay="0"/>
+                            </p:stCondLst>
+                            <p:childTnLst>
+                              <p:par>
+                                <p:cTn id="31" presetID="10" presetClass="entr" presetSubtype="0" fill="hold" grpId="0" nodeType="clickEffect">
+                                  <p:stCondLst>
+                                    <p:cond delay="0"/>
+                                  </p:stCondLst>
+                                  <p:childTnLst>
+                                    <p:set>
+                                      <p:cBhvr>
+                                        <p:cTn id="32" dur="1" fill="hold">
+                                          <p:stCondLst>
+                                            <p:cond delay="0"/>
+                                          </p:stCondLst>
+                                        </p:cTn>
+                                        <p:tgtEl>
+                                          <p:spTgt spid="12"/>
+                                        </p:tgtEl>
+                                        <p:attrNameLst>
+                                          <p:attrName>style.visibility</p:attrName>
+                                        </p:attrNameLst>
+                                      </p:cBhvr>
+                                      <p:to>
+                                        <p:strVal val="visible"/>
+                                      </p:to>
+                                    </p:set>
+                                    <p:animEffect transition="in" filter="fade">
+                                      <p:cBhvr>
+                                        <p:cTn id="33" dur="500"/>
+                                        <p:tgtEl>
+                                          <p:spTgt spid="12"/>
+                                        </p:tgtEl>
+                                      </p:cBhvr>
+                                    </p:animEffect>
+                                  </p:childTnLst>
+                                </p:cTn>
+                              </p:par>
+                            </p:childTnLst>
+                          </p:cTn>
+                        </p:par>
+                      </p:childTnLst>
+                    </p:cTn>
+                  </p:par>
+                  <p:par>
+                    <p:cTn id="34" fill="hold">
+                      <p:stCondLst>
+                        <p:cond delay="indefinite"/>
+                      </p:stCondLst>
+                      <p:childTnLst>
+                        <p:par>
+                          <p:cTn id="35" fill="hold">
+                            <p:stCondLst>
+                              <p:cond delay="0"/>
+                            </p:stCondLst>
+                            <p:childTnLst>
+                              <p:par>
+                                <p:cTn id="36" presetID="10" presetClass="entr" presetSubtype="0" fill="hold" grpId="0" nodeType="clickEffect">
+                                  <p:stCondLst>
+                                    <p:cond delay="0"/>
+                                  </p:stCondLst>
+                                  <p:childTnLst>
+                                    <p:set>
+                                      <p:cBhvr>
+                                        <p:cTn id="37" dur="1" fill="hold">
+                                          <p:stCondLst>
+                                            <p:cond delay="0"/>
+                                          </p:stCondLst>
+                                        </p:cTn>
+                                        <p:tgtEl>
+                                          <p:spTgt spid="13"/>
+                                        </p:tgtEl>
+                                        <p:attrNameLst>
+                                          <p:attrName>style.visibility</p:attrName>
+                                        </p:attrNameLst>
+                                      </p:cBhvr>
+                                      <p:to>
+                                        <p:strVal val="visible"/>
+                                      </p:to>
+                                    </p:set>
+                                    <p:animEffect transition="in" filter="fade">
+                                      <p:cBhvr>
+                                        <p:cTn id="38" dur="500"/>
+                                        <p:tgtEl>
+                                          <p:spTgt spid="13"/>
+                                        </p:tgtEl>
+                                      </p:cBhvr>
+                                    </p:animEffect>
+                                  </p:childTnLst>
+                                </p:cTn>
+                              </p:par>
+                            </p:childTnLst>
+                          </p:cTn>
+                        </p:par>
+                      </p:childTnLst>
+                    </p:cTn>
+                  </p:par>
+                  <p:par>
+                    <p:cTn id="39" fill="hold">
+                      <p:stCondLst>
+                        <p:cond delay="indefinite"/>
+                      </p:stCondLst>
+                      <p:childTnLst>
+                        <p:par>
+                          <p:cTn id="40" fill="hold">
+                            <p:stCondLst>
+                              <p:cond delay="0"/>
+                            </p:stCondLst>
+                            <p:childTnLst>
+                              <p:par>
+                                <p:cTn id="41" presetID="10" presetClass="entr" presetSubtype="0" fill="hold" nodeType="clickEffect">
+                                  <p:stCondLst>
+                                    <p:cond delay="0"/>
+                                  </p:stCondLst>
+                                  <p:childTnLst>
+                                    <p:set>
+                                      <p:cBhvr>
+                                        <p:cTn id="42" dur="1" fill="hold">
+                                          <p:stCondLst>
+                                            <p:cond delay="0"/>
+                                          </p:stCondLst>
+                                        </p:cTn>
+                                        <p:tgtEl>
+                                          <p:spTgt spid="15">
+                                            <p:txEl>
+                                              <p:pRg st="0" end="0"/>
+                                            </p:txEl>
+                                          </p:spTgt>
+                                        </p:tgtEl>
+                                        <p:attrNameLst>
+                                          <p:attrName>style.visibility</p:attrName>
+                                        </p:attrNameLst>
+                                      </p:cBhvr>
+                                      <p:to>
+                                        <p:strVal val="visible"/>
+                                      </p:to>
+                                    </p:set>
+                                    <p:animEffect transition="in" filter="fade">
+                                      <p:cBhvr>
+                                        <p:cTn id="43" dur="500"/>
+                                        <p:tgtEl>
+                                          <p:spTgt spid="15">
+                                            <p:txEl>
+                                              <p:pRg st="0" end="0"/>
+                                            </p:txEl>
+                                          </p:spTgt>
+                                        </p:tgtEl>
+                                      </p:cBhvr>
+                                    </p:animEffect>
+                                  </p:childTnLst>
+                                </p:cTn>
+                              </p:par>
+                              <p:par>
+                                <p:cTn id="44" presetID="10" presetClass="entr" presetSubtype="0" fill="hold" nodeType="withEffect">
+                                  <p:stCondLst>
+                                    <p:cond delay="0"/>
+                                  </p:stCondLst>
+                                  <p:childTnLst>
+                                    <p:set>
+                                      <p:cBhvr>
+                                        <p:cTn id="45" dur="1" fill="hold">
+                                          <p:stCondLst>
+                                            <p:cond delay="0"/>
+                                          </p:stCondLst>
+                                        </p:cTn>
+                                        <p:tgtEl>
+                                          <p:spTgt spid="15">
+                                            <p:txEl>
+                                              <p:pRg st="1" end="1"/>
+                                            </p:txEl>
+                                          </p:spTgt>
+                                        </p:tgtEl>
+                                        <p:attrNameLst>
+                                          <p:attrName>style.visibility</p:attrName>
+                                        </p:attrNameLst>
+                                      </p:cBhvr>
+                                      <p:to>
+                                        <p:strVal val="visible"/>
+                                      </p:to>
+                                    </p:set>
+                                    <p:animEffect transition="in" filter="fade">
+                                      <p:cBhvr>
+                                        <p:cTn id="46" dur="500"/>
+                                        <p:tgtEl>
+                                          <p:spTgt spid="15">
+                                            <p:txEl>
+                                              <p:pRg st="1" end="1"/>
+                                            </p:txEl>
+                                          </p:spTgt>
+                                        </p:tgtEl>
+                                      </p:cBhvr>
+                                    </p:animEffect>
+                                  </p:childTnLst>
+                                </p:cTn>
+                              </p:par>
+                              <p:par>
+                                <p:cTn id="47" presetID="10" presetClass="entr" presetSubtype="0" fill="hold" nodeType="withEffect">
+                                  <p:stCondLst>
+                                    <p:cond delay="0"/>
+                                  </p:stCondLst>
+                                  <p:childTnLst>
+                                    <p:set>
+                                      <p:cBhvr>
+                                        <p:cTn id="48" dur="1" fill="hold">
+                                          <p:stCondLst>
+                                            <p:cond delay="0"/>
+                                          </p:stCondLst>
+                                        </p:cTn>
+                                        <p:tgtEl>
+                                          <p:spTgt spid="15">
+                                            <p:txEl>
+                                              <p:pRg st="2" end="2"/>
+                                            </p:txEl>
+                                          </p:spTgt>
+                                        </p:tgtEl>
+                                        <p:attrNameLst>
+                                          <p:attrName>style.visibility</p:attrName>
+                                        </p:attrNameLst>
+                                      </p:cBhvr>
+                                      <p:to>
+                                        <p:strVal val="visible"/>
+                                      </p:to>
+                                    </p:set>
+                                    <p:animEffect transition="in" filter="fade">
+                                      <p:cBhvr>
+                                        <p:cTn id="49" dur="500"/>
+                                        <p:tgtEl>
+                                          <p:spTgt spid="15">
+                                            <p:txEl>
+                                              <p:pRg st="2" end="2"/>
+                                            </p:txEl>
+                                          </p:spTgt>
+                                        </p:tgtEl>
+                                      </p:cBhvr>
+                                    </p:animEffect>
+                                  </p:childTnLst>
+                                </p:cTn>
+                              </p:par>
+                            </p:childTnLst>
+                          </p:cTn>
+                        </p:par>
+                      </p:childTnLst>
+                    </p:cTn>
+                  </p:par>
+                  <p:par>
+                    <p:cTn id="50" fill="hold">
+                      <p:stCondLst>
+                        <p:cond delay="indefinite"/>
+                      </p:stCondLst>
+                      <p:childTnLst>
+                        <p:par>
+                          <p:cTn id="51" fill="hold">
+                            <p:stCondLst>
+                              <p:cond delay="0"/>
+                            </p:stCondLst>
+                            <p:childTnLst>
+                              <p:par>
+                                <p:cTn id="52" presetID="10" presetClass="entr" presetSubtype="0" fill="hold" nodeType="clickEffect">
+                                  <p:stCondLst>
+                                    <p:cond delay="0"/>
+                                  </p:stCondLst>
+                                  <p:childTnLst>
+                                    <p:set>
+                                      <p:cBhvr>
+                                        <p:cTn id="53" dur="1" fill="hold">
+                                          <p:stCondLst>
+                                            <p:cond delay="0"/>
+                                          </p:stCondLst>
+                                        </p:cTn>
+                                        <p:tgtEl>
+                                          <p:spTgt spid="15">
+                                            <p:txEl>
+                                              <p:pRg st="4" end="4"/>
+                                            </p:txEl>
+                                          </p:spTgt>
+                                        </p:tgtEl>
+                                        <p:attrNameLst>
+                                          <p:attrName>style.visibility</p:attrName>
+                                        </p:attrNameLst>
+                                      </p:cBhvr>
+                                      <p:to>
+                                        <p:strVal val="visible"/>
+                                      </p:to>
+                                    </p:set>
+                                    <p:animEffect transition="in" filter="fade">
+                                      <p:cBhvr>
+                                        <p:cTn id="54" dur="500"/>
+                                        <p:tgtEl>
+                                          <p:spTgt spid="15">
+                                            <p:txEl>
+                                              <p:pRg st="4" end="4"/>
+                                            </p:txEl>
+                                          </p:spTgt>
+                                        </p:tgtEl>
+                                      </p:cBhvr>
+                                    </p:animEffect>
+                                  </p:childTnLst>
+                                </p:cTn>
+                              </p:par>
+                              <p:par>
+                                <p:cTn id="55" presetID="10" presetClass="entr" presetSubtype="0" fill="hold" nodeType="withEffect">
+                                  <p:stCondLst>
+                                    <p:cond delay="0"/>
+                                  </p:stCondLst>
+                                  <p:childTnLst>
+                                    <p:set>
+                                      <p:cBhvr>
+                                        <p:cTn id="56" dur="1" fill="hold">
+                                          <p:stCondLst>
+                                            <p:cond delay="0"/>
+                                          </p:stCondLst>
+                                        </p:cTn>
+                                        <p:tgtEl>
+                                          <p:spTgt spid="15">
+                                            <p:txEl>
+                                              <p:pRg st="5" end="5"/>
+                                            </p:txEl>
+                                          </p:spTgt>
+                                        </p:tgtEl>
+                                        <p:attrNameLst>
+                                          <p:attrName>style.visibility</p:attrName>
+                                        </p:attrNameLst>
+                                      </p:cBhvr>
+                                      <p:to>
+                                        <p:strVal val="visible"/>
+                                      </p:to>
+                                    </p:set>
+                                    <p:animEffect transition="in" filter="fade">
+                                      <p:cBhvr>
+                                        <p:cTn id="57" dur="500"/>
+                                        <p:tgtEl>
+                                          <p:spTgt spid="15">
+                                            <p:txEl>
+                                              <p:pRg st="5" end="5"/>
+                                            </p:txEl>
+                                          </p:spTgt>
+                                        </p:tgtEl>
+                                      </p:cBhvr>
+                                    </p:animEffect>
+                                  </p:childTnLst>
+                                </p:cTn>
+                              </p:par>
+                            </p:childTnLst>
+                          </p:cTn>
+                        </p:par>
+                      </p:childTnLst>
+                    </p:cTn>
+                  </p:par>
+                  <p:par>
+                    <p:cTn id="58" fill="hold">
+                      <p:stCondLst>
+                        <p:cond delay="indefinite"/>
+                      </p:stCondLst>
+                      <p:childTnLst>
+                        <p:par>
+                          <p:cTn id="59" fill="hold">
+                            <p:stCondLst>
+                              <p:cond delay="0"/>
+                            </p:stCondLst>
+                            <p:childTnLst>
+                              <p:par>
+                                <p:cTn id="60" presetID="10" presetClass="entr" presetSubtype="0" fill="hold" nodeType="clickEffect">
+                                  <p:stCondLst>
+                                    <p:cond delay="0"/>
+                                  </p:stCondLst>
+                                  <p:childTnLst>
+                                    <p:set>
+                                      <p:cBhvr>
+                                        <p:cTn id="61" dur="1" fill="hold">
+                                          <p:stCondLst>
+                                            <p:cond delay="0"/>
+                                          </p:stCondLst>
+                                        </p:cTn>
+                                        <p:tgtEl>
+                                          <p:spTgt spid="16">
+                                            <p:txEl>
+                                              <p:pRg st="0" end="0"/>
+                                            </p:txEl>
+                                          </p:spTgt>
+                                        </p:tgtEl>
+                                        <p:attrNameLst>
+                                          <p:attrName>style.visibility</p:attrName>
+                                        </p:attrNameLst>
+                                      </p:cBhvr>
+                                      <p:to>
+                                        <p:strVal val="visible"/>
+                                      </p:to>
+                                    </p:set>
+                                    <p:animEffect transition="in" filter="fade">
+                                      <p:cBhvr>
+                                        <p:cTn id="62" dur="500"/>
+                                        <p:tgtEl>
+                                          <p:spTgt spid="16">
+                                            <p:txEl>
+                                              <p:pRg st="0" end="0"/>
+                                            </p:txEl>
+                                          </p:spTgt>
+                                        </p:tgtEl>
+                                      </p:cBhvr>
+                                    </p:animEffect>
+                                  </p:childTnLst>
+                                </p:cTn>
+                              </p:par>
+                              <p:par>
+                                <p:cTn id="63" presetID="10" presetClass="entr" presetSubtype="0" fill="hold" nodeType="withEffect">
+                                  <p:stCondLst>
+                                    <p:cond delay="0"/>
+                                  </p:stCondLst>
+                                  <p:childTnLst>
+                                    <p:set>
+                                      <p:cBhvr>
+                                        <p:cTn id="64" dur="1" fill="hold">
+                                          <p:stCondLst>
+                                            <p:cond delay="0"/>
+                                          </p:stCondLst>
+                                        </p:cTn>
+                                        <p:tgtEl>
+                                          <p:spTgt spid="16">
+                                            <p:txEl>
+                                              <p:pRg st="1" end="1"/>
+                                            </p:txEl>
+                                          </p:spTgt>
+                                        </p:tgtEl>
+                                        <p:attrNameLst>
+                                          <p:attrName>style.visibility</p:attrName>
+                                        </p:attrNameLst>
+                                      </p:cBhvr>
+                                      <p:to>
+                                        <p:strVal val="visible"/>
+                                      </p:to>
+                                    </p:set>
+                                    <p:animEffect transition="in" filter="fade">
+                                      <p:cBhvr>
+                                        <p:cTn id="65" dur="500"/>
+                                        <p:tgtEl>
+                                          <p:spTgt spid="16">
+                                            <p:txEl>
+                                              <p:pRg st="1" end="1"/>
+                                            </p:txEl>
+                                          </p:spTgt>
+                                        </p:tgtEl>
+                                      </p:cBhvr>
+                                    </p:animEffect>
+                                  </p:childTnLst>
+                                </p:cTn>
+                              </p:par>
+                              <p:par>
+                                <p:cTn id="66" presetID="10" presetClass="entr" presetSubtype="0" fill="hold" nodeType="withEffect">
+                                  <p:stCondLst>
+                                    <p:cond delay="0"/>
+                                  </p:stCondLst>
+                                  <p:childTnLst>
+                                    <p:set>
+                                      <p:cBhvr>
+                                        <p:cTn id="67" dur="1" fill="hold">
+                                          <p:stCondLst>
+                                            <p:cond delay="0"/>
+                                          </p:stCondLst>
+                                        </p:cTn>
+                                        <p:tgtEl>
+                                          <p:spTgt spid="16">
+                                            <p:txEl>
+                                              <p:pRg st="2" end="2"/>
+                                            </p:txEl>
+                                          </p:spTgt>
+                                        </p:tgtEl>
+                                        <p:attrNameLst>
+                                          <p:attrName>style.visibility</p:attrName>
+                                        </p:attrNameLst>
+                                      </p:cBhvr>
+                                      <p:to>
+                                        <p:strVal val="visible"/>
+                                      </p:to>
+                                    </p:set>
+                                    <p:animEffect transition="in" filter="fade">
+                                      <p:cBhvr>
+                                        <p:cTn id="68" dur="500"/>
+                                        <p:tgtEl>
+                                          <p:spTgt spid="16">
+                                            <p:txEl>
+                                              <p:pRg st="2" end="2"/>
+                                            </p:txEl>
+                                          </p:spTgt>
+                                        </p:tgtEl>
+                                      </p:cBhvr>
+                                    </p:animEffect>
+                                  </p:childTnLst>
+                                </p:cTn>
+                              </p:par>
+                            </p:childTnLst>
+                          </p:cTn>
+                        </p:par>
+                      </p:childTnLst>
+                    </p:cTn>
+                  </p:par>
+                  <p:par>
+                    <p:cTn id="69" fill="hold">
+                      <p:stCondLst>
+                        <p:cond delay="indefinite"/>
+                      </p:stCondLst>
+                      <p:childTnLst>
+                        <p:par>
+                          <p:cTn id="70" fill="hold">
+                            <p:stCondLst>
+                              <p:cond delay="0"/>
+                            </p:stCondLst>
+                            <p:childTnLst>
+                              <p:par>
+                                <p:cTn id="71" presetID="10" presetClass="entr" presetSubtype="0" fill="hold" nodeType="clickEffect">
+                                  <p:stCondLst>
+                                    <p:cond delay="0"/>
+                                  </p:stCondLst>
+                                  <p:childTnLst>
+                                    <p:set>
+                                      <p:cBhvr>
+                                        <p:cTn id="72" dur="1" fill="hold">
+                                          <p:stCondLst>
+                                            <p:cond delay="0"/>
+                                          </p:stCondLst>
+                                        </p:cTn>
+                                        <p:tgtEl>
+                                          <p:spTgt spid="16">
+                                            <p:txEl>
+                                              <p:pRg st="3" end="3"/>
+                                            </p:txEl>
+                                          </p:spTgt>
+                                        </p:tgtEl>
+                                        <p:attrNameLst>
+                                          <p:attrName>style.visibility</p:attrName>
+                                        </p:attrNameLst>
+                                      </p:cBhvr>
+                                      <p:to>
+                                        <p:strVal val="visible"/>
+                                      </p:to>
+                                    </p:set>
+                                    <p:animEffect transition="in" filter="fade">
+                                      <p:cBhvr>
+                                        <p:cTn id="73" dur="500"/>
+                                        <p:tgtEl>
+                                          <p:spTgt spid="16">
+                                            <p:txEl>
+                                              <p:pRg st="3" end="3"/>
+                                            </p:txEl>
+                                          </p:spTgt>
+                                        </p:tgtEl>
+                                      </p:cBhvr>
+                                    </p:animEffect>
+                                  </p:childTnLst>
+                                </p:cTn>
+                              </p:par>
+                              <p:par>
+                                <p:cTn id="74" presetID="10" presetClass="entr" presetSubtype="0" fill="hold" nodeType="withEffect">
+                                  <p:stCondLst>
+                                    <p:cond delay="0"/>
+                                  </p:stCondLst>
+                                  <p:childTnLst>
+                                    <p:set>
+                                      <p:cBhvr>
+                                        <p:cTn id="75" dur="1" fill="hold">
+                                          <p:stCondLst>
+                                            <p:cond delay="0"/>
+                                          </p:stCondLst>
+                                        </p:cTn>
+                                        <p:tgtEl>
+                                          <p:spTgt spid="16">
+                                            <p:txEl>
+                                              <p:pRg st="4" end="4"/>
+                                            </p:txEl>
+                                          </p:spTgt>
+                                        </p:tgtEl>
+                                        <p:attrNameLst>
+                                          <p:attrName>style.visibility</p:attrName>
+                                        </p:attrNameLst>
+                                      </p:cBhvr>
+                                      <p:to>
+                                        <p:strVal val="visible"/>
+                                      </p:to>
+                                    </p:set>
+                                    <p:animEffect transition="in" filter="fade">
+                                      <p:cBhvr>
+                                        <p:cTn id="76" dur="500"/>
+                                        <p:tgtEl>
+                                          <p:spTgt spid="16">
+                                            <p:txEl>
+                                              <p:pRg st="4" end="4"/>
+                                            </p:txEl>
+                                          </p:spTgt>
+                                        </p:tgtEl>
+                                      </p:cBhvr>
+                                    </p:animEffect>
+                                  </p:childTnLst>
+                                </p:cTn>
+                              </p:par>
+                            </p:childTnLst>
+                          </p:cTn>
+                        </p:par>
+                      </p:childTnLst>
+                    </p:cTn>
+                  </p:par>
+                  <p:par>
+                    <p:cTn id="77" fill="hold">
+                      <p:stCondLst>
+                        <p:cond delay="indefinite"/>
+                      </p:stCondLst>
+                      <p:childTnLst>
+                        <p:par>
+                          <p:cTn id="78" fill="hold">
+                            <p:stCondLst>
+                              <p:cond delay="0"/>
+                            </p:stCondLst>
+                            <p:childTnLst>
+                              <p:par>
+                                <p:cTn id="79" presetID="10" presetClass="entr" presetSubtype="0" fill="hold" nodeType="clickEffect">
+                                  <p:stCondLst>
+                                    <p:cond delay="0"/>
+                                  </p:stCondLst>
+                                  <p:childTnLst>
+                                    <p:set>
+                                      <p:cBhvr>
+                                        <p:cTn id="80" dur="1" fill="hold">
+                                          <p:stCondLst>
+                                            <p:cond delay="0"/>
+                                          </p:stCondLst>
+                                        </p:cTn>
+                                        <p:tgtEl>
+                                          <p:spTgt spid="16">
+                                            <p:txEl>
+                                              <p:pRg st="6" end="6"/>
+                                            </p:txEl>
+                                          </p:spTgt>
+                                        </p:tgtEl>
+                                        <p:attrNameLst>
+                                          <p:attrName>style.visibility</p:attrName>
+                                        </p:attrNameLst>
+                                      </p:cBhvr>
+                                      <p:to>
+                                        <p:strVal val="visible"/>
+                                      </p:to>
+                                    </p:set>
+                                    <p:animEffect transition="in" filter="fade">
+                                      <p:cBhvr>
+                                        <p:cTn id="81" dur="500"/>
+                                        <p:tgtEl>
+                                          <p:spTgt spid="16">
+                                            <p:txEl>
+                                              <p:pRg st="6" end="6"/>
+                                            </p:txEl>
+                                          </p:spTgt>
+                                        </p:tgtEl>
+                                      </p:cBhvr>
+                                    </p:animEffect>
+                                  </p:childTnLst>
+                                </p:cTn>
+                              </p:par>
+                              <p:par>
+                                <p:cTn id="82" presetID="10" presetClass="entr" presetSubtype="0" fill="hold" nodeType="withEffect">
+                                  <p:stCondLst>
+                                    <p:cond delay="0"/>
+                                  </p:stCondLst>
+                                  <p:childTnLst>
+                                    <p:set>
+                                      <p:cBhvr>
+                                        <p:cTn id="83" dur="1" fill="hold">
+                                          <p:stCondLst>
+                                            <p:cond delay="0"/>
+                                          </p:stCondLst>
+                                        </p:cTn>
+                                        <p:tgtEl>
+                                          <p:spTgt spid="16">
+                                            <p:txEl>
+                                              <p:pRg st="7" end="7"/>
+                                            </p:txEl>
+                                          </p:spTgt>
+                                        </p:tgtEl>
+                                        <p:attrNameLst>
+                                          <p:attrName>style.visibility</p:attrName>
+                                        </p:attrNameLst>
+                                      </p:cBhvr>
+                                      <p:to>
+                                        <p:strVal val="visible"/>
+                                      </p:to>
+                                    </p:set>
+                                    <p:animEffect transition="in" filter="fade">
+                                      <p:cBhvr>
+                                        <p:cTn id="84" dur="500"/>
+                                        <p:tgtEl>
+                                          <p:spTgt spid="16">
+                                            <p:txEl>
+                                              <p:pRg st="7" end="7"/>
+                                            </p:txEl>
+                                          </p:spTgt>
+                                        </p:tgtEl>
+                                      </p:cBhvr>
+                                    </p:animEffect>
+                                  </p:childTnLst>
+                                </p:cTn>
+                              </p:par>
+                              <p:par>
+                                <p:cTn id="85" presetID="10" presetClass="entr" presetSubtype="0" fill="hold" nodeType="withEffect">
+                                  <p:stCondLst>
+                                    <p:cond delay="0"/>
+                                  </p:stCondLst>
+                                  <p:childTnLst>
+                                    <p:set>
+                                      <p:cBhvr>
+                                        <p:cTn id="86" dur="1" fill="hold">
+                                          <p:stCondLst>
+                                            <p:cond delay="0"/>
+                                          </p:stCondLst>
+                                        </p:cTn>
+                                        <p:tgtEl>
+                                          <p:spTgt spid="16">
+                                            <p:txEl>
+                                              <p:pRg st="9" end="9"/>
+                                            </p:txEl>
+                                          </p:spTgt>
+                                        </p:tgtEl>
+                                        <p:attrNameLst>
+                                          <p:attrName>style.visibility</p:attrName>
+                                        </p:attrNameLst>
+                                      </p:cBhvr>
+                                      <p:to>
+                                        <p:strVal val="visible"/>
+                                      </p:to>
+                                    </p:set>
+                                    <p:animEffect transition="in" filter="fade">
+                                      <p:cBhvr>
+                                        <p:cTn id="87" dur="500"/>
+                                        <p:tgtEl>
+                                          <p:spTgt spid="16">
+                                            <p:txEl>
+                                              <p:pRg st="9" end="9"/>
+                                            </p:txEl>
+                                          </p:spTgt>
+                                        </p:tgtEl>
+                                      </p:cBhvr>
+                                    </p:animEffect>
+                                  </p:childTnLst>
+                                </p:cTn>
+                              </p:par>
+                              <p:par>
+                                <p:cTn id="88" presetID="10" presetClass="entr" presetSubtype="0" fill="hold" nodeType="withEffect">
+                                  <p:stCondLst>
+                                    <p:cond delay="0"/>
+                                  </p:stCondLst>
+                                  <p:childTnLst>
+                                    <p:set>
+                                      <p:cBhvr>
+                                        <p:cTn id="89" dur="1" fill="hold">
+                                          <p:stCondLst>
+                                            <p:cond delay="0"/>
+                                          </p:stCondLst>
+                                        </p:cTn>
+                                        <p:tgtEl>
+                                          <p:spTgt spid="16">
+                                            <p:txEl>
+                                              <p:pRg st="8" end="8"/>
+                                            </p:txEl>
+                                          </p:spTgt>
+                                        </p:tgtEl>
+                                        <p:attrNameLst>
+                                          <p:attrName>style.visibility</p:attrName>
+                                        </p:attrNameLst>
+                                      </p:cBhvr>
+                                      <p:to>
+                                        <p:strVal val="visible"/>
+                                      </p:to>
+                                    </p:set>
+                                    <p:animEffect transition="in" filter="fade">
+                                      <p:cBhvr>
+                                        <p:cTn id="90" dur="500"/>
+                                        <p:tgtEl>
+                                          <p:spTgt spid="16">
+                                            <p:txEl>
+                                              <p:pRg st="8" end="8"/>
+                                            </p:txEl>
+                                          </p:spTgt>
+                                        </p:tgtEl>
+                                      </p:cBhvr>
+                                    </p:animEffect>
+                                  </p:childTnLst>
+                                </p:cTn>
+                              </p:par>
+                              <p:par>
+                                <p:cTn id="91" presetID="10" presetClass="entr" presetSubtype="0" fill="hold" nodeType="withEffect">
+                                  <p:stCondLst>
+                                    <p:cond delay="0"/>
+                                  </p:stCondLst>
+                                  <p:childTnLst>
+                                    <p:set>
+                                      <p:cBhvr>
+                                        <p:cTn id="92" dur="1" fill="hold">
+                                          <p:stCondLst>
+                                            <p:cond delay="0"/>
+                                          </p:stCondLst>
+                                        </p:cTn>
+                                        <p:tgtEl>
+                                          <p:spTgt spid="16">
+                                            <p:txEl>
+                                              <p:pRg st="10" end="10"/>
+                                            </p:txEl>
+                                          </p:spTgt>
+                                        </p:tgtEl>
+                                        <p:attrNameLst>
+                                          <p:attrName>style.visibility</p:attrName>
+                                        </p:attrNameLst>
+                                      </p:cBhvr>
+                                      <p:to>
+                                        <p:strVal val="visible"/>
+                                      </p:to>
+                                    </p:set>
+                                    <p:animEffect transition="in" filter="fade">
+                                      <p:cBhvr>
+                                        <p:cTn id="93" dur="500"/>
+                                        <p:tgtEl>
+                                          <p:spTgt spid="16">
+                                            <p:txEl>
+                                              <p:pRg st="10" end="10"/>
+                                            </p:txEl>
+                                          </p:spTgt>
+                                        </p:tgtEl>
+                                      </p:cBhvr>
+                                    </p:animEffect>
+                                  </p:childTnLst>
+                                </p:cTn>
+                              </p:par>
+                              <p:par>
+                                <p:cTn id="94" presetID="10" presetClass="entr" presetSubtype="0" fill="hold" nodeType="withEffect">
+                                  <p:stCondLst>
+                                    <p:cond delay="0"/>
+                                  </p:stCondLst>
+                                  <p:childTnLst>
+                                    <p:set>
+                                      <p:cBhvr>
+                                        <p:cTn id="95" dur="1" fill="hold">
+                                          <p:stCondLst>
+                                            <p:cond delay="0"/>
+                                          </p:stCondLst>
+                                        </p:cTn>
+                                        <p:tgtEl>
+                                          <p:spTgt spid="16">
+                                            <p:txEl>
+                                              <p:pRg st="11" end="11"/>
+                                            </p:txEl>
+                                          </p:spTgt>
+                                        </p:tgtEl>
+                                        <p:attrNameLst>
+                                          <p:attrName>style.visibility</p:attrName>
+                                        </p:attrNameLst>
+                                      </p:cBhvr>
+                                      <p:to>
+                                        <p:strVal val="visible"/>
+                                      </p:to>
+                                    </p:set>
+                                    <p:animEffect transition="in" filter="fade">
+                                      <p:cBhvr>
+                                        <p:cTn id="96" dur="500"/>
+                                        <p:tgtEl>
+                                          <p:spTgt spid="16">
+                                            <p:txEl>
+                                              <p:pRg st="11" end="11"/>
+                                            </p:txEl>
+                                          </p:spTgt>
+                                        </p:tgtEl>
+                                      </p:cBhvr>
+                                    </p:animEffect>
+                                  </p:childTnLst>
+                                </p:cTn>
+                              </p:par>
+                            </p:childTnLst>
+                          </p:cTn>
+                        </p:par>
+                      </p:childTnLst>
+                    </p:cTn>
+                  </p:par>
+                  <p:par>
+                    <p:cTn id="97" fill="hold">
+                      <p:stCondLst>
+                        <p:cond delay="indefinite"/>
+                      </p:stCondLst>
+                      <p:childTnLst>
+                        <p:par>
+                          <p:cTn id="98" fill="hold">
+                            <p:stCondLst>
+                              <p:cond delay="0"/>
+                            </p:stCondLst>
+                            <p:childTnLst>
+                              <p:par>
+                                <p:cTn id="99" presetID="10" presetClass="entr" presetSubtype="0" fill="hold" nodeType="clickEffect">
+                                  <p:stCondLst>
+                                    <p:cond delay="0"/>
+                                  </p:stCondLst>
+                                  <p:childTnLst>
+                                    <p:set>
+                                      <p:cBhvr>
+                                        <p:cTn id="100" dur="1" fill="hold">
+                                          <p:stCondLst>
+                                            <p:cond delay="0"/>
+                                          </p:stCondLst>
+                                        </p:cTn>
+                                        <p:tgtEl>
+                                          <p:spTgt spid="17">
+                                            <p:txEl>
+                                              <p:pRg st="0" end="0"/>
+                                            </p:txEl>
+                                          </p:spTgt>
+                                        </p:tgtEl>
+                                        <p:attrNameLst>
+                                          <p:attrName>style.visibility</p:attrName>
+                                        </p:attrNameLst>
+                                      </p:cBhvr>
+                                      <p:to>
+                                        <p:strVal val="visible"/>
+                                      </p:to>
+                                    </p:set>
+                                    <p:animEffect transition="in" filter="fade">
+                                      <p:cBhvr>
+                                        <p:cTn id="101" dur="500"/>
+                                        <p:tgtEl>
+                                          <p:spTgt spid="17">
+                                            <p:txEl>
+                                              <p:pRg st="0" end="0"/>
+                                            </p:txEl>
+                                          </p:spTgt>
+                                        </p:tgtEl>
+                                      </p:cBhvr>
+                                    </p:animEffect>
+                                  </p:childTnLst>
+                                </p:cTn>
+                              </p:par>
+                            </p:childTnLst>
+                          </p:cTn>
+                        </p:par>
+                      </p:childTnLst>
+                    </p:cTn>
+                  </p:par>
+                  <p:par>
+                    <p:cTn id="102" fill="hold">
+                      <p:stCondLst>
+                        <p:cond delay="indefinite"/>
+                      </p:stCondLst>
+                      <p:childTnLst>
+                        <p:par>
+                          <p:cTn id="103" fill="hold">
+                            <p:stCondLst>
+                              <p:cond delay="0"/>
+                            </p:stCondLst>
+                            <p:childTnLst>
+                              <p:par>
+                                <p:cTn id="104" presetID="10" presetClass="entr" presetSubtype="0" fill="hold" nodeType="clickEffect">
+                                  <p:stCondLst>
+                                    <p:cond delay="0"/>
+                                  </p:stCondLst>
+                                  <p:childTnLst>
+                                    <p:set>
+                                      <p:cBhvr>
+                                        <p:cTn id="105" dur="1" fill="hold">
+                                          <p:stCondLst>
+                                            <p:cond delay="0"/>
+                                          </p:stCondLst>
+                                        </p:cTn>
+                                        <p:tgtEl>
+                                          <p:spTgt spid="18">
+                                            <p:txEl>
+                                              <p:pRg st="0" end="0"/>
+                                            </p:txEl>
+                                          </p:spTgt>
+                                        </p:tgtEl>
+                                        <p:attrNameLst>
+                                          <p:attrName>style.visibility</p:attrName>
+                                        </p:attrNameLst>
+                                      </p:cBhvr>
+                                      <p:to>
+                                        <p:strVal val="visible"/>
+                                      </p:to>
+                                    </p:set>
+                                    <p:animEffect transition="in" filter="fade">
+                                      <p:cBhvr>
+                                        <p:cTn id="106" dur="500"/>
+                                        <p:tgtEl>
+                                          <p:spTgt spid="18">
+                                            <p:txEl>
+                                              <p:pRg st="0" end="0"/>
+                                            </p:txEl>
+                                          </p:spTgt>
+                                        </p:tgtEl>
+                                      </p:cBhvr>
+                                    </p:animEffect>
+                                  </p:childTnLst>
+                                </p:cTn>
+                              </p:par>
+                            </p:childTnLst>
+                          </p:cTn>
+                        </p:par>
+                      </p:childTnLst>
+                    </p:cTn>
+                  </p:par>
+                  <p:par>
+                    <p:cTn id="107" fill="hold">
+                      <p:stCondLst>
+                        <p:cond delay="indefinite"/>
+                      </p:stCondLst>
+                      <p:childTnLst>
+                        <p:par>
+                          <p:cTn id="108" fill="hold">
+                            <p:stCondLst>
+                              <p:cond delay="0"/>
+                            </p:stCondLst>
+                            <p:childTnLst>
+                              <p:par>
+                                <p:cTn id="109" presetID="10" presetClass="entr" presetSubtype="0" fill="hold" nodeType="clickEffect">
+                                  <p:stCondLst>
+                                    <p:cond delay="0"/>
+                                  </p:stCondLst>
+                                  <p:childTnLst>
+                                    <p:set>
+                                      <p:cBhvr>
+                                        <p:cTn id="110" dur="1" fill="hold">
+                                          <p:stCondLst>
+                                            <p:cond delay="0"/>
+                                          </p:stCondLst>
+                                        </p:cTn>
+                                        <p:tgtEl>
+                                          <p:spTgt spid="22">
+                                            <p:txEl>
+                                              <p:pRg st="0" end="0"/>
+                                            </p:txEl>
+                                          </p:spTgt>
+                                        </p:tgtEl>
+                                        <p:attrNameLst>
+                                          <p:attrName>style.visibility</p:attrName>
+                                        </p:attrNameLst>
+                                      </p:cBhvr>
+                                      <p:to>
+                                        <p:strVal val="visible"/>
+                                      </p:to>
+                                    </p:set>
+                                    <p:animEffect transition="in" filter="fade">
+                                      <p:cBhvr>
+                                        <p:cTn id="111" dur="500"/>
+                                        <p:tgtEl>
+                                          <p:spTgt spid="22">
+                                            <p:txEl>
+                                              <p:pRg st="0" end="0"/>
+                                            </p:txEl>
+                                          </p:spTgt>
+                                        </p:tgtEl>
+                                      </p:cBhvr>
+                                    </p:animEffect>
+                                  </p:childTnLst>
+                                </p:cTn>
+                              </p:par>
+                            </p:childTnLst>
+                          </p:cTn>
+                        </p:par>
+                      </p:childTnLst>
+                    </p:cTn>
+                  </p:par>
+                  <p:par>
+                    <p:cTn id="112" fill="hold">
+                      <p:stCondLst>
+                        <p:cond delay="indefinite"/>
+                      </p:stCondLst>
+                      <p:childTnLst>
+                        <p:par>
+                          <p:cTn id="113" fill="hold">
+                            <p:stCondLst>
+                              <p:cond delay="0"/>
+                            </p:stCondLst>
+                            <p:childTnLst>
+                              <p:par>
+                                <p:cTn id="114" presetID="10" presetClass="entr" presetSubtype="0" fill="hold" nodeType="clickEffect">
+                                  <p:stCondLst>
+                                    <p:cond delay="0"/>
+                                  </p:stCondLst>
+                                  <p:childTnLst>
+                                    <p:set>
+                                      <p:cBhvr>
+                                        <p:cTn id="115" dur="1" fill="hold">
+                                          <p:stCondLst>
+                                            <p:cond delay="0"/>
+                                          </p:stCondLst>
+                                        </p:cTn>
+                                        <p:tgtEl>
+                                          <p:spTgt spid="20">
+                                            <p:txEl>
+                                              <p:pRg st="0" end="0"/>
+                                            </p:txEl>
+                                          </p:spTgt>
+                                        </p:tgtEl>
+                                        <p:attrNameLst>
+                                          <p:attrName>style.visibility</p:attrName>
+                                        </p:attrNameLst>
+                                      </p:cBhvr>
+                                      <p:to>
+                                        <p:strVal val="visible"/>
+                                      </p:to>
+                                    </p:set>
+                                    <p:animEffect transition="in" filter="fade">
+                                      <p:cBhvr>
+                                        <p:cTn id="116" dur="500"/>
+                                        <p:tgtEl>
+                                          <p:spTgt spid="20">
+                                            <p:txEl>
+                                              <p:pRg st="0" end="0"/>
+                                            </p:txEl>
+                                          </p:spTgt>
+                                        </p:tgtEl>
+                                      </p:cBhvr>
+                                    </p:animEffect>
+                                  </p:childTnLst>
+                                </p:cTn>
+                              </p:par>
+                            </p:childTnLst>
+                          </p:cTn>
+                        </p:par>
+                      </p:childTnLst>
+                    </p:cTn>
+                  </p:par>
+                </p:childTnLst>
+              </p:cTn>
+              <p:prevCondLst>
+                <p:cond evt="onPrev" delay="0">
+                  <p:tgtEl>
+                    <p:sldTgt/>
+                  </p:tgtEl>
+                </p:cond>
+              </p:prevCondLst>
+              <p:nextCondLst>
+                <p:cond evt="onNext" delay="0">
+                  <p:tgtEl>
+                    <p:sldTgt/>
+                  </p:tgtEl>
+                </p:cond>
+              </p:nextCondLst>
+            </p:seq>
+          </p:childTnLst>
+        </p:cTn>
+      </p:par>
+    </p:tnLst>
+    <p:bldLst>
+      <p:bldP spid="3" grpId="0"/>
+      <p:bldP spid="5" grpId="0"/>
+      <p:bldP spid="6" grpId="0"/>
+      <p:bldP spid="7" grpId="0"/>
+      <p:bldP spid="12" grpId="0"/>
+      <p:bldP spid="13" grpId="0"/>
+    </p:bldLst>
+  </p:timing>
+</p:sld>
+</file>
+
+<file path=ppt/slides/slide8.xml><?xml version="1.0" encoding="utf-8"?>
+<p:sld xmlns:a="http://schemas.openxmlformats.org/drawingml/2006/main" xmlns:r="http://schemas.openxmlformats.org/officeDocument/2006/relationships" xmlns:p="http://schemas.openxmlformats.org/presentationml/2006/main">
+  <p:cSld>
+    <p:bg>
+      <p:bgPr>
+        <a:blipFill dpi="0" rotWithShape="1">
+          <a:blip r:embed="rId2">
+            <a:lum/>
+          </a:blip>
+          <a:srcRect/>
+          <a:stretch>
+            <a:fillRect/>
+          </a:stretch>
+        </a:blipFill>
+        <a:effectLst/>
+      </p:bgPr>
+    </p:bg>
+    <p:spTree>
+      <p:nvGrpSpPr>
+        <p:cNvPr id="1" name="">
+          <a:extLst>
+            <a:ext uri="{FF2B5EF4-FFF2-40B4-BE49-F238E27FC236}">
+              <a16:creationId xmlns:a16="http://schemas.microsoft.com/office/drawing/2014/main" id="{5FBEAABC-F8FB-3AB0-8919-249C6A2ACB27}"/>
+            </a:ext>
+          </a:extLst>
+        </p:cNvPr>
+        <p:cNvGrpSpPr/>
+        <p:nvPr/>
+      </p:nvGrpSpPr>
+      <p:grpSpPr>
+        <a:xfrm>
+          <a:off x="0" y="0"/>
+          <a:ext cx="0" cy="0"/>
+          <a:chOff x="0" y="0"/>
+          <a:chExt cx="0" cy="0"/>
+        </a:xfrm>
+      </p:grpSpPr>
+      <p:sp>
+        <p:nvSpPr>
+          <p:cNvPr id="4" name="Metin kutusu 3">
+            <a:extLst>
+              <a:ext uri="{FF2B5EF4-FFF2-40B4-BE49-F238E27FC236}">
+                <a16:creationId xmlns:a16="http://schemas.microsoft.com/office/drawing/2014/main" id="{82FC5BCD-784D-7560-0513-9C2D78D49E6F}"/>
+              </a:ext>
+            </a:extLst>
+          </p:cNvPr>
+          <p:cNvSpPr txBox="1">
+            <a:spLocks/>
+          </p:cNvSpPr>
+          <p:nvPr/>
+        </p:nvSpPr>
+        <p:spPr>
+          <a:xfrm>
+            <a:off x="455849" y="407657"/>
+            <a:ext cx="11239965" cy="708763"/>
+          </a:xfrm>
+          <a:prstGeom prst="rect">
+            <a:avLst/>
+          </a:prstGeom>
+          <a:noFill/>
+        </p:spPr>
+        <p:txBody>
+          <a:bodyPr wrap="square" rtlCol="0">
+            <a:normAutofit/>
           </a:bodyPr>
           <a:lstStyle/>
           <a:p>
@@ -5060,125 +11057,372 @@
               <a:buNone/>
             </a:pPr>
             <a:r>
-              <a:rPr lang="tr" dirty="0">
+              <a:rPr lang="tr-TR" sz="3600" b="1" dirty="0">
                 <a:solidFill>
-                  <a:srgbClr val="4E5258"/>
+                  <a:srgbClr val="292D33"/>
                 </a:solidFill>
-                <a:latin typeface="Poppins"/>
-                <a:ea typeface="Poppins"/>
-                <a:cs typeface="Poppins"/>
-                <a:sym typeface="Poppins"/>
+                <a:latin typeface="Lexend"/>
+                <a:ea typeface="Lexend"/>
+                <a:cs typeface="Lexend"/>
+                <a:sym typeface="Lexend"/>
               </a:rPr>
-              <a:t>Co-Founder &amp; Software Architect | Volosoft</a:t>
-            </a:r>
-            <a:endParaRPr dirty="0">
+              <a:t>TITLE</a:t>
+            </a:r>
+            <a:endParaRPr lang="tr-TR" sz="3600" dirty="0">
               <a:solidFill>
-                <a:srgbClr val="545C67"/>
+                <a:srgbClr val="292D33"/>
               </a:solidFill>
-              <a:latin typeface="Poppins"/>
-              <a:ea typeface="Poppins"/>
-              <a:cs typeface="Poppins"/>
-              <a:sym typeface="Poppins"/>
+              <a:latin typeface="Lexend"/>
+              <a:ea typeface="Lexend"/>
+              <a:cs typeface="Lexend"/>
+              <a:sym typeface="Lexend"/>
             </a:endParaRPr>
           </a:p>
         </p:txBody>
       </p:sp>
-      <p:pic>
-        <p:nvPicPr>
-          <p:cNvPr id="16" name="Google Shape;59;p1">
-            <a:extLst>
-              <a:ext uri="{FF2B5EF4-FFF2-40B4-BE49-F238E27FC236}">
-                <a16:creationId xmlns:a16="http://schemas.microsoft.com/office/drawing/2014/main" id="{4A80D350-7C48-DE89-C0E9-FF376BD81942}"/>
-              </a:ext>
-            </a:extLst>
-          </p:cNvPr>
-          <p:cNvPicPr preferRelativeResize="0"/>
+      <p:sp>
+        <p:nvSpPr>
+          <p:cNvPr id="14" name="Metin kutusu 13">
+            <a:extLst>
+              <a:ext uri="{FF2B5EF4-FFF2-40B4-BE49-F238E27FC236}">
+                <a16:creationId xmlns:a16="http://schemas.microsoft.com/office/drawing/2014/main" id="{BC7CAEA0-5C26-6B4D-E99C-9B7BC2EB3BBF}"/>
+              </a:ext>
+            </a:extLst>
+          </p:cNvPr>
+          <p:cNvSpPr txBox="1"/>
           <p:nvPr/>
-        </p:nvPicPr>
-        <p:blipFill>
-          <a:blip r:embed="rId6">
-            <a:alphaModFix/>
-          </a:blip>
-          <a:stretch>
-            <a:fillRect/>
-          </a:stretch>
-        </p:blipFill>
+        </p:nvSpPr>
         <p:spPr>
           <a:xfrm>
-            <a:off x="767492" y="4584720"/>
-            <a:ext cx="318353" cy="318353"/>
+            <a:off x="455846" y="1250909"/>
+            <a:ext cx="11239964" cy="4746130"/>
           </a:xfrm>
           <a:prstGeom prst="rect">
             <a:avLst/>
           </a:prstGeom>
           <a:noFill/>
-          <a:ln>
-            <a:noFill/>
-          </a:ln>
         </p:spPr>
-      </p:pic>
-      <p:pic>
-        <p:nvPicPr>
-          <p:cNvPr id="17" name="Google Shape;60;p1">
-            <a:extLst>
-              <a:ext uri="{FF2B5EF4-FFF2-40B4-BE49-F238E27FC236}">
-                <a16:creationId xmlns:a16="http://schemas.microsoft.com/office/drawing/2014/main" id="{903FB1B1-1D44-E7A7-731D-9BB5CBD788E8}"/>
-              </a:ext>
-            </a:extLst>
-          </p:cNvPr>
-          <p:cNvPicPr preferRelativeResize="0"/>
-          <p:nvPr/>
-        </p:nvPicPr>
-        <p:blipFill>
-          <a:blip r:embed="rId7">
-            <a:alphaModFix/>
+        <p:txBody>
+          <a:bodyPr wrap="square" rtlCol="0">
+            <a:normAutofit/>
+          </a:bodyPr>
+          <a:lstStyle/>
+          <a:p>
+            <a:r>
+              <a:rPr lang="en-US" dirty="0">
+                <a:solidFill>
+                  <a:srgbClr val="5C6571"/>
+                </a:solidFill>
+                <a:latin typeface="Poppins" panose="00000500000000000000" pitchFamily="2" charset="-94"/>
+                <a:ea typeface="Poppins"/>
+                <a:cs typeface="Poppins" panose="00000500000000000000" pitchFamily="2" charset="-94"/>
+                <a:sym typeface="Poppins"/>
+              </a:rPr>
+              <a:t>Content</a:t>
+            </a:r>
+          </a:p>
+          <a:p>
+            <a:endParaRPr lang="en-US" dirty="0">
+              <a:solidFill>
+                <a:srgbClr val="5C6571"/>
+              </a:solidFill>
+              <a:latin typeface="Poppins" pitchFamily="2" charset="0"/>
+              <a:ea typeface="Poppins"/>
+              <a:cs typeface="Poppins" pitchFamily="2" charset="0"/>
+              <a:sym typeface="Poppins"/>
+            </a:endParaRPr>
+          </a:p>
+          <a:p>
+            <a:pPr marL="285750" indent="-285750">
+              <a:buFont typeface="Arial" panose="020B0604020202020204" pitchFamily="34" charset="0"/>
+              <a:buChar char="•"/>
+            </a:pPr>
+            <a:r>
+              <a:rPr lang="en-US" dirty="0">
+                <a:solidFill>
+                  <a:srgbClr val="5C6571"/>
+                </a:solidFill>
+                <a:latin typeface="Poppins" pitchFamily="2" charset="0"/>
+                <a:ea typeface="Poppins"/>
+                <a:cs typeface="Poppins" pitchFamily="2" charset="0"/>
+                <a:sym typeface="Poppins"/>
+              </a:rPr>
+              <a:t>1</a:t>
+            </a:r>
+          </a:p>
+          <a:p>
+            <a:pPr marL="285750" indent="-285750">
+              <a:buFont typeface="Arial" panose="020B0604020202020204" pitchFamily="34" charset="0"/>
+              <a:buChar char="•"/>
+            </a:pPr>
+            <a:r>
+              <a:rPr lang="en-US" dirty="0">
+                <a:solidFill>
+                  <a:srgbClr val="5C6571"/>
+                </a:solidFill>
+                <a:latin typeface="Poppins" pitchFamily="2" charset="0"/>
+                <a:ea typeface="Poppins"/>
+                <a:cs typeface="Poppins" pitchFamily="2" charset="0"/>
+                <a:sym typeface="Poppins"/>
+              </a:rPr>
+              <a:t>2</a:t>
+            </a:r>
+          </a:p>
+          <a:p>
+            <a:pPr marL="742950" lvl="1" indent="-285750">
+              <a:buFont typeface="Arial" panose="020B0604020202020204" pitchFamily="34" charset="0"/>
+              <a:buChar char="•"/>
+            </a:pPr>
+            <a:r>
+              <a:rPr lang="en-US" dirty="0">
+                <a:solidFill>
+                  <a:srgbClr val="5C6571"/>
+                </a:solidFill>
+                <a:latin typeface="Poppins" pitchFamily="2" charset="0"/>
+                <a:ea typeface="Poppins"/>
+                <a:cs typeface="Poppins" pitchFamily="2" charset="0"/>
+                <a:sym typeface="Poppins"/>
+              </a:rPr>
+              <a:t>2.1</a:t>
+            </a:r>
+          </a:p>
+          <a:p>
+            <a:pPr marL="742950" lvl="1" indent="-285750">
+              <a:buFont typeface="Arial" panose="020B0604020202020204" pitchFamily="34" charset="0"/>
+              <a:buChar char="•"/>
+            </a:pPr>
+            <a:r>
+              <a:rPr lang="en-US" dirty="0">
+                <a:solidFill>
+                  <a:srgbClr val="5C6571"/>
+                </a:solidFill>
+                <a:latin typeface="Poppins" pitchFamily="2" charset="0"/>
+                <a:ea typeface="Poppins"/>
+                <a:cs typeface="Poppins" pitchFamily="2" charset="0"/>
+                <a:sym typeface="Poppins"/>
+              </a:rPr>
+              <a:t>2.2</a:t>
+            </a:r>
+            <a:endParaRPr lang="tr-TR" dirty="0">
+              <a:solidFill>
+                <a:srgbClr val="5C6571"/>
+              </a:solidFill>
+              <a:latin typeface="Poppins" pitchFamily="2" charset="0"/>
+              <a:ea typeface="Poppins"/>
+              <a:cs typeface="Poppins" pitchFamily="2" charset="0"/>
+              <a:sym typeface="Poppins"/>
+            </a:endParaRPr>
+          </a:p>
+          <a:p>
+            <a:pPr marL="1200150" lvl="2" indent="-285750">
+              <a:buFont typeface="Arial" panose="020B0604020202020204" pitchFamily="34" charset="0"/>
+              <a:buChar char="•"/>
+            </a:pPr>
+            <a:r>
+              <a:rPr lang="tr-TR" dirty="0">
+                <a:solidFill>
+                  <a:srgbClr val="5C6571"/>
+                </a:solidFill>
+                <a:latin typeface="Poppins" pitchFamily="2" charset="0"/>
+                <a:ea typeface="Poppins"/>
+                <a:cs typeface="Poppins" pitchFamily="2" charset="0"/>
+                <a:sym typeface="Poppins"/>
+              </a:rPr>
+              <a:t>2.2.1</a:t>
+            </a:r>
+          </a:p>
+          <a:p>
+            <a:pPr marL="1200150" lvl="2" indent="-285750">
+              <a:buFont typeface="Arial" panose="020B0604020202020204" pitchFamily="34" charset="0"/>
+              <a:buChar char="•"/>
+            </a:pPr>
+            <a:r>
+              <a:rPr lang="tr-TR" dirty="0">
+                <a:solidFill>
+                  <a:srgbClr val="5C6571"/>
+                </a:solidFill>
+                <a:latin typeface="Poppins" pitchFamily="2" charset="0"/>
+                <a:ea typeface="Poppins"/>
+                <a:cs typeface="Poppins" pitchFamily="2" charset="0"/>
+                <a:sym typeface="Poppins"/>
+              </a:rPr>
+              <a:t>2.2.2</a:t>
+            </a:r>
+            <a:endParaRPr lang="en-US" dirty="0">
+              <a:solidFill>
+                <a:srgbClr val="5C6571"/>
+              </a:solidFill>
+              <a:latin typeface="Poppins SemiBold" pitchFamily="2" charset="0"/>
+              <a:ea typeface="Poppins"/>
+              <a:cs typeface="Poppins SemiBold" pitchFamily="2" charset="0"/>
+              <a:sym typeface="Poppins"/>
+            </a:endParaRPr>
+          </a:p>
+        </p:txBody>
+      </p:sp>
+    </p:spTree>
+    <p:extLst>
+      <p:ext uri="{BB962C8B-B14F-4D97-AF65-F5344CB8AC3E}">
+        <p14:creationId xmlns:p14="http://schemas.microsoft.com/office/powerpoint/2010/main" val="2400128757"/>
+      </p:ext>
+    </p:extLst>
+  </p:cSld>
+  <p:clrMapOvr>
+    <a:masterClrMapping/>
+  </p:clrMapOvr>
+  <p:timing>
+    <p:tnLst>
+      <p:par>
+        <p:cTn id="1" dur="indefinite" restart="never" nodeType="tmRoot">
+          <p:childTnLst>
+            <p:seq concurrent="1" nextAc="seek">
+              <p:cTn id="2" dur="indefinite" nodeType="mainSeq">
+                <p:childTnLst>
+                  <p:par>
+                    <p:cTn id="3" fill="hold">
+                      <p:stCondLst>
+                        <p:cond delay="indefinite"/>
+                      </p:stCondLst>
+                      <p:childTnLst>
+                        <p:par>
+                          <p:cTn id="4" fill="hold">
+                            <p:stCondLst>
+                              <p:cond delay="0"/>
+                            </p:stCondLst>
+                            <p:childTnLst>
+                              <p:par>
+                                <p:cTn id="5" presetID="10" presetClass="entr" presetSubtype="0" fill="hold" grpId="0" nodeType="clickEffect">
+                                  <p:stCondLst>
+                                    <p:cond delay="0"/>
+                                  </p:stCondLst>
+                                  <p:childTnLst>
+                                    <p:set>
+                                      <p:cBhvr>
+                                        <p:cTn id="6" dur="1" fill="hold">
+                                          <p:stCondLst>
+                                            <p:cond delay="0"/>
+                                          </p:stCondLst>
+                                        </p:cTn>
+                                        <p:tgtEl>
+                                          <p:spTgt spid="14"/>
+                                        </p:tgtEl>
+                                        <p:attrNameLst>
+                                          <p:attrName>style.visibility</p:attrName>
+                                        </p:attrNameLst>
+                                      </p:cBhvr>
+                                      <p:to>
+                                        <p:strVal val="visible"/>
+                                      </p:to>
+                                    </p:set>
+                                    <p:animEffect transition="in" filter="fade">
+                                      <p:cBhvr>
+                                        <p:cTn id="7" dur="500"/>
+                                        <p:tgtEl>
+                                          <p:spTgt spid="14"/>
+                                        </p:tgtEl>
+                                      </p:cBhvr>
+                                    </p:animEffect>
+                                  </p:childTnLst>
+                                </p:cTn>
+                              </p:par>
+                            </p:childTnLst>
+                          </p:cTn>
+                        </p:par>
+                      </p:childTnLst>
+                    </p:cTn>
+                  </p:par>
+                </p:childTnLst>
+              </p:cTn>
+              <p:prevCondLst>
+                <p:cond evt="onPrev" delay="0">
+                  <p:tgtEl>
+                    <p:sldTgt/>
+                  </p:tgtEl>
+                </p:cond>
+              </p:prevCondLst>
+              <p:nextCondLst>
+                <p:cond evt="onNext" delay="0">
+                  <p:tgtEl>
+                    <p:sldTgt/>
+                  </p:tgtEl>
+                </p:cond>
+              </p:nextCondLst>
+            </p:seq>
+          </p:childTnLst>
+        </p:cTn>
+      </p:par>
+    </p:tnLst>
+    <p:bldLst>
+      <p:bldP spid="14" grpId="0"/>
+    </p:bldLst>
+  </p:timing>
+</p:sld>
+</file>
+
+<file path=ppt/slides/slide9.xml><?xml version="1.0" encoding="utf-8"?>
+<p:sld xmlns:a="http://schemas.openxmlformats.org/drawingml/2006/main" xmlns:r="http://schemas.openxmlformats.org/officeDocument/2006/relationships" xmlns:p="http://schemas.openxmlformats.org/presentationml/2006/main">
+  <p:cSld>
+    <p:bg>
+      <p:bgPr>
+        <a:blipFill dpi="0" rotWithShape="1">
+          <a:blip r:embed="rId2">
+            <a:lum/>
           </a:blip>
+          <a:srcRect/>
           <a:stretch>
             <a:fillRect/>
           </a:stretch>
-        </p:blipFill>
+        </a:blipFill>
+        <a:effectLst/>
+      </p:bgPr>
+    </p:bg>
+    <p:spTree>
+      <p:nvGrpSpPr>
+        <p:cNvPr id="1" name="">
+          <a:extLst>
+            <a:ext uri="{FF2B5EF4-FFF2-40B4-BE49-F238E27FC236}">
+              <a16:creationId xmlns:a16="http://schemas.microsoft.com/office/drawing/2014/main" id="{7973F7B9-D4D1-C630-231C-ECB8392DE8FC}"/>
+            </a:ext>
+          </a:extLst>
+        </p:cNvPr>
+        <p:cNvGrpSpPr/>
+        <p:nvPr/>
+      </p:nvGrpSpPr>
+      <p:grpSpPr>
+        <a:xfrm>
+          <a:off x="0" y="0"/>
+          <a:ext cx="0" cy="0"/>
+          <a:chOff x="0" y="0"/>
+          <a:chExt cx="0" cy="0"/>
+        </a:xfrm>
+      </p:grpSpPr>
+      <p:sp>
+        <p:nvSpPr>
+          <p:cNvPr id="4" name="Metin kutusu 3">
+            <a:extLst>
+              <a:ext uri="{FF2B5EF4-FFF2-40B4-BE49-F238E27FC236}">
+                <a16:creationId xmlns:a16="http://schemas.microsoft.com/office/drawing/2014/main" id="{D2682910-15CD-4C3F-E52C-07E09EAB9583}"/>
+              </a:ext>
+            </a:extLst>
+          </p:cNvPr>
+          <p:cNvSpPr txBox="1">
+            <a:spLocks/>
+          </p:cNvSpPr>
+          <p:nvPr/>
+        </p:nvSpPr>
         <p:spPr>
           <a:xfrm>
-            <a:off x="767492" y="5050747"/>
-            <a:ext cx="318352" cy="318352"/>
+            <a:off x="455849" y="407657"/>
+            <a:ext cx="11239965" cy="708763"/>
           </a:xfrm>
           <a:prstGeom prst="rect">
             <a:avLst/>
           </a:prstGeom>
           <a:noFill/>
-          <a:ln>
-            <a:noFill/>
-          </a:ln>
-        </p:spPr>
-      </p:pic>
-      <p:sp>
-        <p:nvSpPr>
-          <p:cNvPr id="18" name="Google Shape;61;p1">
-            <a:extLst>
-              <a:ext uri="{FF2B5EF4-FFF2-40B4-BE49-F238E27FC236}">
-                <a16:creationId xmlns:a16="http://schemas.microsoft.com/office/drawing/2014/main" id="{556A01BA-EA5C-A9A7-B747-DC4FFEF1CD80}"/>
-              </a:ext>
-            </a:extLst>
-          </p:cNvPr>
-          <p:cNvSpPr txBox="1"/>
-          <p:nvPr/>
-        </p:nvSpPr>
-        <p:spPr>
-          <a:xfrm>
-            <a:off x="1174489" y="4527714"/>
-            <a:ext cx="5237930" cy="369300"/>
-          </a:xfrm>
-          <a:prstGeom prst="rect">
-            <a:avLst/>
-          </a:prstGeom>
-          <a:noFill/>
-          <a:ln>
-            <a:noFill/>
-          </a:ln>
         </p:spPr>
         <p:txBody>
-          <a:bodyPr spcFirstLastPara="1" wrap="square" lIns="91425" tIns="91425" rIns="91425" bIns="91425" anchor="t" anchorCtr="0">
-            <a:noAutofit/>
+          <a:bodyPr wrap="square" rtlCol="0">
+            <a:normAutofit/>
           </a:bodyPr>
           <a:lstStyle/>
           <a:p>
@@ -5192,35 +11436,35 @@
               <a:buNone/>
             </a:pPr>
             <a:r>
-              <a:rPr lang="tr" sz="1500" dirty="0">
+              <a:rPr lang="tr-TR" sz="3600" b="1" dirty="0">
                 <a:solidFill>
                   <a:srgbClr val="292D33"/>
                 </a:solidFill>
-                <a:latin typeface="Poppins"/>
-                <a:ea typeface="Poppins"/>
-                <a:cs typeface="Poppins"/>
-                <a:sym typeface="Poppins"/>
+                <a:latin typeface="Lexend"/>
+                <a:ea typeface="Lexend"/>
+                <a:cs typeface="Lexend"/>
+                <a:sym typeface="Lexend"/>
               </a:rPr>
-              <a:t>hibrahimkalkan</a:t>
-            </a:r>
-            <a:endParaRPr sz="1500" dirty="0">
+              <a:t>TITLE</a:t>
+            </a:r>
+            <a:endParaRPr lang="tr-TR" sz="3600" dirty="0">
               <a:solidFill>
                 <a:srgbClr val="292D33"/>
               </a:solidFill>
-              <a:latin typeface="Poppins"/>
-              <a:ea typeface="Poppins"/>
-              <a:cs typeface="Poppins"/>
-              <a:sym typeface="Poppins"/>
+              <a:latin typeface="Lexend"/>
+              <a:ea typeface="Lexend"/>
+              <a:cs typeface="Lexend"/>
+              <a:sym typeface="Lexend"/>
             </a:endParaRPr>
           </a:p>
         </p:txBody>
       </p:sp>
       <p:sp>
         <p:nvSpPr>
-          <p:cNvPr id="20" name="Google Shape;62;p1">
-            <a:extLst>
-              <a:ext uri="{FF2B5EF4-FFF2-40B4-BE49-F238E27FC236}">
-                <a16:creationId xmlns:a16="http://schemas.microsoft.com/office/drawing/2014/main" id="{CDBE6DED-6AD5-2ED3-6E22-D0642FF041CE}"/>
+          <p:cNvPr id="14" name="Metin kutusu 13">
+            <a:extLst>
+              <a:ext uri="{FF2B5EF4-FFF2-40B4-BE49-F238E27FC236}">
+                <a16:creationId xmlns:a16="http://schemas.microsoft.com/office/drawing/2014/main" id="{6D0222EE-0C47-2054-937B-56E0E7748F71}"/>
               </a:ext>
             </a:extLst>
           </p:cNvPr>
@@ -5229,51 +11473,167 @@
         </p:nvSpPr>
         <p:spPr>
           <a:xfrm>
-            <a:off x="1174489" y="4985858"/>
-            <a:ext cx="5237930" cy="369300"/>
+            <a:off x="455846" y="1250909"/>
+            <a:ext cx="11239964" cy="4746130"/>
           </a:xfrm>
           <a:prstGeom prst="rect">
             <a:avLst/>
           </a:prstGeom>
           <a:noFill/>
-          <a:ln>
-            <a:noFill/>
-          </a:ln>
         </p:spPr>
         <p:txBody>
-          <a:bodyPr spcFirstLastPara="1" wrap="square" lIns="91425" tIns="91425" rIns="91425" bIns="91425" anchor="t" anchorCtr="0">
-            <a:noAutofit/>
+          <a:bodyPr wrap="square" rtlCol="0">
+            <a:normAutofit/>
           </a:bodyPr>
           <a:lstStyle/>
           <a:p>
-            <a:pPr marL="0" lvl="0" indent="0" algn="l" rtl="0">
-              <a:spcBef>
-                <a:spcPts val="0"/>
-              </a:spcBef>
-              <a:spcAft>
-                <a:spcPts val="0"/>
-              </a:spcAft>
-              <a:buNone/>
-            </a:pPr>
-            <a:r>
-              <a:rPr lang="tr" sz="1500" dirty="0">
+            <a:r>
+              <a:rPr lang="en-US" dirty="0">
                 <a:solidFill>
-                  <a:srgbClr val="292D33"/>
+                  <a:srgbClr val="5C6571"/>
                 </a:solidFill>
-                <a:latin typeface="Poppins"/>
+                <a:latin typeface="Poppins" panose="00000500000000000000" pitchFamily="2" charset="-94"/>
                 <a:ea typeface="Poppins"/>
-                <a:cs typeface="Poppins"/>
+                <a:cs typeface="Poppins" panose="00000500000000000000" pitchFamily="2" charset="-94"/>
                 <a:sym typeface="Poppins"/>
               </a:rPr>
-              <a:t>hikalkan</a:t>
-            </a:r>
-            <a:endParaRPr sz="1500" dirty="0">
+              <a:t>Content</a:t>
+            </a:r>
+          </a:p>
+          <a:p>
+            <a:endParaRPr lang="en-US" dirty="0">
               <a:solidFill>
-                <a:srgbClr val="292D33"/>
+                <a:srgbClr val="5C6571"/>
               </a:solidFill>
-              <a:latin typeface="Poppins"/>
+              <a:latin typeface="Poppins" pitchFamily="2" charset="0"/>
               <a:ea typeface="Poppins"/>
-              <a:cs typeface="Poppins"/>
+              <a:cs typeface="Poppins" pitchFamily="2" charset="0"/>
+              <a:sym typeface="Poppins"/>
+            </a:endParaRPr>
+          </a:p>
+          <a:p>
+            <a:pPr marL="285750" indent="-285750">
+              <a:buFont typeface="Arial" panose="020B0604020202020204" pitchFamily="34" charset="0"/>
+              <a:buChar char="•"/>
+            </a:pPr>
+            <a:r>
+              <a:rPr lang="en-US" dirty="0">
+                <a:solidFill>
+                  <a:srgbClr val="5C6571"/>
+                </a:solidFill>
+                <a:latin typeface="Poppins" pitchFamily="2" charset="0"/>
+                <a:ea typeface="Poppins"/>
+                <a:cs typeface="Poppins" pitchFamily="2" charset="0"/>
+                <a:sym typeface="Poppins"/>
+              </a:rPr>
+              <a:t>1</a:t>
+            </a:r>
+          </a:p>
+          <a:p>
+            <a:pPr marL="285750" indent="-285750">
+              <a:buFont typeface="Arial" panose="020B0604020202020204" pitchFamily="34" charset="0"/>
+              <a:buChar char="•"/>
+            </a:pPr>
+            <a:r>
+              <a:rPr lang="en-US" dirty="0">
+                <a:solidFill>
+                  <a:srgbClr val="5C6571"/>
+                </a:solidFill>
+                <a:latin typeface="Poppins" pitchFamily="2" charset="0"/>
+                <a:ea typeface="Poppins"/>
+                <a:cs typeface="Poppins" pitchFamily="2" charset="0"/>
+                <a:sym typeface="Poppins"/>
+              </a:rPr>
+              <a:t>2</a:t>
+            </a:r>
+          </a:p>
+          <a:p>
+            <a:pPr marL="742950" lvl="1" indent="-285750">
+              <a:buFont typeface="Arial" panose="020B0604020202020204" pitchFamily="34" charset="0"/>
+              <a:buChar char="•"/>
+            </a:pPr>
+            <a:r>
+              <a:rPr lang="en-US" dirty="0">
+                <a:solidFill>
+                  <a:srgbClr val="5C6571"/>
+                </a:solidFill>
+                <a:latin typeface="Poppins" pitchFamily="2" charset="0"/>
+                <a:ea typeface="Poppins"/>
+                <a:cs typeface="Poppins" pitchFamily="2" charset="0"/>
+                <a:sym typeface="Poppins"/>
+              </a:rPr>
+              <a:t>2.1</a:t>
+            </a:r>
+          </a:p>
+          <a:p>
+            <a:pPr marL="742950" lvl="1" indent="-285750">
+              <a:buFont typeface="Arial" panose="020B0604020202020204" pitchFamily="34" charset="0"/>
+              <a:buChar char="•"/>
+            </a:pPr>
+            <a:r>
+              <a:rPr lang="en-US" dirty="0">
+                <a:solidFill>
+                  <a:srgbClr val="5C6571"/>
+                </a:solidFill>
+                <a:latin typeface="Poppins" pitchFamily="2" charset="0"/>
+                <a:ea typeface="Poppins"/>
+                <a:cs typeface="Poppins" pitchFamily="2" charset="0"/>
+                <a:sym typeface="Poppins"/>
+              </a:rPr>
+              <a:t>2.2</a:t>
+            </a:r>
+            <a:endParaRPr lang="tr-TR" dirty="0">
+              <a:solidFill>
+                <a:srgbClr val="5C6571"/>
+              </a:solidFill>
+              <a:latin typeface="Poppins" pitchFamily="2" charset="0"/>
+              <a:ea typeface="Poppins"/>
+              <a:cs typeface="Poppins" pitchFamily="2" charset="0"/>
+              <a:sym typeface="Poppins"/>
+            </a:endParaRPr>
+          </a:p>
+          <a:p>
+            <a:pPr marL="1200150" lvl="2" indent="-285750">
+              <a:buFont typeface="Arial" panose="020B0604020202020204" pitchFamily="34" charset="0"/>
+              <a:buChar char="•"/>
+            </a:pPr>
+            <a:r>
+              <a:rPr lang="tr-TR" dirty="0">
+                <a:solidFill>
+                  <a:srgbClr val="5C6571"/>
+                </a:solidFill>
+                <a:latin typeface="Poppins" pitchFamily="2" charset="0"/>
+                <a:ea typeface="Poppins"/>
+                <a:cs typeface="Poppins" pitchFamily="2" charset="0"/>
+                <a:sym typeface="Poppins"/>
+              </a:rPr>
+              <a:t>2.2.1</a:t>
+            </a:r>
+          </a:p>
+          <a:p>
+            <a:pPr marL="1200150" lvl="2" indent="-285750">
+              <a:buFont typeface="Arial" panose="020B0604020202020204" pitchFamily="34" charset="0"/>
+              <a:buChar char="•"/>
+            </a:pPr>
+            <a:r>
+              <a:rPr lang="tr-TR" dirty="0">
+                <a:solidFill>
+                  <a:srgbClr val="5C6571"/>
+                </a:solidFill>
+                <a:latin typeface="Poppins" pitchFamily="2" charset="0"/>
+                <a:ea typeface="Poppins"/>
+                <a:cs typeface="Poppins" pitchFamily="2" charset="0"/>
+                <a:sym typeface="Poppins"/>
+              </a:rPr>
+              <a:t>2.2.2</a:t>
+            </a:r>
+            <a:endParaRPr lang="en-US" dirty="0">
+              <a:solidFill>
+                <a:srgbClr val="5C6571"/>
+              </a:solidFill>
+              <a:latin typeface="Poppins SemiBold" pitchFamily="2" charset="0"/>
+              <a:ea typeface="Poppins"/>
+              <a:cs typeface="Poppins SemiBold" pitchFamily="2" charset="0"/>
               <a:sym typeface="Poppins"/>
             </a:endParaRPr>
           </a:p>
@@ -5282,13 +11642,99 @@
     </p:spTree>
     <p:extLst>
       <p:ext uri="{BB962C8B-B14F-4D97-AF65-F5344CB8AC3E}">
-        <p14:creationId xmlns:p14="http://schemas.microsoft.com/office/powerpoint/2010/main" val="1019990287"/>
+        <p14:creationId xmlns:p14="http://schemas.microsoft.com/office/powerpoint/2010/main" val="3822544626"/>
       </p:ext>
     </p:extLst>
   </p:cSld>
   <p:clrMapOvr>
     <a:masterClrMapping/>
   </p:clrMapOvr>
+  <p:timing>
+    <p:tnLst>
+      <p:par>
+        <p:cTn id="1" dur="indefinite" restart="never" nodeType="tmRoot">
+          <p:childTnLst>
+            <p:seq concurrent="1" nextAc="seek">
+              <p:cTn id="2" dur="indefinite" nodeType="mainSeq">
+                <p:childTnLst>
+                  <p:par>
+                    <p:cTn id="3" fill="hold">
+                      <p:stCondLst>
+                        <p:cond delay="indefinite"/>
+                      </p:stCondLst>
+                      <p:childTnLst>
+                        <p:par>
+                          <p:cTn id="4" fill="hold">
+                            <p:stCondLst>
+                              <p:cond delay="0"/>
+                            </p:stCondLst>
+                            <p:childTnLst>
+                              <p:par>
+                                <p:cTn id="5" presetID="10" presetClass="entr" presetSubtype="0" fill="hold" grpId="0" nodeType="clickEffect">
+                                  <p:stCondLst>
+                                    <p:cond delay="0"/>
+                                  </p:stCondLst>
+                                  <p:childTnLst>
+                                    <p:set>
+                                      <p:cBhvr>
+                                        <p:cTn id="6" dur="1" fill="hold">
+                                          <p:stCondLst>
+                                            <p:cond delay="0"/>
+                                          </p:stCondLst>
+                                        </p:cTn>
+                                        <p:tgtEl>
+                                          <p:spTgt spid="14"/>
+                                        </p:tgtEl>
+                                        <p:attrNameLst>
+                                          <p:attrName>style.visibility</p:attrName>
+                                        </p:attrNameLst>
+                                      </p:cBhvr>
+                                      <p:to>
+                                        <p:strVal val="visible"/>
+                                      </p:to>
+                                    </p:set>
+                                    <p:animEffect transition="in" filter="fade">
+                                      <p:cBhvr>
+                                        <p:cTn id="7" dur="500"/>
+                                        <p:tgtEl>
+                                          <p:spTgt spid="14"/>
+                                        </p:tgtEl>
+                                      </p:cBhvr>
+                                    </p:animEffect>
+                                  </p:childTnLst>
+                                </p:cTn>
+                              </p:par>
+                            </p:childTnLst>
+                          </p:cTn>
+                        </p:par>
+                      </p:childTnLst>
+                    </p:cTn>
+                  </p:par>
+                </p:childTnLst>
+              </p:cTn>
+              <p:prevCondLst>
+                <p:cond evt="onPrev" delay="0">
+                  <p:tgtEl>
+                    <p:sldTgt/>
+                  </p:tgtEl>
+                </p:cond>
+              </p:prevCondLst>
+              <p:nextCondLst>
+                <p:cond evt="onNext" delay="0">
+                  <p:tgtEl>
+                    <p:sldTgt/>
+                  </p:tgtEl>
+                </p:cond>
+              </p:nextCondLst>
+            </p:seq>
+          </p:childTnLst>
+        </p:cTn>
+      </p:par>
+    </p:tnLst>
+    <p:bldLst>
+      <p:bldP spid="14" grpId="0"/>
+    </p:bldLst>
+  </p:timing>
 </p:sld>
 </file>
 

--- a/2025-01-09 ABP Community Talks 2025.1/Which Architecture.pptx
+++ b/2025-01-09 ABP Community Talks 2025.1/Which Architecture.pptx
@@ -214,7 +214,7 @@
           <a:p>
             <a:fld id="{AD8AE268-3FB1-8B49-A7E8-783BB6480738}" type="datetimeFigureOut">
               <a:rPr lang="tr-TR" smtClean="0"/>
-              <a:t>29.12.2024</a:t>
+              <a:t>2.01.2025</a:t>
             </a:fld>
             <a:endParaRPr lang="tr-TR"/>
           </a:p>
@@ -628,7 +628,7 @@
           <a:p>
             <a:fld id="{BBFF5D94-9F9C-DF48-BC1C-1A1DDC476D4B}" type="datetimeFigureOut">
               <a:rPr lang="tr-TR" smtClean="0"/>
-              <a:t>29.12.2024</a:t>
+              <a:t>2.01.2025</a:t>
             </a:fld>
             <a:endParaRPr lang="tr-TR"/>
           </a:p>
@@ -826,7 +826,7 @@
           <a:p>
             <a:fld id="{BBFF5D94-9F9C-DF48-BC1C-1A1DDC476D4B}" type="datetimeFigureOut">
               <a:rPr lang="tr-TR" smtClean="0"/>
-              <a:t>29.12.2024</a:t>
+              <a:t>2.01.2025</a:t>
             </a:fld>
             <a:endParaRPr lang="tr-TR"/>
           </a:p>
@@ -1034,7 +1034,7 @@
           <a:p>
             <a:fld id="{BBFF5D94-9F9C-DF48-BC1C-1A1DDC476D4B}" type="datetimeFigureOut">
               <a:rPr lang="tr-TR" smtClean="0"/>
-              <a:t>29.12.2024</a:t>
+              <a:t>2.01.2025</a:t>
             </a:fld>
             <a:endParaRPr lang="tr-TR"/>
           </a:p>
@@ -1232,7 +1232,7 @@
           <a:p>
             <a:fld id="{BBFF5D94-9F9C-DF48-BC1C-1A1DDC476D4B}" type="datetimeFigureOut">
               <a:rPr lang="tr-TR" smtClean="0"/>
-              <a:t>29.12.2024</a:t>
+              <a:t>2.01.2025</a:t>
             </a:fld>
             <a:endParaRPr lang="tr-TR"/>
           </a:p>
@@ -1507,7 +1507,7 @@
           <a:p>
             <a:fld id="{BBFF5D94-9F9C-DF48-BC1C-1A1DDC476D4B}" type="datetimeFigureOut">
               <a:rPr lang="tr-TR" smtClean="0"/>
-              <a:t>29.12.2024</a:t>
+              <a:t>2.01.2025</a:t>
             </a:fld>
             <a:endParaRPr lang="tr-TR"/>
           </a:p>
@@ -1772,7 +1772,7 @@
           <a:p>
             <a:fld id="{BBFF5D94-9F9C-DF48-BC1C-1A1DDC476D4B}" type="datetimeFigureOut">
               <a:rPr lang="tr-TR" smtClean="0"/>
-              <a:t>29.12.2024</a:t>
+              <a:t>2.01.2025</a:t>
             </a:fld>
             <a:endParaRPr lang="tr-TR"/>
           </a:p>
@@ -2184,7 +2184,7 @@
           <a:p>
             <a:fld id="{BBFF5D94-9F9C-DF48-BC1C-1A1DDC476D4B}" type="datetimeFigureOut">
               <a:rPr lang="tr-TR" smtClean="0"/>
-              <a:t>29.12.2024</a:t>
+              <a:t>2.01.2025</a:t>
             </a:fld>
             <a:endParaRPr lang="tr-TR"/>
           </a:p>
@@ -2325,7 +2325,7 @@
           <a:p>
             <a:fld id="{BBFF5D94-9F9C-DF48-BC1C-1A1DDC476D4B}" type="datetimeFigureOut">
               <a:rPr lang="tr-TR" smtClean="0"/>
-              <a:t>29.12.2024</a:t>
+              <a:t>2.01.2025</a:t>
             </a:fld>
             <a:endParaRPr lang="tr-TR"/>
           </a:p>
@@ -2438,7 +2438,7 @@
           <a:p>
             <a:fld id="{BBFF5D94-9F9C-DF48-BC1C-1A1DDC476D4B}" type="datetimeFigureOut">
               <a:rPr lang="tr-TR" smtClean="0"/>
-              <a:t>29.12.2024</a:t>
+              <a:t>2.01.2025</a:t>
             </a:fld>
             <a:endParaRPr lang="tr-TR"/>
           </a:p>
@@ -2749,7 +2749,7 @@
           <a:p>
             <a:fld id="{BBFF5D94-9F9C-DF48-BC1C-1A1DDC476D4B}" type="datetimeFigureOut">
               <a:rPr lang="tr-TR" smtClean="0"/>
-              <a:t>29.12.2024</a:t>
+              <a:t>2.01.2025</a:t>
             </a:fld>
             <a:endParaRPr lang="tr-TR"/>
           </a:p>
@@ -3037,7 +3037,7 @@
           <a:p>
             <a:fld id="{BBFF5D94-9F9C-DF48-BC1C-1A1DDC476D4B}" type="datetimeFigureOut">
               <a:rPr lang="tr-TR" smtClean="0"/>
-              <a:t>29.12.2024</a:t>
+              <a:t>2.01.2025</a:t>
             </a:fld>
             <a:endParaRPr lang="tr-TR"/>
           </a:p>
@@ -3278,7 +3278,7 @@
           <a:p>
             <a:fld id="{BBFF5D94-9F9C-DF48-BC1C-1A1DDC476D4B}" type="datetimeFigureOut">
               <a:rPr lang="tr-TR" smtClean="0"/>
-              <a:t>29.12.2024</a:t>
+              <a:t>2.01.2025</a:t>
             </a:fld>
             <a:endParaRPr lang="tr-TR"/>
           </a:p>
@@ -15096,7 +15096,7 @@
               <a:buChar char="•"/>
             </a:pPr>
             <a:r>
-              <a:rPr lang="tr-TR" sz="2000" dirty="0">
+              <a:rPr lang="en-US" sz="2000" dirty="0">
                 <a:solidFill>
                   <a:srgbClr val="5C6571"/>
                 </a:solidFill>
@@ -15105,7 +15105,19 @@
                 <a:cs typeface="Poppins" pitchFamily="2" charset="0"/>
                 <a:sym typeface="Poppins"/>
               </a:rPr>
-              <a:t>Add </a:t>
+              <a:t>Create</a:t>
+            </a:r>
+            <a:r>
+              <a:rPr lang="tr-TR" sz="2000">
+                <a:solidFill>
+                  <a:srgbClr val="5C6571"/>
+                </a:solidFill>
+                <a:latin typeface="Poppins" pitchFamily="2" charset="0"/>
+                <a:ea typeface="Poppins"/>
+                <a:cs typeface="Poppins" pitchFamily="2" charset="0"/>
+                <a:sym typeface="Poppins"/>
+              </a:rPr>
+              <a:t> </a:t>
             </a:r>
             <a:r>
               <a:rPr lang="tr-TR" sz="2000" b="1" dirty="0">

--- a/2025-01-09 ABP Community Talks 2025.1/Which Architecture.pptx
+++ b/2025-01-09 ABP Community Talks 2025.1/Which Architecture.pptx
@@ -5,7 +5,7 @@
     <p:sldMasterId id="2147483648" r:id="rId1"/>
   </p:sldMasterIdLst>
   <p:notesMasterIdLst>
-    <p:notesMasterId r:id="rId20"/>
+    <p:notesMasterId r:id="rId16"/>
   </p:notesMasterIdLst>
   <p:sldIdLst>
     <p:sldId id="256" r:id="rId2"/>
@@ -22,10 +22,6 @@
     <p:sldId id="305" r:id="rId13"/>
     <p:sldId id="293" r:id="rId14"/>
     <p:sldId id="306" r:id="rId15"/>
-    <p:sldId id="307" r:id="rId16"/>
-    <p:sldId id="300" r:id="rId17"/>
-    <p:sldId id="301" r:id="rId18"/>
-    <p:sldId id="294" r:id="rId19"/>
   </p:sldIdLst>
   <p:sldSz cx="12192000" cy="6858000"/>
   <p:notesSz cx="6858000" cy="9144000"/>
@@ -214,7 +210,7 @@
           <a:p>
             <a:fld id="{AD8AE268-3FB1-8B49-A7E8-783BB6480738}" type="datetimeFigureOut">
               <a:rPr lang="tr-TR" smtClean="0"/>
-              <a:t>2.01.2025</a:t>
+              <a:t>9.01.2025</a:t>
             </a:fld>
             <a:endParaRPr lang="tr-TR"/>
           </a:p>
@@ -628,7 +624,7 @@
           <a:p>
             <a:fld id="{BBFF5D94-9F9C-DF48-BC1C-1A1DDC476D4B}" type="datetimeFigureOut">
               <a:rPr lang="tr-TR" smtClean="0"/>
-              <a:t>2.01.2025</a:t>
+              <a:t>9.01.2025</a:t>
             </a:fld>
             <a:endParaRPr lang="tr-TR"/>
           </a:p>
@@ -826,7 +822,7 @@
           <a:p>
             <a:fld id="{BBFF5D94-9F9C-DF48-BC1C-1A1DDC476D4B}" type="datetimeFigureOut">
               <a:rPr lang="tr-TR" smtClean="0"/>
-              <a:t>2.01.2025</a:t>
+              <a:t>9.01.2025</a:t>
             </a:fld>
             <a:endParaRPr lang="tr-TR"/>
           </a:p>
@@ -1034,7 +1030,7 @@
           <a:p>
             <a:fld id="{BBFF5D94-9F9C-DF48-BC1C-1A1DDC476D4B}" type="datetimeFigureOut">
               <a:rPr lang="tr-TR" smtClean="0"/>
-              <a:t>2.01.2025</a:t>
+              <a:t>9.01.2025</a:t>
             </a:fld>
             <a:endParaRPr lang="tr-TR"/>
           </a:p>
@@ -1232,7 +1228,7 @@
           <a:p>
             <a:fld id="{BBFF5D94-9F9C-DF48-BC1C-1A1DDC476D4B}" type="datetimeFigureOut">
               <a:rPr lang="tr-TR" smtClean="0"/>
-              <a:t>2.01.2025</a:t>
+              <a:t>9.01.2025</a:t>
             </a:fld>
             <a:endParaRPr lang="tr-TR"/>
           </a:p>
@@ -1507,7 +1503,7 @@
           <a:p>
             <a:fld id="{BBFF5D94-9F9C-DF48-BC1C-1A1DDC476D4B}" type="datetimeFigureOut">
               <a:rPr lang="tr-TR" smtClean="0"/>
-              <a:t>2.01.2025</a:t>
+              <a:t>9.01.2025</a:t>
             </a:fld>
             <a:endParaRPr lang="tr-TR"/>
           </a:p>
@@ -1772,7 +1768,7 @@
           <a:p>
             <a:fld id="{BBFF5D94-9F9C-DF48-BC1C-1A1DDC476D4B}" type="datetimeFigureOut">
               <a:rPr lang="tr-TR" smtClean="0"/>
-              <a:t>2.01.2025</a:t>
+              <a:t>9.01.2025</a:t>
             </a:fld>
             <a:endParaRPr lang="tr-TR"/>
           </a:p>
@@ -2184,7 +2180,7 @@
           <a:p>
             <a:fld id="{BBFF5D94-9F9C-DF48-BC1C-1A1DDC476D4B}" type="datetimeFigureOut">
               <a:rPr lang="tr-TR" smtClean="0"/>
-              <a:t>2.01.2025</a:t>
+              <a:t>9.01.2025</a:t>
             </a:fld>
             <a:endParaRPr lang="tr-TR"/>
           </a:p>
@@ -2325,7 +2321,7 @@
           <a:p>
             <a:fld id="{BBFF5D94-9F9C-DF48-BC1C-1A1DDC476D4B}" type="datetimeFigureOut">
               <a:rPr lang="tr-TR" smtClean="0"/>
-              <a:t>2.01.2025</a:t>
+              <a:t>9.01.2025</a:t>
             </a:fld>
             <a:endParaRPr lang="tr-TR"/>
           </a:p>
@@ -2438,7 +2434,7 @@
           <a:p>
             <a:fld id="{BBFF5D94-9F9C-DF48-BC1C-1A1DDC476D4B}" type="datetimeFigureOut">
               <a:rPr lang="tr-TR" smtClean="0"/>
-              <a:t>2.01.2025</a:t>
+              <a:t>9.01.2025</a:t>
             </a:fld>
             <a:endParaRPr lang="tr-TR"/>
           </a:p>
@@ -2749,7 +2745,7 @@
           <a:p>
             <a:fld id="{BBFF5D94-9F9C-DF48-BC1C-1A1DDC476D4B}" type="datetimeFigureOut">
               <a:rPr lang="tr-TR" smtClean="0"/>
-              <a:t>2.01.2025</a:t>
+              <a:t>9.01.2025</a:t>
             </a:fld>
             <a:endParaRPr lang="tr-TR"/>
           </a:p>
@@ -3037,7 +3033,7 @@
           <a:p>
             <a:fld id="{BBFF5D94-9F9C-DF48-BC1C-1A1DDC476D4B}" type="datetimeFigureOut">
               <a:rPr lang="tr-TR" smtClean="0"/>
-              <a:t>2.01.2025</a:t>
+              <a:t>9.01.2025</a:t>
             </a:fld>
             <a:endParaRPr lang="tr-TR"/>
           </a:p>
@@ -3278,7 +3274,7 @@
           <a:p>
             <a:fld id="{BBFF5D94-9F9C-DF48-BC1C-1A1DDC476D4B}" type="datetimeFigureOut">
               <a:rPr lang="tr-TR" smtClean="0"/>
-              <a:t>2.01.2025</a:t>
+              <a:t>9.01.2025</a:t>
             </a:fld>
             <a:endParaRPr lang="tr-TR"/>
           </a:p>
@@ -8207,1522 +8203,6 @@
     <p:extLst>
       <p:ext uri="{BB962C8B-B14F-4D97-AF65-F5344CB8AC3E}">
         <p14:creationId xmlns:p14="http://schemas.microsoft.com/office/powerpoint/2010/main" val="3102690770"/>
-      </p:ext>
-    </p:extLst>
-  </p:cSld>
-  <p:clrMapOvr>
-    <a:masterClrMapping/>
-  </p:clrMapOvr>
-  <p:timing>
-    <p:tnLst>
-      <p:par>
-        <p:cTn id="1" dur="indefinite" restart="never" nodeType="tmRoot">
-          <p:childTnLst>
-            <p:seq concurrent="1" nextAc="seek">
-              <p:cTn id="2" dur="indefinite" nodeType="mainSeq">
-                <p:childTnLst>
-                  <p:par>
-                    <p:cTn id="3" fill="hold">
-                      <p:stCondLst>
-                        <p:cond delay="indefinite"/>
-                      </p:stCondLst>
-                      <p:childTnLst>
-                        <p:par>
-                          <p:cTn id="4" fill="hold">
-                            <p:stCondLst>
-                              <p:cond delay="0"/>
-                            </p:stCondLst>
-                            <p:childTnLst>
-                              <p:par>
-                                <p:cTn id="5" presetID="10" presetClass="entr" presetSubtype="0" fill="hold" grpId="0" nodeType="clickEffect">
-                                  <p:stCondLst>
-                                    <p:cond delay="0"/>
-                                  </p:stCondLst>
-                                  <p:childTnLst>
-                                    <p:set>
-                                      <p:cBhvr>
-                                        <p:cTn id="6" dur="1" fill="hold">
-                                          <p:stCondLst>
-                                            <p:cond delay="0"/>
-                                          </p:stCondLst>
-                                        </p:cTn>
-                                        <p:tgtEl>
-                                          <p:spTgt spid="14"/>
-                                        </p:tgtEl>
-                                        <p:attrNameLst>
-                                          <p:attrName>style.visibility</p:attrName>
-                                        </p:attrNameLst>
-                                      </p:cBhvr>
-                                      <p:to>
-                                        <p:strVal val="visible"/>
-                                      </p:to>
-                                    </p:set>
-                                    <p:animEffect transition="in" filter="fade">
-                                      <p:cBhvr>
-                                        <p:cTn id="7" dur="500"/>
-                                        <p:tgtEl>
-                                          <p:spTgt spid="14"/>
-                                        </p:tgtEl>
-                                      </p:cBhvr>
-                                    </p:animEffect>
-                                  </p:childTnLst>
-                                </p:cTn>
-                              </p:par>
-                            </p:childTnLst>
-                          </p:cTn>
-                        </p:par>
-                      </p:childTnLst>
-                    </p:cTn>
-                  </p:par>
-                </p:childTnLst>
-              </p:cTn>
-              <p:prevCondLst>
-                <p:cond evt="onPrev" delay="0">
-                  <p:tgtEl>
-                    <p:sldTgt/>
-                  </p:tgtEl>
-                </p:cond>
-              </p:prevCondLst>
-              <p:nextCondLst>
-                <p:cond evt="onNext" delay="0">
-                  <p:tgtEl>
-                    <p:sldTgt/>
-                  </p:tgtEl>
-                </p:cond>
-              </p:nextCondLst>
-            </p:seq>
-          </p:childTnLst>
-        </p:cTn>
-      </p:par>
-    </p:tnLst>
-    <p:bldLst>
-      <p:bldP spid="14" grpId="0"/>
-    </p:bldLst>
-  </p:timing>
-</p:sld>
-</file>
-
-<file path=ppt/slides/slide15.xml><?xml version="1.0" encoding="utf-8"?>
-<p:sld xmlns:a="http://schemas.openxmlformats.org/drawingml/2006/main" xmlns:r="http://schemas.openxmlformats.org/officeDocument/2006/relationships" xmlns:p="http://schemas.openxmlformats.org/presentationml/2006/main">
-  <p:cSld>
-    <p:bg>
-      <p:bgPr>
-        <a:blipFill dpi="0" rotWithShape="1">
-          <a:blip r:embed="rId2">
-            <a:lum/>
-          </a:blip>
-          <a:srcRect/>
-          <a:stretch>
-            <a:fillRect/>
-          </a:stretch>
-        </a:blipFill>
-        <a:effectLst/>
-      </p:bgPr>
-    </p:bg>
-    <p:spTree>
-      <p:nvGrpSpPr>
-        <p:cNvPr id="1" name="">
-          <a:extLst>
-            <a:ext uri="{FF2B5EF4-FFF2-40B4-BE49-F238E27FC236}">
-              <a16:creationId xmlns:a16="http://schemas.microsoft.com/office/drawing/2014/main" id="{DBD96FD1-DE36-8CAA-0656-919769092600}"/>
-            </a:ext>
-          </a:extLst>
-        </p:cNvPr>
-        <p:cNvGrpSpPr/>
-        <p:nvPr/>
-      </p:nvGrpSpPr>
-      <p:grpSpPr>
-        <a:xfrm>
-          <a:off x="0" y="0"/>
-          <a:ext cx="0" cy="0"/>
-          <a:chOff x="0" y="0"/>
-          <a:chExt cx="0" cy="0"/>
-        </a:xfrm>
-      </p:grpSpPr>
-      <p:sp>
-        <p:nvSpPr>
-          <p:cNvPr id="4" name="Metin kutusu 3">
-            <a:extLst>
-              <a:ext uri="{FF2B5EF4-FFF2-40B4-BE49-F238E27FC236}">
-                <a16:creationId xmlns:a16="http://schemas.microsoft.com/office/drawing/2014/main" id="{4462D435-F9AA-C3AD-5C0B-E3ABF382DA60}"/>
-              </a:ext>
-            </a:extLst>
-          </p:cNvPr>
-          <p:cNvSpPr txBox="1">
-            <a:spLocks/>
-          </p:cNvSpPr>
-          <p:nvPr/>
-        </p:nvSpPr>
-        <p:spPr>
-          <a:xfrm>
-            <a:off x="455849" y="407657"/>
-            <a:ext cx="11239965" cy="708763"/>
-          </a:xfrm>
-          <a:prstGeom prst="rect">
-            <a:avLst/>
-          </a:prstGeom>
-          <a:noFill/>
-        </p:spPr>
-        <p:txBody>
-          <a:bodyPr wrap="square" rtlCol="0">
-            <a:normAutofit/>
-          </a:bodyPr>
-          <a:lstStyle/>
-          <a:p>
-            <a:pPr marL="0" lvl="0" indent="0" algn="l" rtl="0">
-              <a:spcBef>
-                <a:spcPts val="0"/>
-              </a:spcBef>
-              <a:spcAft>
-                <a:spcPts val="0"/>
-              </a:spcAft>
-              <a:buNone/>
-            </a:pPr>
-            <a:r>
-              <a:rPr lang="tr-TR" sz="3600" b="1" dirty="0">
-                <a:solidFill>
-                  <a:srgbClr val="292D33"/>
-                </a:solidFill>
-                <a:latin typeface="Lexend"/>
-                <a:ea typeface="Lexend"/>
-                <a:cs typeface="Lexend"/>
-                <a:sym typeface="Lexend"/>
-              </a:rPr>
-              <a:t>TITLE</a:t>
-            </a:r>
-            <a:endParaRPr lang="tr-TR" sz="3600" dirty="0">
-              <a:solidFill>
-                <a:srgbClr val="292D33"/>
-              </a:solidFill>
-              <a:latin typeface="Lexend"/>
-              <a:ea typeface="Lexend"/>
-              <a:cs typeface="Lexend"/>
-              <a:sym typeface="Lexend"/>
-            </a:endParaRPr>
-          </a:p>
-        </p:txBody>
-      </p:sp>
-      <p:sp>
-        <p:nvSpPr>
-          <p:cNvPr id="14" name="Metin kutusu 13">
-            <a:extLst>
-              <a:ext uri="{FF2B5EF4-FFF2-40B4-BE49-F238E27FC236}">
-                <a16:creationId xmlns:a16="http://schemas.microsoft.com/office/drawing/2014/main" id="{9E37F3A9-E564-BC1A-38FE-009DAEA87907}"/>
-              </a:ext>
-            </a:extLst>
-          </p:cNvPr>
-          <p:cNvSpPr txBox="1"/>
-          <p:nvPr/>
-        </p:nvSpPr>
-        <p:spPr>
-          <a:xfrm>
-            <a:off x="455846" y="1250909"/>
-            <a:ext cx="11239964" cy="4746130"/>
-          </a:xfrm>
-          <a:prstGeom prst="rect">
-            <a:avLst/>
-          </a:prstGeom>
-          <a:noFill/>
-        </p:spPr>
-        <p:txBody>
-          <a:bodyPr wrap="square" rtlCol="0">
-            <a:normAutofit/>
-          </a:bodyPr>
-          <a:lstStyle/>
-          <a:p>
-            <a:r>
-              <a:rPr lang="en-US" dirty="0">
-                <a:solidFill>
-                  <a:srgbClr val="5C6571"/>
-                </a:solidFill>
-                <a:latin typeface="Poppins" panose="00000500000000000000" pitchFamily="2" charset="-94"/>
-                <a:ea typeface="Poppins"/>
-                <a:cs typeface="Poppins" panose="00000500000000000000" pitchFamily="2" charset="-94"/>
-                <a:sym typeface="Poppins"/>
-              </a:rPr>
-              <a:t>Content</a:t>
-            </a:r>
-          </a:p>
-          <a:p>
-            <a:endParaRPr lang="en-US" dirty="0">
-              <a:solidFill>
-                <a:srgbClr val="5C6571"/>
-              </a:solidFill>
-              <a:latin typeface="Poppins" pitchFamily="2" charset="0"/>
-              <a:ea typeface="Poppins"/>
-              <a:cs typeface="Poppins" pitchFamily="2" charset="0"/>
-              <a:sym typeface="Poppins"/>
-            </a:endParaRPr>
-          </a:p>
-          <a:p>
-            <a:pPr marL="285750" indent="-285750">
-              <a:buFont typeface="Arial" panose="020B0604020202020204" pitchFamily="34" charset="0"/>
-              <a:buChar char="•"/>
-            </a:pPr>
-            <a:r>
-              <a:rPr lang="en-US" dirty="0">
-                <a:solidFill>
-                  <a:srgbClr val="5C6571"/>
-                </a:solidFill>
-                <a:latin typeface="Poppins" pitchFamily="2" charset="0"/>
-                <a:ea typeface="Poppins"/>
-                <a:cs typeface="Poppins" pitchFamily="2" charset="0"/>
-                <a:sym typeface="Poppins"/>
-              </a:rPr>
-              <a:t>1</a:t>
-            </a:r>
-          </a:p>
-          <a:p>
-            <a:pPr marL="285750" indent="-285750">
-              <a:buFont typeface="Arial" panose="020B0604020202020204" pitchFamily="34" charset="0"/>
-              <a:buChar char="•"/>
-            </a:pPr>
-            <a:r>
-              <a:rPr lang="en-US" dirty="0">
-                <a:solidFill>
-                  <a:srgbClr val="5C6571"/>
-                </a:solidFill>
-                <a:latin typeface="Poppins" pitchFamily="2" charset="0"/>
-                <a:ea typeface="Poppins"/>
-                <a:cs typeface="Poppins" pitchFamily="2" charset="0"/>
-                <a:sym typeface="Poppins"/>
-              </a:rPr>
-              <a:t>2</a:t>
-            </a:r>
-          </a:p>
-          <a:p>
-            <a:pPr marL="742950" lvl="1" indent="-285750">
-              <a:buFont typeface="Arial" panose="020B0604020202020204" pitchFamily="34" charset="0"/>
-              <a:buChar char="•"/>
-            </a:pPr>
-            <a:r>
-              <a:rPr lang="en-US" dirty="0">
-                <a:solidFill>
-                  <a:srgbClr val="5C6571"/>
-                </a:solidFill>
-                <a:latin typeface="Poppins" pitchFamily="2" charset="0"/>
-                <a:ea typeface="Poppins"/>
-                <a:cs typeface="Poppins" pitchFamily="2" charset="0"/>
-                <a:sym typeface="Poppins"/>
-              </a:rPr>
-              <a:t>2.1</a:t>
-            </a:r>
-          </a:p>
-          <a:p>
-            <a:pPr marL="742950" lvl="1" indent="-285750">
-              <a:buFont typeface="Arial" panose="020B0604020202020204" pitchFamily="34" charset="0"/>
-              <a:buChar char="•"/>
-            </a:pPr>
-            <a:r>
-              <a:rPr lang="en-US" dirty="0">
-                <a:solidFill>
-                  <a:srgbClr val="5C6571"/>
-                </a:solidFill>
-                <a:latin typeface="Poppins" pitchFamily="2" charset="0"/>
-                <a:ea typeface="Poppins"/>
-                <a:cs typeface="Poppins" pitchFamily="2" charset="0"/>
-                <a:sym typeface="Poppins"/>
-              </a:rPr>
-              <a:t>2.2</a:t>
-            </a:r>
-            <a:endParaRPr lang="tr-TR" dirty="0">
-              <a:solidFill>
-                <a:srgbClr val="5C6571"/>
-              </a:solidFill>
-              <a:latin typeface="Poppins" pitchFamily="2" charset="0"/>
-              <a:ea typeface="Poppins"/>
-              <a:cs typeface="Poppins" pitchFamily="2" charset="0"/>
-              <a:sym typeface="Poppins"/>
-            </a:endParaRPr>
-          </a:p>
-          <a:p>
-            <a:pPr marL="1200150" lvl="2" indent="-285750">
-              <a:buFont typeface="Arial" panose="020B0604020202020204" pitchFamily="34" charset="0"/>
-              <a:buChar char="•"/>
-            </a:pPr>
-            <a:r>
-              <a:rPr lang="tr-TR" dirty="0">
-                <a:solidFill>
-                  <a:srgbClr val="5C6571"/>
-                </a:solidFill>
-                <a:latin typeface="Poppins" pitchFamily="2" charset="0"/>
-                <a:ea typeface="Poppins"/>
-                <a:cs typeface="Poppins" pitchFamily="2" charset="0"/>
-                <a:sym typeface="Poppins"/>
-              </a:rPr>
-              <a:t>2.2.1</a:t>
-            </a:r>
-          </a:p>
-          <a:p>
-            <a:pPr marL="1200150" lvl="2" indent="-285750">
-              <a:buFont typeface="Arial" panose="020B0604020202020204" pitchFamily="34" charset="0"/>
-              <a:buChar char="•"/>
-            </a:pPr>
-            <a:r>
-              <a:rPr lang="tr-TR" dirty="0">
-                <a:solidFill>
-                  <a:srgbClr val="5C6571"/>
-                </a:solidFill>
-                <a:latin typeface="Poppins" pitchFamily="2" charset="0"/>
-                <a:ea typeface="Poppins"/>
-                <a:cs typeface="Poppins" pitchFamily="2" charset="0"/>
-                <a:sym typeface="Poppins"/>
-              </a:rPr>
-              <a:t>2.2.2</a:t>
-            </a:r>
-            <a:endParaRPr lang="en-US" dirty="0">
-              <a:solidFill>
-                <a:srgbClr val="5C6571"/>
-              </a:solidFill>
-              <a:latin typeface="Poppins SemiBold" pitchFamily="2" charset="0"/>
-              <a:ea typeface="Poppins"/>
-              <a:cs typeface="Poppins SemiBold" pitchFamily="2" charset="0"/>
-              <a:sym typeface="Poppins"/>
-            </a:endParaRPr>
-          </a:p>
-        </p:txBody>
-      </p:sp>
-    </p:spTree>
-    <p:extLst>
-      <p:ext uri="{BB962C8B-B14F-4D97-AF65-F5344CB8AC3E}">
-        <p14:creationId xmlns:p14="http://schemas.microsoft.com/office/powerpoint/2010/main" val="3519678275"/>
-      </p:ext>
-    </p:extLst>
-  </p:cSld>
-  <p:clrMapOvr>
-    <a:masterClrMapping/>
-  </p:clrMapOvr>
-  <p:timing>
-    <p:tnLst>
-      <p:par>
-        <p:cTn id="1" dur="indefinite" restart="never" nodeType="tmRoot">
-          <p:childTnLst>
-            <p:seq concurrent="1" nextAc="seek">
-              <p:cTn id="2" dur="indefinite" nodeType="mainSeq">
-                <p:childTnLst>
-                  <p:par>
-                    <p:cTn id="3" fill="hold">
-                      <p:stCondLst>
-                        <p:cond delay="indefinite"/>
-                      </p:stCondLst>
-                      <p:childTnLst>
-                        <p:par>
-                          <p:cTn id="4" fill="hold">
-                            <p:stCondLst>
-                              <p:cond delay="0"/>
-                            </p:stCondLst>
-                            <p:childTnLst>
-                              <p:par>
-                                <p:cTn id="5" presetID="10" presetClass="entr" presetSubtype="0" fill="hold" grpId="0" nodeType="clickEffect">
-                                  <p:stCondLst>
-                                    <p:cond delay="0"/>
-                                  </p:stCondLst>
-                                  <p:childTnLst>
-                                    <p:set>
-                                      <p:cBhvr>
-                                        <p:cTn id="6" dur="1" fill="hold">
-                                          <p:stCondLst>
-                                            <p:cond delay="0"/>
-                                          </p:stCondLst>
-                                        </p:cTn>
-                                        <p:tgtEl>
-                                          <p:spTgt spid="14"/>
-                                        </p:tgtEl>
-                                        <p:attrNameLst>
-                                          <p:attrName>style.visibility</p:attrName>
-                                        </p:attrNameLst>
-                                      </p:cBhvr>
-                                      <p:to>
-                                        <p:strVal val="visible"/>
-                                      </p:to>
-                                    </p:set>
-                                    <p:animEffect transition="in" filter="fade">
-                                      <p:cBhvr>
-                                        <p:cTn id="7" dur="500"/>
-                                        <p:tgtEl>
-                                          <p:spTgt spid="14"/>
-                                        </p:tgtEl>
-                                      </p:cBhvr>
-                                    </p:animEffect>
-                                  </p:childTnLst>
-                                </p:cTn>
-                              </p:par>
-                            </p:childTnLst>
-                          </p:cTn>
-                        </p:par>
-                      </p:childTnLst>
-                    </p:cTn>
-                  </p:par>
-                </p:childTnLst>
-              </p:cTn>
-              <p:prevCondLst>
-                <p:cond evt="onPrev" delay="0">
-                  <p:tgtEl>
-                    <p:sldTgt/>
-                  </p:tgtEl>
-                </p:cond>
-              </p:prevCondLst>
-              <p:nextCondLst>
-                <p:cond evt="onNext" delay="0">
-                  <p:tgtEl>
-                    <p:sldTgt/>
-                  </p:tgtEl>
-                </p:cond>
-              </p:nextCondLst>
-            </p:seq>
-          </p:childTnLst>
-        </p:cTn>
-      </p:par>
-    </p:tnLst>
-    <p:bldLst>
-      <p:bldP spid="14" grpId="0"/>
-    </p:bldLst>
-  </p:timing>
-</p:sld>
-</file>
-
-<file path=ppt/slides/slide16.xml><?xml version="1.0" encoding="utf-8"?>
-<p:sld xmlns:a="http://schemas.openxmlformats.org/drawingml/2006/main" xmlns:r="http://schemas.openxmlformats.org/officeDocument/2006/relationships" xmlns:p="http://schemas.openxmlformats.org/presentationml/2006/main">
-  <p:cSld>
-    <p:bg>
-      <p:bgPr>
-        <a:blipFill dpi="0" rotWithShape="1">
-          <a:blip r:embed="rId2">
-            <a:lum/>
-          </a:blip>
-          <a:srcRect/>
-          <a:stretch>
-            <a:fillRect/>
-          </a:stretch>
-        </a:blipFill>
-        <a:effectLst/>
-      </p:bgPr>
-    </p:bg>
-    <p:spTree>
-      <p:nvGrpSpPr>
-        <p:cNvPr id="1" name="">
-          <a:extLst>
-            <a:ext uri="{FF2B5EF4-FFF2-40B4-BE49-F238E27FC236}">
-              <a16:creationId xmlns:a16="http://schemas.microsoft.com/office/drawing/2014/main" id="{5FBEAABC-F8FB-3AB0-8919-249C6A2ACB27}"/>
-            </a:ext>
-          </a:extLst>
-        </p:cNvPr>
-        <p:cNvGrpSpPr/>
-        <p:nvPr/>
-      </p:nvGrpSpPr>
-      <p:grpSpPr>
-        <a:xfrm>
-          <a:off x="0" y="0"/>
-          <a:ext cx="0" cy="0"/>
-          <a:chOff x="0" y="0"/>
-          <a:chExt cx="0" cy="0"/>
-        </a:xfrm>
-      </p:grpSpPr>
-      <p:sp>
-        <p:nvSpPr>
-          <p:cNvPr id="4" name="Metin kutusu 3">
-            <a:extLst>
-              <a:ext uri="{FF2B5EF4-FFF2-40B4-BE49-F238E27FC236}">
-                <a16:creationId xmlns:a16="http://schemas.microsoft.com/office/drawing/2014/main" id="{82FC5BCD-784D-7560-0513-9C2D78D49E6F}"/>
-              </a:ext>
-            </a:extLst>
-          </p:cNvPr>
-          <p:cNvSpPr txBox="1">
-            <a:spLocks/>
-          </p:cNvSpPr>
-          <p:nvPr/>
-        </p:nvSpPr>
-        <p:spPr>
-          <a:xfrm>
-            <a:off x="455849" y="407657"/>
-            <a:ext cx="11239965" cy="708763"/>
-          </a:xfrm>
-          <a:prstGeom prst="rect">
-            <a:avLst/>
-          </a:prstGeom>
-          <a:noFill/>
-        </p:spPr>
-        <p:txBody>
-          <a:bodyPr wrap="square" rtlCol="0">
-            <a:normAutofit/>
-          </a:bodyPr>
-          <a:lstStyle/>
-          <a:p>
-            <a:pPr marL="0" lvl="0" indent="0" algn="l" rtl="0">
-              <a:spcBef>
-                <a:spcPts val="0"/>
-              </a:spcBef>
-              <a:spcAft>
-                <a:spcPts val="0"/>
-              </a:spcAft>
-              <a:buNone/>
-            </a:pPr>
-            <a:r>
-              <a:rPr lang="tr-TR" sz="3600" b="1" dirty="0">
-                <a:solidFill>
-                  <a:srgbClr val="292D33"/>
-                </a:solidFill>
-                <a:latin typeface="Lexend"/>
-                <a:ea typeface="Lexend"/>
-                <a:cs typeface="Lexend"/>
-                <a:sym typeface="Lexend"/>
-              </a:rPr>
-              <a:t>TITLE</a:t>
-            </a:r>
-            <a:endParaRPr lang="tr-TR" sz="3600" dirty="0">
-              <a:solidFill>
-                <a:srgbClr val="292D33"/>
-              </a:solidFill>
-              <a:latin typeface="Lexend"/>
-              <a:ea typeface="Lexend"/>
-              <a:cs typeface="Lexend"/>
-              <a:sym typeface="Lexend"/>
-            </a:endParaRPr>
-          </a:p>
-        </p:txBody>
-      </p:sp>
-      <p:sp>
-        <p:nvSpPr>
-          <p:cNvPr id="14" name="Metin kutusu 13">
-            <a:extLst>
-              <a:ext uri="{FF2B5EF4-FFF2-40B4-BE49-F238E27FC236}">
-                <a16:creationId xmlns:a16="http://schemas.microsoft.com/office/drawing/2014/main" id="{BC7CAEA0-5C26-6B4D-E99C-9B7BC2EB3BBF}"/>
-              </a:ext>
-            </a:extLst>
-          </p:cNvPr>
-          <p:cNvSpPr txBox="1"/>
-          <p:nvPr/>
-        </p:nvSpPr>
-        <p:spPr>
-          <a:xfrm>
-            <a:off x="455846" y="1250909"/>
-            <a:ext cx="11239964" cy="4746130"/>
-          </a:xfrm>
-          <a:prstGeom prst="rect">
-            <a:avLst/>
-          </a:prstGeom>
-          <a:noFill/>
-        </p:spPr>
-        <p:txBody>
-          <a:bodyPr wrap="square" rtlCol="0">
-            <a:normAutofit/>
-          </a:bodyPr>
-          <a:lstStyle/>
-          <a:p>
-            <a:r>
-              <a:rPr lang="en-US" dirty="0">
-                <a:solidFill>
-                  <a:srgbClr val="5C6571"/>
-                </a:solidFill>
-                <a:latin typeface="Poppins" panose="00000500000000000000" pitchFamily="2" charset="-94"/>
-                <a:ea typeface="Poppins"/>
-                <a:cs typeface="Poppins" panose="00000500000000000000" pitchFamily="2" charset="-94"/>
-                <a:sym typeface="Poppins"/>
-              </a:rPr>
-              <a:t>Content</a:t>
-            </a:r>
-          </a:p>
-          <a:p>
-            <a:endParaRPr lang="en-US" dirty="0">
-              <a:solidFill>
-                <a:srgbClr val="5C6571"/>
-              </a:solidFill>
-              <a:latin typeface="Poppins" pitchFamily="2" charset="0"/>
-              <a:ea typeface="Poppins"/>
-              <a:cs typeface="Poppins" pitchFamily="2" charset="0"/>
-              <a:sym typeface="Poppins"/>
-            </a:endParaRPr>
-          </a:p>
-          <a:p>
-            <a:pPr marL="285750" indent="-285750">
-              <a:buFont typeface="Arial" panose="020B0604020202020204" pitchFamily="34" charset="0"/>
-              <a:buChar char="•"/>
-            </a:pPr>
-            <a:r>
-              <a:rPr lang="en-US" dirty="0">
-                <a:solidFill>
-                  <a:srgbClr val="5C6571"/>
-                </a:solidFill>
-                <a:latin typeface="Poppins" pitchFamily="2" charset="0"/>
-                <a:ea typeface="Poppins"/>
-                <a:cs typeface="Poppins" pitchFamily="2" charset="0"/>
-                <a:sym typeface="Poppins"/>
-              </a:rPr>
-              <a:t>1</a:t>
-            </a:r>
-          </a:p>
-          <a:p>
-            <a:pPr marL="285750" indent="-285750">
-              <a:buFont typeface="Arial" panose="020B0604020202020204" pitchFamily="34" charset="0"/>
-              <a:buChar char="•"/>
-            </a:pPr>
-            <a:r>
-              <a:rPr lang="en-US" dirty="0">
-                <a:solidFill>
-                  <a:srgbClr val="5C6571"/>
-                </a:solidFill>
-                <a:latin typeface="Poppins" pitchFamily="2" charset="0"/>
-                <a:ea typeface="Poppins"/>
-                <a:cs typeface="Poppins" pitchFamily="2" charset="0"/>
-                <a:sym typeface="Poppins"/>
-              </a:rPr>
-              <a:t>2</a:t>
-            </a:r>
-          </a:p>
-          <a:p>
-            <a:pPr marL="742950" lvl="1" indent="-285750">
-              <a:buFont typeface="Arial" panose="020B0604020202020204" pitchFamily="34" charset="0"/>
-              <a:buChar char="•"/>
-            </a:pPr>
-            <a:r>
-              <a:rPr lang="en-US" dirty="0">
-                <a:solidFill>
-                  <a:srgbClr val="5C6571"/>
-                </a:solidFill>
-                <a:latin typeface="Poppins" pitchFamily="2" charset="0"/>
-                <a:ea typeface="Poppins"/>
-                <a:cs typeface="Poppins" pitchFamily="2" charset="0"/>
-                <a:sym typeface="Poppins"/>
-              </a:rPr>
-              <a:t>2.1</a:t>
-            </a:r>
-          </a:p>
-          <a:p>
-            <a:pPr marL="742950" lvl="1" indent="-285750">
-              <a:buFont typeface="Arial" panose="020B0604020202020204" pitchFamily="34" charset="0"/>
-              <a:buChar char="•"/>
-            </a:pPr>
-            <a:r>
-              <a:rPr lang="en-US" dirty="0">
-                <a:solidFill>
-                  <a:srgbClr val="5C6571"/>
-                </a:solidFill>
-                <a:latin typeface="Poppins" pitchFamily="2" charset="0"/>
-                <a:ea typeface="Poppins"/>
-                <a:cs typeface="Poppins" pitchFamily="2" charset="0"/>
-                <a:sym typeface="Poppins"/>
-              </a:rPr>
-              <a:t>2.2</a:t>
-            </a:r>
-            <a:endParaRPr lang="tr-TR" dirty="0">
-              <a:solidFill>
-                <a:srgbClr val="5C6571"/>
-              </a:solidFill>
-              <a:latin typeface="Poppins" pitchFamily="2" charset="0"/>
-              <a:ea typeface="Poppins"/>
-              <a:cs typeface="Poppins" pitchFamily="2" charset="0"/>
-              <a:sym typeface="Poppins"/>
-            </a:endParaRPr>
-          </a:p>
-          <a:p>
-            <a:pPr marL="1200150" lvl="2" indent="-285750">
-              <a:buFont typeface="Arial" panose="020B0604020202020204" pitchFamily="34" charset="0"/>
-              <a:buChar char="•"/>
-            </a:pPr>
-            <a:r>
-              <a:rPr lang="tr-TR" dirty="0">
-                <a:solidFill>
-                  <a:srgbClr val="5C6571"/>
-                </a:solidFill>
-                <a:latin typeface="Poppins" pitchFamily="2" charset="0"/>
-                <a:ea typeface="Poppins"/>
-                <a:cs typeface="Poppins" pitchFamily="2" charset="0"/>
-                <a:sym typeface="Poppins"/>
-              </a:rPr>
-              <a:t>2.2.1</a:t>
-            </a:r>
-          </a:p>
-          <a:p>
-            <a:pPr marL="1200150" lvl="2" indent="-285750">
-              <a:buFont typeface="Arial" panose="020B0604020202020204" pitchFamily="34" charset="0"/>
-              <a:buChar char="•"/>
-            </a:pPr>
-            <a:r>
-              <a:rPr lang="tr-TR" dirty="0">
-                <a:solidFill>
-                  <a:srgbClr val="5C6571"/>
-                </a:solidFill>
-                <a:latin typeface="Poppins" pitchFamily="2" charset="0"/>
-                <a:ea typeface="Poppins"/>
-                <a:cs typeface="Poppins" pitchFamily="2" charset="0"/>
-                <a:sym typeface="Poppins"/>
-              </a:rPr>
-              <a:t>2.2.2</a:t>
-            </a:r>
-            <a:endParaRPr lang="en-US" dirty="0">
-              <a:solidFill>
-                <a:srgbClr val="5C6571"/>
-              </a:solidFill>
-              <a:latin typeface="Poppins SemiBold" pitchFamily="2" charset="0"/>
-              <a:ea typeface="Poppins"/>
-              <a:cs typeface="Poppins SemiBold" pitchFamily="2" charset="0"/>
-              <a:sym typeface="Poppins"/>
-            </a:endParaRPr>
-          </a:p>
-        </p:txBody>
-      </p:sp>
-    </p:spTree>
-    <p:extLst>
-      <p:ext uri="{BB962C8B-B14F-4D97-AF65-F5344CB8AC3E}">
-        <p14:creationId xmlns:p14="http://schemas.microsoft.com/office/powerpoint/2010/main" val="2400128757"/>
-      </p:ext>
-    </p:extLst>
-  </p:cSld>
-  <p:clrMapOvr>
-    <a:masterClrMapping/>
-  </p:clrMapOvr>
-  <p:timing>
-    <p:tnLst>
-      <p:par>
-        <p:cTn id="1" dur="indefinite" restart="never" nodeType="tmRoot">
-          <p:childTnLst>
-            <p:seq concurrent="1" nextAc="seek">
-              <p:cTn id="2" dur="indefinite" nodeType="mainSeq">
-                <p:childTnLst>
-                  <p:par>
-                    <p:cTn id="3" fill="hold">
-                      <p:stCondLst>
-                        <p:cond delay="indefinite"/>
-                      </p:stCondLst>
-                      <p:childTnLst>
-                        <p:par>
-                          <p:cTn id="4" fill="hold">
-                            <p:stCondLst>
-                              <p:cond delay="0"/>
-                            </p:stCondLst>
-                            <p:childTnLst>
-                              <p:par>
-                                <p:cTn id="5" presetID="10" presetClass="entr" presetSubtype="0" fill="hold" grpId="0" nodeType="clickEffect">
-                                  <p:stCondLst>
-                                    <p:cond delay="0"/>
-                                  </p:stCondLst>
-                                  <p:childTnLst>
-                                    <p:set>
-                                      <p:cBhvr>
-                                        <p:cTn id="6" dur="1" fill="hold">
-                                          <p:stCondLst>
-                                            <p:cond delay="0"/>
-                                          </p:stCondLst>
-                                        </p:cTn>
-                                        <p:tgtEl>
-                                          <p:spTgt spid="14"/>
-                                        </p:tgtEl>
-                                        <p:attrNameLst>
-                                          <p:attrName>style.visibility</p:attrName>
-                                        </p:attrNameLst>
-                                      </p:cBhvr>
-                                      <p:to>
-                                        <p:strVal val="visible"/>
-                                      </p:to>
-                                    </p:set>
-                                    <p:animEffect transition="in" filter="fade">
-                                      <p:cBhvr>
-                                        <p:cTn id="7" dur="500"/>
-                                        <p:tgtEl>
-                                          <p:spTgt spid="14"/>
-                                        </p:tgtEl>
-                                      </p:cBhvr>
-                                    </p:animEffect>
-                                  </p:childTnLst>
-                                </p:cTn>
-                              </p:par>
-                            </p:childTnLst>
-                          </p:cTn>
-                        </p:par>
-                      </p:childTnLst>
-                    </p:cTn>
-                  </p:par>
-                </p:childTnLst>
-              </p:cTn>
-              <p:prevCondLst>
-                <p:cond evt="onPrev" delay="0">
-                  <p:tgtEl>
-                    <p:sldTgt/>
-                  </p:tgtEl>
-                </p:cond>
-              </p:prevCondLst>
-              <p:nextCondLst>
-                <p:cond evt="onNext" delay="0">
-                  <p:tgtEl>
-                    <p:sldTgt/>
-                  </p:tgtEl>
-                </p:cond>
-              </p:nextCondLst>
-            </p:seq>
-          </p:childTnLst>
-        </p:cTn>
-      </p:par>
-    </p:tnLst>
-    <p:bldLst>
-      <p:bldP spid="14" grpId="0"/>
-    </p:bldLst>
-  </p:timing>
-</p:sld>
-</file>
-
-<file path=ppt/slides/slide17.xml><?xml version="1.0" encoding="utf-8"?>
-<p:sld xmlns:a="http://schemas.openxmlformats.org/drawingml/2006/main" xmlns:r="http://schemas.openxmlformats.org/officeDocument/2006/relationships" xmlns:p="http://schemas.openxmlformats.org/presentationml/2006/main">
-  <p:cSld>
-    <p:bg>
-      <p:bgPr>
-        <a:blipFill dpi="0" rotWithShape="1">
-          <a:blip r:embed="rId2">
-            <a:lum/>
-          </a:blip>
-          <a:srcRect/>
-          <a:stretch>
-            <a:fillRect/>
-          </a:stretch>
-        </a:blipFill>
-        <a:effectLst/>
-      </p:bgPr>
-    </p:bg>
-    <p:spTree>
-      <p:nvGrpSpPr>
-        <p:cNvPr id="1" name="">
-          <a:extLst>
-            <a:ext uri="{FF2B5EF4-FFF2-40B4-BE49-F238E27FC236}">
-              <a16:creationId xmlns:a16="http://schemas.microsoft.com/office/drawing/2014/main" id="{7973F7B9-D4D1-C630-231C-ECB8392DE8FC}"/>
-            </a:ext>
-          </a:extLst>
-        </p:cNvPr>
-        <p:cNvGrpSpPr/>
-        <p:nvPr/>
-      </p:nvGrpSpPr>
-      <p:grpSpPr>
-        <a:xfrm>
-          <a:off x="0" y="0"/>
-          <a:ext cx="0" cy="0"/>
-          <a:chOff x="0" y="0"/>
-          <a:chExt cx="0" cy="0"/>
-        </a:xfrm>
-      </p:grpSpPr>
-      <p:sp>
-        <p:nvSpPr>
-          <p:cNvPr id="4" name="Metin kutusu 3">
-            <a:extLst>
-              <a:ext uri="{FF2B5EF4-FFF2-40B4-BE49-F238E27FC236}">
-                <a16:creationId xmlns:a16="http://schemas.microsoft.com/office/drawing/2014/main" id="{D2682910-15CD-4C3F-E52C-07E09EAB9583}"/>
-              </a:ext>
-            </a:extLst>
-          </p:cNvPr>
-          <p:cNvSpPr txBox="1">
-            <a:spLocks/>
-          </p:cNvSpPr>
-          <p:nvPr/>
-        </p:nvSpPr>
-        <p:spPr>
-          <a:xfrm>
-            <a:off x="455849" y="407657"/>
-            <a:ext cx="11239965" cy="708763"/>
-          </a:xfrm>
-          <a:prstGeom prst="rect">
-            <a:avLst/>
-          </a:prstGeom>
-          <a:noFill/>
-        </p:spPr>
-        <p:txBody>
-          <a:bodyPr wrap="square" rtlCol="0">
-            <a:normAutofit/>
-          </a:bodyPr>
-          <a:lstStyle/>
-          <a:p>
-            <a:pPr marL="0" lvl="0" indent="0" algn="l" rtl="0">
-              <a:spcBef>
-                <a:spcPts val="0"/>
-              </a:spcBef>
-              <a:spcAft>
-                <a:spcPts val="0"/>
-              </a:spcAft>
-              <a:buNone/>
-            </a:pPr>
-            <a:r>
-              <a:rPr lang="tr-TR" sz="3600" b="1" dirty="0">
-                <a:solidFill>
-                  <a:srgbClr val="292D33"/>
-                </a:solidFill>
-                <a:latin typeface="Lexend"/>
-                <a:ea typeface="Lexend"/>
-                <a:cs typeface="Lexend"/>
-                <a:sym typeface="Lexend"/>
-              </a:rPr>
-              <a:t>TITLE</a:t>
-            </a:r>
-            <a:endParaRPr lang="tr-TR" sz="3600" dirty="0">
-              <a:solidFill>
-                <a:srgbClr val="292D33"/>
-              </a:solidFill>
-              <a:latin typeface="Lexend"/>
-              <a:ea typeface="Lexend"/>
-              <a:cs typeface="Lexend"/>
-              <a:sym typeface="Lexend"/>
-            </a:endParaRPr>
-          </a:p>
-        </p:txBody>
-      </p:sp>
-      <p:sp>
-        <p:nvSpPr>
-          <p:cNvPr id="14" name="Metin kutusu 13">
-            <a:extLst>
-              <a:ext uri="{FF2B5EF4-FFF2-40B4-BE49-F238E27FC236}">
-                <a16:creationId xmlns:a16="http://schemas.microsoft.com/office/drawing/2014/main" id="{6D0222EE-0C47-2054-937B-56E0E7748F71}"/>
-              </a:ext>
-            </a:extLst>
-          </p:cNvPr>
-          <p:cNvSpPr txBox="1"/>
-          <p:nvPr/>
-        </p:nvSpPr>
-        <p:spPr>
-          <a:xfrm>
-            <a:off x="455846" y="1250909"/>
-            <a:ext cx="11239964" cy="4746130"/>
-          </a:xfrm>
-          <a:prstGeom prst="rect">
-            <a:avLst/>
-          </a:prstGeom>
-          <a:noFill/>
-        </p:spPr>
-        <p:txBody>
-          <a:bodyPr wrap="square" rtlCol="0">
-            <a:normAutofit/>
-          </a:bodyPr>
-          <a:lstStyle/>
-          <a:p>
-            <a:r>
-              <a:rPr lang="en-US" dirty="0">
-                <a:solidFill>
-                  <a:srgbClr val="5C6571"/>
-                </a:solidFill>
-                <a:latin typeface="Poppins" panose="00000500000000000000" pitchFamily="2" charset="-94"/>
-                <a:ea typeface="Poppins"/>
-                <a:cs typeface="Poppins" panose="00000500000000000000" pitchFamily="2" charset="-94"/>
-                <a:sym typeface="Poppins"/>
-              </a:rPr>
-              <a:t>Content</a:t>
-            </a:r>
-          </a:p>
-          <a:p>
-            <a:endParaRPr lang="en-US" dirty="0">
-              <a:solidFill>
-                <a:srgbClr val="5C6571"/>
-              </a:solidFill>
-              <a:latin typeface="Poppins" pitchFamily="2" charset="0"/>
-              <a:ea typeface="Poppins"/>
-              <a:cs typeface="Poppins" pitchFamily="2" charset="0"/>
-              <a:sym typeface="Poppins"/>
-            </a:endParaRPr>
-          </a:p>
-          <a:p>
-            <a:pPr marL="285750" indent="-285750">
-              <a:buFont typeface="Arial" panose="020B0604020202020204" pitchFamily="34" charset="0"/>
-              <a:buChar char="•"/>
-            </a:pPr>
-            <a:r>
-              <a:rPr lang="en-US" dirty="0">
-                <a:solidFill>
-                  <a:srgbClr val="5C6571"/>
-                </a:solidFill>
-                <a:latin typeface="Poppins" pitchFamily="2" charset="0"/>
-                <a:ea typeface="Poppins"/>
-                <a:cs typeface="Poppins" pitchFamily="2" charset="0"/>
-                <a:sym typeface="Poppins"/>
-              </a:rPr>
-              <a:t>1</a:t>
-            </a:r>
-          </a:p>
-          <a:p>
-            <a:pPr marL="285750" indent="-285750">
-              <a:buFont typeface="Arial" panose="020B0604020202020204" pitchFamily="34" charset="0"/>
-              <a:buChar char="•"/>
-            </a:pPr>
-            <a:r>
-              <a:rPr lang="en-US" dirty="0">
-                <a:solidFill>
-                  <a:srgbClr val="5C6571"/>
-                </a:solidFill>
-                <a:latin typeface="Poppins" pitchFamily="2" charset="0"/>
-                <a:ea typeface="Poppins"/>
-                <a:cs typeface="Poppins" pitchFamily="2" charset="0"/>
-                <a:sym typeface="Poppins"/>
-              </a:rPr>
-              <a:t>2</a:t>
-            </a:r>
-          </a:p>
-          <a:p>
-            <a:pPr marL="742950" lvl="1" indent="-285750">
-              <a:buFont typeface="Arial" panose="020B0604020202020204" pitchFamily="34" charset="0"/>
-              <a:buChar char="•"/>
-            </a:pPr>
-            <a:r>
-              <a:rPr lang="en-US" dirty="0">
-                <a:solidFill>
-                  <a:srgbClr val="5C6571"/>
-                </a:solidFill>
-                <a:latin typeface="Poppins" pitchFamily="2" charset="0"/>
-                <a:ea typeface="Poppins"/>
-                <a:cs typeface="Poppins" pitchFamily="2" charset="0"/>
-                <a:sym typeface="Poppins"/>
-              </a:rPr>
-              <a:t>2.1</a:t>
-            </a:r>
-          </a:p>
-          <a:p>
-            <a:pPr marL="742950" lvl="1" indent="-285750">
-              <a:buFont typeface="Arial" panose="020B0604020202020204" pitchFamily="34" charset="0"/>
-              <a:buChar char="•"/>
-            </a:pPr>
-            <a:r>
-              <a:rPr lang="en-US" dirty="0">
-                <a:solidFill>
-                  <a:srgbClr val="5C6571"/>
-                </a:solidFill>
-                <a:latin typeface="Poppins" pitchFamily="2" charset="0"/>
-                <a:ea typeface="Poppins"/>
-                <a:cs typeface="Poppins" pitchFamily="2" charset="0"/>
-                <a:sym typeface="Poppins"/>
-              </a:rPr>
-              <a:t>2.2</a:t>
-            </a:r>
-            <a:endParaRPr lang="tr-TR" dirty="0">
-              <a:solidFill>
-                <a:srgbClr val="5C6571"/>
-              </a:solidFill>
-              <a:latin typeface="Poppins" pitchFamily="2" charset="0"/>
-              <a:ea typeface="Poppins"/>
-              <a:cs typeface="Poppins" pitchFamily="2" charset="0"/>
-              <a:sym typeface="Poppins"/>
-            </a:endParaRPr>
-          </a:p>
-          <a:p>
-            <a:pPr marL="1200150" lvl="2" indent="-285750">
-              <a:buFont typeface="Arial" panose="020B0604020202020204" pitchFamily="34" charset="0"/>
-              <a:buChar char="•"/>
-            </a:pPr>
-            <a:r>
-              <a:rPr lang="tr-TR" dirty="0">
-                <a:solidFill>
-                  <a:srgbClr val="5C6571"/>
-                </a:solidFill>
-                <a:latin typeface="Poppins" pitchFamily="2" charset="0"/>
-                <a:ea typeface="Poppins"/>
-                <a:cs typeface="Poppins" pitchFamily="2" charset="0"/>
-                <a:sym typeface="Poppins"/>
-              </a:rPr>
-              <a:t>2.2.1</a:t>
-            </a:r>
-          </a:p>
-          <a:p>
-            <a:pPr marL="1200150" lvl="2" indent="-285750">
-              <a:buFont typeface="Arial" panose="020B0604020202020204" pitchFamily="34" charset="0"/>
-              <a:buChar char="•"/>
-            </a:pPr>
-            <a:r>
-              <a:rPr lang="tr-TR" dirty="0">
-                <a:solidFill>
-                  <a:srgbClr val="5C6571"/>
-                </a:solidFill>
-                <a:latin typeface="Poppins" pitchFamily="2" charset="0"/>
-                <a:ea typeface="Poppins"/>
-                <a:cs typeface="Poppins" pitchFamily="2" charset="0"/>
-                <a:sym typeface="Poppins"/>
-              </a:rPr>
-              <a:t>2.2.2</a:t>
-            </a:r>
-            <a:endParaRPr lang="en-US" dirty="0">
-              <a:solidFill>
-                <a:srgbClr val="5C6571"/>
-              </a:solidFill>
-              <a:latin typeface="Poppins SemiBold" pitchFamily="2" charset="0"/>
-              <a:ea typeface="Poppins"/>
-              <a:cs typeface="Poppins SemiBold" pitchFamily="2" charset="0"/>
-              <a:sym typeface="Poppins"/>
-            </a:endParaRPr>
-          </a:p>
-        </p:txBody>
-      </p:sp>
-    </p:spTree>
-    <p:extLst>
-      <p:ext uri="{BB962C8B-B14F-4D97-AF65-F5344CB8AC3E}">
-        <p14:creationId xmlns:p14="http://schemas.microsoft.com/office/powerpoint/2010/main" val="3822544626"/>
-      </p:ext>
-    </p:extLst>
-  </p:cSld>
-  <p:clrMapOvr>
-    <a:masterClrMapping/>
-  </p:clrMapOvr>
-  <p:timing>
-    <p:tnLst>
-      <p:par>
-        <p:cTn id="1" dur="indefinite" restart="never" nodeType="tmRoot">
-          <p:childTnLst>
-            <p:seq concurrent="1" nextAc="seek">
-              <p:cTn id="2" dur="indefinite" nodeType="mainSeq">
-                <p:childTnLst>
-                  <p:par>
-                    <p:cTn id="3" fill="hold">
-                      <p:stCondLst>
-                        <p:cond delay="indefinite"/>
-                      </p:stCondLst>
-                      <p:childTnLst>
-                        <p:par>
-                          <p:cTn id="4" fill="hold">
-                            <p:stCondLst>
-                              <p:cond delay="0"/>
-                            </p:stCondLst>
-                            <p:childTnLst>
-                              <p:par>
-                                <p:cTn id="5" presetID="10" presetClass="entr" presetSubtype="0" fill="hold" grpId="0" nodeType="clickEffect">
-                                  <p:stCondLst>
-                                    <p:cond delay="0"/>
-                                  </p:stCondLst>
-                                  <p:childTnLst>
-                                    <p:set>
-                                      <p:cBhvr>
-                                        <p:cTn id="6" dur="1" fill="hold">
-                                          <p:stCondLst>
-                                            <p:cond delay="0"/>
-                                          </p:stCondLst>
-                                        </p:cTn>
-                                        <p:tgtEl>
-                                          <p:spTgt spid="14"/>
-                                        </p:tgtEl>
-                                        <p:attrNameLst>
-                                          <p:attrName>style.visibility</p:attrName>
-                                        </p:attrNameLst>
-                                      </p:cBhvr>
-                                      <p:to>
-                                        <p:strVal val="visible"/>
-                                      </p:to>
-                                    </p:set>
-                                    <p:animEffect transition="in" filter="fade">
-                                      <p:cBhvr>
-                                        <p:cTn id="7" dur="500"/>
-                                        <p:tgtEl>
-                                          <p:spTgt spid="14"/>
-                                        </p:tgtEl>
-                                      </p:cBhvr>
-                                    </p:animEffect>
-                                  </p:childTnLst>
-                                </p:cTn>
-                              </p:par>
-                            </p:childTnLst>
-                          </p:cTn>
-                        </p:par>
-                      </p:childTnLst>
-                    </p:cTn>
-                  </p:par>
-                </p:childTnLst>
-              </p:cTn>
-              <p:prevCondLst>
-                <p:cond evt="onPrev" delay="0">
-                  <p:tgtEl>
-                    <p:sldTgt/>
-                  </p:tgtEl>
-                </p:cond>
-              </p:prevCondLst>
-              <p:nextCondLst>
-                <p:cond evt="onNext" delay="0">
-                  <p:tgtEl>
-                    <p:sldTgt/>
-                  </p:tgtEl>
-                </p:cond>
-              </p:nextCondLst>
-            </p:seq>
-          </p:childTnLst>
-        </p:cTn>
-      </p:par>
-    </p:tnLst>
-    <p:bldLst>
-      <p:bldP spid="14" grpId="0"/>
-    </p:bldLst>
-  </p:timing>
-</p:sld>
-</file>
-
-<file path=ppt/slides/slide18.xml><?xml version="1.0" encoding="utf-8"?>
-<p:sld xmlns:a="http://schemas.openxmlformats.org/drawingml/2006/main" xmlns:r="http://schemas.openxmlformats.org/officeDocument/2006/relationships" xmlns:p="http://schemas.openxmlformats.org/presentationml/2006/main">
-  <p:cSld>
-    <p:bg>
-      <p:bgPr>
-        <a:blipFill dpi="0" rotWithShape="1">
-          <a:blip r:embed="rId2">
-            <a:lum/>
-          </a:blip>
-          <a:srcRect/>
-          <a:stretch>
-            <a:fillRect/>
-          </a:stretch>
-        </a:blipFill>
-        <a:effectLst/>
-      </p:bgPr>
-    </p:bg>
-    <p:spTree>
-      <p:nvGrpSpPr>
-        <p:cNvPr id="1" name="">
-          <a:extLst>
-            <a:ext uri="{FF2B5EF4-FFF2-40B4-BE49-F238E27FC236}">
-              <a16:creationId xmlns:a16="http://schemas.microsoft.com/office/drawing/2014/main" id="{86F69D71-8E6D-28AB-FE27-84E39574C8CB}"/>
-            </a:ext>
-          </a:extLst>
-        </p:cNvPr>
-        <p:cNvGrpSpPr/>
-        <p:nvPr/>
-      </p:nvGrpSpPr>
-      <p:grpSpPr>
-        <a:xfrm>
-          <a:off x="0" y="0"/>
-          <a:ext cx="0" cy="0"/>
-          <a:chOff x="0" y="0"/>
-          <a:chExt cx="0" cy="0"/>
-        </a:xfrm>
-      </p:grpSpPr>
-      <p:sp>
-        <p:nvSpPr>
-          <p:cNvPr id="4" name="Metin kutusu 3">
-            <a:extLst>
-              <a:ext uri="{FF2B5EF4-FFF2-40B4-BE49-F238E27FC236}">
-                <a16:creationId xmlns:a16="http://schemas.microsoft.com/office/drawing/2014/main" id="{A7AC40EC-852D-55F4-31E6-868162D05F2E}"/>
-              </a:ext>
-            </a:extLst>
-          </p:cNvPr>
-          <p:cNvSpPr txBox="1">
-            <a:spLocks/>
-          </p:cNvSpPr>
-          <p:nvPr/>
-        </p:nvSpPr>
-        <p:spPr>
-          <a:xfrm>
-            <a:off x="455849" y="407657"/>
-            <a:ext cx="11239965" cy="708763"/>
-          </a:xfrm>
-          <a:prstGeom prst="rect">
-            <a:avLst/>
-          </a:prstGeom>
-          <a:noFill/>
-        </p:spPr>
-        <p:txBody>
-          <a:bodyPr wrap="square" rtlCol="0">
-            <a:normAutofit/>
-          </a:bodyPr>
-          <a:lstStyle/>
-          <a:p>
-            <a:pPr marL="0" lvl="0" indent="0" algn="l" rtl="0">
-              <a:spcBef>
-                <a:spcPts val="0"/>
-              </a:spcBef>
-              <a:spcAft>
-                <a:spcPts val="0"/>
-              </a:spcAft>
-              <a:buNone/>
-            </a:pPr>
-            <a:r>
-              <a:rPr lang="tr-TR" sz="3600" b="1" dirty="0">
-                <a:solidFill>
-                  <a:srgbClr val="292D33"/>
-                </a:solidFill>
-                <a:latin typeface="Lexend"/>
-                <a:ea typeface="Lexend"/>
-                <a:cs typeface="Lexend"/>
-                <a:sym typeface="Lexend"/>
-              </a:rPr>
-              <a:t>TITLE</a:t>
-            </a:r>
-            <a:endParaRPr lang="tr-TR" sz="3600" dirty="0">
-              <a:solidFill>
-                <a:srgbClr val="292D33"/>
-              </a:solidFill>
-              <a:latin typeface="Lexend"/>
-              <a:ea typeface="Lexend"/>
-              <a:cs typeface="Lexend"/>
-              <a:sym typeface="Lexend"/>
-            </a:endParaRPr>
-          </a:p>
-        </p:txBody>
-      </p:sp>
-      <p:sp>
-        <p:nvSpPr>
-          <p:cNvPr id="14" name="Metin kutusu 13">
-            <a:extLst>
-              <a:ext uri="{FF2B5EF4-FFF2-40B4-BE49-F238E27FC236}">
-                <a16:creationId xmlns:a16="http://schemas.microsoft.com/office/drawing/2014/main" id="{2D4794E0-10B5-13D1-8FA1-1257DA0C3F77}"/>
-              </a:ext>
-            </a:extLst>
-          </p:cNvPr>
-          <p:cNvSpPr txBox="1"/>
-          <p:nvPr/>
-        </p:nvSpPr>
-        <p:spPr>
-          <a:xfrm>
-            <a:off x="455846" y="1250909"/>
-            <a:ext cx="11239964" cy="4746130"/>
-          </a:xfrm>
-          <a:prstGeom prst="rect">
-            <a:avLst/>
-          </a:prstGeom>
-          <a:noFill/>
-        </p:spPr>
-        <p:txBody>
-          <a:bodyPr wrap="square" rtlCol="0">
-            <a:normAutofit/>
-          </a:bodyPr>
-          <a:lstStyle/>
-          <a:p>
-            <a:r>
-              <a:rPr lang="en-US" dirty="0">
-                <a:solidFill>
-                  <a:srgbClr val="5C6571"/>
-                </a:solidFill>
-                <a:latin typeface="Poppins" panose="00000500000000000000" pitchFamily="2" charset="-94"/>
-                <a:ea typeface="Poppins"/>
-                <a:cs typeface="Poppins" panose="00000500000000000000" pitchFamily="2" charset="-94"/>
-                <a:sym typeface="Poppins"/>
-              </a:rPr>
-              <a:t>Content</a:t>
-            </a:r>
-          </a:p>
-          <a:p>
-            <a:endParaRPr lang="en-US" dirty="0">
-              <a:solidFill>
-                <a:srgbClr val="5C6571"/>
-              </a:solidFill>
-              <a:latin typeface="Poppins" pitchFamily="2" charset="0"/>
-              <a:ea typeface="Poppins"/>
-              <a:cs typeface="Poppins" pitchFamily="2" charset="0"/>
-              <a:sym typeface="Poppins"/>
-            </a:endParaRPr>
-          </a:p>
-          <a:p>
-            <a:pPr marL="285750" indent="-285750">
-              <a:buFont typeface="Arial" panose="020B0604020202020204" pitchFamily="34" charset="0"/>
-              <a:buChar char="•"/>
-            </a:pPr>
-            <a:r>
-              <a:rPr lang="en-US" dirty="0">
-                <a:solidFill>
-                  <a:srgbClr val="5C6571"/>
-                </a:solidFill>
-                <a:latin typeface="Poppins" pitchFamily="2" charset="0"/>
-                <a:ea typeface="Poppins"/>
-                <a:cs typeface="Poppins" pitchFamily="2" charset="0"/>
-                <a:sym typeface="Poppins"/>
-              </a:rPr>
-              <a:t>1</a:t>
-            </a:r>
-          </a:p>
-          <a:p>
-            <a:pPr marL="285750" indent="-285750">
-              <a:buFont typeface="Arial" panose="020B0604020202020204" pitchFamily="34" charset="0"/>
-              <a:buChar char="•"/>
-            </a:pPr>
-            <a:r>
-              <a:rPr lang="en-US" dirty="0">
-                <a:solidFill>
-                  <a:srgbClr val="5C6571"/>
-                </a:solidFill>
-                <a:latin typeface="Poppins" pitchFamily="2" charset="0"/>
-                <a:ea typeface="Poppins"/>
-                <a:cs typeface="Poppins" pitchFamily="2" charset="0"/>
-                <a:sym typeface="Poppins"/>
-              </a:rPr>
-              <a:t>2</a:t>
-            </a:r>
-          </a:p>
-          <a:p>
-            <a:pPr marL="742950" lvl="1" indent="-285750">
-              <a:buFont typeface="Arial" panose="020B0604020202020204" pitchFamily="34" charset="0"/>
-              <a:buChar char="•"/>
-            </a:pPr>
-            <a:r>
-              <a:rPr lang="en-US" dirty="0">
-                <a:solidFill>
-                  <a:srgbClr val="5C6571"/>
-                </a:solidFill>
-                <a:latin typeface="Poppins" pitchFamily="2" charset="0"/>
-                <a:ea typeface="Poppins"/>
-                <a:cs typeface="Poppins" pitchFamily="2" charset="0"/>
-                <a:sym typeface="Poppins"/>
-              </a:rPr>
-              <a:t>2.1</a:t>
-            </a:r>
-          </a:p>
-          <a:p>
-            <a:pPr marL="742950" lvl="1" indent="-285750">
-              <a:buFont typeface="Arial" panose="020B0604020202020204" pitchFamily="34" charset="0"/>
-              <a:buChar char="•"/>
-            </a:pPr>
-            <a:r>
-              <a:rPr lang="en-US" dirty="0">
-                <a:solidFill>
-                  <a:srgbClr val="5C6571"/>
-                </a:solidFill>
-                <a:latin typeface="Poppins" pitchFamily="2" charset="0"/>
-                <a:ea typeface="Poppins"/>
-                <a:cs typeface="Poppins" pitchFamily="2" charset="0"/>
-                <a:sym typeface="Poppins"/>
-              </a:rPr>
-              <a:t>2.2</a:t>
-            </a:r>
-            <a:endParaRPr lang="tr-TR" dirty="0">
-              <a:solidFill>
-                <a:srgbClr val="5C6571"/>
-              </a:solidFill>
-              <a:latin typeface="Poppins" pitchFamily="2" charset="0"/>
-              <a:ea typeface="Poppins"/>
-              <a:cs typeface="Poppins" pitchFamily="2" charset="0"/>
-              <a:sym typeface="Poppins"/>
-            </a:endParaRPr>
-          </a:p>
-          <a:p>
-            <a:pPr marL="1200150" lvl="2" indent="-285750">
-              <a:buFont typeface="Arial" panose="020B0604020202020204" pitchFamily="34" charset="0"/>
-              <a:buChar char="•"/>
-            </a:pPr>
-            <a:r>
-              <a:rPr lang="tr-TR" dirty="0">
-                <a:solidFill>
-                  <a:srgbClr val="5C6571"/>
-                </a:solidFill>
-                <a:latin typeface="Poppins" pitchFamily="2" charset="0"/>
-                <a:ea typeface="Poppins"/>
-                <a:cs typeface="Poppins" pitchFamily="2" charset="0"/>
-                <a:sym typeface="Poppins"/>
-              </a:rPr>
-              <a:t>2.2.1</a:t>
-            </a:r>
-          </a:p>
-          <a:p>
-            <a:pPr marL="1200150" lvl="2" indent="-285750">
-              <a:buFont typeface="Arial" panose="020B0604020202020204" pitchFamily="34" charset="0"/>
-              <a:buChar char="•"/>
-            </a:pPr>
-            <a:r>
-              <a:rPr lang="tr-TR" dirty="0">
-                <a:solidFill>
-                  <a:srgbClr val="5C6571"/>
-                </a:solidFill>
-                <a:latin typeface="Poppins" pitchFamily="2" charset="0"/>
-                <a:ea typeface="Poppins"/>
-                <a:cs typeface="Poppins" pitchFamily="2" charset="0"/>
-                <a:sym typeface="Poppins"/>
-              </a:rPr>
-              <a:t>2.2.2</a:t>
-            </a:r>
-            <a:endParaRPr lang="en-US" dirty="0">
-              <a:solidFill>
-                <a:srgbClr val="5C6571"/>
-              </a:solidFill>
-              <a:latin typeface="Poppins SemiBold" pitchFamily="2" charset="0"/>
-              <a:ea typeface="Poppins"/>
-              <a:cs typeface="Poppins SemiBold" pitchFamily="2" charset="0"/>
-              <a:sym typeface="Poppins"/>
-            </a:endParaRPr>
-          </a:p>
-        </p:txBody>
-      </p:sp>
-    </p:spTree>
-    <p:extLst>
-      <p:ext uri="{BB962C8B-B14F-4D97-AF65-F5344CB8AC3E}">
-        <p14:creationId xmlns:p14="http://schemas.microsoft.com/office/powerpoint/2010/main" val="2494632928"/>
       </p:ext>
     </p:extLst>
   </p:cSld>

--- a/2025-01-09 ABP Community Talks 2025.1/Which Architecture.pptx
+++ b/2025-01-09 ABP Community Talks 2025.1/Which Architecture.pptx
@@ -20,8 +20,8 @@
     <p:sldId id="299" r:id="rId11"/>
     <p:sldId id="303" r:id="rId12"/>
     <p:sldId id="305" r:id="rId13"/>
-    <p:sldId id="293" r:id="rId14"/>
-    <p:sldId id="306" r:id="rId15"/>
+    <p:sldId id="306" r:id="rId14"/>
+    <p:sldId id="293" r:id="rId15"/>
   </p:sldIdLst>
   <p:sldSz cx="12192000" cy="6858000"/>
   <p:notesSz cx="6858000" cy="9144000"/>
@@ -7331,6 +7331,288 @@
         <p:cNvPr id="1" name="">
           <a:extLst>
             <a:ext uri="{FF2B5EF4-FFF2-40B4-BE49-F238E27FC236}">
+              <a16:creationId xmlns:a16="http://schemas.microsoft.com/office/drawing/2014/main" id="{C8E3D5E0-962E-4487-543F-7C5E722EF061}"/>
+            </a:ext>
+          </a:extLst>
+        </p:cNvPr>
+        <p:cNvGrpSpPr/>
+        <p:nvPr/>
+      </p:nvGrpSpPr>
+      <p:grpSpPr>
+        <a:xfrm>
+          <a:off x="0" y="0"/>
+          <a:ext cx="0" cy="0"/>
+          <a:chOff x="0" y="0"/>
+          <a:chExt cx="0" cy="0"/>
+        </a:xfrm>
+      </p:grpSpPr>
+      <p:sp>
+        <p:nvSpPr>
+          <p:cNvPr id="4" name="Metin kutusu 3">
+            <a:extLst>
+              <a:ext uri="{FF2B5EF4-FFF2-40B4-BE49-F238E27FC236}">
+                <a16:creationId xmlns:a16="http://schemas.microsoft.com/office/drawing/2014/main" id="{62C6074E-2065-4553-D3F8-9C9AD2320F4D}"/>
+              </a:ext>
+            </a:extLst>
+          </p:cNvPr>
+          <p:cNvSpPr txBox="1">
+            <a:spLocks/>
+          </p:cNvSpPr>
+          <p:nvPr/>
+        </p:nvSpPr>
+        <p:spPr>
+          <a:xfrm>
+            <a:off x="455849" y="407657"/>
+            <a:ext cx="11239965" cy="708763"/>
+          </a:xfrm>
+          <a:prstGeom prst="rect">
+            <a:avLst/>
+          </a:prstGeom>
+          <a:noFill/>
+        </p:spPr>
+        <p:txBody>
+          <a:bodyPr wrap="square" rtlCol="0">
+            <a:normAutofit/>
+          </a:bodyPr>
+          <a:lstStyle/>
+          <a:p>
+            <a:pPr marL="0" lvl="0" indent="0" algn="l" rtl="0">
+              <a:spcBef>
+                <a:spcPts val="0"/>
+              </a:spcBef>
+              <a:spcAft>
+                <a:spcPts val="0"/>
+              </a:spcAft>
+              <a:buNone/>
+            </a:pPr>
+            <a:r>
+              <a:rPr lang="tr-TR" sz="3600" b="1" dirty="0">
+                <a:solidFill>
+                  <a:srgbClr val="292D33"/>
+                </a:solidFill>
+                <a:latin typeface="Lexend"/>
+                <a:ea typeface="Lexend"/>
+                <a:cs typeface="Lexend"/>
+                <a:sym typeface="Lexend"/>
+              </a:rPr>
+              <a:t>MONOLITH FIRST -&gt; MICROSERVICE</a:t>
+            </a:r>
+            <a:endParaRPr lang="tr-TR" sz="3600" dirty="0">
+              <a:solidFill>
+                <a:srgbClr val="292D33"/>
+              </a:solidFill>
+              <a:latin typeface="Lexend"/>
+              <a:ea typeface="Lexend"/>
+              <a:cs typeface="Lexend"/>
+              <a:sym typeface="Lexend"/>
+            </a:endParaRPr>
+          </a:p>
+        </p:txBody>
+      </p:sp>
+      <p:pic>
+        <p:nvPicPr>
+          <p:cNvPr id="3" name="Picture 2">
+            <a:extLst>
+              <a:ext uri="{FF2B5EF4-FFF2-40B4-BE49-F238E27FC236}">
+                <a16:creationId xmlns:a16="http://schemas.microsoft.com/office/drawing/2014/main" id="{CF61A1A6-3C26-C227-1002-9AAE67995531}"/>
+              </a:ext>
+            </a:extLst>
+          </p:cNvPr>
+          <p:cNvPicPr>
+            <a:picLocks noChangeAspect="1"/>
+          </p:cNvPicPr>
+          <p:nvPr/>
+        </p:nvPicPr>
+        <p:blipFill>
+          <a:blip r:embed="rId3"/>
+          <a:stretch>
+            <a:fillRect/>
+          </a:stretch>
+        </p:blipFill>
+        <p:spPr>
+          <a:xfrm>
+            <a:off x="547683" y="1434264"/>
+            <a:ext cx="7156257" cy="3989472"/>
+          </a:xfrm>
+          <a:prstGeom prst="roundRect">
+            <a:avLst>
+              <a:gd name="adj" fmla="val 4111"/>
+            </a:avLst>
+          </a:prstGeom>
+          <a:effectLst>
+            <a:outerShdw blurRad="50800" dist="38100" dir="2700000" algn="tl" rotWithShape="0">
+              <a:prstClr val="black">
+                <a:alpha val="40000"/>
+              </a:prstClr>
+            </a:outerShdw>
+          </a:effectLst>
+        </p:spPr>
+      </p:pic>
+      <p:pic>
+        <p:nvPicPr>
+          <p:cNvPr id="5" name="Google Shape;82;p3">
+            <a:extLst>
+              <a:ext uri="{FF2B5EF4-FFF2-40B4-BE49-F238E27FC236}">
+                <a16:creationId xmlns:a16="http://schemas.microsoft.com/office/drawing/2014/main" id="{A1F738FC-6003-9720-2EAB-6669984CA9EF}"/>
+              </a:ext>
+            </a:extLst>
+          </p:cNvPr>
+          <p:cNvPicPr preferRelativeResize="0"/>
+          <p:nvPr/>
+        </p:nvPicPr>
+        <p:blipFill>
+          <a:blip r:embed="rId4">
+            <a:alphaModFix/>
+          </a:blip>
+          <a:stretch>
+            <a:fillRect/>
+          </a:stretch>
+        </p:blipFill>
+        <p:spPr>
+          <a:xfrm>
+            <a:off x="8221279" y="2105772"/>
+            <a:ext cx="2957700" cy="2957700"/>
+          </a:xfrm>
+          <a:prstGeom prst="rect">
+            <a:avLst/>
+          </a:prstGeom>
+          <a:noFill/>
+          <a:ln>
+            <a:noFill/>
+          </a:ln>
+        </p:spPr>
+      </p:pic>
+      <p:sp>
+        <p:nvSpPr>
+          <p:cNvPr id="6" name="Google Shape;57;p1">
+            <a:extLst>
+              <a:ext uri="{FF2B5EF4-FFF2-40B4-BE49-F238E27FC236}">
+                <a16:creationId xmlns:a16="http://schemas.microsoft.com/office/drawing/2014/main" id="{26823859-924E-5011-EAA9-11E94B1491B6}"/>
+              </a:ext>
+            </a:extLst>
+          </p:cNvPr>
+          <p:cNvSpPr txBox="1"/>
+          <p:nvPr/>
+        </p:nvSpPr>
+        <p:spPr>
+          <a:xfrm>
+            <a:off x="8221279" y="1705572"/>
+            <a:ext cx="2957700" cy="400200"/>
+          </a:xfrm>
+          <a:prstGeom prst="rect">
+            <a:avLst/>
+          </a:prstGeom>
+          <a:noFill/>
+          <a:ln>
+            <a:noFill/>
+          </a:ln>
+        </p:spPr>
+        <p:txBody>
+          <a:bodyPr spcFirstLastPara="1" wrap="square" lIns="91425" tIns="91425" rIns="91425" bIns="91425" anchor="t" anchorCtr="0">
+            <a:noAutofit/>
+          </a:bodyPr>
+          <a:lstStyle/>
+          <a:p>
+            <a:pPr marL="0" lvl="0" indent="0" algn="ctr" rtl="0">
+              <a:spcBef>
+                <a:spcPts val="0"/>
+              </a:spcBef>
+              <a:spcAft>
+                <a:spcPts val="0"/>
+              </a:spcAft>
+              <a:buNone/>
+            </a:pPr>
+            <a:r>
+              <a:rPr lang="tr" sz="1600" u="sng" dirty="0">
+                <a:solidFill>
+                  <a:srgbClr val="292D32"/>
+                </a:solidFill>
+                <a:latin typeface="Poppins"/>
+                <a:ea typeface="Poppins"/>
+                <a:cs typeface="Poppins"/>
+                <a:sym typeface="Poppins"/>
+              </a:rPr>
+              <a:t>Watch the Video</a:t>
+            </a:r>
+            <a:endParaRPr sz="1600" u="sng" dirty="0">
+              <a:solidFill>
+                <a:srgbClr val="292D32"/>
+              </a:solidFill>
+              <a:latin typeface="Poppins"/>
+              <a:ea typeface="Poppins"/>
+              <a:cs typeface="Poppins"/>
+              <a:sym typeface="Poppins"/>
+            </a:endParaRPr>
+          </a:p>
+        </p:txBody>
+      </p:sp>
+      <p:pic>
+        <p:nvPicPr>
+          <p:cNvPr id="9" name="Picture 8" descr="A qr code with a few black squares&#10;&#10;Description automatically generated">
+            <a:extLst>
+              <a:ext uri="{FF2B5EF4-FFF2-40B4-BE49-F238E27FC236}">
+                <a16:creationId xmlns:a16="http://schemas.microsoft.com/office/drawing/2014/main" id="{EE2B2355-8BF5-8FC6-AEB9-FCA153DC7201}"/>
+              </a:ext>
+            </a:extLst>
+          </p:cNvPr>
+          <p:cNvPicPr>
+            <a:picLocks noChangeAspect="1"/>
+          </p:cNvPicPr>
+          <p:nvPr/>
+        </p:nvPicPr>
+        <p:blipFill>
+          <a:blip r:embed="rId5"/>
+          <a:stretch>
+            <a:fillRect/>
+          </a:stretch>
+        </p:blipFill>
+        <p:spPr>
+          <a:xfrm>
+            <a:off x="8420431" y="2305214"/>
+            <a:ext cx="2552369" cy="2552369"/>
+          </a:xfrm>
+          <a:prstGeom prst="roundRect">
+            <a:avLst>
+              <a:gd name="adj" fmla="val 8879"/>
+            </a:avLst>
+          </a:prstGeom>
+        </p:spPr>
+      </p:pic>
+    </p:spTree>
+    <p:extLst>
+      <p:ext uri="{BB962C8B-B14F-4D97-AF65-F5344CB8AC3E}">
+        <p14:creationId xmlns:p14="http://schemas.microsoft.com/office/powerpoint/2010/main" val="3102690770"/>
+      </p:ext>
+    </p:extLst>
+  </p:cSld>
+  <p:clrMapOvr>
+    <a:masterClrMapping/>
+  </p:clrMapOvr>
+</p:sld>
+</file>
+
+<file path=ppt/slides/slide14.xml><?xml version="1.0" encoding="utf-8"?>
+<p:sld xmlns:a="http://schemas.openxmlformats.org/drawingml/2006/main" xmlns:r="http://schemas.openxmlformats.org/officeDocument/2006/relationships" xmlns:p="http://schemas.openxmlformats.org/presentationml/2006/main">
+  <p:cSld>
+    <p:bg>
+      <p:bgPr>
+        <a:blipFill dpi="0" rotWithShape="1">
+          <a:blip r:embed="rId2">
+            <a:lum/>
+          </a:blip>
+          <a:srcRect/>
+          <a:stretch>
+            <a:fillRect/>
+          </a:stretch>
+        </a:blipFill>
+        <a:effectLst/>
+      </p:bgPr>
+    </p:bg>
+    <p:spTree>
+      <p:nvGrpSpPr>
+        <p:cNvPr id="1" name="">
+          <a:extLst>
+            <a:ext uri="{FF2B5EF4-FFF2-40B4-BE49-F238E27FC236}">
               <a16:creationId xmlns:a16="http://schemas.microsoft.com/office/drawing/2014/main" id="{2C17BB97-BCC9-574E-59F2-851978B4FE26}"/>
             </a:ext>
           </a:extLst>
@@ -7916,385 +8198,6 @@
   <p:clrMapOvr>
     <a:masterClrMapping/>
   </p:clrMapOvr>
-</p:sld>
-</file>
-
-<file path=ppt/slides/slide14.xml><?xml version="1.0" encoding="utf-8"?>
-<p:sld xmlns:a="http://schemas.openxmlformats.org/drawingml/2006/main" xmlns:r="http://schemas.openxmlformats.org/officeDocument/2006/relationships" xmlns:p="http://schemas.openxmlformats.org/presentationml/2006/main">
-  <p:cSld>
-    <p:bg>
-      <p:bgPr>
-        <a:blipFill dpi="0" rotWithShape="1">
-          <a:blip r:embed="rId2">
-            <a:lum/>
-          </a:blip>
-          <a:srcRect/>
-          <a:stretch>
-            <a:fillRect/>
-          </a:stretch>
-        </a:blipFill>
-        <a:effectLst/>
-      </p:bgPr>
-    </p:bg>
-    <p:spTree>
-      <p:nvGrpSpPr>
-        <p:cNvPr id="1" name="">
-          <a:extLst>
-            <a:ext uri="{FF2B5EF4-FFF2-40B4-BE49-F238E27FC236}">
-              <a16:creationId xmlns:a16="http://schemas.microsoft.com/office/drawing/2014/main" id="{C8E3D5E0-962E-4487-543F-7C5E722EF061}"/>
-            </a:ext>
-          </a:extLst>
-        </p:cNvPr>
-        <p:cNvGrpSpPr/>
-        <p:nvPr/>
-      </p:nvGrpSpPr>
-      <p:grpSpPr>
-        <a:xfrm>
-          <a:off x="0" y="0"/>
-          <a:ext cx="0" cy="0"/>
-          <a:chOff x="0" y="0"/>
-          <a:chExt cx="0" cy="0"/>
-        </a:xfrm>
-      </p:grpSpPr>
-      <p:sp>
-        <p:nvSpPr>
-          <p:cNvPr id="4" name="Metin kutusu 3">
-            <a:extLst>
-              <a:ext uri="{FF2B5EF4-FFF2-40B4-BE49-F238E27FC236}">
-                <a16:creationId xmlns:a16="http://schemas.microsoft.com/office/drawing/2014/main" id="{62C6074E-2065-4553-D3F8-9C9AD2320F4D}"/>
-              </a:ext>
-            </a:extLst>
-          </p:cNvPr>
-          <p:cNvSpPr txBox="1">
-            <a:spLocks/>
-          </p:cNvSpPr>
-          <p:nvPr/>
-        </p:nvSpPr>
-        <p:spPr>
-          <a:xfrm>
-            <a:off x="455849" y="407657"/>
-            <a:ext cx="11239965" cy="708763"/>
-          </a:xfrm>
-          <a:prstGeom prst="rect">
-            <a:avLst/>
-          </a:prstGeom>
-          <a:noFill/>
-        </p:spPr>
-        <p:txBody>
-          <a:bodyPr wrap="square" rtlCol="0">
-            <a:normAutofit/>
-          </a:bodyPr>
-          <a:lstStyle/>
-          <a:p>
-            <a:pPr marL="0" lvl="0" indent="0" algn="l" rtl="0">
-              <a:spcBef>
-                <a:spcPts val="0"/>
-              </a:spcBef>
-              <a:spcAft>
-                <a:spcPts val="0"/>
-              </a:spcAft>
-              <a:buNone/>
-            </a:pPr>
-            <a:r>
-              <a:rPr lang="tr-TR" sz="3600" b="1" dirty="0">
-                <a:solidFill>
-                  <a:srgbClr val="292D33"/>
-                </a:solidFill>
-                <a:latin typeface="Lexend"/>
-                <a:ea typeface="Lexend"/>
-                <a:cs typeface="Lexend"/>
-                <a:sym typeface="Lexend"/>
-              </a:rPr>
-              <a:t>TITLE</a:t>
-            </a:r>
-            <a:endParaRPr lang="tr-TR" sz="3600" dirty="0">
-              <a:solidFill>
-                <a:srgbClr val="292D33"/>
-              </a:solidFill>
-              <a:latin typeface="Lexend"/>
-              <a:ea typeface="Lexend"/>
-              <a:cs typeface="Lexend"/>
-              <a:sym typeface="Lexend"/>
-            </a:endParaRPr>
-          </a:p>
-        </p:txBody>
-      </p:sp>
-      <p:sp>
-        <p:nvSpPr>
-          <p:cNvPr id="14" name="Metin kutusu 13">
-            <a:extLst>
-              <a:ext uri="{FF2B5EF4-FFF2-40B4-BE49-F238E27FC236}">
-                <a16:creationId xmlns:a16="http://schemas.microsoft.com/office/drawing/2014/main" id="{8F4FF14A-193C-6D32-92D1-34339EEDF2F2}"/>
-              </a:ext>
-            </a:extLst>
-          </p:cNvPr>
-          <p:cNvSpPr txBox="1"/>
-          <p:nvPr/>
-        </p:nvSpPr>
-        <p:spPr>
-          <a:xfrm>
-            <a:off x="455846" y="1250909"/>
-            <a:ext cx="11239964" cy="4746130"/>
-          </a:xfrm>
-          <a:prstGeom prst="rect">
-            <a:avLst/>
-          </a:prstGeom>
-          <a:noFill/>
-        </p:spPr>
-        <p:txBody>
-          <a:bodyPr wrap="square" rtlCol="0">
-            <a:normAutofit/>
-          </a:bodyPr>
-          <a:lstStyle/>
-          <a:p>
-            <a:r>
-              <a:rPr lang="en-US" dirty="0">
-                <a:solidFill>
-                  <a:srgbClr val="5C6571"/>
-                </a:solidFill>
-                <a:latin typeface="Poppins" panose="00000500000000000000" pitchFamily="2" charset="-94"/>
-                <a:ea typeface="Poppins"/>
-                <a:cs typeface="Poppins" panose="00000500000000000000" pitchFamily="2" charset="-94"/>
-                <a:sym typeface="Poppins"/>
-              </a:rPr>
-              <a:t>Content</a:t>
-            </a:r>
-          </a:p>
-          <a:p>
-            <a:endParaRPr lang="en-US" dirty="0">
-              <a:solidFill>
-                <a:srgbClr val="5C6571"/>
-              </a:solidFill>
-              <a:latin typeface="Poppins" pitchFamily="2" charset="0"/>
-              <a:ea typeface="Poppins"/>
-              <a:cs typeface="Poppins" pitchFamily="2" charset="0"/>
-              <a:sym typeface="Poppins"/>
-            </a:endParaRPr>
-          </a:p>
-          <a:p>
-            <a:pPr marL="285750" indent="-285750">
-              <a:buFont typeface="Arial" panose="020B0604020202020204" pitchFamily="34" charset="0"/>
-              <a:buChar char="•"/>
-            </a:pPr>
-            <a:r>
-              <a:rPr lang="en-US" dirty="0">
-                <a:solidFill>
-                  <a:srgbClr val="5C6571"/>
-                </a:solidFill>
-                <a:latin typeface="Poppins" pitchFamily="2" charset="0"/>
-                <a:ea typeface="Poppins"/>
-                <a:cs typeface="Poppins" pitchFamily="2" charset="0"/>
-                <a:sym typeface="Poppins"/>
-              </a:rPr>
-              <a:t>1</a:t>
-            </a:r>
-          </a:p>
-          <a:p>
-            <a:pPr marL="285750" indent="-285750">
-              <a:buFont typeface="Arial" panose="020B0604020202020204" pitchFamily="34" charset="0"/>
-              <a:buChar char="•"/>
-            </a:pPr>
-            <a:r>
-              <a:rPr lang="en-US" dirty="0">
-                <a:solidFill>
-                  <a:srgbClr val="5C6571"/>
-                </a:solidFill>
-                <a:latin typeface="Poppins" pitchFamily="2" charset="0"/>
-                <a:ea typeface="Poppins"/>
-                <a:cs typeface="Poppins" pitchFamily="2" charset="0"/>
-                <a:sym typeface="Poppins"/>
-              </a:rPr>
-              <a:t>2</a:t>
-            </a:r>
-          </a:p>
-          <a:p>
-            <a:pPr marL="742950" lvl="1" indent="-285750">
-              <a:buFont typeface="Arial" panose="020B0604020202020204" pitchFamily="34" charset="0"/>
-              <a:buChar char="•"/>
-            </a:pPr>
-            <a:r>
-              <a:rPr lang="en-US" dirty="0">
-                <a:solidFill>
-                  <a:srgbClr val="5C6571"/>
-                </a:solidFill>
-                <a:latin typeface="Poppins" pitchFamily="2" charset="0"/>
-                <a:ea typeface="Poppins"/>
-                <a:cs typeface="Poppins" pitchFamily="2" charset="0"/>
-                <a:sym typeface="Poppins"/>
-              </a:rPr>
-              <a:t>2.1</a:t>
-            </a:r>
-          </a:p>
-          <a:p>
-            <a:pPr marL="742950" lvl="1" indent="-285750">
-              <a:buFont typeface="Arial" panose="020B0604020202020204" pitchFamily="34" charset="0"/>
-              <a:buChar char="•"/>
-            </a:pPr>
-            <a:r>
-              <a:rPr lang="en-US" dirty="0">
-                <a:solidFill>
-                  <a:srgbClr val="5C6571"/>
-                </a:solidFill>
-                <a:latin typeface="Poppins" pitchFamily="2" charset="0"/>
-                <a:ea typeface="Poppins"/>
-                <a:cs typeface="Poppins" pitchFamily="2" charset="0"/>
-                <a:sym typeface="Poppins"/>
-              </a:rPr>
-              <a:t>2.2</a:t>
-            </a:r>
-            <a:endParaRPr lang="tr-TR" dirty="0">
-              <a:solidFill>
-                <a:srgbClr val="5C6571"/>
-              </a:solidFill>
-              <a:latin typeface="Poppins" pitchFamily="2" charset="0"/>
-              <a:ea typeface="Poppins"/>
-              <a:cs typeface="Poppins" pitchFamily="2" charset="0"/>
-              <a:sym typeface="Poppins"/>
-            </a:endParaRPr>
-          </a:p>
-          <a:p>
-            <a:pPr marL="1200150" lvl="2" indent="-285750">
-              <a:buFont typeface="Arial" panose="020B0604020202020204" pitchFamily="34" charset="0"/>
-              <a:buChar char="•"/>
-            </a:pPr>
-            <a:r>
-              <a:rPr lang="tr-TR" dirty="0">
-                <a:solidFill>
-                  <a:srgbClr val="5C6571"/>
-                </a:solidFill>
-                <a:latin typeface="Poppins" pitchFamily="2" charset="0"/>
-                <a:ea typeface="Poppins"/>
-                <a:cs typeface="Poppins" pitchFamily="2" charset="0"/>
-                <a:sym typeface="Poppins"/>
-              </a:rPr>
-              <a:t>2.2.1</a:t>
-            </a:r>
-          </a:p>
-          <a:p>
-            <a:pPr marL="1200150" lvl="2" indent="-285750">
-              <a:buFont typeface="Arial" panose="020B0604020202020204" pitchFamily="34" charset="0"/>
-              <a:buChar char="•"/>
-            </a:pPr>
-            <a:r>
-              <a:rPr lang="tr-TR" dirty="0">
-                <a:solidFill>
-                  <a:srgbClr val="5C6571"/>
-                </a:solidFill>
-                <a:latin typeface="Poppins" pitchFamily="2" charset="0"/>
-                <a:ea typeface="Poppins"/>
-                <a:cs typeface="Poppins" pitchFamily="2" charset="0"/>
-                <a:sym typeface="Poppins"/>
-              </a:rPr>
-              <a:t>2.2.2</a:t>
-            </a:r>
-            <a:endParaRPr lang="en-US" dirty="0">
-              <a:solidFill>
-                <a:srgbClr val="5C6571"/>
-              </a:solidFill>
-              <a:latin typeface="Poppins SemiBold" pitchFamily="2" charset="0"/>
-              <a:ea typeface="Poppins"/>
-              <a:cs typeface="Poppins SemiBold" pitchFamily="2" charset="0"/>
-              <a:sym typeface="Poppins"/>
-            </a:endParaRPr>
-          </a:p>
-        </p:txBody>
-      </p:sp>
-    </p:spTree>
-    <p:extLst>
-      <p:ext uri="{BB962C8B-B14F-4D97-AF65-F5344CB8AC3E}">
-        <p14:creationId xmlns:p14="http://schemas.microsoft.com/office/powerpoint/2010/main" val="3102690770"/>
-      </p:ext>
-    </p:extLst>
-  </p:cSld>
-  <p:clrMapOvr>
-    <a:masterClrMapping/>
-  </p:clrMapOvr>
-  <p:timing>
-    <p:tnLst>
-      <p:par>
-        <p:cTn id="1" dur="indefinite" restart="never" nodeType="tmRoot">
-          <p:childTnLst>
-            <p:seq concurrent="1" nextAc="seek">
-              <p:cTn id="2" dur="indefinite" nodeType="mainSeq">
-                <p:childTnLst>
-                  <p:par>
-                    <p:cTn id="3" fill="hold">
-                      <p:stCondLst>
-                        <p:cond delay="indefinite"/>
-                      </p:stCondLst>
-                      <p:childTnLst>
-                        <p:par>
-                          <p:cTn id="4" fill="hold">
-                            <p:stCondLst>
-                              <p:cond delay="0"/>
-                            </p:stCondLst>
-                            <p:childTnLst>
-                              <p:par>
-                                <p:cTn id="5" presetID="10" presetClass="entr" presetSubtype="0" fill="hold" grpId="0" nodeType="clickEffect">
-                                  <p:stCondLst>
-                                    <p:cond delay="0"/>
-                                  </p:stCondLst>
-                                  <p:childTnLst>
-                                    <p:set>
-                                      <p:cBhvr>
-                                        <p:cTn id="6" dur="1" fill="hold">
-                                          <p:stCondLst>
-                                            <p:cond delay="0"/>
-                                          </p:stCondLst>
-                                        </p:cTn>
-                                        <p:tgtEl>
-                                          <p:spTgt spid="14"/>
-                                        </p:tgtEl>
-                                        <p:attrNameLst>
-                                          <p:attrName>style.visibility</p:attrName>
-                                        </p:attrNameLst>
-                                      </p:cBhvr>
-                                      <p:to>
-                                        <p:strVal val="visible"/>
-                                      </p:to>
-                                    </p:set>
-                                    <p:animEffect transition="in" filter="fade">
-                                      <p:cBhvr>
-                                        <p:cTn id="7" dur="500"/>
-                                        <p:tgtEl>
-                                          <p:spTgt spid="14"/>
-                                        </p:tgtEl>
-                                      </p:cBhvr>
-                                    </p:animEffect>
-                                  </p:childTnLst>
-                                </p:cTn>
-                              </p:par>
-                            </p:childTnLst>
-                          </p:cTn>
-                        </p:par>
-                      </p:childTnLst>
-                    </p:cTn>
-                  </p:par>
-                </p:childTnLst>
-              </p:cTn>
-              <p:prevCondLst>
-                <p:cond evt="onPrev" delay="0">
-                  <p:tgtEl>
-                    <p:sldTgt/>
-                  </p:tgtEl>
-                </p:cond>
-              </p:prevCondLst>
-              <p:nextCondLst>
-                <p:cond evt="onNext" delay="0">
-                  <p:tgtEl>
-                    <p:sldTgt/>
-                  </p:tgtEl>
-                </p:cond>
-              </p:nextCondLst>
-            </p:seq>
-          </p:childTnLst>
-        </p:cTn>
-      </p:par>
-    </p:tnLst>
-    <p:bldLst>
-      <p:bldP spid="14" grpId="0"/>
-    </p:bldLst>
-  </p:timing>
 </p:sld>
 </file>
 
